--- a/Reports/3-Level NPC Inverter Structure.pptx
+++ b/Reports/3-Level NPC Inverter Structure.pptx
@@ -106,6 +106,11 @@
       </a:defRPr>
     </a:lvl9pPr>
   </p:defaultTextStyle>
+  <p:extLst>
+    <p:ext uri="{EFAFB233-063F-42B5-8137-9DF3F51BA10A}">
+      <p15:sldGuideLst xmlns:p15="http://schemas.microsoft.com/office/powerpoint/2012/main"/>
+    </p:ext>
+  </p:extLst>
 </p:presentation>
 </file>
 
@@ -258,7 +263,7 @@
           <a:p>
             <a:fld id="{69002B11-2462-4824-BA85-40F0AE5821C0}" type="datetimeFigureOut">
               <a:rPr lang="tr-TR" smtClean="0"/>
-              <a:t>4.03.2024</a:t>
+              <a:t>10.03.2024</a:t>
             </a:fld>
             <a:endParaRPr lang="tr-TR"/>
           </a:p>
@@ -458,7 +463,7 @@
           <a:p>
             <a:fld id="{69002B11-2462-4824-BA85-40F0AE5821C0}" type="datetimeFigureOut">
               <a:rPr lang="tr-TR" smtClean="0"/>
-              <a:t>4.03.2024</a:t>
+              <a:t>10.03.2024</a:t>
             </a:fld>
             <a:endParaRPr lang="tr-TR"/>
           </a:p>
@@ -668,7 +673,7 @@
           <a:p>
             <a:fld id="{69002B11-2462-4824-BA85-40F0AE5821C0}" type="datetimeFigureOut">
               <a:rPr lang="tr-TR" smtClean="0"/>
-              <a:t>4.03.2024</a:t>
+              <a:t>10.03.2024</a:t>
             </a:fld>
             <a:endParaRPr lang="tr-TR"/>
           </a:p>
@@ -868,7 +873,7 @@
           <a:p>
             <a:fld id="{69002B11-2462-4824-BA85-40F0AE5821C0}" type="datetimeFigureOut">
               <a:rPr lang="tr-TR" smtClean="0"/>
-              <a:t>4.03.2024</a:t>
+              <a:t>10.03.2024</a:t>
             </a:fld>
             <a:endParaRPr lang="tr-TR"/>
           </a:p>
@@ -1144,7 +1149,7 @@
           <a:p>
             <a:fld id="{69002B11-2462-4824-BA85-40F0AE5821C0}" type="datetimeFigureOut">
               <a:rPr lang="tr-TR" smtClean="0"/>
-              <a:t>4.03.2024</a:t>
+              <a:t>10.03.2024</a:t>
             </a:fld>
             <a:endParaRPr lang="tr-TR"/>
           </a:p>
@@ -1412,7 +1417,7 @@
           <a:p>
             <a:fld id="{69002B11-2462-4824-BA85-40F0AE5821C0}" type="datetimeFigureOut">
               <a:rPr lang="tr-TR" smtClean="0"/>
-              <a:t>4.03.2024</a:t>
+              <a:t>10.03.2024</a:t>
             </a:fld>
             <a:endParaRPr lang="tr-TR"/>
           </a:p>
@@ -1827,7 +1832,7 @@
           <a:p>
             <a:fld id="{69002B11-2462-4824-BA85-40F0AE5821C0}" type="datetimeFigureOut">
               <a:rPr lang="tr-TR" smtClean="0"/>
-              <a:t>4.03.2024</a:t>
+              <a:t>10.03.2024</a:t>
             </a:fld>
             <a:endParaRPr lang="tr-TR"/>
           </a:p>
@@ -1969,7 +1974,7 @@
           <a:p>
             <a:fld id="{69002B11-2462-4824-BA85-40F0AE5821C0}" type="datetimeFigureOut">
               <a:rPr lang="tr-TR" smtClean="0"/>
-              <a:t>4.03.2024</a:t>
+              <a:t>10.03.2024</a:t>
             </a:fld>
             <a:endParaRPr lang="tr-TR"/>
           </a:p>
@@ -2082,7 +2087,7 @@
           <a:p>
             <a:fld id="{69002B11-2462-4824-BA85-40F0AE5821C0}" type="datetimeFigureOut">
               <a:rPr lang="tr-TR" smtClean="0"/>
-              <a:t>4.03.2024</a:t>
+              <a:t>10.03.2024</a:t>
             </a:fld>
             <a:endParaRPr lang="tr-TR"/>
           </a:p>
@@ -2395,7 +2400,7 @@
           <a:p>
             <a:fld id="{69002B11-2462-4824-BA85-40F0AE5821C0}" type="datetimeFigureOut">
               <a:rPr lang="tr-TR" smtClean="0"/>
-              <a:t>4.03.2024</a:t>
+              <a:t>10.03.2024</a:t>
             </a:fld>
             <a:endParaRPr lang="tr-TR"/>
           </a:p>
@@ -2684,7 +2689,7 @@
           <a:p>
             <a:fld id="{69002B11-2462-4824-BA85-40F0AE5821C0}" type="datetimeFigureOut">
               <a:rPr lang="tr-TR" smtClean="0"/>
-              <a:t>4.03.2024</a:t>
+              <a:t>10.03.2024</a:t>
             </a:fld>
             <a:endParaRPr lang="tr-TR"/>
           </a:p>
@@ -2927,7 +2932,7 @@
           <a:p>
             <a:fld id="{69002B11-2462-4824-BA85-40F0AE5821C0}" type="datetimeFigureOut">
               <a:rPr lang="tr-TR" smtClean="0"/>
-              <a:t>4.03.2024</a:t>
+              <a:t>10.03.2024</a:t>
             </a:fld>
             <a:endParaRPr lang="tr-TR"/>
           </a:p>
@@ -3643,7 +3648,11 @@
           <a:bodyPr/>
           <a:lstStyle/>
           <a:p>
-            <a:endParaRPr lang="tr-TR"/>
+            <a:r>
+              <a:rPr lang="en-US" dirty="0"/>
+              <a:t>Sinusoidal PWM</a:t>
+            </a:r>
+            <a:endParaRPr lang="tr-TR" dirty="0"/>
           </a:p>
         </p:txBody>
       </p:sp>

--- a/Reports/3-Level NPC Inverter Structure.pptx
+++ b/Reports/3-Level NPC Inverter Structure.pptx
@@ -8,6 +8,7 @@
     <p:sldId id="256" r:id="rId2"/>
     <p:sldId id="257" r:id="rId3"/>
     <p:sldId id="258" r:id="rId4"/>
+    <p:sldId id="259" r:id="rId5"/>
   </p:sldIdLst>
   <p:sldSz cx="12192000" cy="6858000"/>
   <p:notesSz cx="6858000" cy="9144000"/>
@@ -263,7 +264,7 @@
           <a:p>
             <a:fld id="{69002B11-2462-4824-BA85-40F0AE5821C0}" type="datetimeFigureOut">
               <a:rPr lang="tr-TR" smtClean="0"/>
-              <a:t>10.03.2024</a:t>
+              <a:t>12.03.2024</a:t>
             </a:fld>
             <a:endParaRPr lang="tr-TR"/>
           </a:p>
@@ -463,7 +464,7 @@
           <a:p>
             <a:fld id="{69002B11-2462-4824-BA85-40F0AE5821C0}" type="datetimeFigureOut">
               <a:rPr lang="tr-TR" smtClean="0"/>
-              <a:t>10.03.2024</a:t>
+              <a:t>12.03.2024</a:t>
             </a:fld>
             <a:endParaRPr lang="tr-TR"/>
           </a:p>
@@ -673,7 +674,7 @@
           <a:p>
             <a:fld id="{69002B11-2462-4824-BA85-40F0AE5821C0}" type="datetimeFigureOut">
               <a:rPr lang="tr-TR" smtClean="0"/>
-              <a:t>10.03.2024</a:t>
+              <a:t>12.03.2024</a:t>
             </a:fld>
             <a:endParaRPr lang="tr-TR"/>
           </a:p>
@@ -873,7 +874,7 @@
           <a:p>
             <a:fld id="{69002B11-2462-4824-BA85-40F0AE5821C0}" type="datetimeFigureOut">
               <a:rPr lang="tr-TR" smtClean="0"/>
-              <a:t>10.03.2024</a:t>
+              <a:t>12.03.2024</a:t>
             </a:fld>
             <a:endParaRPr lang="tr-TR"/>
           </a:p>
@@ -1149,7 +1150,7 @@
           <a:p>
             <a:fld id="{69002B11-2462-4824-BA85-40F0AE5821C0}" type="datetimeFigureOut">
               <a:rPr lang="tr-TR" smtClean="0"/>
-              <a:t>10.03.2024</a:t>
+              <a:t>12.03.2024</a:t>
             </a:fld>
             <a:endParaRPr lang="tr-TR"/>
           </a:p>
@@ -1417,7 +1418,7 @@
           <a:p>
             <a:fld id="{69002B11-2462-4824-BA85-40F0AE5821C0}" type="datetimeFigureOut">
               <a:rPr lang="tr-TR" smtClean="0"/>
-              <a:t>10.03.2024</a:t>
+              <a:t>12.03.2024</a:t>
             </a:fld>
             <a:endParaRPr lang="tr-TR"/>
           </a:p>
@@ -1832,7 +1833,7 @@
           <a:p>
             <a:fld id="{69002B11-2462-4824-BA85-40F0AE5821C0}" type="datetimeFigureOut">
               <a:rPr lang="tr-TR" smtClean="0"/>
-              <a:t>10.03.2024</a:t>
+              <a:t>12.03.2024</a:t>
             </a:fld>
             <a:endParaRPr lang="tr-TR"/>
           </a:p>
@@ -1974,7 +1975,7 @@
           <a:p>
             <a:fld id="{69002B11-2462-4824-BA85-40F0AE5821C0}" type="datetimeFigureOut">
               <a:rPr lang="tr-TR" smtClean="0"/>
-              <a:t>10.03.2024</a:t>
+              <a:t>12.03.2024</a:t>
             </a:fld>
             <a:endParaRPr lang="tr-TR"/>
           </a:p>
@@ -2087,7 +2088,7 @@
           <a:p>
             <a:fld id="{69002B11-2462-4824-BA85-40F0AE5821C0}" type="datetimeFigureOut">
               <a:rPr lang="tr-TR" smtClean="0"/>
-              <a:t>10.03.2024</a:t>
+              <a:t>12.03.2024</a:t>
             </a:fld>
             <a:endParaRPr lang="tr-TR"/>
           </a:p>
@@ -2400,7 +2401,7 @@
           <a:p>
             <a:fld id="{69002B11-2462-4824-BA85-40F0AE5821C0}" type="datetimeFigureOut">
               <a:rPr lang="tr-TR" smtClean="0"/>
-              <a:t>10.03.2024</a:t>
+              <a:t>12.03.2024</a:t>
             </a:fld>
             <a:endParaRPr lang="tr-TR"/>
           </a:p>
@@ -2689,7 +2690,7 @@
           <a:p>
             <a:fld id="{69002B11-2462-4824-BA85-40F0AE5821C0}" type="datetimeFigureOut">
               <a:rPr lang="tr-TR" smtClean="0"/>
-              <a:t>10.03.2024</a:t>
+              <a:t>12.03.2024</a:t>
             </a:fld>
             <a:endParaRPr lang="tr-TR"/>
           </a:p>
@@ -2932,7 +2933,7 @@
           <a:p>
             <a:fld id="{69002B11-2462-4824-BA85-40F0AE5821C0}" type="datetimeFigureOut">
               <a:rPr lang="tr-TR" smtClean="0"/>
-              <a:t>10.03.2024</a:t>
+              <a:t>12.03.2024</a:t>
             </a:fld>
             <a:endParaRPr lang="tr-TR"/>
           </a:p>
@@ -3677,14 +3678,231 @@
           <a:bodyPr/>
           <a:lstStyle/>
           <a:p>
-            <a:endParaRPr lang="tr-TR"/>
-          </a:p>
-        </p:txBody>
-      </p:sp>
+            <a:r>
+              <a:rPr lang="tr-TR" dirty="0" err="1"/>
+              <a:t>Phase</a:t>
+            </a:r>
+            <a:r>
+              <a:rPr lang="tr-TR" dirty="0"/>
+              <a:t> </a:t>
+            </a:r>
+            <a:r>
+              <a:rPr lang="tr-TR" dirty="0" err="1"/>
+              <a:t>voltages</a:t>
+            </a:r>
+            <a:r>
+              <a:rPr lang="tr-TR" dirty="0"/>
+              <a:t> (</a:t>
+            </a:r>
+            <a:r>
+              <a:rPr lang="tr-TR" dirty="0" err="1"/>
+              <a:t>reference</a:t>
+            </a:r>
+            <a:r>
+              <a:rPr lang="tr-TR" dirty="0"/>
+              <a:t> </a:t>
+            </a:r>
+            <a:r>
+              <a:rPr lang="tr-TR" dirty="0" err="1"/>
+              <a:t>signals</a:t>
+            </a:r>
+            <a:r>
+              <a:rPr lang="tr-TR"/>
+              <a:t>);</a:t>
+            </a:r>
+            <a:endParaRPr lang="tr-TR" dirty="0"/>
+          </a:p>
+          <a:p>
+            <a:endParaRPr lang="tr-TR" dirty="0"/>
+          </a:p>
+          <a:p>
+            <a:endParaRPr lang="tr-TR" dirty="0"/>
+          </a:p>
+          <a:p>
+            <a:endParaRPr lang="tr-TR" dirty="0"/>
+          </a:p>
+          <a:p>
+            <a:pPr marL="0" indent="0">
+              <a:buNone/>
+            </a:pPr>
+            <a:endParaRPr lang="tr-TR" dirty="0"/>
+          </a:p>
+          <a:p>
+            <a:r>
+              <a:rPr lang="tr-TR" dirty="0" err="1"/>
+              <a:t>Two</a:t>
+            </a:r>
+            <a:r>
+              <a:rPr lang="tr-TR" dirty="0"/>
+              <a:t> </a:t>
+            </a:r>
+            <a:r>
+              <a:rPr lang="tr-TR" dirty="0" err="1"/>
+              <a:t>triangular</a:t>
+            </a:r>
+            <a:r>
+              <a:rPr lang="tr-TR" dirty="0"/>
+              <a:t> </a:t>
+            </a:r>
+            <a:r>
+              <a:rPr lang="tr-TR" dirty="0" err="1"/>
+              <a:t>carrier</a:t>
+            </a:r>
+            <a:r>
+              <a:rPr lang="tr-TR" dirty="0"/>
+              <a:t> </a:t>
+            </a:r>
+            <a:r>
+              <a:rPr lang="tr-TR" dirty="0" err="1"/>
+              <a:t>signal</a:t>
+            </a:r>
+            <a:r>
+              <a:rPr lang="tr-TR" dirty="0"/>
+              <a:t> [0,Vdc/2] &amp; [-</a:t>
+            </a:r>
+            <a:r>
+              <a:rPr lang="tr-TR" dirty="0" err="1"/>
+              <a:t>Vdc</a:t>
+            </a:r>
+            <a:r>
+              <a:rPr lang="tr-TR" dirty="0"/>
+              <a:t>\2,0]</a:t>
+            </a:r>
+          </a:p>
+          <a:p>
+            <a:endParaRPr lang="tr-TR" dirty="0"/>
+          </a:p>
+          <a:p>
+            <a:endParaRPr lang="tr-TR" dirty="0"/>
+          </a:p>
+        </p:txBody>
+      </p:sp>
+      <p:pic>
+        <p:nvPicPr>
+          <p:cNvPr id="5" name="Picture 4" descr="mi: modulation index, w: electrical angular frequency ">
+            <a:extLst>
+              <a:ext uri="{FF2B5EF4-FFF2-40B4-BE49-F238E27FC236}">
+                <a16:creationId xmlns:a16="http://schemas.microsoft.com/office/drawing/2014/main" id="{359024F5-BE08-CEAB-6DB6-51684FDA23FA}"/>
+              </a:ext>
+              <a:ext uri="{C183D7F6-B498-43B3-948B-1728B52AA6E4}">
+                <adec:decorative xmlns:adec="http://schemas.microsoft.com/office/drawing/2017/decorative" val="0"/>
+              </a:ext>
+            </a:extLst>
+          </p:cNvPr>
+          <p:cNvPicPr>
+            <a:picLocks noChangeAspect="1"/>
+          </p:cNvPicPr>
+          <p:nvPr/>
+        </p:nvPicPr>
+        <p:blipFill>
+          <a:blip r:embed="rId2">
+            <a:extLst>
+              <a:ext uri="{28A0092B-C50C-407E-A947-70E740481C1C}">
+                <a14:useLocalDpi xmlns:a14="http://schemas.microsoft.com/office/drawing/2010/main" val="0"/>
+              </a:ext>
+            </a:extLst>
+          </a:blip>
+          <a:stretch>
+            <a:fillRect/>
+          </a:stretch>
+        </p:blipFill>
+        <p:spPr>
+          <a:xfrm>
+            <a:off x="1107818" y="2292007"/>
+            <a:ext cx="2994626" cy="2031207"/>
+          </a:xfrm>
+          <a:prstGeom prst="rect">
+            <a:avLst/>
+          </a:prstGeom>
+        </p:spPr>
+      </p:pic>
     </p:spTree>
     <p:extLst>
       <p:ext uri="{BB962C8B-B14F-4D97-AF65-F5344CB8AC3E}">
         <p14:creationId xmlns:p14="http://schemas.microsoft.com/office/powerpoint/2010/main" val="1479536515"/>
+      </p:ext>
+    </p:extLst>
+  </p:cSld>
+  <p:clrMapOvr>
+    <a:masterClrMapping/>
+  </p:clrMapOvr>
+</p:sld>
+</file>
+
+<file path=ppt/slides/slide4.xml><?xml version="1.0" encoding="utf-8"?>
+<p:sld xmlns:a="http://schemas.openxmlformats.org/drawingml/2006/main" xmlns:r="http://schemas.openxmlformats.org/officeDocument/2006/relationships" xmlns:p="http://schemas.openxmlformats.org/presentationml/2006/main">
+  <p:cSld>
+    <p:spTree>
+      <p:nvGrpSpPr>
+        <p:cNvPr id="1" name=""/>
+        <p:cNvGrpSpPr/>
+        <p:nvPr/>
+      </p:nvGrpSpPr>
+      <p:grpSpPr>
+        <a:xfrm>
+          <a:off x="0" y="0"/>
+          <a:ext cx="0" cy="0"/>
+          <a:chOff x="0" y="0"/>
+          <a:chExt cx="0" cy="0"/>
+        </a:xfrm>
+      </p:grpSpPr>
+      <p:sp>
+        <p:nvSpPr>
+          <p:cNvPr id="2" name="Title 1">
+            <a:extLst>
+              <a:ext uri="{FF2B5EF4-FFF2-40B4-BE49-F238E27FC236}">
+                <a16:creationId xmlns:a16="http://schemas.microsoft.com/office/drawing/2014/main" id="{2FED4588-AC81-237B-6066-D3F407FE7A32}"/>
+              </a:ext>
+            </a:extLst>
+          </p:cNvPr>
+          <p:cNvSpPr>
+            <a:spLocks noGrp="1"/>
+          </p:cNvSpPr>
+          <p:nvPr>
+            <p:ph type="title"/>
+          </p:nvPr>
+        </p:nvSpPr>
+        <p:spPr/>
+        <p:txBody>
+          <a:bodyPr/>
+          <a:lstStyle/>
+          <a:p>
+            <a:r>
+              <a:rPr lang="en-TR" dirty="0"/>
+              <a:t>SVPWM</a:t>
+            </a:r>
+          </a:p>
+        </p:txBody>
+      </p:sp>
+      <p:sp>
+        <p:nvSpPr>
+          <p:cNvPr id="3" name="Content Placeholder 2">
+            <a:extLst>
+              <a:ext uri="{FF2B5EF4-FFF2-40B4-BE49-F238E27FC236}">
+                <a16:creationId xmlns:a16="http://schemas.microsoft.com/office/drawing/2014/main" id="{524F3DAA-2664-C89B-56BB-8EE5490C7324}"/>
+              </a:ext>
+            </a:extLst>
+          </p:cNvPr>
+          <p:cNvSpPr>
+            <a:spLocks noGrp="1"/>
+          </p:cNvSpPr>
+          <p:nvPr>
+            <p:ph idx="1"/>
+          </p:nvPr>
+        </p:nvSpPr>
+        <p:spPr/>
+        <p:txBody>
+          <a:bodyPr/>
+          <a:lstStyle/>
+          <a:p>
+            <a:endParaRPr lang="en-TR"/>
+          </a:p>
+        </p:txBody>
+      </p:sp>
+    </p:spTree>
+    <p:extLst>
+      <p:ext uri="{BB962C8B-B14F-4D97-AF65-F5344CB8AC3E}">
+        <p14:creationId xmlns:p14="http://schemas.microsoft.com/office/powerpoint/2010/main" val="2732332473"/>
       </p:ext>
     </p:extLst>
   </p:cSld>

--- a/Reports/3-Level NPC Inverter Structure.pptx
+++ b/Reports/3-Level NPC Inverter Structure.pptx
@@ -8,7 +8,9 @@
     <p:sldId id="256" r:id="rId2"/>
     <p:sldId id="257" r:id="rId3"/>
     <p:sldId id="258" r:id="rId4"/>
-    <p:sldId id="259" r:id="rId5"/>
+    <p:sldId id="260" r:id="rId5"/>
+    <p:sldId id="261" r:id="rId6"/>
+    <p:sldId id="259" r:id="rId7"/>
   </p:sldIdLst>
   <p:sldSz cx="12192000" cy="6858000"/>
   <p:notesSz cx="6858000" cy="9144000"/>
@@ -264,7 +266,7 @@
           <a:p>
             <a:fld id="{69002B11-2462-4824-BA85-40F0AE5821C0}" type="datetimeFigureOut">
               <a:rPr lang="tr-TR" smtClean="0"/>
-              <a:t>12.03.2024</a:t>
+              <a:t>13.03.2024</a:t>
             </a:fld>
             <a:endParaRPr lang="tr-TR"/>
           </a:p>
@@ -464,7 +466,7 @@
           <a:p>
             <a:fld id="{69002B11-2462-4824-BA85-40F0AE5821C0}" type="datetimeFigureOut">
               <a:rPr lang="tr-TR" smtClean="0"/>
-              <a:t>12.03.2024</a:t>
+              <a:t>13.03.2024</a:t>
             </a:fld>
             <a:endParaRPr lang="tr-TR"/>
           </a:p>
@@ -674,7 +676,7 @@
           <a:p>
             <a:fld id="{69002B11-2462-4824-BA85-40F0AE5821C0}" type="datetimeFigureOut">
               <a:rPr lang="tr-TR" smtClean="0"/>
-              <a:t>12.03.2024</a:t>
+              <a:t>13.03.2024</a:t>
             </a:fld>
             <a:endParaRPr lang="tr-TR"/>
           </a:p>
@@ -874,7 +876,7 @@
           <a:p>
             <a:fld id="{69002B11-2462-4824-BA85-40F0AE5821C0}" type="datetimeFigureOut">
               <a:rPr lang="tr-TR" smtClean="0"/>
-              <a:t>12.03.2024</a:t>
+              <a:t>13.03.2024</a:t>
             </a:fld>
             <a:endParaRPr lang="tr-TR"/>
           </a:p>
@@ -1150,7 +1152,7 @@
           <a:p>
             <a:fld id="{69002B11-2462-4824-BA85-40F0AE5821C0}" type="datetimeFigureOut">
               <a:rPr lang="tr-TR" smtClean="0"/>
-              <a:t>12.03.2024</a:t>
+              <a:t>13.03.2024</a:t>
             </a:fld>
             <a:endParaRPr lang="tr-TR"/>
           </a:p>
@@ -1418,7 +1420,7 @@
           <a:p>
             <a:fld id="{69002B11-2462-4824-BA85-40F0AE5821C0}" type="datetimeFigureOut">
               <a:rPr lang="tr-TR" smtClean="0"/>
-              <a:t>12.03.2024</a:t>
+              <a:t>13.03.2024</a:t>
             </a:fld>
             <a:endParaRPr lang="tr-TR"/>
           </a:p>
@@ -1833,7 +1835,7 @@
           <a:p>
             <a:fld id="{69002B11-2462-4824-BA85-40F0AE5821C0}" type="datetimeFigureOut">
               <a:rPr lang="tr-TR" smtClean="0"/>
-              <a:t>12.03.2024</a:t>
+              <a:t>13.03.2024</a:t>
             </a:fld>
             <a:endParaRPr lang="tr-TR"/>
           </a:p>
@@ -1975,7 +1977,7 @@
           <a:p>
             <a:fld id="{69002B11-2462-4824-BA85-40F0AE5821C0}" type="datetimeFigureOut">
               <a:rPr lang="tr-TR" smtClean="0"/>
-              <a:t>12.03.2024</a:t>
+              <a:t>13.03.2024</a:t>
             </a:fld>
             <a:endParaRPr lang="tr-TR"/>
           </a:p>
@@ -2088,7 +2090,7 @@
           <a:p>
             <a:fld id="{69002B11-2462-4824-BA85-40F0AE5821C0}" type="datetimeFigureOut">
               <a:rPr lang="tr-TR" smtClean="0"/>
-              <a:t>12.03.2024</a:t>
+              <a:t>13.03.2024</a:t>
             </a:fld>
             <a:endParaRPr lang="tr-TR"/>
           </a:p>
@@ -2401,7 +2403,7 @@
           <a:p>
             <a:fld id="{69002B11-2462-4824-BA85-40F0AE5821C0}" type="datetimeFigureOut">
               <a:rPr lang="tr-TR" smtClean="0"/>
-              <a:t>12.03.2024</a:t>
+              <a:t>13.03.2024</a:t>
             </a:fld>
             <a:endParaRPr lang="tr-TR"/>
           </a:p>
@@ -2690,7 +2692,7 @@
           <a:p>
             <a:fld id="{69002B11-2462-4824-BA85-40F0AE5821C0}" type="datetimeFigureOut">
               <a:rPr lang="tr-TR" smtClean="0"/>
-              <a:t>12.03.2024</a:t>
+              <a:t>13.03.2024</a:t>
             </a:fld>
             <a:endParaRPr lang="tr-TR"/>
           </a:p>
@@ -2933,7 +2935,7 @@
           <a:p>
             <a:fld id="{69002B11-2462-4824-BA85-40F0AE5821C0}" type="datetimeFigureOut">
               <a:rPr lang="tr-TR" smtClean="0"/>
-              <a:t>12.03.2024</a:t>
+              <a:t>13.03.2024</a:t>
             </a:fld>
             <a:endParaRPr lang="tr-TR"/>
           </a:p>
@@ -3679,38 +3681,9 @@
           <a:lstStyle/>
           <a:p>
             <a:r>
-              <a:rPr lang="tr-TR" dirty="0" err="1"/>
-              <a:t>Phase</a:t>
-            </a:r>
-            <a:r>
               <a:rPr lang="tr-TR" dirty="0"/>
-              <a:t> </a:t>
-            </a:r>
-            <a:r>
-              <a:rPr lang="tr-TR" dirty="0" err="1"/>
-              <a:t>voltages</a:t>
-            </a:r>
-            <a:r>
-              <a:rPr lang="tr-TR" dirty="0"/>
-              <a:t> (</a:t>
-            </a:r>
-            <a:r>
-              <a:rPr lang="tr-TR" dirty="0" err="1"/>
-              <a:t>reference</a:t>
-            </a:r>
-            <a:r>
-              <a:rPr lang="tr-TR" dirty="0"/>
-              <a:t> </a:t>
-            </a:r>
-            <a:r>
-              <a:rPr lang="tr-TR" dirty="0" err="1"/>
-              <a:t>signals</a:t>
-            </a:r>
-            <a:r>
-              <a:rPr lang="tr-TR"/>
-              <a:t>);</a:t>
-            </a:r>
-            <a:endParaRPr lang="tr-TR" dirty="0"/>
+              <a:t>Phase voltages (reference signals);</a:t>
+            </a:r>
           </a:p>
           <a:p>
             <a:endParaRPr lang="tr-TR" dirty="0"/>
@@ -3729,47 +3702,38 @@
           </a:p>
           <a:p>
             <a:r>
-              <a:rPr lang="tr-TR" dirty="0" err="1"/>
-              <a:t>Two</a:t>
-            </a:r>
-            <a:r>
               <a:rPr lang="tr-TR" dirty="0"/>
-              <a:t> </a:t>
-            </a:r>
-            <a:r>
-              <a:rPr lang="tr-TR" dirty="0" err="1"/>
-              <a:t>triangular</a:t>
-            </a:r>
+              <a:t>Two triangular carrier signal </a:t>
+            </a:r>
+            <a:endParaRPr lang="en-US" dirty="0"/>
+          </a:p>
+          <a:p>
             <a:r>
               <a:rPr lang="tr-TR" dirty="0"/>
-              <a:t> </a:t>
-            </a:r>
-            <a:r>
-              <a:rPr lang="tr-TR" dirty="0" err="1"/>
-              <a:t>carrier</a:t>
+              <a:t>[0,Vdc</a:t>
+            </a:r>
+            <a:r>
+              <a:rPr lang="en-US" dirty="0"/>
+              <a:t>/</a:t>
             </a:r>
             <a:r>
               <a:rPr lang="tr-TR" dirty="0"/>
-              <a:t> </a:t>
-            </a:r>
-            <a:r>
-              <a:rPr lang="tr-TR" dirty="0" err="1"/>
-              <a:t>signal</a:t>
+              <a:t>2] &amp; [-Vdc</a:t>
+            </a:r>
+            <a:r>
+              <a:rPr lang="en-US" dirty="0"/>
+              <a:t>/</a:t>
             </a:r>
             <a:r>
               <a:rPr lang="tr-TR" dirty="0"/>
-              <a:t> [0,Vdc/2] &amp; [-</a:t>
-            </a:r>
-            <a:r>
-              <a:rPr lang="tr-TR" dirty="0" err="1"/>
-              <a:t>Vdc</a:t>
-            </a:r>
-            <a:r>
-              <a:rPr lang="tr-TR" dirty="0"/>
-              <a:t>\2,0]</a:t>
-            </a:r>
-          </a:p>
-          <a:p>
+              <a:t>2,0]</a:t>
+            </a:r>
+          </a:p>
+          <a:p>
+            <a:r>
+              <a:rPr lang="en-US" dirty="0"/>
+              <a:t>Peak amplitude=Vdc/2</a:t>
+            </a:r>
             <a:endParaRPr lang="tr-TR" dirty="0"/>
           </a:p>
           <a:p>
@@ -3814,6 +3778,53 @@
           <a:prstGeom prst="rect">
             <a:avLst/>
           </a:prstGeom>
+        </p:spPr>
+      </p:pic>
+      <p:pic>
+        <p:nvPicPr>
+          <p:cNvPr id="1026" name="Picture 2">
+            <a:extLst>
+              <a:ext uri="{FF2B5EF4-FFF2-40B4-BE49-F238E27FC236}">
+                <a16:creationId xmlns:a16="http://schemas.microsoft.com/office/drawing/2014/main" id="{143B62A1-F906-4063-7156-CEFE10676A3A}"/>
+              </a:ext>
+            </a:extLst>
+          </p:cNvPr>
+          <p:cNvPicPr>
+            <a:picLocks noChangeAspect="1" noChangeArrowheads="1"/>
+          </p:cNvPicPr>
+          <p:nvPr/>
+        </p:nvPicPr>
+        <p:blipFill>
+          <a:blip r:embed="rId3">
+            <a:extLst>
+              <a:ext uri="{28A0092B-C50C-407E-A947-70E740481C1C}">
+                <a14:useLocalDpi xmlns:a14="http://schemas.microsoft.com/office/drawing/2010/main" val="0"/>
+              </a:ext>
+            </a:extLst>
+          </a:blip>
+          <a:srcRect/>
+          <a:stretch>
+            <a:fillRect/>
+          </a:stretch>
+        </p:blipFill>
+        <p:spPr bwMode="auto">
+          <a:xfrm>
+            <a:off x="6441733" y="2658269"/>
+            <a:ext cx="4752975" cy="2686050"/>
+          </a:xfrm>
+          <a:prstGeom prst="rect">
+            <a:avLst/>
+          </a:prstGeom>
+          <a:noFill/>
+          <a:extLst>
+            <a:ext uri="{909E8E84-426E-40DD-AFC4-6F175D3DCCD1}">
+              <a14:hiddenFill xmlns:a14="http://schemas.microsoft.com/office/drawing/2010/main">
+                <a:solidFill>
+                  <a:srgbClr val="FFFFFF"/>
+                </a:solidFill>
+              </a14:hiddenFill>
+            </a:ext>
+          </a:extLst>
         </p:spPr>
       </p:pic>
     </p:spTree>
@@ -3832,6 +3843,14 @@
 <file path=ppt/slides/slide4.xml><?xml version="1.0" encoding="utf-8"?>
 <p:sld xmlns:a="http://schemas.openxmlformats.org/drawingml/2006/main" xmlns:r="http://schemas.openxmlformats.org/officeDocument/2006/relationships" xmlns:p="http://schemas.openxmlformats.org/presentationml/2006/main">
   <p:cSld>
+    <p:bg>
+      <p:bgPr>
+        <a:solidFill>
+          <a:schemeClr val="bg1"/>
+        </a:solidFill>
+        <a:effectLst/>
+      </p:bgPr>
+    </p:bg>
     <p:spTree>
       <p:nvGrpSpPr>
         <p:cNvPr id="1" name=""/>
@@ -3846,6 +3865,1096 @@
           <a:chExt cx="0" cy="0"/>
         </a:xfrm>
       </p:grpSpPr>
+      <p:sp useBgFill="1">
+        <p:nvSpPr>
+          <p:cNvPr id="14" name="Rectangle 13">
+            <a:extLst>
+              <a:ext uri="{FF2B5EF4-FFF2-40B4-BE49-F238E27FC236}">
+                <a16:creationId xmlns:a16="http://schemas.microsoft.com/office/drawing/2014/main" id="{53B021B3-DE93-4AB7-8A18-CF5F1CED88B8}"/>
+              </a:ext>
+              <a:ext uri="{C183D7F6-B498-43B3-948B-1728B52AA6E4}">
+                <adec:decorative xmlns:adec="http://schemas.microsoft.com/office/drawing/2017/decorative" val="1"/>
+              </a:ext>
+            </a:extLst>
+          </p:cNvPr>
+          <p:cNvSpPr>
+            <a:spLocks noGrp="1" noRot="1" noChangeAspect="1" noMove="1" noResize="1" noEditPoints="1" noAdjustHandles="1" noChangeArrowheads="1" noChangeShapeType="1" noTextEdit="1"/>
+          </p:cNvSpPr>
+          <p:nvPr>
+            <p:extLst>
+              <p:ext uri="{386F3935-93C4-4BCD-93E2-E3B085C9AB24}">
+                <p16:designElem xmlns:p16="http://schemas.microsoft.com/office/powerpoint/2015/main" val="1"/>
+              </p:ext>
+            </p:extLst>
+          </p:nvPr>
+        </p:nvSpPr>
+        <p:spPr>
+          <a:xfrm>
+            <a:off x="0" y="0"/>
+            <a:ext cx="12192000" cy="6858000"/>
+          </a:xfrm>
+          <a:prstGeom prst="rect">
+            <a:avLst/>
+          </a:prstGeom>
+          <a:ln>
+            <a:noFill/>
+          </a:ln>
+        </p:spPr>
+        <p:style>
+          <a:lnRef idx="2">
+            <a:schemeClr val="accent1">
+              <a:shade val="50000"/>
+            </a:schemeClr>
+          </a:lnRef>
+          <a:fillRef idx="1">
+            <a:schemeClr val="accent1"/>
+          </a:fillRef>
+          <a:effectRef idx="0">
+            <a:schemeClr val="accent1"/>
+          </a:effectRef>
+          <a:fontRef idx="minor">
+            <a:schemeClr val="lt1"/>
+          </a:fontRef>
+        </p:style>
+        <p:txBody>
+          <a:bodyPr rtlCol="0" anchor="ctr"/>
+          <a:lstStyle/>
+          <a:p>
+            <a:pPr algn="ctr"/>
+            <a:endParaRPr lang="en-US"/>
+          </a:p>
+        </p:txBody>
+      </p:sp>
+      <p:sp>
+        <p:nvSpPr>
+          <p:cNvPr id="2" name="Title 1">
+            <a:extLst>
+              <a:ext uri="{FF2B5EF4-FFF2-40B4-BE49-F238E27FC236}">
+                <a16:creationId xmlns:a16="http://schemas.microsoft.com/office/drawing/2014/main" id="{C5EB039D-75C3-AC7C-9F00-603F29CB7641}"/>
+              </a:ext>
+            </a:extLst>
+          </p:cNvPr>
+          <p:cNvSpPr>
+            <a:spLocks noGrp="1"/>
+          </p:cNvSpPr>
+          <p:nvPr>
+            <p:ph type="title"/>
+          </p:nvPr>
+        </p:nvSpPr>
+        <p:spPr>
+          <a:xfrm>
+            <a:off x="841248" y="256032"/>
+            <a:ext cx="10506456" cy="1014984"/>
+          </a:xfrm>
+        </p:spPr>
+        <p:txBody>
+          <a:bodyPr anchor="b">
+            <a:normAutofit/>
+          </a:bodyPr>
+          <a:lstStyle/>
+          <a:p>
+            <a:r>
+              <a:rPr lang="en-US"/>
+              <a:t>Sinusoidal PWM</a:t>
+            </a:r>
+            <a:endParaRPr lang="tr-TR" dirty="0"/>
+          </a:p>
+        </p:txBody>
+      </p:sp>
+      <p:sp>
+        <p:nvSpPr>
+          <p:cNvPr id="15" name="Rectangle 14">
+            <a:extLst>
+              <a:ext uri="{FF2B5EF4-FFF2-40B4-BE49-F238E27FC236}">
+                <a16:creationId xmlns:a16="http://schemas.microsoft.com/office/drawing/2014/main" id="{52D502E5-F6B4-4D58-B4AE-FC466FF15EE8}"/>
+              </a:ext>
+              <a:ext uri="{C183D7F6-B498-43B3-948B-1728B52AA6E4}">
+                <adec:decorative xmlns:adec="http://schemas.microsoft.com/office/drawing/2017/decorative" val="1"/>
+              </a:ext>
+            </a:extLst>
+          </p:cNvPr>
+          <p:cNvSpPr>
+            <a:spLocks noGrp="1" noRot="1" noChangeAspect="1" noMove="1" noResize="1" noEditPoints="1" noAdjustHandles="1" noChangeArrowheads="1" noChangeShapeType="1" noTextEdit="1"/>
+          </p:cNvSpPr>
+          <p:nvPr>
+            <p:extLst>
+              <p:ext uri="{386F3935-93C4-4BCD-93E2-E3B085C9AB24}">
+                <p16:designElem xmlns:p16="http://schemas.microsoft.com/office/powerpoint/2015/main" val="1"/>
+              </p:ext>
+            </p:extLst>
+          </p:nvPr>
+        </p:nvSpPr>
+        <p:spPr>
+          <a:xfrm>
+            <a:off x="865953" y="1634502"/>
+            <a:ext cx="10451592" cy="18288"/>
+          </a:xfrm>
+          <a:prstGeom prst="rect">
+            <a:avLst/>
+          </a:prstGeom>
+          <a:solidFill>
+            <a:srgbClr val="D5D5D5"/>
+          </a:solidFill>
+          <a:ln w="3175">
+            <a:noFill/>
+          </a:ln>
+          <a:effectLst/>
+        </p:spPr>
+        <p:style>
+          <a:lnRef idx="2">
+            <a:schemeClr val="accent1">
+              <a:shade val="50000"/>
+            </a:schemeClr>
+          </a:lnRef>
+          <a:fillRef idx="1">
+            <a:schemeClr val="accent1"/>
+          </a:fillRef>
+          <a:effectRef idx="0">
+            <a:schemeClr val="accent1"/>
+          </a:effectRef>
+          <a:fontRef idx="minor">
+            <a:schemeClr val="lt1"/>
+          </a:fontRef>
+        </p:style>
+        <p:txBody>
+          <a:bodyPr rtlCol="0" anchor="ctr"/>
+          <a:lstStyle/>
+          <a:p>
+            <a:pPr algn="ctr"/>
+            <a:endParaRPr lang="en-US">
+              <a:solidFill>
+                <a:prstClr val="white"/>
+              </a:solidFill>
+              <a:latin typeface="Calibri" panose="020F0502020204030204"/>
+            </a:endParaRPr>
+          </a:p>
+        </p:txBody>
+      </p:sp>
+      <p:sp>
+        <p:nvSpPr>
+          <p:cNvPr id="13" name="Rectangle 12">
+            <a:extLst>
+              <a:ext uri="{FF2B5EF4-FFF2-40B4-BE49-F238E27FC236}">
+                <a16:creationId xmlns:a16="http://schemas.microsoft.com/office/drawing/2014/main" id="{9DECDBF4-02B6-4BB4-B65B-B8107AD6A9E8}"/>
+              </a:ext>
+              <a:ext uri="{C183D7F6-B498-43B3-948B-1728B52AA6E4}">
+                <adec:decorative xmlns:adec="http://schemas.microsoft.com/office/drawing/2017/decorative" val="1"/>
+              </a:ext>
+            </a:extLst>
+          </p:cNvPr>
+          <p:cNvSpPr>
+            <a:spLocks noGrp="1" noRot="1" noChangeAspect="1" noMove="1" noResize="1" noEditPoints="1" noAdjustHandles="1" noChangeArrowheads="1" noChangeShapeType="1" noTextEdit="1"/>
+          </p:cNvSpPr>
+          <p:nvPr>
+            <p:extLst>
+              <p:ext uri="{386F3935-93C4-4BCD-93E2-E3B085C9AB24}">
+                <p16:designElem xmlns:p16="http://schemas.microsoft.com/office/powerpoint/2015/main" val="1"/>
+              </p:ext>
+            </p:extLst>
+          </p:nvPr>
+        </p:nvSpPr>
+        <p:spPr>
+          <a:xfrm flipV="1">
+            <a:off x="841248" y="1538176"/>
+            <a:ext cx="1873457" cy="109814"/>
+          </a:xfrm>
+          <a:prstGeom prst="rect">
+            <a:avLst/>
+          </a:prstGeom>
+          <a:solidFill>
+            <a:schemeClr val="accent2"/>
+          </a:solidFill>
+          <a:ln>
+            <a:noFill/>
+          </a:ln>
+        </p:spPr>
+        <p:style>
+          <a:lnRef idx="2">
+            <a:schemeClr val="accent1">
+              <a:shade val="50000"/>
+            </a:schemeClr>
+          </a:lnRef>
+          <a:fillRef idx="1">
+            <a:schemeClr val="accent1"/>
+          </a:fillRef>
+          <a:effectRef idx="0">
+            <a:schemeClr val="accent1"/>
+          </a:effectRef>
+          <a:fontRef idx="minor">
+            <a:schemeClr val="lt1"/>
+          </a:fontRef>
+        </p:style>
+        <p:txBody>
+          <a:bodyPr rtlCol="0" anchor="ctr"/>
+          <a:lstStyle/>
+          <a:p>
+            <a:pPr algn="ctr"/>
+            <a:endParaRPr lang="en-US">
+              <a:solidFill>
+                <a:prstClr val="white"/>
+              </a:solidFill>
+              <a:latin typeface="Calibri" panose="020F0502020204030204"/>
+            </a:endParaRPr>
+          </a:p>
+        </p:txBody>
+      </p:sp>
+      <p:graphicFrame>
+        <p:nvGraphicFramePr>
+          <p:cNvPr id="4" name="Content Placeholder 3">
+            <a:extLst>
+              <a:ext uri="{FF2B5EF4-FFF2-40B4-BE49-F238E27FC236}">
+                <a16:creationId xmlns:a16="http://schemas.microsoft.com/office/drawing/2014/main" id="{EACC6034-EEE7-64A0-9063-A10427B1FC26}"/>
+              </a:ext>
+            </a:extLst>
+          </p:cNvPr>
+          <p:cNvGraphicFramePr>
+            <a:graphicFrameLocks noGrp="1"/>
+          </p:cNvGraphicFramePr>
+          <p:nvPr>
+            <p:ph idx="1"/>
+            <p:extLst>
+              <p:ext uri="{D42A27DB-BD31-4B8C-83A1-F6EECF244321}">
+                <p14:modId xmlns:p14="http://schemas.microsoft.com/office/powerpoint/2010/main" val="17819194"/>
+              </p:ext>
+            </p:extLst>
+          </p:nvPr>
+        </p:nvGraphicFramePr>
+        <p:xfrm>
+          <a:off x="1836381" y="1915150"/>
+          <a:ext cx="8510736" cy="4357527"/>
+        </p:xfrm>
+        <a:graphic>
+          <a:graphicData uri="http://schemas.openxmlformats.org/drawingml/2006/table">
+            <a:tbl>
+              <a:tblPr firstRow="1" bandRow="1">
+                <a:tableStyleId>{5C22544A-7EE6-4342-B048-85BDC9FD1C3A}</a:tableStyleId>
+              </a:tblPr>
+              <a:tblGrid>
+                <a:gridCol w="3022744">
+                  <a:extLst>
+                    <a:ext uri="{9D8B030D-6E8A-4147-A177-3AD203B41FA5}">
+                      <a16:colId xmlns:a16="http://schemas.microsoft.com/office/drawing/2014/main" val="2473178487"/>
+                    </a:ext>
+                  </a:extLst>
+                </a:gridCol>
+                <a:gridCol w="1371998">
+                  <a:extLst>
+                    <a:ext uri="{9D8B030D-6E8A-4147-A177-3AD203B41FA5}">
+                      <a16:colId xmlns:a16="http://schemas.microsoft.com/office/drawing/2014/main" val="3258009248"/>
+                    </a:ext>
+                  </a:extLst>
+                </a:gridCol>
+                <a:gridCol w="1371998">
+                  <a:extLst>
+                    <a:ext uri="{9D8B030D-6E8A-4147-A177-3AD203B41FA5}">
+                      <a16:colId xmlns:a16="http://schemas.microsoft.com/office/drawing/2014/main" val="1228353265"/>
+                    </a:ext>
+                  </a:extLst>
+                </a:gridCol>
+                <a:gridCol w="1371998">
+                  <a:extLst>
+                    <a:ext uri="{9D8B030D-6E8A-4147-A177-3AD203B41FA5}">
+                      <a16:colId xmlns:a16="http://schemas.microsoft.com/office/drawing/2014/main" val="2559580038"/>
+                    </a:ext>
+                  </a:extLst>
+                </a:gridCol>
+                <a:gridCol w="1371998">
+                  <a:extLst>
+                    <a:ext uri="{9D8B030D-6E8A-4147-A177-3AD203B41FA5}">
+                      <a16:colId xmlns:a16="http://schemas.microsoft.com/office/drawing/2014/main" val="3090929261"/>
+                    </a:ext>
+                  </a:extLst>
+                </a:gridCol>
+              </a:tblGrid>
+              <a:tr h="535503">
+                <a:tc>
+                  <a:txBody>
+                    <a:bodyPr/>
+                    <a:lstStyle/>
+                    <a:p>
+                      <a:pPr algn="l" fontAlgn="b"/>
+                      <a:r>
+                        <a:rPr lang="tr-TR" sz="2800" u="none" strike="noStrike" dirty="0">
+                          <a:effectLst/>
+                        </a:rPr>
+                        <a:t>State</a:t>
+                      </a:r>
+                      <a:endParaRPr lang="tr-TR" sz="2800" b="1" i="0" u="none" strike="noStrike" dirty="0">
+                        <a:solidFill>
+                          <a:srgbClr val="000000"/>
+                        </a:solidFill>
+                        <a:effectLst/>
+                        <a:latin typeface="Calibri" panose="020F0502020204030204" pitchFamily="34" charset="0"/>
+                      </a:endParaRPr>
+                    </a:p>
+                  </a:txBody>
+                  <a:tcPr marL="23864" marR="23864" marT="23864" marB="0" anchor="b"/>
+                </a:tc>
+                <a:tc>
+                  <a:txBody>
+                    <a:bodyPr/>
+                    <a:lstStyle/>
+                    <a:p>
+                      <a:pPr algn="l" fontAlgn="b"/>
+                      <a:r>
+                        <a:rPr lang="tr-TR" sz="2800" u="none" strike="noStrike">
+                          <a:effectLst/>
+                        </a:rPr>
+                        <a:t>Q1</a:t>
+                      </a:r>
+                      <a:endParaRPr lang="tr-TR" sz="2800" b="1" i="0" u="none" strike="noStrike">
+                        <a:solidFill>
+                          <a:srgbClr val="000000"/>
+                        </a:solidFill>
+                        <a:effectLst/>
+                        <a:latin typeface="Calibri" panose="020F0502020204030204" pitchFamily="34" charset="0"/>
+                      </a:endParaRPr>
+                    </a:p>
+                  </a:txBody>
+                  <a:tcPr marL="23864" marR="23864" marT="23864" marB="0" anchor="b"/>
+                </a:tc>
+                <a:tc>
+                  <a:txBody>
+                    <a:bodyPr/>
+                    <a:lstStyle/>
+                    <a:p>
+                      <a:pPr algn="l" fontAlgn="b"/>
+                      <a:r>
+                        <a:rPr lang="tr-TR" sz="2800" u="none" strike="noStrike">
+                          <a:effectLst/>
+                        </a:rPr>
+                        <a:t>Q2</a:t>
+                      </a:r>
+                      <a:endParaRPr lang="tr-TR" sz="2800" b="1" i="0" u="none" strike="noStrike">
+                        <a:solidFill>
+                          <a:srgbClr val="000000"/>
+                        </a:solidFill>
+                        <a:effectLst/>
+                        <a:latin typeface="Calibri" panose="020F0502020204030204" pitchFamily="34" charset="0"/>
+                      </a:endParaRPr>
+                    </a:p>
+                  </a:txBody>
+                  <a:tcPr marL="23864" marR="23864" marT="23864" marB="0" anchor="b"/>
+                </a:tc>
+                <a:tc>
+                  <a:txBody>
+                    <a:bodyPr/>
+                    <a:lstStyle/>
+                    <a:p>
+                      <a:pPr algn="l" fontAlgn="b"/>
+                      <a:r>
+                        <a:rPr lang="tr-TR" sz="2800" u="none" strike="noStrike">
+                          <a:effectLst/>
+                        </a:rPr>
+                        <a:t>Q3</a:t>
+                      </a:r>
+                      <a:endParaRPr lang="tr-TR" sz="2800" b="1" i="0" u="none" strike="noStrike">
+                        <a:solidFill>
+                          <a:srgbClr val="000000"/>
+                        </a:solidFill>
+                        <a:effectLst/>
+                        <a:latin typeface="Calibri" panose="020F0502020204030204" pitchFamily="34" charset="0"/>
+                      </a:endParaRPr>
+                    </a:p>
+                  </a:txBody>
+                  <a:tcPr marL="23864" marR="23864" marT="23864" marB="0" anchor="b"/>
+                </a:tc>
+                <a:tc>
+                  <a:txBody>
+                    <a:bodyPr/>
+                    <a:lstStyle/>
+                    <a:p>
+                      <a:pPr algn="l" fontAlgn="b"/>
+                      <a:r>
+                        <a:rPr lang="tr-TR" sz="2800" u="none" strike="noStrike">
+                          <a:effectLst/>
+                        </a:rPr>
+                        <a:t>Q4</a:t>
+                      </a:r>
+                      <a:endParaRPr lang="tr-TR" sz="2800" b="1" i="0" u="none" strike="noStrike">
+                        <a:solidFill>
+                          <a:srgbClr val="000000"/>
+                        </a:solidFill>
+                        <a:effectLst/>
+                        <a:latin typeface="Calibri" panose="020F0502020204030204" pitchFamily="34" charset="0"/>
+                      </a:endParaRPr>
+                    </a:p>
+                  </a:txBody>
+                  <a:tcPr marL="23864" marR="23864" marT="23864" marB="0" anchor="b"/>
+                </a:tc>
+                <a:extLst>
+                  <a:ext uri="{0D108BD9-81ED-4DB2-BD59-A6C34878D82A}">
+                    <a16:rowId xmlns:a16="http://schemas.microsoft.com/office/drawing/2014/main" val="2872731156"/>
+                  </a:ext>
+                </a:extLst>
+              </a:tr>
+              <a:tr h="955506">
+                <a:tc>
+                  <a:txBody>
+                    <a:bodyPr/>
+                    <a:lstStyle/>
+                    <a:p>
+                      <a:pPr algn="ctr" fontAlgn="b"/>
+                      <a:r>
+                        <a:rPr lang="tr-TR" sz="2800" u="none" strike="noStrike" dirty="0">
+                          <a:effectLst/>
+                        </a:rPr>
+                        <a:t>Carrier1</a:t>
+                      </a:r>
+                      <a:r>
+                        <a:rPr lang="en-US" sz="2800" u="none" strike="noStrike" dirty="0">
+                          <a:effectLst/>
+                        </a:rPr>
+                        <a:t>&lt;</a:t>
+                      </a:r>
+                      <a:r>
+                        <a:rPr lang="tr-TR" sz="2800" u="none" strike="noStrike" dirty="0">
+                          <a:effectLst/>
+                        </a:rPr>
+                        <a:t>reference Carrier2</a:t>
+                      </a:r>
+                      <a:r>
+                        <a:rPr lang="en-US" sz="2800" u="none" strike="noStrike" dirty="0">
+                          <a:effectLst/>
+                        </a:rPr>
+                        <a:t>&lt;</a:t>
+                      </a:r>
+                      <a:r>
+                        <a:rPr lang="tr-TR" sz="2800" u="none" strike="noStrike" dirty="0">
+                          <a:effectLst/>
+                        </a:rPr>
+                        <a:t>reference</a:t>
+                      </a:r>
+                      <a:endParaRPr lang="tr-TR" sz="2800" b="1" i="0" u="none" strike="noStrike" dirty="0">
+                        <a:solidFill>
+                          <a:srgbClr val="000000"/>
+                        </a:solidFill>
+                        <a:effectLst/>
+                        <a:latin typeface="Calibri" panose="020F0502020204030204" pitchFamily="34" charset="0"/>
+                      </a:endParaRPr>
+                    </a:p>
+                  </a:txBody>
+                  <a:tcPr marL="23864" marR="23864" marT="23864" marB="0" anchor="b"/>
+                </a:tc>
+                <a:tc>
+                  <a:txBody>
+                    <a:bodyPr/>
+                    <a:lstStyle/>
+                    <a:p>
+                      <a:pPr algn="l" fontAlgn="b"/>
+                      <a:r>
+                        <a:rPr lang="tr-TR" sz="2800" u="none" strike="noStrike">
+                          <a:effectLst/>
+                        </a:rPr>
+                        <a:t>ON</a:t>
+                      </a:r>
+                      <a:endParaRPr lang="tr-TR" sz="2800" b="1" i="0" u="none" strike="noStrike">
+                        <a:solidFill>
+                          <a:srgbClr val="000000"/>
+                        </a:solidFill>
+                        <a:effectLst/>
+                        <a:latin typeface="Calibri" panose="020F0502020204030204" pitchFamily="34" charset="0"/>
+                      </a:endParaRPr>
+                    </a:p>
+                  </a:txBody>
+                  <a:tcPr marL="23864" marR="23864" marT="23864" marB="0" anchor="b"/>
+                </a:tc>
+                <a:tc>
+                  <a:txBody>
+                    <a:bodyPr/>
+                    <a:lstStyle/>
+                    <a:p>
+                      <a:pPr algn="l" fontAlgn="b"/>
+                      <a:r>
+                        <a:rPr lang="tr-TR" sz="2800" u="none" strike="noStrike">
+                          <a:effectLst/>
+                        </a:rPr>
+                        <a:t>ON</a:t>
+                      </a:r>
+                      <a:endParaRPr lang="tr-TR" sz="2800" b="1" i="0" u="none" strike="noStrike">
+                        <a:solidFill>
+                          <a:srgbClr val="000000"/>
+                        </a:solidFill>
+                        <a:effectLst/>
+                        <a:latin typeface="Calibri" panose="020F0502020204030204" pitchFamily="34" charset="0"/>
+                      </a:endParaRPr>
+                    </a:p>
+                  </a:txBody>
+                  <a:tcPr marL="23864" marR="23864" marT="23864" marB="0" anchor="b"/>
+                </a:tc>
+                <a:tc>
+                  <a:txBody>
+                    <a:bodyPr/>
+                    <a:lstStyle/>
+                    <a:p>
+                      <a:pPr algn="l" fontAlgn="b"/>
+                      <a:r>
+                        <a:rPr lang="tr-TR" sz="2800" u="none" strike="noStrike" dirty="0">
+                          <a:effectLst/>
+                        </a:rPr>
+                        <a:t>OFF</a:t>
+                      </a:r>
+                      <a:endParaRPr lang="tr-TR" sz="2800" b="1" i="0" u="none" strike="noStrike" dirty="0">
+                        <a:solidFill>
+                          <a:srgbClr val="000000"/>
+                        </a:solidFill>
+                        <a:effectLst/>
+                        <a:latin typeface="Calibri" panose="020F0502020204030204" pitchFamily="34" charset="0"/>
+                      </a:endParaRPr>
+                    </a:p>
+                  </a:txBody>
+                  <a:tcPr marL="23864" marR="23864" marT="23864" marB="0" anchor="b"/>
+                </a:tc>
+                <a:tc>
+                  <a:txBody>
+                    <a:bodyPr/>
+                    <a:lstStyle/>
+                    <a:p>
+                      <a:pPr algn="l" fontAlgn="b"/>
+                      <a:r>
+                        <a:rPr lang="tr-TR" sz="2800" u="none" strike="noStrike">
+                          <a:effectLst/>
+                        </a:rPr>
+                        <a:t>OFF</a:t>
+                      </a:r>
+                      <a:endParaRPr lang="tr-TR" sz="2800" b="1" i="0" u="none" strike="noStrike">
+                        <a:solidFill>
+                          <a:srgbClr val="000000"/>
+                        </a:solidFill>
+                        <a:effectLst/>
+                        <a:latin typeface="Calibri" panose="020F0502020204030204" pitchFamily="34" charset="0"/>
+                      </a:endParaRPr>
+                    </a:p>
+                  </a:txBody>
+                  <a:tcPr marL="23864" marR="23864" marT="23864" marB="0" anchor="b"/>
+                </a:tc>
+                <a:extLst>
+                  <a:ext uri="{0D108BD9-81ED-4DB2-BD59-A6C34878D82A}">
+                    <a16:rowId xmlns:a16="http://schemas.microsoft.com/office/drawing/2014/main" val="1306186903"/>
+                  </a:ext>
+                </a:extLst>
+              </a:tr>
+              <a:tr h="955506">
+                <a:tc>
+                  <a:txBody>
+                    <a:bodyPr/>
+                    <a:lstStyle/>
+                    <a:p>
+                      <a:pPr algn="ctr" fontAlgn="b"/>
+                      <a:r>
+                        <a:rPr lang="tr-TR" sz="2800" u="none" strike="noStrike" dirty="0">
+                          <a:effectLst/>
+                        </a:rPr>
+                        <a:t>Carrier1&gt;reference Carrier2&lt;reference</a:t>
+                      </a:r>
+                      <a:endParaRPr lang="tr-TR" sz="2800" b="1" i="0" u="none" strike="noStrike" dirty="0">
+                        <a:solidFill>
+                          <a:srgbClr val="000000"/>
+                        </a:solidFill>
+                        <a:effectLst/>
+                        <a:latin typeface="Calibri" panose="020F0502020204030204" pitchFamily="34" charset="0"/>
+                      </a:endParaRPr>
+                    </a:p>
+                  </a:txBody>
+                  <a:tcPr marL="23864" marR="23864" marT="23864" marB="0" anchor="b"/>
+                </a:tc>
+                <a:tc>
+                  <a:txBody>
+                    <a:bodyPr/>
+                    <a:lstStyle/>
+                    <a:p>
+                      <a:pPr algn="l" fontAlgn="b"/>
+                      <a:r>
+                        <a:rPr lang="tr-TR" sz="2800" u="none" strike="noStrike">
+                          <a:effectLst/>
+                        </a:rPr>
+                        <a:t>OFF</a:t>
+                      </a:r>
+                      <a:endParaRPr lang="tr-TR" sz="2800" b="1" i="0" u="none" strike="noStrike">
+                        <a:solidFill>
+                          <a:srgbClr val="000000"/>
+                        </a:solidFill>
+                        <a:effectLst/>
+                        <a:latin typeface="Calibri" panose="020F0502020204030204" pitchFamily="34" charset="0"/>
+                      </a:endParaRPr>
+                    </a:p>
+                  </a:txBody>
+                  <a:tcPr marL="23864" marR="23864" marT="23864" marB="0" anchor="b"/>
+                </a:tc>
+                <a:tc>
+                  <a:txBody>
+                    <a:bodyPr/>
+                    <a:lstStyle/>
+                    <a:p>
+                      <a:pPr algn="l" fontAlgn="b"/>
+                      <a:r>
+                        <a:rPr lang="tr-TR" sz="2800" u="none" strike="noStrike" dirty="0">
+                          <a:effectLst/>
+                        </a:rPr>
+                        <a:t>ON</a:t>
+                      </a:r>
+                      <a:endParaRPr lang="tr-TR" sz="2800" b="1" i="0" u="none" strike="noStrike" dirty="0">
+                        <a:solidFill>
+                          <a:srgbClr val="000000"/>
+                        </a:solidFill>
+                        <a:effectLst/>
+                        <a:latin typeface="Calibri" panose="020F0502020204030204" pitchFamily="34" charset="0"/>
+                      </a:endParaRPr>
+                    </a:p>
+                  </a:txBody>
+                  <a:tcPr marL="23864" marR="23864" marT="23864" marB="0" anchor="b"/>
+                </a:tc>
+                <a:tc>
+                  <a:txBody>
+                    <a:bodyPr/>
+                    <a:lstStyle/>
+                    <a:p>
+                      <a:pPr algn="l" fontAlgn="b"/>
+                      <a:r>
+                        <a:rPr lang="tr-TR" sz="2800" u="none" strike="noStrike">
+                          <a:effectLst/>
+                        </a:rPr>
+                        <a:t>ON</a:t>
+                      </a:r>
+                      <a:endParaRPr lang="tr-TR" sz="2800" b="1" i="0" u="none" strike="noStrike">
+                        <a:solidFill>
+                          <a:srgbClr val="000000"/>
+                        </a:solidFill>
+                        <a:effectLst/>
+                        <a:latin typeface="Calibri" panose="020F0502020204030204" pitchFamily="34" charset="0"/>
+                      </a:endParaRPr>
+                    </a:p>
+                  </a:txBody>
+                  <a:tcPr marL="23864" marR="23864" marT="23864" marB="0" anchor="b"/>
+                </a:tc>
+                <a:tc>
+                  <a:txBody>
+                    <a:bodyPr/>
+                    <a:lstStyle/>
+                    <a:p>
+                      <a:pPr algn="l" fontAlgn="b"/>
+                      <a:r>
+                        <a:rPr lang="tr-TR" sz="2800" u="none" strike="noStrike">
+                          <a:effectLst/>
+                        </a:rPr>
+                        <a:t>OFF</a:t>
+                      </a:r>
+                      <a:endParaRPr lang="tr-TR" sz="2800" b="1" i="0" u="none" strike="noStrike">
+                        <a:solidFill>
+                          <a:srgbClr val="000000"/>
+                        </a:solidFill>
+                        <a:effectLst/>
+                        <a:latin typeface="Calibri" panose="020F0502020204030204" pitchFamily="34" charset="0"/>
+                      </a:endParaRPr>
+                    </a:p>
+                  </a:txBody>
+                  <a:tcPr marL="23864" marR="23864" marT="23864" marB="0" anchor="b"/>
+                </a:tc>
+                <a:extLst>
+                  <a:ext uri="{0D108BD9-81ED-4DB2-BD59-A6C34878D82A}">
+                    <a16:rowId xmlns:a16="http://schemas.microsoft.com/office/drawing/2014/main" val="2447343177"/>
+                  </a:ext>
+                </a:extLst>
+              </a:tr>
+              <a:tr h="955506">
+                <a:tc>
+                  <a:txBody>
+                    <a:bodyPr/>
+                    <a:lstStyle/>
+                    <a:p>
+                      <a:pPr algn="ctr" fontAlgn="b"/>
+                      <a:r>
+                        <a:rPr lang="tr-TR" sz="2800" u="none" strike="noStrike" dirty="0">
+                          <a:effectLst/>
+                        </a:rPr>
+                        <a:t>Carrier1&lt;reference Carrier2&gt;reference</a:t>
+                      </a:r>
+                      <a:endParaRPr lang="tr-TR" sz="2800" b="1" i="0" u="none" strike="noStrike" dirty="0">
+                        <a:solidFill>
+                          <a:srgbClr val="000000"/>
+                        </a:solidFill>
+                        <a:effectLst/>
+                        <a:latin typeface="Calibri" panose="020F0502020204030204" pitchFamily="34" charset="0"/>
+                      </a:endParaRPr>
+                    </a:p>
+                  </a:txBody>
+                  <a:tcPr marL="23864" marR="23864" marT="23864" marB="0" anchor="b"/>
+                </a:tc>
+                <a:tc>
+                  <a:txBody>
+                    <a:bodyPr/>
+                    <a:lstStyle/>
+                    <a:p>
+                      <a:pPr algn="l" fontAlgn="b"/>
+                      <a:r>
+                        <a:rPr lang="tr-TR" sz="2800" u="none" strike="noStrike">
+                          <a:effectLst/>
+                        </a:rPr>
+                        <a:t>OFF</a:t>
+                      </a:r>
+                      <a:endParaRPr lang="tr-TR" sz="2800" b="1" i="0" u="none" strike="noStrike">
+                        <a:solidFill>
+                          <a:srgbClr val="000000"/>
+                        </a:solidFill>
+                        <a:effectLst/>
+                        <a:latin typeface="Calibri" panose="020F0502020204030204" pitchFamily="34" charset="0"/>
+                      </a:endParaRPr>
+                    </a:p>
+                  </a:txBody>
+                  <a:tcPr marL="23864" marR="23864" marT="23864" marB="0" anchor="b"/>
+                </a:tc>
+                <a:tc>
+                  <a:txBody>
+                    <a:bodyPr/>
+                    <a:lstStyle/>
+                    <a:p>
+                      <a:pPr algn="l" fontAlgn="b"/>
+                      <a:r>
+                        <a:rPr lang="tr-TR" sz="2800" u="none" strike="noStrike" dirty="0">
+                          <a:effectLst/>
+                        </a:rPr>
+                        <a:t>ON</a:t>
+                      </a:r>
+                      <a:endParaRPr lang="tr-TR" sz="2800" b="1" i="0" u="none" strike="noStrike" dirty="0">
+                        <a:solidFill>
+                          <a:srgbClr val="000000"/>
+                        </a:solidFill>
+                        <a:effectLst/>
+                        <a:latin typeface="Calibri" panose="020F0502020204030204" pitchFamily="34" charset="0"/>
+                      </a:endParaRPr>
+                    </a:p>
+                  </a:txBody>
+                  <a:tcPr marL="23864" marR="23864" marT="23864" marB="0" anchor="b"/>
+                </a:tc>
+                <a:tc>
+                  <a:txBody>
+                    <a:bodyPr/>
+                    <a:lstStyle/>
+                    <a:p>
+                      <a:pPr algn="l" fontAlgn="b"/>
+                      <a:r>
+                        <a:rPr lang="tr-TR" sz="2800" u="none" strike="noStrike" dirty="0">
+                          <a:effectLst/>
+                        </a:rPr>
+                        <a:t>ON</a:t>
+                      </a:r>
+                      <a:endParaRPr lang="tr-TR" sz="2800" b="1" i="0" u="none" strike="noStrike" dirty="0">
+                        <a:solidFill>
+                          <a:srgbClr val="000000"/>
+                        </a:solidFill>
+                        <a:effectLst/>
+                        <a:latin typeface="Calibri" panose="020F0502020204030204" pitchFamily="34" charset="0"/>
+                      </a:endParaRPr>
+                    </a:p>
+                  </a:txBody>
+                  <a:tcPr marL="23864" marR="23864" marT="23864" marB="0" anchor="b"/>
+                </a:tc>
+                <a:tc>
+                  <a:txBody>
+                    <a:bodyPr/>
+                    <a:lstStyle/>
+                    <a:p>
+                      <a:pPr algn="l" fontAlgn="b"/>
+                      <a:r>
+                        <a:rPr lang="tr-TR" sz="2800" u="none" strike="noStrike" dirty="0">
+                          <a:effectLst/>
+                        </a:rPr>
+                        <a:t>OFF</a:t>
+                      </a:r>
+                      <a:endParaRPr lang="tr-TR" sz="2800" b="1" i="0" u="none" strike="noStrike" dirty="0">
+                        <a:solidFill>
+                          <a:srgbClr val="000000"/>
+                        </a:solidFill>
+                        <a:effectLst/>
+                        <a:latin typeface="Calibri" panose="020F0502020204030204" pitchFamily="34" charset="0"/>
+                      </a:endParaRPr>
+                    </a:p>
+                  </a:txBody>
+                  <a:tcPr marL="23864" marR="23864" marT="23864" marB="0" anchor="b"/>
+                </a:tc>
+                <a:extLst>
+                  <a:ext uri="{0D108BD9-81ED-4DB2-BD59-A6C34878D82A}">
+                    <a16:rowId xmlns:a16="http://schemas.microsoft.com/office/drawing/2014/main" val="1989896665"/>
+                  </a:ext>
+                </a:extLst>
+              </a:tr>
+              <a:tr h="955506">
+                <a:tc>
+                  <a:txBody>
+                    <a:bodyPr/>
+                    <a:lstStyle/>
+                    <a:p>
+                      <a:pPr algn="ctr" fontAlgn="b"/>
+                      <a:r>
+                        <a:rPr lang="tr-TR" sz="2800" u="none" strike="noStrike" dirty="0">
+                          <a:effectLst/>
+                        </a:rPr>
+                        <a:t>Carrier1</a:t>
+                      </a:r>
+                      <a:r>
+                        <a:rPr lang="en-US" sz="2800" u="none" strike="noStrike" dirty="0">
+                          <a:effectLst/>
+                        </a:rPr>
+                        <a:t>&gt;</a:t>
+                      </a:r>
+                      <a:r>
+                        <a:rPr lang="tr-TR" sz="2800" u="none" strike="noStrike" dirty="0">
+                          <a:effectLst/>
+                        </a:rPr>
+                        <a:t>reference Carrier2</a:t>
+                      </a:r>
+                      <a:r>
+                        <a:rPr lang="en-US" sz="2800" u="none" strike="noStrike" dirty="0">
+                          <a:effectLst/>
+                        </a:rPr>
+                        <a:t>&gt;</a:t>
+                      </a:r>
+                      <a:r>
+                        <a:rPr lang="tr-TR" sz="2800" u="none" strike="noStrike" dirty="0">
+                          <a:effectLst/>
+                        </a:rPr>
+                        <a:t>reference</a:t>
+                      </a:r>
+                      <a:endParaRPr lang="tr-TR" sz="2800" b="1" i="0" u="none" strike="noStrike" dirty="0">
+                        <a:solidFill>
+                          <a:srgbClr val="000000"/>
+                        </a:solidFill>
+                        <a:effectLst/>
+                        <a:latin typeface="Calibri" panose="020F0502020204030204" pitchFamily="34" charset="0"/>
+                      </a:endParaRPr>
+                    </a:p>
+                  </a:txBody>
+                  <a:tcPr marL="23864" marR="23864" marT="23864" marB="0" anchor="b"/>
+                </a:tc>
+                <a:tc>
+                  <a:txBody>
+                    <a:bodyPr/>
+                    <a:lstStyle/>
+                    <a:p>
+                      <a:pPr algn="l" fontAlgn="b"/>
+                      <a:r>
+                        <a:rPr lang="tr-TR" sz="2800" u="none" strike="noStrike">
+                          <a:effectLst/>
+                        </a:rPr>
+                        <a:t>OFF</a:t>
+                      </a:r>
+                      <a:endParaRPr lang="tr-TR" sz="2800" b="1" i="0" u="none" strike="noStrike">
+                        <a:solidFill>
+                          <a:srgbClr val="000000"/>
+                        </a:solidFill>
+                        <a:effectLst/>
+                        <a:latin typeface="Calibri" panose="020F0502020204030204" pitchFamily="34" charset="0"/>
+                      </a:endParaRPr>
+                    </a:p>
+                  </a:txBody>
+                  <a:tcPr marL="23864" marR="23864" marT="23864" marB="0" anchor="b"/>
+                </a:tc>
+                <a:tc>
+                  <a:txBody>
+                    <a:bodyPr/>
+                    <a:lstStyle/>
+                    <a:p>
+                      <a:pPr algn="l" fontAlgn="b"/>
+                      <a:r>
+                        <a:rPr lang="tr-TR" sz="2800" u="none" strike="noStrike">
+                          <a:effectLst/>
+                        </a:rPr>
+                        <a:t>OFF</a:t>
+                      </a:r>
+                      <a:endParaRPr lang="tr-TR" sz="2800" b="1" i="0" u="none" strike="noStrike">
+                        <a:solidFill>
+                          <a:srgbClr val="000000"/>
+                        </a:solidFill>
+                        <a:effectLst/>
+                        <a:latin typeface="Calibri" panose="020F0502020204030204" pitchFamily="34" charset="0"/>
+                      </a:endParaRPr>
+                    </a:p>
+                  </a:txBody>
+                  <a:tcPr marL="23864" marR="23864" marT="23864" marB="0" anchor="b"/>
+                </a:tc>
+                <a:tc>
+                  <a:txBody>
+                    <a:bodyPr/>
+                    <a:lstStyle/>
+                    <a:p>
+                      <a:pPr algn="l" fontAlgn="b"/>
+                      <a:r>
+                        <a:rPr lang="tr-TR" sz="2800" u="none" strike="noStrike">
+                          <a:effectLst/>
+                        </a:rPr>
+                        <a:t>ON</a:t>
+                      </a:r>
+                      <a:endParaRPr lang="tr-TR" sz="2800" b="1" i="0" u="none" strike="noStrike">
+                        <a:solidFill>
+                          <a:srgbClr val="000000"/>
+                        </a:solidFill>
+                        <a:effectLst/>
+                        <a:latin typeface="Calibri" panose="020F0502020204030204" pitchFamily="34" charset="0"/>
+                      </a:endParaRPr>
+                    </a:p>
+                  </a:txBody>
+                  <a:tcPr marL="23864" marR="23864" marT="23864" marB="0" anchor="b"/>
+                </a:tc>
+                <a:tc>
+                  <a:txBody>
+                    <a:bodyPr/>
+                    <a:lstStyle/>
+                    <a:p>
+                      <a:pPr algn="l" fontAlgn="b"/>
+                      <a:r>
+                        <a:rPr lang="tr-TR" sz="2800" u="none" strike="noStrike" dirty="0">
+                          <a:effectLst/>
+                        </a:rPr>
+                        <a:t>ON</a:t>
+                      </a:r>
+                      <a:endParaRPr lang="tr-TR" sz="2800" b="1" i="0" u="none" strike="noStrike" dirty="0">
+                        <a:solidFill>
+                          <a:srgbClr val="000000"/>
+                        </a:solidFill>
+                        <a:effectLst/>
+                        <a:latin typeface="Calibri" panose="020F0502020204030204" pitchFamily="34" charset="0"/>
+                      </a:endParaRPr>
+                    </a:p>
+                  </a:txBody>
+                  <a:tcPr marL="23864" marR="23864" marT="23864" marB="0" anchor="b"/>
+                </a:tc>
+                <a:extLst>
+                  <a:ext uri="{0D108BD9-81ED-4DB2-BD59-A6C34878D82A}">
+                    <a16:rowId xmlns:a16="http://schemas.microsoft.com/office/drawing/2014/main" val="3996089381"/>
+                  </a:ext>
+                </a:extLst>
+              </a:tr>
+            </a:tbl>
+          </a:graphicData>
+        </a:graphic>
+      </p:graphicFrame>
+    </p:spTree>
+    <p:extLst>
+      <p:ext uri="{BB962C8B-B14F-4D97-AF65-F5344CB8AC3E}">
+        <p14:creationId xmlns:p14="http://schemas.microsoft.com/office/powerpoint/2010/main" val="2551081487"/>
+      </p:ext>
+    </p:extLst>
+  </p:cSld>
+  <p:clrMapOvr>
+    <a:masterClrMapping/>
+  </p:clrMapOvr>
+</p:sld>
+</file>
+
+<file path=ppt/slides/slide5.xml><?xml version="1.0" encoding="utf-8"?>
+<p:sld xmlns:a="http://schemas.openxmlformats.org/drawingml/2006/main" xmlns:r="http://schemas.openxmlformats.org/officeDocument/2006/relationships" xmlns:p="http://schemas.openxmlformats.org/presentationml/2006/main">
+  <p:cSld>
+    <p:spTree>
+      <p:nvGrpSpPr>
+        <p:cNvPr id="1" name=""/>
+        <p:cNvGrpSpPr/>
+        <p:nvPr/>
+      </p:nvGrpSpPr>
+      <p:grpSpPr>
+        <a:xfrm>
+          <a:off x="0" y="0"/>
+          <a:ext cx="0" cy="0"/>
+          <a:chOff x="0" y="0"/>
+          <a:chExt cx="0" cy="0"/>
+        </a:xfrm>
+      </p:grpSpPr>
+      <p:sp>
+        <p:nvSpPr>
+          <p:cNvPr id="2" name="Title 1">
+            <a:extLst>
+              <a:ext uri="{FF2B5EF4-FFF2-40B4-BE49-F238E27FC236}">
+                <a16:creationId xmlns:a16="http://schemas.microsoft.com/office/drawing/2014/main" id="{4D4D51E4-5AB2-3068-5174-2E5100667E20}"/>
+              </a:ext>
+            </a:extLst>
+          </p:cNvPr>
+          <p:cNvSpPr>
+            <a:spLocks noGrp="1"/>
+          </p:cNvSpPr>
+          <p:nvPr>
+            <p:ph type="title"/>
+          </p:nvPr>
+        </p:nvSpPr>
+        <p:spPr/>
+        <p:txBody>
+          <a:bodyPr/>
+          <a:lstStyle/>
+          <a:p>
+            <a:r>
+              <a:rPr lang="en-US" dirty="0"/>
+              <a:t>Sinusoidal PWM</a:t>
+            </a:r>
+            <a:endParaRPr lang="tr-TR" dirty="0"/>
+          </a:p>
+        </p:txBody>
+      </p:sp>
+      <p:sp>
+        <p:nvSpPr>
+          <p:cNvPr id="3" name="Content Placeholder 2">
+            <a:extLst>
+              <a:ext uri="{FF2B5EF4-FFF2-40B4-BE49-F238E27FC236}">
+                <a16:creationId xmlns:a16="http://schemas.microsoft.com/office/drawing/2014/main" id="{B1C548F1-BDA9-776B-2BDC-8AA77D51DF14}"/>
+              </a:ext>
+            </a:extLst>
+          </p:cNvPr>
+          <p:cNvSpPr>
+            <a:spLocks noGrp="1"/>
+          </p:cNvSpPr>
+          <p:nvPr>
+            <p:ph idx="1"/>
+          </p:nvPr>
+        </p:nvSpPr>
+        <p:spPr/>
+        <p:txBody>
+          <a:bodyPr/>
+          <a:lstStyle/>
+          <a:p>
+            <a:r>
+              <a:rPr lang="en-US" dirty="0"/>
+              <a:t>This method does not control the neutral point.</a:t>
+            </a:r>
+          </a:p>
+          <a:p>
+            <a:endParaRPr lang="en-US" dirty="0"/>
+          </a:p>
+          <a:p>
+            <a:r>
+              <a:rPr lang="en-US" dirty="0"/>
+              <a:t>Large capacitors needed.</a:t>
+            </a:r>
+            <a:endParaRPr lang="tr-TR" dirty="0"/>
+          </a:p>
+        </p:txBody>
+      </p:sp>
+    </p:spTree>
+    <p:extLst>
+      <p:ext uri="{BB962C8B-B14F-4D97-AF65-F5344CB8AC3E}">
+        <p14:creationId xmlns:p14="http://schemas.microsoft.com/office/powerpoint/2010/main" val="723508890"/>
+      </p:ext>
+    </p:extLst>
+  </p:cSld>
+  <p:clrMapOvr>
+    <a:masterClrMapping/>
+  </p:clrMapOvr>
+</p:sld>
+</file>
+
+<file path=ppt/slides/slide6.xml><?xml version="1.0" encoding="utf-8"?>
+<p:sld xmlns:a="http://schemas.openxmlformats.org/drawingml/2006/main" xmlns:r="http://schemas.openxmlformats.org/officeDocument/2006/relationships" xmlns:p="http://schemas.openxmlformats.org/presentationml/2006/main">
+  <p:cSld>
+    <p:spTree>
+      <p:nvGrpSpPr>
+        <p:cNvPr id="1" name=""/>
+        <p:cNvGrpSpPr/>
+        <p:nvPr/>
+      </p:nvGrpSpPr>
+      <p:grpSpPr>
+        <a:xfrm>
+          <a:off x="0" y="0"/>
+          <a:ext cx="0" cy="0"/>
+          <a:chOff x="0" y="0"/>
+          <a:chExt cx="0" cy="0"/>
+        </a:xfrm>
+      </p:grpSpPr>
       <p:sp>
         <p:nvSpPr>
           <p:cNvPr id="2" name="Title 1">
@@ -3895,7 +5004,7 @@
           <a:bodyPr/>
           <a:lstStyle/>
           <a:p>
-            <a:endParaRPr lang="en-TR"/>
+            <a:endParaRPr lang="en-TR" dirty="0"/>
           </a:p>
         </p:txBody>
       </p:sp>

--- a/Reports/3-Level NPC Inverter Structure.pptx
+++ b/Reports/3-Level NPC Inverter Structure.pptx
@@ -11,6 +11,11 @@
     <p:sldId id="260" r:id="rId5"/>
     <p:sldId id="261" r:id="rId6"/>
     <p:sldId id="259" r:id="rId7"/>
+    <p:sldId id="263" r:id="rId8"/>
+    <p:sldId id="262" r:id="rId9"/>
+    <p:sldId id="265" r:id="rId10"/>
+    <p:sldId id="266" r:id="rId11"/>
+    <p:sldId id="264" r:id="rId12"/>
   </p:sldIdLst>
   <p:sldSz cx="12192000" cy="6858000"/>
   <p:notesSz cx="6858000" cy="9144000"/>
@@ -266,7 +271,7 @@
           <a:p>
             <a:fld id="{69002B11-2462-4824-BA85-40F0AE5821C0}" type="datetimeFigureOut">
               <a:rPr lang="tr-TR" smtClean="0"/>
-              <a:t>13.03.2024</a:t>
+              <a:t>18.03.2024</a:t>
             </a:fld>
             <a:endParaRPr lang="tr-TR"/>
           </a:p>
@@ -466,7 +471,7 @@
           <a:p>
             <a:fld id="{69002B11-2462-4824-BA85-40F0AE5821C0}" type="datetimeFigureOut">
               <a:rPr lang="tr-TR" smtClean="0"/>
-              <a:t>13.03.2024</a:t>
+              <a:t>18.03.2024</a:t>
             </a:fld>
             <a:endParaRPr lang="tr-TR"/>
           </a:p>
@@ -676,7 +681,7 @@
           <a:p>
             <a:fld id="{69002B11-2462-4824-BA85-40F0AE5821C0}" type="datetimeFigureOut">
               <a:rPr lang="tr-TR" smtClean="0"/>
-              <a:t>13.03.2024</a:t>
+              <a:t>18.03.2024</a:t>
             </a:fld>
             <a:endParaRPr lang="tr-TR"/>
           </a:p>
@@ -876,7 +881,7 @@
           <a:p>
             <a:fld id="{69002B11-2462-4824-BA85-40F0AE5821C0}" type="datetimeFigureOut">
               <a:rPr lang="tr-TR" smtClean="0"/>
-              <a:t>13.03.2024</a:t>
+              <a:t>18.03.2024</a:t>
             </a:fld>
             <a:endParaRPr lang="tr-TR"/>
           </a:p>
@@ -1152,7 +1157,7 @@
           <a:p>
             <a:fld id="{69002B11-2462-4824-BA85-40F0AE5821C0}" type="datetimeFigureOut">
               <a:rPr lang="tr-TR" smtClean="0"/>
-              <a:t>13.03.2024</a:t>
+              <a:t>18.03.2024</a:t>
             </a:fld>
             <a:endParaRPr lang="tr-TR"/>
           </a:p>
@@ -1420,7 +1425,7 @@
           <a:p>
             <a:fld id="{69002B11-2462-4824-BA85-40F0AE5821C0}" type="datetimeFigureOut">
               <a:rPr lang="tr-TR" smtClean="0"/>
-              <a:t>13.03.2024</a:t>
+              <a:t>18.03.2024</a:t>
             </a:fld>
             <a:endParaRPr lang="tr-TR"/>
           </a:p>
@@ -1835,7 +1840,7 @@
           <a:p>
             <a:fld id="{69002B11-2462-4824-BA85-40F0AE5821C0}" type="datetimeFigureOut">
               <a:rPr lang="tr-TR" smtClean="0"/>
-              <a:t>13.03.2024</a:t>
+              <a:t>18.03.2024</a:t>
             </a:fld>
             <a:endParaRPr lang="tr-TR"/>
           </a:p>
@@ -1977,7 +1982,7 @@
           <a:p>
             <a:fld id="{69002B11-2462-4824-BA85-40F0AE5821C0}" type="datetimeFigureOut">
               <a:rPr lang="tr-TR" smtClean="0"/>
-              <a:t>13.03.2024</a:t>
+              <a:t>18.03.2024</a:t>
             </a:fld>
             <a:endParaRPr lang="tr-TR"/>
           </a:p>
@@ -2090,7 +2095,7 @@
           <a:p>
             <a:fld id="{69002B11-2462-4824-BA85-40F0AE5821C0}" type="datetimeFigureOut">
               <a:rPr lang="tr-TR" smtClean="0"/>
-              <a:t>13.03.2024</a:t>
+              <a:t>18.03.2024</a:t>
             </a:fld>
             <a:endParaRPr lang="tr-TR"/>
           </a:p>
@@ -2403,7 +2408,7 @@
           <a:p>
             <a:fld id="{69002B11-2462-4824-BA85-40F0AE5821C0}" type="datetimeFigureOut">
               <a:rPr lang="tr-TR" smtClean="0"/>
-              <a:t>13.03.2024</a:t>
+              <a:t>18.03.2024</a:t>
             </a:fld>
             <a:endParaRPr lang="tr-TR"/>
           </a:p>
@@ -2692,7 +2697,7 @@
           <a:p>
             <a:fld id="{69002B11-2462-4824-BA85-40F0AE5821C0}" type="datetimeFigureOut">
               <a:rPr lang="tr-TR" smtClean="0"/>
-              <a:t>13.03.2024</a:t>
+              <a:t>18.03.2024</a:t>
             </a:fld>
             <a:endParaRPr lang="tr-TR"/>
           </a:p>
@@ -2935,7 +2940,7 @@
           <a:p>
             <a:fld id="{69002B11-2462-4824-BA85-40F0AE5821C0}" type="datetimeFigureOut">
               <a:rPr lang="tr-TR" smtClean="0"/>
-              <a:t>13.03.2024</a:t>
+              <a:t>18.03.2024</a:t>
             </a:fld>
             <a:endParaRPr lang="tr-TR"/>
           </a:p>
@@ -3483,6 +3488,212 @@
 </p:sld>
 </file>
 
+<file path=ppt/slides/slide10.xml><?xml version="1.0" encoding="utf-8"?>
+<p:sld xmlns:a="http://schemas.openxmlformats.org/drawingml/2006/main" xmlns:r="http://schemas.openxmlformats.org/officeDocument/2006/relationships" xmlns:p="http://schemas.openxmlformats.org/presentationml/2006/main">
+  <p:cSld>
+    <p:spTree>
+      <p:nvGrpSpPr>
+        <p:cNvPr id="1" name=""/>
+        <p:cNvGrpSpPr/>
+        <p:nvPr/>
+      </p:nvGrpSpPr>
+      <p:grpSpPr>
+        <a:xfrm>
+          <a:off x="0" y="0"/>
+          <a:ext cx="0" cy="0"/>
+          <a:chOff x="0" y="0"/>
+          <a:chExt cx="0" cy="0"/>
+        </a:xfrm>
+      </p:grpSpPr>
+      <p:sp>
+        <p:nvSpPr>
+          <p:cNvPr id="2" name="Title 1">
+            <a:extLst>
+              <a:ext uri="{FF2B5EF4-FFF2-40B4-BE49-F238E27FC236}">
+                <a16:creationId xmlns:a16="http://schemas.microsoft.com/office/drawing/2014/main" id="{9AA31F40-4574-E94C-A61E-50AEF6C2DD6E}"/>
+              </a:ext>
+            </a:extLst>
+          </p:cNvPr>
+          <p:cNvSpPr>
+            <a:spLocks noGrp="1"/>
+          </p:cNvSpPr>
+          <p:nvPr>
+            <p:ph type="title"/>
+          </p:nvPr>
+        </p:nvSpPr>
+        <p:spPr/>
+        <p:txBody>
+          <a:bodyPr/>
+          <a:lstStyle/>
+          <a:p>
+            <a:r>
+              <a:rPr lang="en-US" dirty="0"/>
+              <a:t>SVPWM</a:t>
+            </a:r>
+          </a:p>
+        </p:txBody>
+      </p:sp>
+      <p:pic>
+        <p:nvPicPr>
+          <p:cNvPr id="5" name="Content Placeholder 4">
+            <a:extLst>
+              <a:ext uri="{FF2B5EF4-FFF2-40B4-BE49-F238E27FC236}">
+                <a16:creationId xmlns:a16="http://schemas.microsoft.com/office/drawing/2014/main" id="{303D0939-25D5-9408-7D88-5A936A3A73BA}"/>
+              </a:ext>
+            </a:extLst>
+          </p:cNvPr>
+          <p:cNvPicPr>
+            <a:picLocks noGrp="1" noChangeAspect="1"/>
+          </p:cNvPicPr>
+          <p:nvPr>
+            <p:ph idx="1"/>
+          </p:nvPr>
+        </p:nvPicPr>
+        <p:blipFill>
+          <a:blip r:embed="rId2"/>
+          <a:stretch>
+            <a:fillRect/>
+          </a:stretch>
+        </p:blipFill>
+        <p:spPr>
+          <a:xfrm>
+            <a:off x="5887341" y="1980597"/>
+            <a:ext cx="5094514" cy="3135086"/>
+          </a:xfrm>
+        </p:spPr>
+      </p:pic>
+      <p:sp>
+        <p:nvSpPr>
+          <p:cNvPr id="6" name="TextBox 5">
+            <a:extLst>
+              <a:ext uri="{FF2B5EF4-FFF2-40B4-BE49-F238E27FC236}">
+                <a16:creationId xmlns:a16="http://schemas.microsoft.com/office/drawing/2014/main" id="{4CAAD00A-F72B-3568-9D8A-38F0D1888FED}"/>
+              </a:ext>
+            </a:extLst>
+          </p:cNvPr>
+          <p:cNvSpPr txBox="1"/>
+          <p:nvPr/>
+        </p:nvSpPr>
+        <p:spPr>
+          <a:xfrm>
+            <a:off x="6959995" y="5644055"/>
+            <a:ext cx="2949205" cy="369332"/>
+          </a:xfrm>
+          <a:prstGeom prst="rect">
+            <a:avLst/>
+          </a:prstGeom>
+          <a:noFill/>
+        </p:spPr>
+        <p:txBody>
+          <a:bodyPr wrap="none" rtlCol="0">
+            <a:spAutoFit/>
+          </a:bodyPr>
+          <a:lstStyle/>
+          <a:p>
+            <a:r>
+              <a:rPr lang="en-US" dirty="0"/>
+              <a:t>Subregions of Major Region 1</a:t>
+            </a:r>
+          </a:p>
+        </p:txBody>
+      </p:sp>
+    </p:spTree>
+    <p:extLst>
+      <p:ext uri="{BB962C8B-B14F-4D97-AF65-F5344CB8AC3E}">
+        <p14:creationId xmlns:p14="http://schemas.microsoft.com/office/powerpoint/2010/main" val="2614464819"/>
+      </p:ext>
+    </p:extLst>
+  </p:cSld>
+  <p:clrMapOvr>
+    <a:masterClrMapping/>
+  </p:clrMapOvr>
+</p:sld>
+</file>
+
+<file path=ppt/slides/slide11.xml><?xml version="1.0" encoding="utf-8"?>
+<p:sld xmlns:a="http://schemas.openxmlformats.org/drawingml/2006/main" xmlns:r="http://schemas.openxmlformats.org/officeDocument/2006/relationships" xmlns:p="http://schemas.openxmlformats.org/presentationml/2006/main">
+  <p:cSld>
+    <p:spTree>
+      <p:nvGrpSpPr>
+        <p:cNvPr id="1" name=""/>
+        <p:cNvGrpSpPr/>
+        <p:nvPr/>
+      </p:nvGrpSpPr>
+      <p:grpSpPr>
+        <a:xfrm>
+          <a:off x="0" y="0"/>
+          <a:ext cx="0" cy="0"/>
+          <a:chOff x="0" y="0"/>
+          <a:chExt cx="0" cy="0"/>
+        </a:xfrm>
+      </p:grpSpPr>
+      <p:sp>
+        <p:nvSpPr>
+          <p:cNvPr id="2" name="Title 1">
+            <a:extLst>
+              <a:ext uri="{FF2B5EF4-FFF2-40B4-BE49-F238E27FC236}">
+                <a16:creationId xmlns:a16="http://schemas.microsoft.com/office/drawing/2014/main" id="{446EFC11-7E1C-917A-27BC-0B333484CFF8}"/>
+              </a:ext>
+            </a:extLst>
+          </p:cNvPr>
+          <p:cNvSpPr>
+            <a:spLocks noGrp="1"/>
+          </p:cNvSpPr>
+          <p:nvPr>
+            <p:ph type="title"/>
+          </p:nvPr>
+        </p:nvSpPr>
+        <p:spPr/>
+        <p:txBody>
+          <a:bodyPr/>
+          <a:lstStyle/>
+          <a:p>
+            <a:r>
+              <a:rPr lang="en-US" dirty="0"/>
+              <a:t>NPP Control</a:t>
+            </a:r>
+            <a:endParaRPr lang="tr-TR" dirty="0"/>
+          </a:p>
+        </p:txBody>
+      </p:sp>
+      <p:sp>
+        <p:nvSpPr>
+          <p:cNvPr id="3" name="Content Placeholder 2">
+            <a:extLst>
+              <a:ext uri="{FF2B5EF4-FFF2-40B4-BE49-F238E27FC236}">
+                <a16:creationId xmlns:a16="http://schemas.microsoft.com/office/drawing/2014/main" id="{205946D8-F5B1-C83D-1F80-0835DD2F1BC9}"/>
+              </a:ext>
+            </a:extLst>
+          </p:cNvPr>
+          <p:cNvSpPr>
+            <a:spLocks noGrp="1"/>
+          </p:cNvSpPr>
+          <p:nvPr>
+            <p:ph idx="1"/>
+          </p:nvPr>
+        </p:nvSpPr>
+        <p:spPr/>
+        <p:txBody>
+          <a:bodyPr/>
+          <a:lstStyle/>
+          <a:p>
+            <a:endParaRPr lang="tr-TR"/>
+          </a:p>
+        </p:txBody>
+      </p:sp>
+    </p:spTree>
+    <p:extLst>
+      <p:ext uri="{BB962C8B-B14F-4D97-AF65-F5344CB8AC3E}">
+        <p14:creationId xmlns:p14="http://schemas.microsoft.com/office/powerpoint/2010/main" val="1066923395"/>
+      </p:ext>
+    </p:extLst>
+  </p:cSld>
+  <p:clrMapOvr>
+    <a:masterClrMapping/>
+  </p:clrMapOvr>
+</p:sld>
+</file>
+
 <file path=ppt/slides/slide2.xml><?xml version="1.0" encoding="utf-8"?>
 <p:sld xmlns:a="http://schemas.openxmlformats.org/drawingml/2006/main" xmlns:r="http://schemas.openxmlformats.org/officeDocument/2006/relationships" xmlns:p="http://schemas.openxmlformats.org/presentationml/2006/main">
   <p:cSld>
@@ -4905,7 +5116,9 @@
         </p:nvSpPr>
         <p:spPr/>
         <p:txBody>
-          <a:bodyPr/>
+          <a:bodyPr>
+            <a:normAutofit lnSpcReduction="10000"/>
+          </a:bodyPr>
           <a:lstStyle/>
           <a:p>
             <a:r>
@@ -4921,7 +5134,60 @@
               <a:rPr lang="en-US" dirty="0"/>
               <a:t>Large capacitors needed.</a:t>
             </a:r>
-            <a:endParaRPr lang="tr-TR" dirty="0"/>
+          </a:p>
+          <a:p>
+            <a:endParaRPr lang="en-US" dirty="0"/>
+          </a:p>
+          <a:p>
+            <a:pPr algn="l"/>
+            <a:r>
+              <a:rPr lang="en-US" dirty="0"/>
+              <a:t>Worse case for low frequency NPP ripple can be expected at </a:t>
+            </a:r>
+          </a:p>
+          <a:p>
+            <a:pPr algn="l">
+              <a:buFont typeface="Wingdings" panose="05000000000000000000" pitchFamily="2" charset="2"/>
+              <a:buChar char="Ø"/>
+            </a:pPr>
+            <a:r>
+              <a:rPr lang="en-US" dirty="0"/>
+              <a:t>high modulation index</a:t>
+            </a:r>
+          </a:p>
+          <a:p>
+            <a:pPr algn="l">
+              <a:buFont typeface="Wingdings" panose="05000000000000000000" pitchFamily="2" charset="2"/>
+              <a:buChar char="Ø"/>
+            </a:pPr>
+            <a:r>
+              <a:rPr lang="en-US" dirty="0"/>
+              <a:t>high load current</a:t>
+            </a:r>
+          </a:p>
+          <a:p>
+            <a:pPr algn="l">
+              <a:buFont typeface="Wingdings" panose="05000000000000000000" pitchFamily="2" charset="2"/>
+              <a:buChar char="Ø"/>
+            </a:pPr>
+            <a:r>
+              <a:rPr lang="en-US" dirty="0"/>
+              <a:t>low fundamental frequency</a:t>
+            </a:r>
+          </a:p>
+          <a:p>
+            <a:pPr algn="l">
+              <a:buFont typeface="Wingdings" panose="05000000000000000000" pitchFamily="2" charset="2"/>
+              <a:buChar char="Ø"/>
+            </a:pPr>
+            <a:r>
+              <a:rPr lang="en-US" dirty="0"/>
+              <a:t>low power </a:t>
+            </a:r>
+            <a:r>
+              <a:rPr lang="tr-TR" dirty="0"/>
+              <a:t>factor for SPWM modulation.</a:t>
+            </a:r>
           </a:p>
         </p:txBody>
       </p:sp>
@@ -5004,14 +5270,2067 @@
           <a:bodyPr/>
           <a:lstStyle/>
           <a:p>
-            <a:endParaRPr lang="en-TR" dirty="0"/>
-          </a:p>
-        </p:txBody>
-      </p:sp>
+            <a:r>
+              <a:rPr lang="en-US" dirty="0"/>
+              <a:t>Applicable but more complex.</a:t>
+            </a:r>
+          </a:p>
+          <a:p>
+            <a:endParaRPr lang="en-US" dirty="0"/>
+          </a:p>
+          <a:p>
+            <a:r>
+              <a:rPr lang="en-US" dirty="0"/>
+              <a:t>Switching States:</a:t>
+            </a:r>
+          </a:p>
+        </p:txBody>
+      </p:sp>
+      <p:graphicFrame>
+        <p:nvGraphicFramePr>
+          <p:cNvPr id="4" name="Content Placeholder 3">
+            <a:extLst>
+              <a:ext uri="{FF2B5EF4-FFF2-40B4-BE49-F238E27FC236}">
+                <a16:creationId xmlns:a16="http://schemas.microsoft.com/office/drawing/2014/main" id="{F77AFDF8-C369-C6D4-08C8-55D53553DD8C}"/>
+              </a:ext>
+            </a:extLst>
+          </p:cNvPr>
+          <p:cNvGraphicFramePr>
+            <a:graphicFrameLocks/>
+          </p:cNvGraphicFramePr>
+          <p:nvPr>
+            <p:extLst>
+              <p:ext uri="{D42A27DB-BD31-4B8C-83A1-F6EECF244321}">
+                <p14:modId xmlns:p14="http://schemas.microsoft.com/office/powerpoint/2010/main" val="2315675442"/>
+              </p:ext>
+            </p:extLst>
+          </p:nvPr>
+        </p:nvGraphicFramePr>
+        <p:xfrm>
+          <a:off x="3871784" y="3429000"/>
+          <a:ext cx="3995351" cy="2378676"/>
+        </p:xfrm>
+        <a:graphic>
+          <a:graphicData uri="http://schemas.openxmlformats.org/drawingml/2006/table">
+            <a:tbl>
+              <a:tblPr firstRow="1" bandRow="1">
+                <a:tableStyleId>{5C22544A-7EE6-4342-B048-85BDC9FD1C3A}</a:tableStyleId>
+              </a:tblPr>
+              <a:tblGrid>
+                <a:gridCol w="983819">
+                  <a:extLst>
+                    <a:ext uri="{9D8B030D-6E8A-4147-A177-3AD203B41FA5}">
+                      <a16:colId xmlns:a16="http://schemas.microsoft.com/office/drawing/2014/main" val="2473178487"/>
+                    </a:ext>
+                  </a:extLst>
+                </a:gridCol>
+                <a:gridCol w="772757">
+                  <a:extLst>
+                    <a:ext uri="{9D8B030D-6E8A-4147-A177-3AD203B41FA5}">
+                      <a16:colId xmlns:a16="http://schemas.microsoft.com/office/drawing/2014/main" val="3258009248"/>
+                    </a:ext>
+                  </a:extLst>
+                </a:gridCol>
+                <a:gridCol w="706074">
+                  <a:extLst>
+                    <a:ext uri="{9D8B030D-6E8A-4147-A177-3AD203B41FA5}">
+                      <a16:colId xmlns:a16="http://schemas.microsoft.com/office/drawing/2014/main" val="1228353265"/>
+                    </a:ext>
+                  </a:extLst>
+                </a:gridCol>
+                <a:gridCol w="680243">
+                  <a:extLst>
+                    <a:ext uri="{9D8B030D-6E8A-4147-A177-3AD203B41FA5}">
+                      <a16:colId xmlns:a16="http://schemas.microsoft.com/office/drawing/2014/main" val="2559580038"/>
+                    </a:ext>
+                  </a:extLst>
+                </a:gridCol>
+                <a:gridCol w="852458">
+                  <a:extLst>
+                    <a:ext uri="{9D8B030D-6E8A-4147-A177-3AD203B41FA5}">
+                      <a16:colId xmlns:a16="http://schemas.microsoft.com/office/drawing/2014/main" val="3090929261"/>
+                    </a:ext>
+                  </a:extLst>
+                </a:gridCol>
+              </a:tblGrid>
+              <a:tr h="471744">
+                <a:tc>
+                  <a:txBody>
+                    <a:bodyPr/>
+                    <a:lstStyle/>
+                    <a:p>
+                      <a:pPr algn="l" fontAlgn="b"/>
+                      <a:r>
+                        <a:rPr lang="tr-TR" sz="2800" u="none" strike="noStrike" dirty="0">
+                          <a:effectLst/>
+                        </a:rPr>
+                        <a:t>State</a:t>
+                      </a:r>
+                      <a:endParaRPr lang="tr-TR" sz="2800" b="1" i="0" u="none" strike="noStrike" dirty="0">
+                        <a:solidFill>
+                          <a:srgbClr val="000000"/>
+                        </a:solidFill>
+                        <a:effectLst/>
+                        <a:latin typeface="Calibri" panose="020F0502020204030204" pitchFamily="34" charset="0"/>
+                      </a:endParaRPr>
+                    </a:p>
+                  </a:txBody>
+                  <a:tcPr marL="23864" marR="23864" marT="23864" marB="0" anchor="b"/>
+                </a:tc>
+                <a:tc>
+                  <a:txBody>
+                    <a:bodyPr/>
+                    <a:lstStyle/>
+                    <a:p>
+                      <a:pPr algn="l" fontAlgn="b"/>
+                      <a:r>
+                        <a:rPr lang="tr-TR" sz="2800" u="none" strike="noStrike">
+                          <a:effectLst/>
+                        </a:rPr>
+                        <a:t>Q1</a:t>
+                      </a:r>
+                      <a:endParaRPr lang="tr-TR" sz="2800" b="1" i="0" u="none" strike="noStrike">
+                        <a:solidFill>
+                          <a:srgbClr val="000000"/>
+                        </a:solidFill>
+                        <a:effectLst/>
+                        <a:latin typeface="Calibri" panose="020F0502020204030204" pitchFamily="34" charset="0"/>
+                      </a:endParaRPr>
+                    </a:p>
+                  </a:txBody>
+                  <a:tcPr marL="23864" marR="23864" marT="23864" marB="0" anchor="b"/>
+                </a:tc>
+                <a:tc>
+                  <a:txBody>
+                    <a:bodyPr/>
+                    <a:lstStyle/>
+                    <a:p>
+                      <a:pPr algn="l" fontAlgn="b"/>
+                      <a:r>
+                        <a:rPr lang="tr-TR" sz="2800" u="none" strike="noStrike">
+                          <a:effectLst/>
+                        </a:rPr>
+                        <a:t>Q2</a:t>
+                      </a:r>
+                      <a:endParaRPr lang="tr-TR" sz="2800" b="1" i="0" u="none" strike="noStrike">
+                        <a:solidFill>
+                          <a:srgbClr val="000000"/>
+                        </a:solidFill>
+                        <a:effectLst/>
+                        <a:latin typeface="Calibri" panose="020F0502020204030204" pitchFamily="34" charset="0"/>
+                      </a:endParaRPr>
+                    </a:p>
+                  </a:txBody>
+                  <a:tcPr marL="23864" marR="23864" marT="23864" marB="0" anchor="b"/>
+                </a:tc>
+                <a:tc>
+                  <a:txBody>
+                    <a:bodyPr/>
+                    <a:lstStyle/>
+                    <a:p>
+                      <a:pPr algn="l" fontAlgn="b"/>
+                      <a:r>
+                        <a:rPr lang="tr-TR" sz="2800" u="none" strike="noStrike">
+                          <a:effectLst/>
+                        </a:rPr>
+                        <a:t>Q3</a:t>
+                      </a:r>
+                      <a:endParaRPr lang="tr-TR" sz="2800" b="1" i="0" u="none" strike="noStrike">
+                        <a:solidFill>
+                          <a:srgbClr val="000000"/>
+                        </a:solidFill>
+                        <a:effectLst/>
+                        <a:latin typeface="Calibri" panose="020F0502020204030204" pitchFamily="34" charset="0"/>
+                      </a:endParaRPr>
+                    </a:p>
+                  </a:txBody>
+                  <a:tcPr marL="23864" marR="23864" marT="23864" marB="0" anchor="b"/>
+                </a:tc>
+                <a:tc>
+                  <a:txBody>
+                    <a:bodyPr/>
+                    <a:lstStyle/>
+                    <a:p>
+                      <a:pPr algn="l" fontAlgn="b"/>
+                      <a:r>
+                        <a:rPr lang="tr-TR" sz="2800" u="none" strike="noStrike" dirty="0">
+                          <a:effectLst/>
+                        </a:rPr>
+                        <a:t>Q4</a:t>
+                      </a:r>
+                      <a:endParaRPr lang="tr-TR" sz="2800" b="1" i="0" u="none" strike="noStrike" dirty="0">
+                        <a:solidFill>
+                          <a:srgbClr val="000000"/>
+                        </a:solidFill>
+                        <a:effectLst/>
+                        <a:latin typeface="Calibri" panose="020F0502020204030204" pitchFamily="34" charset="0"/>
+                      </a:endParaRPr>
+                    </a:p>
+                  </a:txBody>
+                  <a:tcPr marL="23864" marR="23864" marT="23864" marB="0" anchor="b"/>
+                </a:tc>
+                <a:extLst>
+                  <a:ext uri="{0D108BD9-81ED-4DB2-BD59-A6C34878D82A}">
+                    <a16:rowId xmlns:a16="http://schemas.microsoft.com/office/drawing/2014/main" val="2872731156"/>
+                  </a:ext>
+                </a:extLst>
+              </a:tr>
+              <a:tr h="635644">
+                <a:tc>
+                  <a:txBody>
+                    <a:bodyPr/>
+                    <a:lstStyle/>
+                    <a:p>
+                      <a:pPr algn="ctr" fontAlgn="b"/>
+                      <a:r>
+                        <a:rPr lang="en-US" sz="2800" b="1" i="0" u="none" strike="noStrike" dirty="0">
+                          <a:solidFill>
+                            <a:srgbClr val="000000"/>
+                          </a:solidFill>
+                          <a:effectLst/>
+                          <a:latin typeface="Calibri" panose="020F0502020204030204" pitchFamily="34" charset="0"/>
+                        </a:rPr>
+                        <a:t>P (S1)</a:t>
+                      </a:r>
+                      <a:endParaRPr lang="tr-TR" sz="2800" b="1" i="0" u="none" strike="noStrike" dirty="0">
+                        <a:solidFill>
+                          <a:srgbClr val="000000"/>
+                        </a:solidFill>
+                        <a:effectLst/>
+                        <a:latin typeface="Calibri" panose="020F0502020204030204" pitchFamily="34" charset="0"/>
+                      </a:endParaRPr>
+                    </a:p>
+                  </a:txBody>
+                  <a:tcPr marL="23864" marR="23864" marT="23864" marB="0" anchor="b"/>
+                </a:tc>
+                <a:tc>
+                  <a:txBody>
+                    <a:bodyPr/>
+                    <a:lstStyle/>
+                    <a:p>
+                      <a:pPr algn="l" fontAlgn="b"/>
+                      <a:r>
+                        <a:rPr lang="tr-TR" sz="2800" u="none" strike="noStrike">
+                          <a:effectLst/>
+                        </a:rPr>
+                        <a:t>ON</a:t>
+                      </a:r>
+                      <a:endParaRPr lang="tr-TR" sz="2800" b="1" i="0" u="none" strike="noStrike">
+                        <a:solidFill>
+                          <a:srgbClr val="000000"/>
+                        </a:solidFill>
+                        <a:effectLst/>
+                        <a:latin typeface="Calibri" panose="020F0502020204030204" pitchFamily="34" charset="0"/>
+                      </a:endParaRPr>
+                    </a:p>
+                  </a:txBody>
+                  <a:tcPr marL="23864" marR="23864" marT="23864" marB="0" anchor="b"/>
+                </a:tc>
+                <a:tc>
+                  <a:txBody>
+                    <a:bodyPr/>
+                    <a:lstStyle/>
+                    <a:p>
+                      <a:pPr algn="l" fontAlgn="b"/>
+                      <a:r>
+                        <a:rPr lang="tr-TR" sz="2800" u="none" strike="noStrike">
+                          <a:effectLst/>
+                        </a:rPr>
+                        <a:t>ON</a:t>
+                      </a:r>
+                      <a:endParaRPr lang="tr-TR" sz="2800" b="1" i="0" u="none" strike="noStrike">
+                        <a:solidFill>
+                          <a:srgbClr val="000000"/>
+                        </a:solidFill>
+                        <a:effectLst/>
+                        <a:latin typeface="Calibri" panose="020F0502020204030204" pitchFamily="34" charset="0"/>
+                      </a:endParaRPr>
+                    </a:p>
+                  </a:txBody>
+                  <a:tcPr marL="23864" marR="23864" marT="23864" marB="0" anchor="b"/>
+                </a:tc>
+                <a:tc>
+                  <a:txBody>
+                    <a:bodyPr/>
+                    <a:lstStyle/>
+                    <a:p>
+                      <a:pPr algn="l" fontAlgn="b"/>
+                      <a:r>
+                        <a:rPr lang="tr-TR" sz="2800" u="none" strike="noStrike" dirty="0">
+                          <a:effectLst/>
+                        </a:rPr>
+                        <a:t>OFF</a:t>
+                      </a:r>
+                      <a:endParaRPr lang="tr-TR" sz="2800" b="1" i="0" u="none" strike="noStrike" dirty="0">
+                        <a:solidFill>
+                          <a:srgbClr val="000000"/>
+                        </a:solidFill>
+                        <a:effectLst/>
+                        <a:latin typeface="Calibri" panose="020F0502020204030204" pitchFamily="34" charset="0"/>
+                      </a:endParaRPr>
+                    </a:p>
+                  </a:txBody>
+                  <a:tcPr marL="23864" marR="23864" marT="23864" marB="0" anchor="b"/>
+                </a:tc>
+                <a:tc>
+                  <a:txBody>
+                    <a:bodyPr/>
+                    <a:lstStyle/>
+                    <a:p>
+                      <a:pPr algn="l" fontAlgn="b"/>
+                      <a:r>
+                        <a:rPr lang="tr-TR" sz="2800" u="none" strike="noStrike" dirty="0">
+                          <a:effectLst/>
+                        </a:rPr>
+                        <a:t>OFF</a:t>
+                      </a:r>
+                      <a:endParaRPr lang="tr-TR" sz="2800" b="1" i="0" u="none" strike="noStrike" dirty="0">
+                        <a:solidFill>
+                          <a:srgbClr val="000000"/>
+                        </a:solidFill>
+                        <a:effectLst/>
+                        <a:latin typeface="Calibri" panose="020F0502020204030204" pitchFamily="34" charset="0"/>
+                      </a:endParaRPr>
+                    </a:p>
+                  </a:txBody>
+                  <a:tcPr marL="23864" marR="23864" marT="23864" marB="0" anchor="b"/>
+                </a:tc>
+                <a:extLst>
+                  <a:ext uri="{0D108BD9-81ED-4DB2-BD59-A6C34878D82A}">
+                    <a16:rowId xmlns:a16="http://schemas.microsoft.com/office/drawing/2014/main" val="1306186903"/>
+                  </a:ext>
+                </a:extLst>
+              </a:tr>
+              <a:tr h="635644">
+                <a:tc>
+                  <a:txBody>
+                    <a:bodyPr/>
+                    <a:lstStyle/>
+                    <a:p>
+                      <a:pPr algn="ctr" fontAlgn="b"/>
+                      <a:r>
+                        <a:rPr lang="en-US" sz="2800" b="1" i="0" u="none" strike="noStrike" dirty="0">
+                          <a:solidFill>
+                            <a:srgbClr val="000000"/>
+                          </a:solidFill>
+                          <a:effectLst/>
+                          <a:latin typeface="Calibri" panose="020F0502020204030204" pitchFamily="34" charset="0"/>
+                        </a:rPr>
+                        <a:t>O (S2)</a:t>
+                      </a:r>
+                      <a:endParaRPr lang="tr-TR" sz="2800" b="1" i="0" u="none" strike="noStrike" dirty="0">
+                        <a:solidFill>
+                          <a:srgbClr val="000000"/>
+                        </a:solidFill>
+                        <a:effectLst/>
+                        <a:latin typeface="Calibri" panose="020F0502020204030204" pitchFamily="34" charset="0"/>
+                      </a:endParaRPr>
+                    </a:p>
+                  </a:txBody>
+                  <a:tcPr marL="23864" marR="23864" marT="23864" marB="0" anchor="b"/>
+                </a:tc>
+                <a:tc>
+                  <a:txBody>
+                    <a:bodyPr/>
+                    <a:lstStyle/>
+                    <a:p>
+                      <a:pPr algn="l" fontAlgn="b"/>
+                      <a:r>
+                        <a:rPr lang="tr-TR" sz="2800" u="none" strike="noStrike">
+                          <a:effectLst/>
+                        </a:rPr>
+                        <a:t>OFF</a:t>
+                      </a:r>
+                      <a:endParaRPr lang="tr-TR" sz="2800" b="1" i="0" u="none" strike="noStrike">
+                        <a:solidFill>
+                          <a:srgbClr val="000000"/>
+                        </a:solidFill>
+                        <a:effectLst/>
+                        <a:latin typeface="Calibri" panose="020F0502020204030204" pitchFamily="34" charset="0"/>
+                      </a:endParaRPr>
+                    </a:p>
+                  </a:txBody>
+                  <a:tcPr marL="23864" marR="23864" marT="23864" marB="0" anchor="b"/>
+                </a:tc>
+                <a:tc>
+                  <a:txBody>
+                    <a:bodyPr/>
+                    <a:lstStyle/>
+                    <a:p>
+                      <a:pPr algn="l" fontAlgn="b"/>
+                      <a:r>
+                        <a:rPr lang="tr-TR" sz="2800" u="none" strike="noStrike" dirty="0">
+                          <a:effectLst/>
+                        </a:rPr>
+                        <a:t>ON</a:t>
+                      </a:r>
+                      <a:endParaRPr lang="tr-TR" sz="2800" b="1" i="0" u="none" strike="noStrike" dirty="0">
+                        <a:solidFill>
+                          <a:srgbClr val="000000"/>
+                        </a:solidFill>
+                        <a:effectLst/>
+                        <a:latin typeface="Calibri" panose="020F0502020204030204" pitchFamily="34" charset="0"/>
+                      </a:endParaRPr>
+                    </a:p>
+                  </a:txBody>
+                  <a:tcPr marL="23864" marR="23864" marT="23864" marB="0" anchor="b"/>
+                </a:tc>
+                <a:tc>
+                  <a:txBody>
+                    <a:bodyPr/>
+                    <a:lstStyle/>
+                    <a:p>
+                      <a:pPr algn="l" fontAlgn="b"/>
+                      <a:r>
+                        <a:rPr lang="tr-TR" sz="2800" u="none" strike="noStrike">
+                          <a:effectLst/>
+                        </a:rPr>
+                        <a:t>ON</a:t>
+                      </a:r>
+                      <a:endParaRPr lang="tr-TR" sz="2800" b="1" i="0" u="none" strike="noStrike">
+                        <a:solidFill>
+                          <a:srgbClr val="000000"/>
+                        </a:solidFill>
+                        <a:effectLst/>
+                        <a:latin typeface="Calibri" panose="020F0502020204030204" pitchFamily="34" charset="0"/>
+                      </a:endParaRPr>
+                    </a:p>
+                  </a:txBody>
+                  <a:tcPr marL="23864" marR="23864" marT="23864" marB="0" anchor="b"/>
+                </a:tc>
+                <a:tc>
+                  <a:txBody>
+                    <a:bodyPr/>
+                    <a:lstStyle/>
+                    <a:p>
+                      <a:pPr algn="l" fontAlgn="b"/>
+                      <a:r>
+                        <a:rPr lang="tr-TR" sz="2800" u="none" strike="noStrike">
+                          <a:effectLst/>
+                        </a:rPr>
+                        <a:t>OFF</a:t>
+                      </a:r>
+                      <a:endParaRPr lang="tr-TR" sz="2800" b="1" i="0" u="none" strike="noStrike">
+                        <a:solidFill>
+                          <a:srgbClr val="000000"/>
+                        </a:solidFill>
+                        <a:effectLst/>
+                        <a:latin typeface="Calibri" panose="020F0502020204030204" pitchFamily="34" charset="0"/>
+                      </a:endParaRPr>
+                    </a:p>
+                  </a:txBody>
+                  <a:tcPr marL="23864" marR="23864" marT="23864" marB="0" anchor="b"/>
+                </a:tc>
+                <a:extLst>
+                  <a:ext uri="{0D108BD9-81ED-4DB2-BD59-A6C34878D82A}">
+                    <a16:rowId xmlns:a16="http://schemas.microsoft.com/office/drawing/2014/main" val="2447343177"/>
+                  </a:ext>
+                </a:extLst>
+              </a:tr>
+              <a:tr h="635644">
+                <a:tc>
+                  <a:txBody>
+                    <a:bodyPr/>
+                    <a:lstStyle/>
+                    <a:p>
+                      <a:pPr algn="ctr" fontAlgn="b"/>
+                      <a:r>
+                        <a:rPr lang="en-US" sz="2800" b="1" i="0" u="none" strike="noStrike" dirty="0">
+                          <a:solidFill>
+                            <a:srgbClr val="000000"/>
+                          </a:solidFill>
+                          <a:effectLst/>
+                          <a:latin typeface="Calibri" panose="020F0502020204030204" pitchFamily="34" charset="0"/>
+                        </a:rPr>
+                        <a:t>N (S3)</a:t>
+                      </a:r>
+                      <a:endParaRPr lang="tr-TR" sz="2800" b="1" i="0" u="none" strike="noStrike" dirty="0">
+                        <a:solidFill>
+                          <a:srgbClr val="000000"/>
+                        </a:solidFill>
+                        <a:effectLst/>
+                        <a:latin typeface="Calibri" panose="020F0502020204030204" pitchFamily="34" charset="0"/>
+                      </a:endParaRPr>
+                    </a:p>
+                  </a:txBody>
+                  <a:tcPr marL="23864" marR="23864" marT="23864" marB="0" anchor="b"/>
+                </a:tc>
+                <a:tc>
+                  <a:txBody>
+                    <a:bodyPr/>
+                    <a:lstStyle/>
+                    <a:p>
+                      <a:pPr algn="l" fontAlgn="b"/>
+                      <a:r>
+                        <a:rPr lang="tr-TR" sz="2800" u="none" strike="noStrike" dirty="0">
+                          <a:effectLst/>
+                        </a:rPr>
+                        <a:t>OFF</a:t>
+                      </a:r>
+                      <a:endParaRPr lang="tr-TR" sz="2800" b="1" i="0" u="none" strike="noStrike" dirty="0">
+                        <a:solidFill>
+                          <a:srgbClr val="000000"/>
+                        </a:solidFill>
+                        <a:effectLst/>
+                        <a:latin typeface="Calibri" panose="020F0502020204030204" pitchFamily="34" charset="0"/>
+                      </a:endParaRPr>
+                    </a:p>
+                  </a:txBody>
+                  <a:tcPr marL="23864" marR="23864" marT="23864" marB="0" anchor="b"/>
+                </a:tc>
+                <a:tc>
+                  <a:txBody>
+                    <a:bodyPr/>
+                    <a:lstStyle/>
+                    <a:p>
+                      <a:pPr algn="l" fontAlgn="b"/>
+                      <a:r>
+                        <a:rPr lang="tr-TR" sz="2800" u="none" strike="noStrike">
+                          <a:effectLst/>
+                        </a:rPr>
+                        <a:t>OFF</a:t>
+                      </a:r>
+                      <a:endParaRPr lang="tr-TR" sz="2800" b="1" i="0" u="none" strike="noStrike">
+                        <a:solidFill>
+                          <a:srgbClr val="000000"/>
+                        </a:solidFill>
+                        <a:effectLst/>
+                        <a:latin typeface="Calibri" panose="020F0502020204030204" pitchFamily="34" charset="0"/>
+                      </a:endParaRPr>
+                    </a:p>
+                  </a:txBody>
+                  <a:tcPr marL="23864" marR="23864" marT="23864" marB="0" anchor="b"/>
+                </a:tc>
+                <a:tc>
+                  <a:txBody>
+                    <a:bodyPr/>
+                    <a:lstStyle/>
+                    <a:p>
+                      <a:pPr algn="l" fontAlgn="b"/>
+                      <a:r>
+                        <a:rPr lang="tr-TR" sz="2800" u="none" strike="noStrike">
+                          <a:effectLst/>
+                        </a:rPr>
+                        <a:t>ON</a:t>
+                      </a:r>
+                      <a:endParaRPr lang="tr-TR" sz="2800" b="1" i="0" u="none" strike="noStrike">
+                        <a:solidFill>
+                          <a:srgbClr val="000000"/>
+                        </a:solidFill>
+                        <a:effectLst/>
+                        <a:latin typeface="Calibri" panose="020F0502020204030204" pitchFamily="34" charset="0"/>
+                      </a:endParaRPr>
+                    </a:p>
+                  </a:txBody>
+                  <a:tcPr marL="23864" marR="23864" marT="23864" marB="0" anchor="b"/>
+                </a:tc>
+                <a:tc>
+                  <a:txBody>
+                    <a:bodyPr/>
+                    <a:lstStyle/>
+                    <a:p>
+                      <a:pPr algn="l" fontAlgn="b"/>
+                      <a:r>
+                        <a:rPr lang="tr-TR" sz="2800" u="none" strike="noStrike" dirty="0">
+                          <a:effectLst/>
+                        </a:rPr>
+                        <a:t>ON</a:t>
+                      </a:r>
+                      <a:endParaRPr lang="tr-TR" sz="2800" b="1" i="0" u="none" strike="noStrike" dirty="0">
+                        <a:solidFill>
+                          <a:srgbClr val="000000"/>
+                        </a:solidFill>
+                        <a:effectLst/>
+                        <a:latin typeface="Calibri" panose="020F0502020204030204" pitchFamily="34" charset="0"/>
+                      </a:endParaRPr>
+                    </a:p>
+                  </a:txBody>
+                  <a:tcPr marL="23864" marR="23864" marT="23864" marB="0" anchor="b"/>
+                </a:tc>
+                <a:extLst>
+                  <a:ext uri="{0D108BD9-81ED-4DB2-BD59-A6C34878D82A}">
+                    <a16:rowId xmlns:a16="http://schemas.microsoft.com/office/drawing/2014/main" val="3996089381"/>
+                  </a:ext>
+                </a:extLst>
+              </a:tr>
+            </a:tbl>
+          </a:graphicData>
+        </a:graphic>
+      </p:graphicFrame>
     </p:spTree>
     <p:extLst>
       <p:ext uri="{BB962C8B-B14F-4D97-AF65-F5344CB8AC3E}">
         <p14:creationId xmlns:p14="http://schemas.microsoft.com/office/powerpoint/2010/main" val="2732332473"/>
+      </p:ext>
+    </p:extLst>
+  </p:cSld>
+  <p:clrMapOvr>
+    <a:masterClrMapping/>
+  </p:clrMapOvr>
+</p:sld>
+</file>
+
+<file path=ppt/slides/slide7.xml><?xml version="1.0" encoding="utf-8"?>
+<p:sld xmlns:a="http://schemas.openxmlformats.org/drawingml/2006/main" xmlns:r="http://schemas.openxmlformats.org/officeDocument/2006/relationships" xmlns:p="http://schemas.openxmlformats.org/presentationml/2006/main">
+  <p:cSld>
+    <p:spTree>
+      <p:nvGrpSpPr>
+        <p:cNvPr id="1" name=""/>
+        <p:cNvGrpSpPr/>
+        <p:nvPr/>
+      </p:nvGrpSpPr>
+      <p:grpSpPr>
+        <a:xfrm>
+          <a:off x="0" y="0"/>
+          <a:ext cx="0" cy="0"/>
+          <a:chOff x="0" y="0"/>
+          <a:chExt cx="0" cy="0"/>
+        </a:xfrm>
+      </p:grpSpPr>
+      <p:sp>
+        <p:nvSpPr>
+          <p:cNvPr id="2" name="Title 1">
+            <a:extLst>
+              <a:ext uri="{FF2B5EF4-FFF2-40B4-BE49-F238E27FC236}">
+                <a16:creationId xmlns:a16="http://schemas.microsoft.com/office/drawing/2014/main" id="{FE6731E0-79C0-C727-9532-77EE9341F66F}"/>
+              </a:ext>
+            </a:extLst>
+          </p:cNvPr>
+          <p:cNvSpPr>
+            <a:spLocks noGrp="1"/>
+          </p:cNvSpPr>
+          <p:nvPr>
+            <p:ph type="title"/>
+          </p:nvPr>
+        </p:nvSpPr>
+        <p:spPr/>
+        <p:txBody>
+          <a:bodyPr/>
+          <a:lstStyle/>
+          <a:p>
+            <a:r>
+              <a:rPr lang="en-TR" dirty="0"/>
+              <a:t>SVPWM</a:t>
+            </a:r>
+            <a:endParaRPr lang="tr-TR" dirty="0"/>
+          </a:p>
+        </p:txBody>
+      </p:sp>
+      <p:sp>
+        <p:nvSpPr>
+          <p:cNvPr id="3" name="Content Placeholder 2">
+            <a:extLst>
+              <a:ext uri="{FF2B5EF4-FFF2-40B4-BE49-F238E27FC236}">
+                <a16:creationId xmlns:a16="http://schemas.microsoft.com/office/drawing/2014/main" id="{7B00B537-B7BB-A525-CC46-BB345FBC1C58}"/>
+              </a:ext>
+            </a:extLst>
+          </p:cNvPr>
+          <p:cNvSpPr>
+            <a:spLocks noGrp="1"/>
+          </p:cNvSpPr>
+          <p:nvPr>
+            <p:ph idx="1"/>
+          </p:nvPr>
+        </p:nvSpPr>
+        <p:spPr/>
+        <p:txBody>
+          <a:bodyPr/>
+          <a:lstStyle/>
+          <a:p>
+            <a:r>
+              <a:rPr lang="en-US" b="1" dirty="0"/>
+              <a:t>State S1(P): </a:t>
+            </a:r>
+            <a:r>
+              <a:rPr lang="en-US" dirty="0"/>
+              <a:t>Output voltage: Vdc/2. (voltage difference between node and neutral point)</a:t>
+            </a:r>
+          </a:p>
+          <a:p>
+            <a:endParaRPr lang="en-US" dirty="0"/>
+          </a:p>
+          <a:p>
+            <a:endParaRPr lang="en-US" dirty="0"/>
+          </a:p>
+          <a:p>
+            <a:r>
+              <a:rPr lang="en-US" b="1" dirty="0"/>
+              <a:t>State S2(O): </a:t>
+            </a:r>
+            <a:r>
+              <a:rPr lang="en-US" dirty="0"/>
+              <a:t>Middle switches are ON. Output voltage is 0.</a:t>
+            </a:r>
+          </a:p>
+          <a:p>
+            <a:endParaRPr lang="en-US" dirty="0"/>
+          </a:p>
+          <a:p>
+            <a:endParaRPr lang="en-US" dirty="0"/>
+          </a:p>
+          <a:p>
+            <a:r>
+              <a:rPr lang="en-US" b="1" dirty="0"/>
+              <a:t>State S3(N): </a:t>
+            </a:r>
+            <a:r>
+              <a:rPr lang="en-US" dirty="0"/>
+              <a:t>Bottom 2 switches are ON. Output voltage: -Vdc/2</a:t>
+            </a:r>
+            <a:endParaRPr lang="tr-TR" dirty="0"/>
+          </a:p>
+        </p:txBody>
+      </p:sp>
+    </p:spTree>
+    <p:extLst>
+      <p:ext uri="{BB962C8B-B14F-4D97-AF65-F5344CB8AC3E}">
+        <p14:creationId xmlns:p14="http://schemas.microsoft.com/office/powerpoint/2010/main" val="3666332446"/>
+      </p:ext>
+    </p:extLst>
+  </p:cSld>
+  <p:clrMapOvr>
+    <a:masterClrMapping/>
+  </p:clrMapOvr>
+</p:sld>
+</file>
+
+<file path=ppt/slides/slide8.xml><?xml version="1.0" encoding="utf-8"?>
+<p:sld xmlns:a="http://schemas.openxmlformats.org/drawingml/2006/main" xmlns:r="http://schemas.openxmlformats.org/officeDocument/2006/relationships" xmlns:p="http://schemas.openxmlformats.org/presentationml/2006/main">
+  <p:cSld>
+    <p:spTree>
+      <p:nvGrpSpPr>
+        <p:cNvPr id="1" name=""/>
+        <p:cNvGrpSpPr/>
+        <p:nvPr/>
+      </p:nvGrpSpPr>
+      <p:grpSpPr>
+        <a:xfrm>
+          <a:off x="0" y="0"/>
+          <a:ext cx="0" cy="0"/>
+          <a:chOff x="0" y="0"/>
+          <a:chExt cx="0" cy="0"/>
+        </a:xfrm>
+      </p:grpSpPr>
+      <p:sp>
+        <p:nvSpPr>
+          <p:cNvPr id="2" name="Title 1">
+            <a:extLst>
+              <a:ext uri="{FF2B5EF4-FFF2-40B4-BE49-F238E27FC236}">
+                <a16:creationId xmlns:a16="http://schemas.microsoft.com/office/drawing/2014/main" id="{C7531E75-CD5B-F7DA-2B75-1393392E3343}"/>
+              </a:ext>
+            </a:extLst>
+          </p:cNvPr>
+          <p:cNvSpPr>
+            <a:spLocks noGrp="1"/>
+          </p:cNvSpPr>
+          <p:nvPr>
+            <p:ph type="title"/>
+          </p:nvPr>
+        </p:nvSpPr>
+        <p:spPr/>
+        <p:txBody>
+          <a:bodyPr/>
+          <a:lstStyle/>
+          <a:p>
+            <a:r>
+              <a:rPr lang="en-US" dirty="0"/>
+              <a:t>SVPWM</a:t>
+            </a:r>
+            <a:endParaRPr lang="tr-TR" dirty="0"/>
+          </a:p>
+        </p:txBody>
+      </p:sp>
+      <p:pic>
+        <p:nvPicPr>
+          <p:cNvPr id="5" name="Content Placeholder 4">
+            <a:extLst>
+              <a:ext uri="{FF2B5EF4-FFF2-40B4-BE49-F238E27FC236}">
+                <a16:creationId xmlns:a16="http://schemas.microsoft.com/office/drawing/2014/main" id="{279A2587-1448-2EC3-55FB-6BA61C713EEC}"/>
+              </a:ext>
+            </a:extLst>
+          </p:cNvPr>
+          <p:cNvPicPr>
+            <a:picLocks noGrp="1" noChangeAspect="1"/>
+          </p:cNvPicPr>
+          <p:nvPr>
+            <p:ph idx="1"/>
+          </p:nvPr>
+        </p:nvPicPr>
+        <p:blipFill>
+          <a:blip r:embed="rId2"/>
+          <a:stretch>
+            <a:fillRect/>
+          </a:stretch>
+        </p:blipFill>
+        <p:spPr>
+          <a:xfrm>
+            <a:off x="6928318" y="1828799"/>
+            <a:ext cx="4425482" cy="3624650"/>
+          </a:xfrm>
+        </p:spPr>
+      </p:pic>
+      <p:sp>
+        <p:nvSpPr>
+          <p:cNvPr id="6" name="TextBox 5">
+            <a:extLst>
+              <a:ext uri="{FF2B5EF4-FFF2-40B4-BE49-F238E27FC236}">
+                <a16:creationId xmlns:a16="http://schemas.microsoft.com/office/drawing/2014/main" id="{41DD6B85-A9DC-B702-A88A-72E843BFA630}"/>
+              </a:ext>
+            </a:extLst>
+          </p:cNvPr>
+          <p:cNvSpPr txBox="1"/>
+          <p:nvPr/>
+        </p:nvSpPr>
+        <p:spPr>
+          <a:xfrm>
+            <a:off x="1087395" y="1507523"/>
+            <a:ext cx="5626443" cy="4524315"/>
+          </a:xfrm>
+          <a:prstGeom prst="rect">
+            <a:avLst/>
+          </a:prstGeom>
+          <a:noFill/>
+        </p:spPr>
+        <p:txBody>
+          <a:bodyPr wrap="square" rtlCol="0">
+            <a:spAutoFit/>
+          </a:bodyPr>
+          <a:lstStyle/>
+          <a:p>
+            <a:pPr marL="285750" indent="-285750">
+              <a:buFont typeface="Arial" panose="020B0604020202020204" pitchFamily="34" charset="0"/>
+              <a:buChar char="•"/>
+            </a:pPr>
+            <a:r>
+              <a:rPr lang="en-US" dirty="0"/>
+              <a:t>Totally 27 switching states</a:t>
+            </a:r>
+          </a:p>
+          <a:p>
+            <a:pPr marL="285750" indent="-285750">
+              <a:buFont typeface="Arial" panose="020B0604020202020204" pitchFamily="34" charset="0"/>
+              <a:buChar char="•"/>
+            </a:pPr>
+            <a:endParaRPr lang="en-US" dirty="0"/>
+          </a:p>
+          <a:p>
+            <a:pPr marL="285750" indent="-285750">
+              <a:buFont typeface="Arial" panose="020B0604020202020204" pitchFamily="34" charset="0"/>
+              <a:buChar char="•"/>
+            </a:pPr>
+            <a:endParaRPr lang="en-US" dirty="0"/>
+          </a:p>
+          <a:p>
+            <a:pPr marL="285750" indent="-285750">
+              <a:buFont typeface="Arial" panose="020B0604020202020204" pitchFamily="34" charset="0"/>
+              <a:buChar char="•"/>
+            </a:pPr>
+            <a:r>
+              <a:rPr lang="en-US" dirty="0"/>
+              <a:t>All possible switching states represented at the left.</a:t>
+            </a:r>
+          </a:p>
+          <a:p>
+            <a:endParaRPr lang="en-US" dirty="0"/>
+          </a:p>
+          <a:p>
+            <a:pPr marL="285750" indent="-285750">
+              <a:buFont typeface="Arial" panose="020B0604020202020204" pitchFamily="34" charset="0"/>
+              <a:buChar char="•"/>
+            </a:pPr>
+            <a:r>
+              <a:rPr lang="en-US" dirty="0">
+                <a:latin typeface="NimbusRomNo9L-Regu"/>
+              </a:rPr>
+              <a:t>V</a:t>
+            </a:r>
+            <a:r>
+              <a:rPr lang="tr-TR" sz="1800" b="0" i="0" u="none" strike="noStrike" baseline="0" dirty="0">
+                <a:latin typeface="NimbusRomNo9L-Regu"/>
+              </a:rPr>
+              <a:t>ectors have different lengths</a:t>
+            </a:r>
+            <a:r>
+              <a:rPr lang="en-US" sz="1800" b="0" i="0" u="none" strike="noStrike" baseline="0" dirty="0">
+                <a:latin typeface="NimbusRomNo9L-Regu"/>
+              </a:rPr>
+              <a:t>. </a:t>
+            </a:r>
+          </a:p>
+          <a:p>
+            <a:pPr marL="285750" indent="-285750">
+              <a:buFont typeface="Arial" panose="020B0604020202020204" pitchFamily="34" charset="0"/>
+              <a:buChar char="•"/>
+            </a:pPr>
+            <a:endParaRPr lang="en-US" sz="1800" b="0" i="0" u="none" strike="noStrike" baseline="0" dirty="0">
+              <a:latin typeface="NimbusRomNo9L-Regu"/>
+            </a:endParaRPr>
+          </a:p>
+          <a:p>
+            <a:pPr marL="285750" indent="-285750">
+              <a:buFont typeface="Arial" panose="020B0604020202020204" pitchFamily="34" charset="0"/>
+              <a:buChar char="•"/>
+            </a:pPr>
+            <a:r>
+              <a:rPr lang="en-US" sz="1800" b="0" i="0" u="none" strike="noStrike" baseline="0" dirty="0">
+                <a:solidFill>
+                  <a:srgbClr val="7030A0"/>
+                </a:solidFill>
+                <a:latin typeface="NimbusRomNo9L-Regu"/>
+              </a:rPr>
+              <a:t>Largest vectors</a:t>
+            </a:r>
+            <a:r>
+              <a:rPr lang="en-US" sz="1800" b="0" i="0" u="none" strike="noStrike" baseline="0" dirty="0">
+                <a:latin typeface="NimbusRomNo9L-Regu"/>
+              </a:rPr>
+              <a:t> are obtained when all phases </a:t>
+            </a:r>
+            <a:r>
+              <a:rPr lang="tr-TR" sz="1800" b="0" i="0" u="none" strike="noStrike" baseline="0" dirty="0">
+                <a:latin typeface="NimbusRomNo9L-Regu"/>
+              </a:rPr>
+              <a:t>have non-O states.</a:t>
+            </a:r>
+            <a:endParaRPr lang="en-US" sz="1800" b="0" i="0" u="none" strike="noStrike" baseline="0" dirty="0">
+              <a:latin typeface="NimbusRomNo9L-Regu"/>
+            </a:endParaRPr>
+          </a:p>
+          <a:p>
+            <a:pPr marL="285750" indent="-285750">
+              <a:buFont typeface="Arial" panose="020B0604020202020204" pitchFamily="34" charset="0"/>
+              <a:buChar char="•"/>
+            </a:pPr>
+            <a:endParaRPr lang="en-US" dirty="0">
+              <a:latin typeface="NimbusRomNo9L-Regu"/>
+            </a:endParaRPr>
+          </a:p>
+          <a:p>
+            <a:pPr marL="285750" indent="-285750">
+              <a:buFont typeface="Arial" panose="020B0604020202020204" pitchFamily="34" charset="0"/>
+              <a:buChar char="•"/>
+            </a:pPr>
+            <a:r>
+              <a:rPr lang="en-US" sz="1800" b="0" i="0" u="none" strike="noStrike" baseline="0" dirty="0">
+                <a:solidFill>
+                  <a:srgbClr val="00B050"/>
+                </a:solidFill>
+                <a:latin typeface="NimbusRomNo9L-Regu"/>
+              </a:rPr>
+              <a:t>Middle vectors: </a:t>
+            </a:r>
+            <a:r>
+              <a:rPr lang="en-US" sz="1800" b="0" i="0" u="none" strike="noStrike" baseline="0" dirty="0">
+                <a:latin typeface="NimbusRomNo9L-Regu"/>
+              </a:rPr>
+              <a:t>one phase at O-state.</a:t>
+            </a:r>
+          </a:p>
+          <a:p>
+            <a:pPr marL="285750" indent="-285750">
+              <a:buFont typeface="Arial" panose="020B0604020202020204" pitchFamily="34" charset="0"/>
+              <a:buChar char="•"/>
+            </a:pPr>
+            <a:endParaRPr lang="en-US" dirty="0">
+              <a:latin typeface="NimbusRomNo9L-Regu"/>
+            </a:endParaRPr>
+          </a:p>
+          <a:p>
+            <a:pPr marL="285750" indent="-285750">
+              <a:buFont typeface="Arial" panose="020B0604020202020204" pitchFamily="34" charset="0"/>
+              <a:buChar char="•"/>
+            </a:pPr>
+            <a:r>
+              <a:rPr lang="en-US" sz="1800" b="0" i="0" u="none" strike="noStrike" baseline="0" dirty="0">
+                <a:solidFill>
+                  <a:srgbClr val="00B0F0"/>
+                </a:solidFill>
+                <a:latin typeface="NimbusRomNo9L-Regu"/>
+              </a:rPr>
+              <a:t>Small vectors: </a:t>
+            </a:r>
+            <a:r>
+              <a:rPr lang="en-US" sz="1800" b="0" i="0" u="none" strike="noStrike" baseline="0" dirty="0">
+                <a:latin typeface="NimbusRomNo9L-Regu"/>
+              </a:rPr>
+              <a:t>two phases at  O-state. Two alternative vectors for small vectors.</a:t>
+            </a:r>
+          </a:p>
+          <a:p>
+            <a:pPr marL="285750" indent="-285750">
+              <a:buFont typeface="Arial" panose="020B0604020202020204" pitchFamily="34" charset="0"/>
+              <a:buChar char="•"/>
+            </a:pPr>
+            <a:endParaRPr lang="en-US" dirty="0"/>
+          </a:p>
+          <a:p>
+            <a:pPr marL="285750" indent="-285750">
+              <a:buFont typeface="Arial" panose="020B0604020202020204" pitchFamily="34" charset="0"/>
+              <a:buChar char="•"/>
+            </a:pPr>
+            <a:endParaRPr lang="tr-TR" dirty="0"/>
+          </a:p>
+        </p:txBody>
+      </p:sp>
+    </p:spTree>
+    <p:extLst>
+      <p:ext uri="{BB962C8B-B14F-4D97-AF65-F5344CB8AC3E}">
+        <p14:creationId xmlns:p14="http://schemas.microsoft.com/office/powerpoint/2010/main" val="1816883717"/>
+      </p:ext>
+    </p:extLst>
+  </p:cSld>
+  <p:clrMapOvr>
+    <a:masterClrMapping/>
+  </p:clrMapOvr>
+</p:sld>
+</file>
+
+<file path=ppt/slides/slide9.xml><?xml version="1.0" encoding="utf-8"?>
+<p:sld xmlns:a="http://schemas.openxmlformats.org/drawingml/2006/main" xmlns:r="http://schemas.openxmlformats.org/officeDocument/2006/relationships" xmlns:p="http://schemas.openxmlformats.org/presentationml/2006/main">
+  <p:cSld>
+    <p:spTree>
+      <p:nvGrpSpPr>
+        <p:cNvPr id="1" name=""/>
+        <p:cNvGrpSpPr/>
+        <p:nvPr/>
+      </p:nvGrpSpPr>
+      <p:grpSpPr>
+        <a:xfrm>
+          <a:off x="0" y="0"/>
+          <a:ext cx="0" cy="0"/>
+          <a:chOff x="0" y="0"/>
+          <a:chExt cx="0" cy="0"/>
+        </a:xfrm>
+      </p:grpSpPr>
+      <p:sp>
+        <p:nvSpPr>
+          <p:cNvPr id="2" name="Title 1">
+            <a:extLst>
+              <a:ext uri="{FF2B5EF4-FFF2-40B4-BE49-F238E27FC236}">
+                <a16:creationId xmlns:a16="http://schemas.microsoft.com/office/drawing/2014/main" id="{86345EF3-6F0C-8314-79C7-3E62B98D8A6E}"/>
+              </a:ext>
+            </a:extLst>
+          </p:cNvPr>
+          <p:cNvSpPr>
+            <a:spLocks noGrp="1"/>
+          </p:cNvSpPr>
+          <p:nvPr>
+            <p:ph type="title"/>
+          </p:nvPr>
+        </p:nvSpPr>
+        <p:spPr/>
+        <p:txBody>
+          <a:bodyPr/>
+          <a:lstStyle/>
+          <a:p>
+            <a:r>
+              <a:rPr lang="en-US" dirty="0"/>
+              <a:t>SVPWM</a:t>
+            </a:r>
+          </a:p>
+        </p:txBody>
+      </p:sp>
+      <p:sp>
+        <p:nvSpPr>
+          <p:cNvPr id="3" name="Content Placeholder 2">
+            <a:extLst>
+              <a:ext uri="{FF2B5EF4-FFF2-40B4-BE49-F238E27FC236}">
+                <a16:creationId xmlns:a16="http://schemas.microsoft.com/office/drawing/2014/main" id="{D3BFF367-5C1B-43BB-7CD4-CC51496D78ED}"/>
+              </a:ext>
+            </a:extLst>
+          </p:cNvPr>
+          <p:cNvSpPr>
+            <a:spLocks noGrp="1"/>
+          </p:cNvSpPr>
+          <p:nvPr>
+            <p:ph idx="1"/>
+          </p:nvPr>
+        </p:nvSpPr>
+        <p:spPr>
+          <a:xfrm>
+            <a:off x="838200" y="1825625"/>
+            <a:ext cx="5257800" cy="4351338"/>
+          </a:xfrm>
+        </p:spPr>
+        <p:txBody>
+          <a:bodyPr/>
+          <a:lstStyle/>
+          <a:p>
+            <a:r>
+              <a:rPr lang="en-US" dirty="0"/>
+              <a:t> required output vector is obtained by using four vectors.</a:t>
+            </a:r>
+          </a:p>
+          <a:p>
+            <a:endParaRPr lang="en-US" dirty="0"/>
+          </a:p>
+          <a:p>
+            <a:r>
+              <a:rPr lang="en-US" dirty="0"/>
+              <a:t>Six major regions. Each major regions have six sub regions.</a:t>
+            </a:r>
+          </a:p>
+        </p:txBody>
+      </p:sp>
+      <p:pic>
+        <p:nvPicPr>
+          <p:cNvPr id="5" name="Picture 4">
+            <a:extLst>
+              <a:ext uri="{FF2B5EF4-FFF2-40B4-BE49-F238E27FC236}">
+                <a16:creationId xmlns:a16="http://schemas.microsoft.com/office/drawing/2014/main" id="{3AE91BBE-53C2-9283-9CC2-8BB4CBF4B0F0}"/>
+              </a:ext>
+            </a:extLst>
+          </p:cNvPr>
+          <p:cNvPicPr>
+            <a:picLocks noChangeAspect="1"/>
+          </p:cNvPicPr>
+          <p:nvPr/>
+        </p:nvPicPr>
+        <p:blipFill>
+          <a:blip r:embed="rId2"/>
+          <a:stretch>
+            <a:fillRect/>
+          </a:stretch>
+        </p:blipFill>
+        <p:spPr>
+          <a:xfrm>
+            <a:off x="6193104" y="3167396"/>
+            <a:ext cx="4937760" cy="3180806"/>
+          </a:xfrm>
+          <a:prstGeom prst="rect">
+            <a:avLst/>
+          </a:prstGeom>
+        </p:spPr>
+      </p:pic>
+      <p:graphicFrame>
+        <p:nvGraphicFramePr>
+          <p:cNvPr id="6" name="Table 5">
+            <a:extLst>
+              <a:ext uri="{FF2B5EF4-FFF2-40B4-BE49-F238E27FC236}">
+                <a16:creationId xmlns:a16="http://schemas.microsoft.com/office/drawing/2014/main" id="{58760CBC-527B-374D-7EE8-ACC3D9AFEFE6}"/>
+              </a:ext>
+            </a:extLst>
+          </p:cNvPr>
+          <p:cNvGraphicFramePr>
+            <a:graphicFrameLocks noGrp="1"/>
+          </p:cNvGraphicFramePr>
+          <p:nvPr>
+            <p:extLst>
+              <p:ext uri="{D42A27DB-BD31-4B8C-83A1-F6EECF244321}">
+                <p14:modId xmlns:p14="http://schemas.microsoft.com/office/powerpoint/2010/main" val="141309601"/>
+              </p:ext>
+            </p:extLst>
+          </p:nvPr>
+        </p:nvGraphicFramePr>
+        <p:xfrm>
+          <a:off x="6986820" y="1116701"/>
+          <a:ext cx="3350327" cy="1704847"/>
+        </p:xfrm>
+        <a:graphic>
+          <a:graphicData uri="http://schemas.openxmlformats.org/drawingml/2006/table">
+            <a:tbl>
+              <a:tblPr>
+                <a:tableStyleId>{93296810-A885-4BE3-A3E7-6D5BEEA58F35}</a:tableStyleId>
+              </a:tblPr>
+              <a:tblGrid>
+                <a:gridCol w="489906">
+                  <a:extLst>
+                    <a:ext uri="{9D8B030D-6E8A-4147-A177-3AD203B41FA5}">
+                      <a16:colId xmlns:a16="http://schemas.microsoft.com/office/drawing/2014/main" val="3860678846"/>
+                    </a:ext>
+                  </a:extLst>
+                </a:gridCol>
+                <a:gridCol w="505710">
+                  <a:extLst>
+                    <a:ext uri="{9D8B030D-6E8A-4147-A177-3AD203B41FA5}">
+                      <a16:colId xmlns:a16="http://schemas.microsoft.com/office/drawing/2014/main" val="3284734267"/>
+                    </a:ext>
+                  </a:extLst>
+                </a:gridCol>
+                <a:gridCol w="505710">
+                  <a:extLst>
+                    <a:ext uri="{9D8B030D-6E8A-4147-A177-3AD203B41FA5}">
+                      <a16:colId xmlns:a16="http://schemas.microsoft.com/office/drawing/2014/main" val="2249765587"/>
+                    </a:ext>
+                  </a:extLst>
+                </a:gridCol>
+                <a:gridCol w="902234">
+                  <a:extLst>
+                    <a:ext uri="{9D8B030D-6E8A-4147-A177-3AD203B41FA5}">
+                      <a16:colId xmlns:a16="http://schemas.microsoft.com/office/drawing/2014/main" val="1176733224"/>
+                    </a:ext>
+                  </a:extLst>
+                </a:gridCol>
+                <a:gridCol w="946767">
+                  <a:extLst>
+                    <a:ext uri="{9D8B030D-6E8A-4147-A177-3AD203B41FA5}">
+                      <a16:colId xmlns:a16="http://schemas.microsoft.com/office/drawing/2014/main" val="3742209369"/>
+                    </a:ext>
+                  </a:extLst>
+                </a:gridCol>
+              </a:tblGrid>
+              <a:tr h="402637">
+                <a:tc>
+                  <a:txBody>
+                    <a:bodyPr/>
+                    <a:lstStyle/>
+                    <a:p>
+                      <a:pPr algn="l" fontAlgn="b"/>
+                      <a:r>
+                        <a:rPr lang="en-US" sz="1100" b="1" u="none" strike="noStrike" dirty="0">
+                          <a:effectLst/>
+                        </a:rPr>
+                        <a:t>Va</a:t>
+                      </a:r>
+                      <a:endParaRPr lang="en-US" sz="1100" b="1" i="0" u="none" strike="noStrike" dirty="0">
+                        <a:solidFill>
+                          <a:srgbClr val="000000"/>
+                        </a:solidFill>
+                        <a:effectLst/>
+                        <a:latin typeface="Calibri" panose="020F0502020204030204" pitchFamily="34" charset="0"/>
+                      </a:endParaRPr>
+                    </a:p>
+                  </a:txBody>
+                  <a:tcPr marL="6350" marR="6350" marT="6350" marB="0" anchor="b"/>
+                </a:tc>
+                <a:tc>
+                  <a:txBody>
+                    <a:bodyPr/>
+                    <a:lstStyle/>
+                    <a:p>
+                      <a:pPr algn="l" fontAlgn="b"/>
+                      <a:r>
+                        <a:rPr lang="en-US" sz="1100" b="1" u="none" strike="noStrike" dirty="0" err="1">
+                          <a:effectLst/>
+                        </a:rPr>
+                        <a:t>Vb</a:t>
+                      </a:r>
+                      <a:endParaRPr lang="en-US" sz="1100" b="1" i="0" u="none" strike="noStrike" dirty="0">
+                        <a:solidFill>
+                          <a:srgbClr val="000000"/>
+                        </a:solidFill>
+                        <a:effectLst/>
+                        <a:latin typeface="Calibri" panose="020F0502020204030204" pitchFamily="34" charset="0"/>
+                      </a:endParaRPr>
+                    </a:p>
+                  </a:txBody>
+                  <a:tcPr marL="6350" marR="6350" marT="6350" marB="0" anchor="b"/>
+                </a:tc>
+                <a:tc>
+                  <a:txBody>
+                    <a:bodyPr/>
+                    <a:lstStyle/>
+                    <a:p>
+                      <a:pPr algn="l" fontAlgn="b"/>
+                      <a:r>
+                        <a:rPr lang="en-US" sz="1100" b="1" u="none" strike="noStrike" dirty="0" err="1">
+                          <a:effectLst/>
+                        </a:rPr>
+                        <a:t>Vc</a:t>
+                      </a:r>
+                      <a:endParaRPr lang="en-US" sz="1100" b="1" i="0" u="none" strike="noStrike" dirty="0">
+                        <a:solidFill>
+                          <a:srgbClr val="000000"/>
+                        </a:solidFill>
+                        <a:effectLst/>
+                        <a:latin typeface="Calibri" panose="020F0502020204030204" pitchFamily="34" charset="0"/>
+                      </a:endParaRPr>
+                    </a:p>
+                  </a:txBody>
+                  <a:tcPr marL="6350" marR="6350" marT="6350" marB="0" anchor="b"/>
+                </a:tc>
+                <a:tc>
+                  <a:txBody>
+                    <a:bodyPr/>
+                    <a:lstStyle/>
+                    <a:p>
+                      <a:pPr algn="l" fontAlgn="b"/>
+                      <a:r>
+                        <a:rPr lang="en-US" sz="1100" b="1" u="none" strike="noStrike" dirty="0">
+                          <a:effectLst/>
+                        </a:rPr>
+                        <a:t>Main Sector</a:t>
+                      </a:r>
+                      <a:endParaRPr lang="en-US" sz="1100" b="1" i="0" u="none" strike="noStrike" dirty="0">
+                        <a:solidFill>
+                          <a:srgbClr val="000000"/>
+                        </a:solidFill>
+                        <a:effectLst/>
+                        <a:latin typeface="Calibri" panose="020F0502020204030204" pitchFamily="34" charset="0"/>
+                      </a:endParaRPr>
+                    </a:p>
+                  </a:txBody>
+                  <a:tcPr marL="6350" marR="6350" marT="6350" marB="0" anchor="b"/>
+                </a:tc>
+                <a:tc>
+                  <a:txBody>
+                    <a:bodyPr/>
+                    <a:lstStyle/>
+                    <a:p>
+                      <a:pPr algn="l" fontAlgn="b"/>
+                      <a:r>
+                        <a:rPr lang="en-US" sz="1100" b="1" u="none" strike="noStrike" dirty="0">
+                          <a:effectLst/>
+                        </a:rPr>
+                        <a:t>Center vector</a:t>
+                      </a:r>
+                      <a:endParaRPr lang="en-US" sz="1100" b="1" i="0" u="none" strike="noStrike" dirty="0">
+                        <a:solidFill>
+                          <a:srgbClr val="000000"/>
+                        </a:solidFill>
+                        <a:effectLst/>
+                        <a:latin typeface="Calibri" panose="020F0502020204030204" pitchFamily="34" charset="0"/>
+                      </a:endParaRPr>
+                    </a:p>
+                  </a:txBody>
+                  <a:tcPr marL="6350" marR="6350" marT="6350" marB="0" anchor="b"/>
+                </a:tc>
+                <a:extLst>
+                  <a:ext uri="{0D108BD9-81ED-4DB2-BD59-A6C34878D82A}">
+                    <a16:rowId xmlns:a16="http://schemas.microsoft.com/office/drawing/2014/main" val="1891984606"/>
+                  </a:ext>
+                </a:extLst>
+              </a:tr>
+              <a:tr h="217035">
+                <a:tc>
+                  <a:txBody>
+                    <a:bodyPr/>
+                    <a:lstStyle/>
+                    <a:p>
+                      <a:pPr algn="l" fontAlgn="b"/>
+                      <a:r>
+                        <a:rPr lang="en-US" sz="1100" u="none" strike="noStrike">
+                          <a:effectLst/>
+                        </a:rPr>
+                        <a:t>&gt;0</a:t>
+                      </a:r>
+                      <a:endParaRPr lang="en-US" sz="1100" b="0" i="0" u="none" strike="noStrike">
+                        <a:solidFill>
+                          <a:srgbClr val="000000"/>
+                        </a:solidFill>
+                        <a:effectLst/>
+                        <a:latin typeface="Calibri" panose="020F0502020204030204" pitchFamily="34" charset="0"/>
+                      </a:endParaRPr>
+                    </a:p>
+                  </a:txBody>
+                  <a:tcPr marL="6350" marR="6350" marT="6350" marB="0" anchor="b"/>
+                </a:tc>
+                <a:tc>
+                  <a:txBody>
+                    <a:bodyPr/>
+                    <a:lstStyle/>
+                    <a:p>
+                      <a:pPr algn="l" fontAlgn="b"/>
+                      <a:r>
+                        <a:rPr lang="en-US" sz="1100" u="none" strike="noStrike">
+                          <a:effectLst/>
+                        </a:rPr>
+                        <a:t>&lt;0</a:t>
+                      </a:r>
+                      <a:endParaRPr lang="en-US" sz="1100" b="0" i="0" u="none" strike="noStrike">
+                        <a:solidFill>
+                          <a:srgbClr val="000000"/>
+                        </a:solidFill>
+                        <a:effectLst/>
+                        <a:latin typeface="Calibri" panose="020F0502020204030204" pitchFamily="34" charset="0"/>
+                      </a:endParaRPr>
+                    </a:p>
+                  </a:txBody>
+                  <a:tcPr marL="6350" marR="6350" marT="6350" marB="0" anchor="b"/>
+                </a:tc>
+                <a:tc>
+                  <a:txBody>
+                    <a:bodyPr/>
+                    <a:lstStyle/>
+                    <a:p>
+                      <a:pPr algn="l" fontAlgn="b"/>
+                      <a:r>
+                        <a:rPr lang="en-US" sz="1100" u="none" strike="noStrike">
+                          <a:effectLst/>
+                        </a:rPr>
+                        <a:t>&lt;0</a:t>
+                      </a:r>
+                      <a:endParaRPr lang="en-US" sz="1100" b="0" i="0" u="none" strike="noStrike">
+                        <a:solidFill>
+                          <a:srgbClr val="000000"/>
+                        </a:solidFill>
+                        <a:effectLst/>
+                        <a:latin typeface="Calibri" panose="020F0502020204030204" pitchFamily="34" charset="0"/>
+                      </a:endParaRPr>
+                    </a:p>
+                  </a:txBody>
+                  <a:tcPr marL="6350" marR="6350" marT="6350" marB="0" anchor="b"/>
+                </a:tc>
+                <a:tc>
+                  <a:txBody>
+                    <a:bodyPr/>
+                    <a:lstStyle/>
+                    <a:p>
+                      <a:pPr algn="r" fontAlgn="b"/>
+                      <a:r>
+                        <a:rPr lang="en-US" sz="1100" u="none" strike="noStrike">
+                          <a:effectLst/>
+                        </a:rPr>
+                        <a:t>1</a:t>
+                      </a:r>
+                      <a:endParaRPr lang="en-US" sz="1100" b="0" i="0" u="none" strike="noStrike">
+                        <a:solidFill>
+                          <a:srgbClr val="000000"/>
+                        </a:solidFill>
+                        <a:effectLst/>
+                        <a:latin typeface="Calibri" panose="020F0502020204030204" pitchFamily="34" charset="0"/>
+                      </a:endParaRPr>
+                    </a:p>
+                  </a:txBody>
+                  <a:tcPr marL="6350" marR="6350" marT="6350" marB="0" anchor="b"/>
+                </a:tc>
+                <a:tc>
+                  <a:txBody>
+                    <a:bodyPr/>
+                    <a:lstStyle/>
+                    <a:p>
+                      <a:pPr algn="l" fontAlgn="b"/>
+                      <a:r>
+                        <a:rPr lang="en-US" sz="1100" u="none" strike="noStrike">
+                          <a:effectLst/>
+                        </a:rPr>
+                        <a:t>PNN</a:t>
+                      </a:r>
+                      <a:endParaRPr lang="en-US" sz="1100" b="0" i="0" u="none" strike="noStrike">
+                        <a:solidFill>
+                          <a:srgbClr val="000000"/>
+                        </a:solidFill>
+                        <a:effectLst/>
+                        <a:latin typeface="Calibri" panose="020F0502020204030204" pitchFamily="34" charset="0"/>
+                      </a:endParaRPr>
+                    </a:p>
+                  </a:txBody>
+                  <a:tcPr marL="6350" marR="6350" marT="6350" marB="0" anchor="b"/>
+                </a:tc>
+                <a:extLst>
+                  <a:ext uri="{0D108BD9-81ED-4DB2-BD59-A6C34878D82A}">
+                    <a16:rowId xmlns:a16="http://schemas.microsoft.com/office/drawing/2014/main" val="2570671005"/>
+                  </a:ext>
+                </a:extLst>
+              </a:tr>
+              <a:tr h="217035">
+                <a:tc>
+                  <a:txBody>
+                    <a:bodyPr/>
+                    <a:lstStyle/>
+                    <a:p>
+                      <a:pPr algn="l" fontAlgn="b"/>
+                      <a:r>
+                        <a:rPr lang="en-US" sz="1100" u="none" strike="noStrike">
+                          <a:effectLst/>
+                        </a:rPr>
+                        <a:t>&gt;0</a:t>
+                      </a:r>
+                      <a:endParaRPr lang="en-US" sz="1100" b="0" i="0" u="none" strike="noStrike">
+                        <a:solidFill>
+                          <a:srgbClr val="000000"/>
+                        </a:solidFill>
+                        <a:effectLst/>
+                        <a:latin typeface="Calibri" panose="020F0502020204030204" pitchFamily="34" charset="0"/>
+                      </a:endParaRPr>
+                    </a:p>
+                  </a:txBody>
+                  <a:tcPr marL="6350" marR="6350" marT="6350" marB="0" anchor="b"/>
+                </a:tc>
+                <a:tc>
+                  <a:txBody>
+                    <a:bodyPr/>
+                    <a:lstStyle/>
+                    <a:p>
+                      <a:pPr algn="l" fontAlgn="b"/>
+                      <a:r>
+                        <a:rPr lang="en-US" sz="1100" u="none" strike="noStrike">
+                          <a:effectLst/>
+                        </a:rPr>
+                        <a:t>&gt;0</a:t>
+                      </a:r>
+                      <a:endParaRPr lang="en-US" sz="1100" b="0" i="0" u="none" strike="noStrike">
+                        <a:solidFill>
+                          <a:srgbClr val="000000"/>
+                        </a:solidFill>
+                        <a:effectLst/>
+                        <a:latin typeface="Calibri" panose="020F0502020204030204" pitchFamily="34" charset="0"/>
+                      </a:endParaRPr>
+                    </a:p>
+                  </a:txBody>
+                  <a:tcPr marL="6350" marR="6350" marT="6350" marB="0" anchor="b"/>
+                </a:tc>
+                <a:tc>
+                  <a:txBody>
+                    <a:bodyPr/>
+                    <a:lstStyle/>
+                    <a:p>
+                      <a:pPr algn="l" fontAlgn="b"/>
+                      <a:r>
+                        <a:rPr lang="en-US" sz="1100" u="none" strike="noStrike">
+                          <a:effectLst/>
+                        </a:rPr>
+                        <a:t>&lt;0</a:t>
+                      </a:r>
+                      <a:endParaRPr lang="en-US" sz="1100" b="0" i="0" u="none" strike="noStrike">
+                        <a:solidFill>
+                          <a:srgbClr val="000000"/>
+                        </a:solidFill>
+                        <a:effectLst/>
+                        <a:latin typeface="Calibri" panose="020F0502020204030204" pitchFamily="34" charset="0"/>
+                      </a:endParaRPr>
+                    </a:p>
+                  </a:txBody>
+                  <a:tcPr marL="6350" marR="6350" marT="6350" marB="0" anchor="b"/>
+                </a:tc>
+                <a:tc>
+                  <a:txBody>
+                    <a:bodyPr/>
+                    <a:lstStyle/>
+                    <a:p>
+                      <a:pPr algn="r" fontAlgn="b"/>
+                      <a:r>
+                        <a:rPr lang="en-US" sz="1100" u="none" strike="noStrike">
+                          <a:effectLst/>
+                        </a:rPr>
+                        <a:t>2</a:t>
+                      </a:r>
+                      <a:endParaRPr lang="en-US" sz="1100" b="0" i="0" u="none" strike="noStrike">
+                        <a:solidFill>
+                          <a:srgbClr val="000000"/>
+                        </a:solidFill>
+                        <a:effectLst/>
+                        <a:latin typeface="Calibri" panose="020F0502020204030204" pitchFamily="34" charset="0"/>
+                      </a:endParaRPr>
+                    </a:p>
+                  </a:txBody>
+                  <a:tcPr marL="6350" marR="6350" marT="6350" marB="0" anchor="b"/>
+                </a:tc>
+                <a:tc>
+                  <a:txBody>
+                    <a:bodyPr/>
+                    <a:lstStyle/>
+                    <a:p>
+                      <a:pPr algn="l" fontAlgn="b"/>
+                      <a:r>
+                        <a:rPr lang="en-US" sz="1100" u="none" strike="noStrike">
+                          <a:effectLst/>
+                        </a:rPr>
+                        <a:t>PPN</a:t>
+                      </a:r>
+                      <a:endParaRPr lang="en-US" sz="1100" b="0" i="0" u="none" strike="noStrike">
+                        <a:solidFill>
+                          <a:srgbClr val="000000"/>
+                        </a:solidFill>
+                        <a:effectLst/>
+                        <a:latin typeface="Calibri" panose="020F0502020204030204" pitchFamily="34" charset="0"/>
+                      </a:endParaRPr>
+                    </a:p>
+                  </a:txBody>
+                  <a:tcPr marL="6350" marR="6350" marT="6350" marB="0" anchor="b"/>
+                </a:tc>
+                <a:extLst>
+                  <a:ext uri="{0D108BD9-81ED-4DB2-BD59-A6C34878D82A}">
+                    <a16:rowId xmlns:a16="http://schemas.microsoft.com/office/drawing/2014/main" val="1692596013"/>
+                  </a:ext>
+                </a:extLst>
+              </a:tr>
+              <a:tr h="217035">
+                <a:tc>
+                  <a:txBody>
+                    <a:bodyPr/>
+                    <a:lstStyle/>
+                    <a:p>
+                      <a:pPr algn="l" fontAlgn="b"/>
+                      <a:r>
+                        <a:rPr lang="en-US" sz="1100" u="none" strike="noStrike">
+                          <a:effectLst/>
+                        </a:rPr>
+                        <a:t>&lt;0</a:t>
+                      </a:r>
+                      <a:endParaRPr lang="en-US" sz="1100" b="0" i="0" u="none" strike="noStrike">
+                        <a:solidFill>
+                          <a:srgbClr val="000000"/>
+                        </a:solidFill>
+                        <a:effectLst/>
+                        <a:latin typeface="Calibri" panose="020F0502020204030204" pitchFamily="34" charset="0"/>
+                      </a:endParaRPr>
+                    </a:p>
+                  </a:txBody>
+                  <a:tcPr marL="6350" marR="6350" marT="6350" marB="0" anchor="b"/>
+                </a:tc>
+                <a:tc>
+                  <a:txBody>
+                    <a:bodyPr/>
+                    <a:lstStyle/>
+                    <a:p>
+                      <a:pPr algn="l" fontAlgn="b"/>
+                      <a:r>
+                        <a:rPr lang="en-US" sz="1100" u="none" strike="noStrike">
+                          <a:effectLst/>
+                        </a:rPr>
+                        <a:t>&gt;0</a:t>
+                      </a:r>
+                      <a:endParaRPr lang="en-US" sz="1100" b="0" i="0" u="none" strike="noStrike">
+                        <a:solidFill>
+                          <a:srgbClr val="000000"/>
+                        </a:solidFill>
+                        <a:effectLst/>
+                        <a:latin typeface="Calibri" panose="020F0502020204030204" pitchFamily="34" charset="0"/>
+                      </a:endParaRPr>
+                    </a:p>
+                  </a:txBody>
+                  <a:tcPr marL="6350" marR="6350" marT="6350" marB="0" anchor="b"/>
+                </a:tc>
+                <a:tc>
+                  <a:txBody>
+                    <a:bodyPr/>
+                    <a:lstStyle/>
+                    <a:p>
+                      <a:pPr algn="l" fontAlgn="b"/>
+                      <a:r>
+                        <a:rPr lang="en-US" sz="1100" u="none" strike="noStrike">
+                          <a:effectLst/>
+                        </a:rPr>
+                        <a:t>&lt;0</a:t>
+                      </a:r>
+                      <a:endParaRPr lang="en-US" sz="1100" b="0" i="0" u="none" strike="noStrike">
+                        <a:solidFill>
+                          <a:srgbClr val="000000"/>
+                        </a:solidFill>
+                        <a:effectLst/>
+                        <a:latin typeface="Calibri" panose="020F0502020204030204" pitchFamily="34" charset="0"/>
+                      </a:endParaRPr>
+                    </a:p>
+                  </a:txBody>
+                  <a:tcPr marL="6350" marR="6350" marT="6350" marB="0" anchor="b"/>
+                </a:tc>
+                <a:tc>
+                  <a:txBody>
+                    <a:bodyPr/>
+                    <a:lstStyle/>
+                    <a:p>
+                      <a:pPr algn="r" fontAlgn="b"/>
+                      <a:r>
+                        <a:rPr lang="en-US" sz="1100" u="none" strike="noStrike">
+                          <a:effectLst/>
+                        </a:rPr>
+                        <a:t>3</a:t>
+                      </a:r>
+                      <a:endParaRPr lang="en-US" sz="1100" b="0" i="0" u="none" strike="noStrike">
+                        <a:solidFill>
+                          <a:srgbClr val="000000"/>
+                        </a:solidFill>
+                        <a:effectLst/>
+                        <a:latin typeface="Calibri" panose="020F0502020204030204" pitchFamily="34" charset="0"/>
+                      </a:endParaRPr>
+                    </a:p>
+                  </a:txBody>
+                  <a:tcPr marL="6350" marR="6350" marT="6350" marB="0" anchor="b"/>
+                </a:tc>
+                <a:tc>
+                  <a:txBody>
+                    <a:bodyPr/>
+                    <a:lstStyle/>
+                    <a:p>
+                      <a:pPr algn="l" fontAlgn="b"/>
+                      <a:r>
+                        <a:rPr lang="en-US" sz="1100" u="none" strike="noStrike">
+                          <a:effectLst/>
+                        </a:rPr>
+                        <a:t>NPN</a:t>
+                      </a:r>
+                      <a:endParaRPr lang="en-US" sz="1100" b="0" i="0" u="none" strike="noStrike">
+                        <a:solidFill>
+                          <a:srgbClr val="000000"/>
+                        </a:solidFill>
+                        <a:effectLst/>
+                        <a:latin typeface="Calibri" panose="020F0502020204030204" pitchFamily="34" charset="0"/>
+                      </a:endParaRPr>
+                    </a:p>
+                  </a:txBody>
+                  <a:tcPr marL="6350" marR="6350" marT="6350" marB="0" anchor="b"/>
+                </a:tc>
+                <a:extLst>
+                  <a:ext uri="{0D108BD9-81ED-4DB2-BD59-A6C34878D82A}">
+                    <a16:rowId xmlns:a16="http://schemas.microsoft.com/office/drawing/2014/main" val="547077439"/>
+                  </a:ext>
+                </a:extLst>
+              </a:tr>
+              <a:tr h="217035">
+                <a:tc>
+                  <a:txBody>
+                    <a:bodyPr/>
+                    <a:lstStyle/>
+                    <a:p>
+                      <a:pPr algn="l" fontAlgn="b"/>
+                      <a:r>
+                        <a:rPr lang="en-US" sz="1100" u="none" strike="noStrike">
+                          <a:effectLst/>
+                        </a:rPr>
+                        <a:t>&lt;0</a:t>
+                      </a:r>
+                      <a:endParaRPr lang="en-US" sz="1100" b="0" i="0" u="none" strike="noStrike">
+                        <a:solidFill>
+                          <a:srgbClr val="000000"/>
+                        </a:solidFill>
+                        <a:effectLst/>
+                        <a:latin typeface="Calibri" panose="020F0502020204030204" pitchFamily="34" charset="0"/>
+                      </a:endParaRPr>
+                    </a:p>
+                  </a:txBody>
+                  <a:tcPr marL="6350" marR="6350" marT="6350" marB="0" anchor="b"/>
+                </a:tc>
+                <a:tc>
+                  <a:txBody>
+                    <a:bodyPr/>
+                    <a:lstStyle/>
+                    <a:p>
+                      <a:pPr algn="l" fontAlgn="b"/>
+                      <a:r>
+                        <a:rPr lang="en-US" sz="1100" u="none" strike="noStrike">
+                          <a:effectLst/>
+                        </a:rPr>
+                        <a:t>&gt;0</a:t>
+                      </a:r>
+                      <a:endParaRPr lang="en-US" sz="1100" b="0" i="0" u="none" strike="noStrike">
+                        <a:solidFill>
+                          <a:srgbClr val="000000"/>
+                        </a:solidFill>
+                        <a:effectLst/>
+                        <a:latin typeface="Calibri" panose="020F0502020204030204" pitchFamily="34" charset="0"/>
+                      </a:endParaRPr>
+                    </a:p>
+                  </a:txBody>
+                  <a:tcPr marL="6350" marR="6350" marT="6350" marB="0" anchor="b"/>
+                </a:tc>
+                <a:tc>
+                  <a:txBody>
+                    <a:bodyPr/>
+                    <a:lstStyle/>
+                    <a:p>
+                      <a:pPr algn="l" fontAlgn="b"/>
+                      <a:r>
+                        <a:rPr lang="en-US" sz="1100" u="none" strike="noStrike">
+                          <a:effectLst/>
+                        </a:rPr>
+                        <a:t>&gt;0</a:t>
+                      </a:r>
+                      <a:endParaRPr lang="en-US" sz="1100" b="0" i="0" u="none" strike="noStrike">
+                        <a:solidFill>
+                          <a:srgbClr val="000000"/>
+                        </a:solidFill>
+                        <a:effectLst/>
+                        <a:latin typeface="Calibri" panose="020F0502020204030204" pitchFamily="34" charset="0"/>
+                      </a:endParaRPr>
+                    </a:p>
+                  </a:txBody>
+                  <a:tcPr marL="6350" marR="6350" marT="6350" marB="0" anchor="b"/>
+                </a:tc>
+                <a:tc>
+                  <a:txBody>
+                    <a:bodyPr/>
+                    <a:lstStyle/>
+                    <a:p>
+                      <a:pPr algn="r" fontAlgn="b"/>
+                      <a:r>
+                        <a:rPr lang="en-US" sz="1100" u="none" strike="noStrike">
+                          <a:effectLst/>
+                        </a:rPr>
+                        <a:t>4</a:t>
+                      </a:r>
+                      <a:endParaRPr lang="en-US" sz="1100" b="0" i="0" u="none" strike="noStrike">
+                        <a:solidFill>
+                          <a:srgbClr val="000000"/>
+                        </a:solidFill>
+                        <a:effectLst/>
+                        <a:latin typeface="Calibri" panose="020F0502020204030204" pitchFamily="34" charset="0"/>
+                      </a:endParaRPr>
+                    </a:p>
+                  </a:txBody>
+                  <a:tcPr marL="6350" marR="6350" marT="6350" marB="0" anchor="b"/>
+                </a:tc>
+                <a:tc>
+                  <a:txBody>
+                    <a:bodyPr/>
+                    <a:lstStyle/>
+                    <a:p>
+                      <a:pPr algn="l" fontAlgn="b"/>
+                      <a:r>
+                        <a:rPr lang="en-US" sz="1100" u="none" strike="noStrike">
+                          <a:effectLst/>
+                        </a:rPr>
+                        <a:t>NPP</a:t>
+                      </a:r>
+                      <a:endParaRPr lang="en-US" sz="1100" b="0" i="0" u="none" strike="noStrike">
+                        <a:solidFill>
+                          <a:srgbClr val="000000"/>
+                        </a:solidFill>
+                        <a:effectLst/>
+                        <a:latin typeface="Calibri" panose="020F0502020204030204" pitchFamily="34" charset="0"/>
+                      </a:endParaRPr>
+                    </a:p>
+                  </a:txBody>
+                  <a:tcPr marL="6350" marR="6350" marT="6350" marB="0" anchor="b"/>
+                </a:tc>
+                <a:extLst>
+                  <a:ext uri="{0D108BD9-81ED-4DB2-BD59-A6C34878D82A}">
+                    <a16:rowId xmlns:a16="http://schemas.microsoft.com/office/drawing/2014/main" val="2113028345"/>
+                  </a:ext>
+                </a:extLst>
+              </a:tr>
+              <a:tr h="217035">
+                <a:tc>
+                  <a:txBody>
+                    <a:bodyPr/>
+                    <a:lstStyle/>
+                    <a:p>
+                      <a:pPr algn="l" fontAlgn="b"/>
+                      <a:r>
+                        <a:rPr lang="en-US" sz="1100" u="none" strike="noStrike">
+                          <a:effectLst/>
+                        </a:rPr>
+                        <a:t>&lt;0</a:t>
+                      </a:r>
+                      <a:endParaRPr lang="en-US" sz="1100" b="0" i="0" u="none" strike="noStrike">
+                        <a:solidFill>
+                          <a:srgbClr val="000000"/>
+                        </a:solidFill>
+                        <a:effectLst/>
+                        <a:latin typeface="Calibri" panose="020F0502020204030204" pitchFamily="34" charset="0"/>
+                      </a:endParaRPr>
+                    </a:p>
+                  </a:txBody>
+                  <a:tcPr marL="6350" marR="6350" marT="6350" marB="0" anchor="b"/>
+                </a:tc>
+                <a:tc>
+                  <a:txBody>
+                    <a:bodyPr/>
+                    <a:lstStyle/>
+                    <a:p>
+                      <a:pPr algn="l" fontAlgn="b"/>
+                      <a:r>
+                        <a:rPr lang="en-US" sz="1100" u="none" strike="noStrike">
+                          <a:effectLst/>
+                        </a:rPr>
+                        <a:t>&lt;0</a:t>
+                      </a:r>
+                      <a:endParaRPr lang="en-US" sz="1100" b="0" i="0" u="none" strike="noStrike">
+                        <a:solidFill>
+                          <a:srgbClr val="000000"/>
+                        </a:solidFill>
+                        <a:effectLst/>
+                        <a:latin typeface="Calibri" panose="020F0502020204030204" pitchFamily="34" charset="0"/>
+                      </a:endParaRPr>
+                    </a:p>
+                  </a:txBody>
+                  <a:tcPr marL="6350" marR="6350" marT="6350" marB="0" anchor="b"/>
+                </a:tc>
+                <a:tc>
+                  <a:txBody>
+                    <a:bodyPr/>
+                    <a:lstStyle/>
+                    <a:p>
+                      <a:pPr algn="l" fontAlgn="b"/>
+                      <a:r>
+                        <a:rPr lang="en-US" sz="1100" u="none" strike="noStrike">
+                          <a:effectLst/>
+                        </a:rPr>
+                        <a:t>&gt;0</a:t>
+                      </a:r>
+                      <a:endParaRPr lang="en-US" sz="1100" b="0" i="0" u="none" strike="noStrike">
+                        <a:solidFill>
+                          <a:srgbClr val="000000"/>
+                        </a:solidFill>
+                        <a:effectLst/>
+                        <a:latin typeface="Calibri" panose="020F0502020204030204" pitchFamily="34" charset="0"/>
+                      </a:endParaRPr>
+                    </a:p>
+                  </a:txBody>
+                  <a:tcPr marL="6350" marR="6350" marT="6350" marB="0" anchor="b"/>
+                </a:tc>
+                <a:tc>
+                  <a:txBody>
+                    <a:bodyPr/>
+                    <a:lstStyle/>
+                    <a:p>
+                      <a:pPr algn="r" fontAlgn="b"/>
+                      <a:r>
+                        <a:rPr lang="en-US" sz="1100" u="none" strike="noStrike">
+                          <a:effectLst/>
+                        </a:rPr>
+                        <a:t>5</a:t>
+                      </a:r>
+                      <a:endParaRPr lang="en-US" sz="1100" b="0" i="0" u="none" strike="noStrike">
+                        <a:solidFill>
+                          <a:srgbClr val="000000"/>
+                        </a:solidFill>
+                        <a:effectLst/>
+                        <a:latin typeface="Calibri" panose="020F0502020204030204" pitchFamily="34" charset="0"/>
+                      </a:endParaRPr>
+                    </a:p>
+                  </a:txBody>
+                  <a:tcPr marL="6350" marR="6350" marT="6350" marB="0" anchor="b"/>
+                </a:tc>
+                <a:tc>
+                  <a:txBody>
+                    <a:bodyPr/>
+                    <a:lstStyle/>
+                    <a:p>
+                      <a:pPr algn="l" fontAlgn="b"/>
+                      <a:r>
+                        <a:rPr lang="en-US" sz="1100" u="none" strike="noStrike">
+                          <a:effectLst/>
+                        </a:rPr>
+                        <a:t>NNP</a:t>
+                      </a:r>
+                      <a:endParaRPr lang="en-US" sz="1100" b="0" i="0" u="none" strike="noStrike">
+                        <a:solidFill>
+                          <a:srgbClr val="000000"/>
+                        </a:solidFill>
+                        <a:effectLst/>
+                        <a:latin typeface="Calibri" panose="020F0502020204030204" pitchFamily="34" charset="0"/>
+                      </a:endParaRPr>
+                    </a:p>
+                  </a:txBody>
+                  <a:tcPr marL="6350" marR="6350" marT="6350" marB="0" anchor="b"/>
+                </a:tc>
+                <a:extLst>
+                  <a:ext uri="{0D108BD9-81ED-4DB2-BD59-A6C34878D82A}">
+                    <a16:rowId xmlns:a16="http://schemas.microsoft.com/office/drawing/2014/main" val="4005253931"/>
+                  </a:ext>
+                </a:extLst>
+              </a:tr>
+              <a:tr h="217035">
+                <a:tc>
+                  <a:txBody>
+                    <a:bodyPr/>
+                    <a:lstStyle/>
+                    <a:p>
+                      <a:pPr algn="l" fontAlgn="b"/>
+                      <a:r>
+                        <a:rPr lang="en-US" sz="1100" u="none" strike="noStrike">
+                          <a:effectLst/>
+                        </a:rPr>
+                        <a:t>&gt;0</a:t>
+                      </a:r>
+                      <a:endParaRPr lang="en-US" sz="1100" b="0" i="0" u="none" strike="noStrike">
+                        <a:solidFill>
+                          <a:srgbClr val="000000"/>
+                        </a:solidFill>
+                        <a:effectLst/>
+                        <a:latin typeface="Calibri" panose="020F0502020204030204" pitchFamily="34" charset="0"/>
+                      </a:endParaRPr>
+                    </a:p>
+                  </a:txBody>
+                  <a:tcPr marL="6350" marR="6350" marT="6350" marB="0" anchor="b"/>
+                </a:tc>
+                <a:tc>
+                  <a:txBody>
+                    <a:bodyPr/>
+                    <a:lstStyle/>
+                    <a:p>
+                      <a:pPr algn="l" fontAlgn="b"/>
+                      <a:r>
+                        <a:rPr lang="en-US" sz="1100" u="none" strike="noStrike">
+                          <a:effectLst/>
+                        </a:rPr>
+                        <a:t>&lt;0</a:t>
+                      </a:r>
+                      <a:endParaRPr lang="en-US" sz="1100" b="0" i="0" u="none" strike="noStrike">
+                        <a:solidFill>
+                          <a:srgbClr val="000000"/>
+                        </a:solidFill>
+                        <a:effectLst/>
+                        <a:latin typeface="Calibri" panose="020F0502020204030204" pitchFamily="34" charset="0"/>
+                      </a:endParaRPr>
+                    </a:p>
+                  </a:txBody>
+                  <a:tcPr marL="6350" marR="6350" marT="6350" marB="0" anchor="b"/>
+                </a:tc>
+                <a:tc>
+                  <a:txBody>
+                    <a:bodyPr/>
+                    <a:lstStyle/>
+                    <a:p>
+                      <a:pPr algn="l" fontAlgn="b"/>
+                      <a:r>
+                        <a:rPr lang="en-US" sz="1100" u="none" strike="noStrike">
+                          <a:effectLst/>
+                        </a:rPr>
+                        <a:t>&gt;0</a:t>
+                      </a:r>
+                      <a:endParaRPr lang="en-US" sz="1100" b="0" i="0" u="none" strike="noStrike">
+                        <a:solidFill>
+                          <a:srgbClr val="000000"/>
+                        </a:solidFill>
+                        <a:effectLst/>
+                        <a:latin typeface="Calibri" panose="020F0502020204030204" pitchFamily="34" charset="0"/>
+                      </a:endParaRPr>
+                    </a:p>
+                  </a:txBody>
+                  <a:tcPr marL="6350" marR="6350" marT="6350" marB="0" anchor="b"/>
+                </a:tc>
+                <a:tc>
+                  <a:txBody>
+                    <a:bodyPr/>
+                    <a:lstStyle/>
+                    <a:p>
+                      <a:pPr algn="r" fontAlgn="b"/>
+                      <a:r>
+                        <a:rPr lang="en-US" sz="1100" u="none" strike="noStrike">
+                          <a:effectLst/>
+                        </a:rPr>
+                        <a:t>6</a:t>
+                      </a:r>
+                      <a:endParaRPr lang="en-US" sz="1100" b="0" i="0" u="none" strike="noStrike">
+                        <a:solidFill>
+                          <a:srgbClr val="000000"/>
+                        </a:solidFill>
+                        <a:effectLst/>
+                        <a:latin typeface="Calibri" panose="020F0502020204030204" pitchFamily="34" charset="0"/>
+                      </a:endParaRPr>
+                    </a:p>
+                  </a:txBody>
+                  <a:tcPr marL="6350" marR="6350" marT="6350" marB="0" anchor="b"/>
+                </a:tc>
+                <a:tc>
+                  <a:txBody>
+                    <a:bodyPr/>
+                    <a:lstStyle/>
+                    <a:p>
+                      <a:pPr algn="l" fontAlgn="b"/>
+                      <a:r>
+                        <a:rPr lang="en-US" sz="1100" u="none" strike="noStrike" dirty="0">
+                          <a:effectLst/>
+                        </a:rPr>
+                        <a:t>PNP</a:t>
+                      </a:r>
+                      <a:endParaRPr lang="en-US" sz="1100" b="0" i="0" u="none" strike="noStrike" dirty="0">
+                        <a:solidFill>
+                          <a:srgbClr val="000000"/>
+                        </a:solidFill>
+                        <a:effectLst/>
+                        <a:latin typeface="Calibri" panose="020F0502020204030204" pitchFamily="34" charset="0"/>
+                      </a:endParaRPr>
+                    </a:p>
+                  </a:txBody>
+                  <a:tcPr marL="6350" marR="6350" marT="6350" marB="0" anchor="b"/>
+                </a:tc>
+                <a:extLst>
+                  <a:ext uri="{0D108BD9-81ED-4DB2-BD59-A6C34878D82A}">
+                    <a16:rowId xmlns:a16="http://schemas.microsoft.com/office/drawing/2014/main" val="2792747514"/>
+                  </a:ext>
+                </a:extLst>
+              </a:tr>
+            </a:tbl>
+          </a:graphicData>
+        </a:graphic>
+      </p:graphicFrame>
+    </p:spTree>
+    <p:extLst>
+      <p:ext uri="{BB962C8B-B14F-4D97-AF65-F5344CB8AC3E}">
+        <p14:creationId xmlns:p14="http://schemas.microsoft.com/office/powerpoint/2010/main" val="2271282494"/>
       </p:ext>
     </p:extLst>
   </p:cSld>

--- a/Reports/3-Level NPC Inverter Structure.pptx
+++ b/Reports/3-Level NPC Inverter Structure.pptx
@@ -15,7 +15,9 @@
     <p:sldId id="262" r:id="rId9"/>
     <p:sldId id="265" r:id="rId10"/>
     <p:sldId id="266" r:id="rId11"/>
-    <p:sldId id="264" r:id="rId12"/>
+    <p:sldId id="267" r:id="rId12"/>
+    <p:sldId id="268" r:id="rId13"/>
+    <p:sldId id="264" r:id="rId14"/>
   </p:sldIdLst>
   <p:sldSz cx="12192000" cy="6858000"/>
   <p:notesSz cx="6858000" cy="9144000"/>
@@ -3597,6 +3599,72 @@
           </a:p>
         </p:txBody>
       </p:sp>
+      <p:sp>
+        <p:nvSpPr>
+          <p:cNvPr id="3" name="TextBox 2">
+            <a:extLst>
+              <a:ext uri="{FF2B5EF4-FFF2-40B4-BE49-F238E27FC236}">
+                <a16:creationId xmlns:a16="http://schemas.microsoft.com/office/drawing/2014/main" id="{A7AC16F1-572C-953F-2773-261FE388887F}"/>
+              </a:ext>
+            </a:extLst>
+          </p:cNvPr>
+          <p:cNvSpPr txBox="1"/>
+          <p:nvPr/>
+        </p:nvSpPr>
+        <p:spPr>
+          <a:xfrm>
+            <a:off x="761999" y="2809476"/>
+            <a:ext cx="5049141" cy="1477328"/>
+          </a:xfrm>
+          <a:prstGeom prst="rect">
+            <a:avLst/>
+          </a:prstGeom>
+          <a:noFill/>
+        </p:spPr>
+        <p:txBody>
+          <a:bodyPr wrap="square" rtlCol="0">
+            <a:spAutoFit/>
+          </a:bodyPr>
+          <a:lstStyle/>
+          <a:p>
+            <a:pPr marL="285750" indent="-285750">
+              <a:buFont typeface="Arial" panose="020B0604020202020204" pitchFamily="34" charset="0"/>
+              <a:buChar char="•"/>
+            </a:pPr>
+            <a:r>
+              <a:rPr lang="en-US" dirty="0"/>
+              <a:t>Each subregion has at least four vectors.</a:t>
+            </a:r>
+          </a:p>
+          <a:p>
+            <a:pPr marL="285750" indent="-285750">
+              <a:buFont typeface="Arial" panose="020B0604020202020204" pitchFamily="34" charset="0"/>
+              <a:buChar char="•"/>
+            </a:pPr>
+            <a:endParaRPr lang="en-US" dirty="0"/>
+          </a:p>
+          <a:p>
+            <a:pPr marL="285750" indent="-285750">
+              <a:buFont typeface="Arial" panose="020B0604020202020204" pitchFamily="34" charset="0"/>
+              <a:buChar char="•"/>
+            </a:pPr>
+            <a:endParaRPr lang="en-US" dirty="0"/>
+          </a:p>
+          <a:p>
+            <a:pPr marL="285750" indent="-285750">
+              <a:buFont typeface="Arial" panose="020B0604020202020204" pitchFamily="34" charset="0"/>
+              <a:buChar char="•"/>
+            </a:pPr>
+            <a:r>
+              <a:rPr lang="en-US" sz="1800" b="0" i="0" u="none" strike="noStrike" baseline="0" dirty="0">
+                <a:latin typeface="NimbusRomNo9L-Regu"/>
+              </a:rPr>
+              <a:t>Space vector hexagon of two-level inverter and subregions of major region are similar</a:t>
+            </a:r>
+            <a:endParaRPr lang="en-US" dirty="0"/>
+          </a:p>
+        </p:txBody>
+      </p:sp>
     </p:spTree>
     <p:extLst>
       <p:ext uri="{BB962C8B-B14F-4D97-AF65-F5344CB8AC3E}">
@@ -3632,7 +3700,7 @@
           <p:cNvPr id="2" name="Title 1">
             <a:extLst>
               <a:ext uri="{FF2B5EF4-FFF2-40B4-BE49-F238E27FC236}">
-                <a16:creationId xmlns:a16="http://schemas.microsoft.com/office/drawing/2014/main" id="{446EFC11-7E1C-917A-27BC-0B333484CFF8}"/>
+                <a16:creationId xmlns:a16="http://schemas.microsoft.com/office/drawing/2014/main" id="{514D39AB-619E-BD13-6DE3-9FB038035168}"/>
               </a:ext>
             </a:extLst>
           </p:cNvPr>
@@ -3650,9 +3718,8 @@
           <a:p>
             <a:r>
               <a:rPr lang="en-US" dirty="0"/>
-              <a:t>NPP Control</a:t>
-            </a:r>
-            <a:endParaRPr lang="tr-TR" dirty="0"/>
+              <a:t>SVPWM</a:t>
+            </a:r>
           </a:p>
         </p:txBody>
       </p:sp>
@@ -3661,7 +3728,7 @@
           <p:cNvPr id="3" name="Content Placeholder 2">
             <a:extLst>
               <a:ext uri="{FF2B5EF4-FFF2-40B4-BE49-F238E27FC236}">
-                <a16:creationId xmlns:a16="http://schemas.microsoft.com/office/drawing/2014/main" id="{205946D8-F5B1-C83D-1F80-0835DD2F1BC9}"/>
+                <a16:creationId xmlns:a16="http://schemas.microsoft.com/office/drawing/2014/main" id="{2009BD44-0920-0017-29C1-585E578B80A7}"/>
               </a:ext>
             </a:extLst>
           </p:cNvPr>
@@ -3672,15 +3739,444 @@
             <p:ph idx="1"/>
           </p:nvPr>
         </p:nvSpPr>
-        <p:spPr/>
+        <p:spPr>
+          <a:xfrm>
+            <a:off x="838200" y="1825625"/>
+            <a:ext cx="4943475" cy="4351338"/>
+          </a:xfrm>
+        </p:spPr>
         <p:txBody>
           <a:bodyPr/>
           <a:lstStyle/>
           <a:p>
-            <a:endParaRPr lang="tr-TR"/>
-          </a:p>
-        </p:txBody>
-      </p:sp>
+            <a:r>
+              <a:rPr lang="en-US" dirty="0"/>
+              <a:t>Move vector at the center of hexagon.</a:t>
+            </a:r>
+          </a:p>
+        </p:txBody>
+      </p:sp>
+      <p:pic>
+        <p:nvPicPr>
+          <p:cNvPr id="7" name="Picture 6" descr="A hexagon diagram with numbers and lines&#10;&#10;Description automatically generated">
+            <a:extLst>
+              <a:ext uri="{FF2B5EF4-FFF2-40B4-BE49-F238E27FC236}">
+                <a16:creationId xmlns:a16="http://schemas.microsoft.com/office/drawing/2014/main" id="{596A2E53-5CEA-66EF-3B19-4A8AA3742BE0}"/>
+              </a:ext>
+            </a:extLst>
+          </p:cNvPr>
+          <p:cNvPicPr>
+            <a:picLocks noChangeAspect="1"/>
+          </p:cNvPicPr>
+          <p:nvPr/>
+        </p:nvPicPr>
+        <p:blipFill>
+          <a:blip r:embed="rId2">
+            <a:extLst>
+              <a:ext uri="{28A0092B-C50C-407E-A947-70E740481C1C}">
+                <a14:useLocalDpi xmlns:a14="http://schemas.microsoft.com/office/drawing/2010/main" val="0"/>
+              </a:ext>
+            </a:extLst>
+          </a:blip>
+          <a:stretch>
+            <a:fillRect/>
+          </a:stretch>
+        </p:blipFill>
+        <p:spPr>
+          <a:xfrm>
+            <a:off x="6096000" y="1825625"/>
+            <a:ext cx="5073420" cy="4398962"/>
+          </a:xfrm>
+          <a:prstGeom prst="rect">
+            <a:avLst/>
+          </a:prstGeom>
+        </p:spPr>
+      </p:pic>
+      <p:pic>
+        <p:nvPicPr>
+          <p:cNvPr id="9" name="Picture 8">
+            <a:extLst>
+              <a:ext uri="{FF2B5EF4-FFF2-40B4-BE49-F238E27FC236}">
+                <a16:creationId xmlns:a16="http://schemas.microsoft.com/office/drawing/2014/main" id="{8BE60E01-371A-DB66-13F8-A5E75945CCBA}"/>
+              </a:ext>
+            </a:extLst>
+          </p:cNvPr>
+          <p:cNvPicPr>
+            <a:picLocks noChangeAspect="1"/>
+          </p:cNvPicPr>
+          <p:nvPr/>
+        </p:nvPicPr>
+        <p:blipFill>
+          <a:blip r:embed="rId3"/>
+          <a:stretch>
+            <a:fillRect/>
+          </a:stretch>
+        </p:blipFill>
+        <p:spPr>
+          <a:xfrm>
+            <a:off x="1523500" y="2771620"/>
+            <a:ext cx="3572874" cy="3721255"/>
+          </a:xfrm>
+          <a:prstGeom prst="rect">
+            <a:avLst/>
+          </a:prstGeom>
+        </p:spPr>
+      </p:pic>
+    </p:spTree>
+    <p:extLst>
+      <p:ext uri="{BB962C8B-B14F-4D97-AF65-F5344CB8AC3E}">
+        <p14:creationId xmlns:p14="http://schemas.microsoft.com/office/powerpoint/2010/main" val="1060995170"/>
+      </p:ext>
+    </p:extLst>
+  </p:cSld>
+  <p:clrMapOvr>
+    <a:masterClrMapping/>
+  </p:clrMapOvr>
+</p:sld>
+</file>
+
+<file path=ppt/slides/slide12.xml><?xml version="1.0" encoding="utf-8"?>
+<p:sld xmlns:a="http://schemas.openxmlformats.org/drawingml/2006/main" xmlns:r="http://schemas.openxmlformats.org/officeDocument/2006/relationships" xmlns:p="http://schemas.openxmlformats.org/presentationml/2006/main">
+  <p:cSld>
+    <p:spTree>
+      <p:nvGrpSpPr>
+        <p:cNvPr id="1" name=""/>
+        <p:cNvGrpSpPr/>
+        <p:nvPr/>
+      </p:nvGrpSpPr>
+      <p:grpSpPr>
+        <a:xfrm>
+          <a:off x="0" y="0"/>
+          <a:ext cx="0" cy="0"/>
+          <a:chOff x="0" y="0"/>
+          <a:chExt cx="0" cy="0"/>
+        </a:xfrm>
+      </p:grpSpPr>
+      <p:sp>
+        <p:nvSpPr>
+          <p:cNvPr id="2" name="Title 1">
+            <a:extLst>
+              <a:ext uri="{FF2B5EF4-FFF2-40B4-BE49-F238E27FC236}">
+                <a16:creationId xmlns:a16="http://schemas.microsoft.com/office/drawing/2014/main" id="{580D9D1C-7A3F-9E7C-F4CE-A1E0104F57D0}"/>
+              </a:ext>
+            </a:extLst>
+          </p:cNvPr>
+          <p:cNvSpPr>
+            <a:spLocks noGrp="1"/>
+          </p:cNvSpPr>
+          <p:nvPr>
+            <p:ph type="title"/>
+          </p:nvPr>
+        </p:nvSpPr>
+        <p:spPr/>
+        <p:txBody>
+          <a:bodyPr/>
+          <a:lstStyle/>
+          <a:p>
+            <a:r>
+              <a:rPr lang="en-US" dirty="0"/>
+              <a:t>SVPWM</a:t>
+            </a:r>
+          </a:p>
+        </p:txBody>
+      </p:sp>
+      <p:sp>
+        <p:nvSpPr>
+          <p:cNvPr id="3" name="Content Placeholder 2">
+            <a:extLst>
+              <a:ext uri="{FF2B5EF4-FFF2-40B4-BE49-F238E27FC236}">
+                <a16:creationId xmlns:a16="http://schemas.microsoft.com/office/drawing/2014/main" id="{2DCB3036-49F8-2662-81B9-06D8BDAADE43}"/>
+              </a:ext>
+            </a:extLst>
+          </p:cNvPr>
+          <p:cNvSpPr>
+            <a:spLocks noGrp="1"/>
+          </p:cNvSpPr>
+          <p:nvPr>
+            <p:ph idx="1"/>
+          </p:nvPr>
+        </p:nvSpPr>
+        <p:spPr/>
+        <p:txBody>
+          <a:bodyPr/>
+          <a:lstStyle/>
+          <a:p>
+            <a:r>
+              <a:rPr lang="en-US" dirty="0"/>
+              <a:t>Vector sequences:</a:t>
+            </a:r>
+          </a:p>
+        </p:txBody>
+      </p:sp>
+      <p:pic>
+        <p:nvPicPr>
+          <p:cNvPr id="5" name="Picture 4">
+            <a:extLst>
+              <a:ext uri="{FF2B5EF4-FFF2-40B4-BE49-F238E27FC236}">
+                <a16:creationId xmlns:a16="http://schemas.microsoft.com/office/drawing/2014/main" id="{15D15CC1-F5DE-6A96-3F09-FDBAB8C73072}"/>
+              </a:ext>
+            </a:extLst>
+          </p:cNvPr>
+          <p:cNvPicPr>
+            <a:picLocks noChangeAspect="1"/>
+          </p:cNvPicPr>
+          <p:nvPr/>
+        </p:nvPicPr>
+        <p:blipFill>
+          <a:blip r:embed="rId2"/>
+          <a:stretch>
+            <a:fillRect/>
+          </a:stretch>
+        </p:blipFill>
+        <p:spPr>
+          <a:xfrm>
+            <a:off x="6096000" y="2964916"/>
+            <a:ext cx="5285483" cy="2481628"/>
+          </a:xfrm>
+          <a:prstGeom prst="rect">
+            <a:avLst/>
+          </a:prstGeom>
+        </p:spPr>
+      </p:pic>
+      <p:pic>
+        <p:nvPicPr>
+          <p:cNvPr id="7" name="Picture 6">
+            <a:extLst>
+              <a:ext uri="{FF2B5EF4-FFF2-40B4-BE49-F238E27FC236}">
+                <a16:creationId xmlns:a16="http://schemas.microsoft.com/office/drawing/2014/main" id="{53594F8F-D289-2EAD-BB1D-2FD0132B6E2C}"/>
+              </a:ext>
+            </a:extLst>
+          </p:cNvPr>
+          <p:cNvPicPr>
+            <a:picLocks noChangeAspect="1"/>
+          </p:cNvPicPr>
+          <p:nvPr/>
+        </p:nvPicPr>
+        <p:blipFill>
+          <a:blip r:embed="rId3"/>
+          <a:stretch>
+            <a:fillRect/>
+          </a:stretch>
+        </p:blipFill>
+        <p:spPr>
+          <a:xfrm>
+            <a:off x="444901" y="3001686"/>
+            <a:ext cx="5285482" cy="2408087"/>
+          </a:xfrm>
+          <a:prstGeom prst="rect">
+            <a:avLst/>
+          </a:prstGeom>
+        </p:spPr>
+      </p:pic>
+      <p:sp>
+        <p:nvSpPr>
+          <p:cNvPr id="8" name="TextBox 7">
+            <a:extLst>
+              <a:ext uri="{FF2B5EF4-FFF2-40B4-BE49-F238E27FC236}">
+                <a16:creationId xmlns:a16="http://schemas.microsoft.com/office/drawing/2014/main" id="{B34FDEDE-AC18-CF19-960F-CACD100A9C8A}"/>
+              </a:ext>
+            </a:extLst>
+          </p:cNvPr>
+          <p:cNvSpPr txBox="1"/>
+          <p:nvPr/>
+        </p:nvSpPr>
+        <p:spPr>
+          <a:xfrm>
+            <a:off x="2308072" y="5694505"/>
+            <a:ext cx="1601721" cy="369332"/>
+          </a:xfrm>
+          <a:prstGeom prst="rect">
+            <a:avLst/>
+          </a:prstGeom>
+          <a:noFill/>
+        </p:spPr>
+        <p:txBody>
+          <a:bodyPr wrap="none" rtlCol="0">
+            <a:spAutoFit/>
+          </a:bodyPr>
+          <a:lstStyle/>
+          <a:p>
+            <a:r>
+              <a:rPr lang="en-US" dirty="0"/>
+              <a:t>Time sequence</a:t>
+            </a:r>
+          </a:p>
+        </p:txBody>
+      </p:sp>
+      <p:sp>
+        <p:nvSpPr>
+          <p:cNvPr id="9" name="TextBox 8">
+            <a:extLst>
+              <a:ext uri="{FF2B5EF4-FFF2-40B4-BE49-F238E27FC236}">
+                <a16:creationId xmlns:a16="http://schemas.microsoft.com/office/drawing/2014/main" id="{78F04357-DAE2-E607-71F0-38860208679C}"/>
+              </a:ext>
+            </a:extLst>
+          </p:cNvPr>
+          <p:cNvSpPr txBox="1"/>
+          <p:nvPr/>
+        </p:nvSpPr>
+        <p:spPr>
+          <a:xfrm>
+            <a:off x="8137231" y="5694505"/>
+            <a:ext cx="1746697" cy="369332"/>
+          </a:xfrm>
+          <a:prstGeom prst="rect">
+            <a:avLst/>
+          </a:prstGeom>
+          <a:noFill/>
+        </p:spPr>
+        <p:txBody>
+          <a:bodyPr wrap="none" rtlCol="0">
+            <a:spAutoFit/>
+          </a:bodyPr>
+          <a:lstStyle/>
+          <a:p>
+            <a:r>
+              <a:rPr lang="en-US" dirty="0"/>
+              <a:t>Vector sequence</a:t>
+            </a:r>
+          </a:p>
+        </p:txBody>
+      </p:sp>
+    </p:spTree>
+    <p:extLst>
+      <p:ext uri="{BB962C8B-B14F-4D97-AF65-F5344CB8AC3E}">
+        <p14:creationId xmlns:p14="http://schemas.microsoft.com/office/powerpoint/2010/main" val="1150188990"/>
+      </p:ext>
+    </p:extLst>
+  </p:cSld>
+  <p:clrMapOvr>
+    <a:masterClrMapping/>
+  </p:clrMapOvr>
+</p:sld>
+</file>
+
+<file path=ppt/slides/slide13.xml><?xml version="1.0" encoding="utf-8"?>
+<p:sld xmlns:a="http://schemas.openxmlformats.org/drawingml/2006/main" xmlns:r="http://schemas.openxmlformats.org/officeDocument/2006/relationships" xmlns:p="http://schemas.openxmlformats.org/presentationml/2006/main">
+  <p:cSld>
+    <p:spTree>
+      <p:nvGrpSpPr>
+        <p:cNvPr id="1" name=""/>
+        <p:cNvGrpSpPr/>
+        <p:nvPr/>
+      </p:nvGrpSpPr>
+      <p:grpSpPr>
+        <a:xfrm>
+          <a:off x="0" y="0"/>
+          <a:ext cx="0" cy="0"/>
+          <a:chOff x="0" y="0"/>
+          <a:chExt cx="0" cy="0"/>
+        </a:xfrm>
+      </p:grpSpPr>
+      <p:sp>
+        <p:nvSpPr>
+          <p:cNvPr id="2" name="Title 1">
+            <a:extLst>
+              <a:ext uri="{FF2B5EF4-FFF2-40B4-BE49-F238E27FC236}">
+                <a16:creationId xmlns:a16="http://schemas.microsoft.com/office/drawing/2014/main" id="{446EFC11-7E1C-917A-27BC-0B333484CFF8}"/>
+              </a:ext>
+            </a:extLst>
+          </p:cNvPr>
+          <p:cNvSpPr>
+            <a:spLocks noGrp="1"/>
+          </p:cNvSpPr>
+          <p:nvPr>
+            <p:ph type="title"/>
+          </p:nvPr>
+        </p:nvSpPr>
+        <p:spPr/>
+        <p:txBody>
+          <a:bodyPr/>
+          <a:lstStyle/>
+          <a:p>
+            <a:r>
+              <a:rPr lang="en-US" dirty="0"/>
+              <a:t>NPP Control</a:t>
+            </a:r>
+            <a:endParaRPr lang="tr-TR" dirty="0"/>
+          </a:p>
+        </p:txBody>
+      </p:sp>
+      <p:sp>
+        <p:nvSpPr>
+          <p:cNvPr id="3" name="Content Placeholder 2">
+            <a:extLst>
+              <a:ext uri="{FF2B5EF4-FFF2-40B4-BE49-F238E27FC236}">
+                <a16:creationId xmlns:a16="http://schemas.microsoft.com/office/drawing/2014/main" id="{205946D8-F5B1-C83D-1F80-0835DD2F1BC9}"/>
+              </a:ext>
+            </a:extLst>
+          </p:cNvPr>
+          <p:cNvSpPr>
+            <a:spLocks noGrp="1"/>
+          </p:cNvSpPr>
+          <p:nvPr>
+            <p:ph idx="1"/>
+          </p:nvPr>
+        </p:nvSpPr>
+        <p:spPr/>
+        <p:txBody>
+          <a:bodyPr/>
+          <a:lstStyle/>
+          <a:p>
+            <a:r>
+              <a:rPr lang="en-US" dirty="0"/>
+              <a:t>2 types NPP ripple:</a:t>
+            </a:r>
+          </a:p>
+          <a:p>
+            <a:endParaRPr lang="en-US" dirty="0"/>
+          </a:p>
+          <a:p>
+            <a:r>
+              <a:rPr lang="en-US" dirty="0"/>
+              <a:t>Fundamental freq.</a:t>
+            </a:r>
+          </a:p>
+          <a:p>
+            <a:endParaRPr lang="en-US" dirty="0"/>
+          </a:p>
+          <a:p>
+            <a:endParaRPr lang="en-US" dirty="0"/>
+          </a:p>
+          <a:p>
+            <a:r>
+              <a:rPr lang="en-US" dirty="0"/>
+              <a:t>Switching freq.</a:t>
+            </a:r>
+            <a:endParaRPr lang="tr-TR" dirty="0"/>
+          </a:p>
+        </p:txBody>
+      </p:sp>
+      <p:pic>
+        <p:nvPicPr>
+          <p:cNvPr id="5" name="Picture 4">
+            <a:extLst>
+              <a:ext uri="{FF2B5EF4-FFF2-40B4-BE49-F238E27FC236}">
+                <a16:creationId xmlns:a16="http://schemas.microsoft.com/office/drawing/2014/main" id="{2C35BCC4-6B4E-4793-4569-DEDA5D30D196}"/>
+              </a:ext>
+            </a:extLst>
+          </p:cNvPr>
+          <p:cNvPicPr>
+            <a:picLocks noChangeAspect="1"/>
+          </p:cNvPicPr>
+          <p:nvPr/>
+        </p:nvPicPr>
+        <p:blipFill>
+          <a:blip r:embed="rId2"/>
+          <a:stretch>
+            <a:fillRect/>
+          </a:stretch>
+        </p:blipFill>
+        <p:spPr>
+          <a:xfrm>
+            <a:off x="5775688" y="1825625"/>
+            <a:ext cx="4545874" cy="2971800"/>
+          </a:xfrm>
+          <a:prstGeom prst="rect">
+            <a:avLst/>
+          </a:prstGeom>
+        </p:spPr>
+      </p:pic>
     </p:spTree>
     <p:extLst>
       <p:ext uri="{BB962C8B-B14F-4D97-AF65-F5344CB8AC3E}">

--- a/Reports/3-Level NPC Inverter Structure.pptx
+++ b/Reports/3-Level NPC Inverter Structure.pptx
@@ -4,6 +4,9 @@
   <p:sldMasterIdLst>
     <p:sldMasterId id="2147483648" r:id="rId1"/>
   </p:sldMasterIdLst>
+  <p:notesMasterIdLst>
+    <p:notesMasterId r:id="rId17"/>
+  </p:notesMasterIdLst>
   <p:sldIdLst>
     <p:sldId id="256" r:id="rId2"/>
     <p:sldId id="257" r:id="rId3"/>
@@ -18,6 +21,8 @@
     <p:sldId id="267" r:id="rId12"/>
     <p:sldId id="268" r:id="rId13"/>
     <p:sldId id="264" r:id="rId14"/>
+    <p:sldId id="269" r:id="rId15"/>
+    <p:sldId id="270" r:id="rId16"/>
   </p:sldIdLst>
   <p:sldSz cx="12192000" cy="6858000"/>
   <p:notesSz cx="6858000" cy="9144000"/>
@@ -124,6 +129,439 @@
 </p:presentation>
 </file>
 
+<file path=ppt/notesMasters/notesMaster1.xml><?xml version="1.0" encoding="utf-8"?>
+<p:notesMaster xmlns:a="http://schemas.openxmlformats.org/drawingml/2006/main" xmlns:r="http://schemas.openxmlformats.org/officeDocument/2006/relationships" xmlns:p="http://schemas.openxmlformats.org/presentationml/2006/main">
+  <p:cSld>
+    <p:bg>
+      <p:bgRef idx="1001">
+        <a:schemeClr val="bg1"/>
+      </p:bgRef>
+    </p:bg>
+    <p:spTree>
+      <p:nvGrpSpPr>
+        <p:cNvPr id="1" name=""/>
+        <p:cNvGrpSpPr/>
+        <p:nvPr/>
+      </p:nvGrpSpPr>
+      <p:grpSpPr>
+        <a:xfrm>
+          <a:off x="0" y="0"/>
+          <a:ext cx="0" cy="0"/>
+          <a:chOff x="0" y="0"/>
+          <a:chExt cx="0" cy="0"/>
+        </a:xfrm>
+      </p:grpSpPr>
+      <p:sp>
+        <p:nvSpPr>
+          <p:cNvPr id="2" name="Header Placeholder 1"/>
+          <p:cNvSpPr>
+            <a:spLocks noGrp="1"/>
+          </p:cNvSpPr>
+          <p:nvPr>
+            <p:ph type="hdr" sz="quarter"/>
+          </p:nvPr>
+        </p:nvSpPr>
+        <p:spPr>
+          <a:xfrm>
+            <a:off x="0" y="0"/>
+            <a:ext cx="2971800" cy="458788"/>
+          </a:xfrm>
+          <a:prstGeom prst="rect">
+            <a:avLst/>
+          </a:prstGeom>
+        </p:spPr>
+        <p:txBody>
+          <a:bodyPr vert="horz" lIns="91440" tIns="45720" rIns="91440" bIns="45720" rtlCol="0"/>
+          <a:lstStyle>
+            <a:lvl1pPr algn="l">
+              <a:defRPr sz="1200"/>
+            </a:lvl1pPr>
+          </a:lstStyle>
+          <a:p>
+            <a:endParaRPr lang="en-US"/>
+          </a:p>
+        </p:txBody>
+      </p:sp>
+      <p:sp>
+        <p:nvSpPr>
+          <p:cNvPr id="3" name="Date Placeholder 2"/>
+          <p:cNvSpPr>
+            <a:spLocks noGrp="1"/>
+          </p:cNvSpPr>
+          <p:nvPr>
+            <p:ph type="dt" idx="1"/>
+          </p:nvPr>
+        </p:nvSpPr>
+        <p:spPr>
+          <a:xfrm>
+            <a:off x="3884613" y="0"/>
+            <a:ext cx="2971800" cy="458788"/>
+          </a:xfrm>
+          <a:prstGeom prst="rect">
+            <a:avLst/>
+          </a:prstGeom>
+        </p:spPr>
+        <p:txBody>
+          <a:bodyPr vert="horz" lIns="91440" tIns="45720" rIns="91440" bIns="45720" rtlCol="0"/>
+          <a:lstStyle>
+            <a:lvl1pPr algn="r">
+              <a:defRPr sz="1200"/>
+            </a:lvl1pPr>
+          </a:lstStyle>
+          <a:p>
+            <a:fld id="{D7963EEE-CD05-4B93-88CA-FDA20F9E9653}" type="datetimeFigureOut">
+              <a:rPr lang="en-US" smtClean="0"/>
+              <a:t>19-Mar-24</a:t>
+            </a:fld>
+            <a:endParaRPr lang="en-US"/>
+          </a:p>
+        </p:txBody>
+      </p:sp>
+      <p:sp>
+        <p:nvSpPr>
+          <p:cNvPr id="4" name="Slide Image Placeholder 3"/>
+          <p:cNvSpPr>
+            <a:spLocks noGrp="1" noRot="1" noChangeAspect="1"/>
+          </p:cNvSpPr>
+          <p:nvPr>
+            <p:ph type="sldImg" idx="2"/>
+          </p:nvPr>
+        </p:nvSpPr>
+        <p:spPr>
+          <a:xfrm>
+            <a:off x="685800" y="1143000"/>
+            <a:ext cx="5486400" cy="3086100"/>
+          </a:xfrm>
+          <a:prstGeom prst="rect">
+            <a:avLst/>
+          </a:prstGeom>
+          <a:noFill/>
+          <a:ln w="12700">
+            <a:solidFill>
+              <a:prstClr val="black"/>
+            </a:solidFill>
+          </a:ln>
+        </p:spPr>
+        <p:txBody>
+          <a:bodyPr vert="horz" lIns="91440" tIns="45720" rIns="91440" bIns="45720" rtlCol="0" anchor="ctr"/>
+          <a:lstStyle/>
+          <a:p>
+            <a:endParaRPr lang="en-US"/>
+          </a:p>
+        </p:txBody>
+      </p:sp>
+      <p:sp>
+        <p:nvSpPr>
+          <p:cNvPr id="5" name="Notes Placeholder 4"/>
+          <p:cNvSpPr>
+            <a:spLocks noGrp="1"/>
+          </p:cNvSpPr>
+          <p:nvPr>
+            <p:ph type="body" sz="quarter" idx="3"/>
+          </p:nvPr>
+        </p:nvSpPr>
+        <p:spPr>
+          <a:xfrm>
+            <a:off x="685800" y="4400550"/>
+            <a:ext cx="5486400" cy="3600450"/>
+          </a:xfrm>
+          <a:prstGeom prst="rect">
+            <a:avLst/>
+          </a:prstGeom>
+        </p:spPr>
+        <p:txBody>
+          <a:bodyPr vert="horz" lIns="91440" tIns="45720" rIns="91440" bIns="45720" rtlCol="0"/>
+          <a:lstStyle/>
+          <a:p>
+            <a:pPr lvl="0"/>
+            <a:r>
+              <a:rPr lang="en-US"/>
+              <a:t>Click to edit Master text styles</a:t>
+            </a:r>
+          </a:p>
+          <a:p>
+            <a:pPr lvl="1"/>
+            <a:r>
+              <a:rPr lang="en-US"/>
+              <a:t>Second level</a:t>
+            </a:r>
+          </a:p>
+          <a:p>
+            <a:pPr lvl="2"/>
+            <a:r>
+              <a:rPr lang="en-US"/>
+              <a:t>Third level</a:t>
+            </a:r>
+          </a:p>
+          <a:p>
+            <a:pPr lvl="3"/>
+            <a:r>
+              <a:rPr lang="en-US"/>
+              <a:t>Fourth level</a:t>
+            </a:r>
+          </a:p>
+          <a:p>
+            <a:pPr lvl="4"/>
+            <a:r>
+              <a:rPr lang="en-US"/>
+              <a:t>Fifth level</a:t>
+            </a:r>
+          </a:p>
+        </p:txBody>
+      </p:sp>
+      <p:sp>
+        <p:nvSpPr>
+          <p:cNvPr id="6" name="Footer Placeholder 5"/>
+          <p:cNvSpPr>
+            <a:spLocks noGrp="1"/>
+          </p:cNvSpPr>
+          <p:nvPr>
+            <p:ph type="ftr" sz="quarter" idx="4"/>
+          </p:nvPr>
+        </p:nvSpPr>
+        <p:spPr>
+          <a:xfrm>
+            <a:off x="0" y="8685213"/>
+            <a:ext cx="2971800" cy="458787"/>
+          </a:xfrm>
+          <a:prstGeom prst="rect">
+            <a:avLst/>
+          </a:prstGeom>
+        </p:spPr>
+        <p:txBody>
+          <a:bodyPr vert="horz" lIns="91440" tIns="45720" rIns="91440" bIns="45720" rtlCol="0" anchor="b"/>
+          <a:lstStyle>
+            <a:lvl1pPr algn="l">
+              <a:defRPr sz="1200"/>
+            </a:lvl1pPr>
+          </a:lstStyle>
+          <a:p>
+            <a:endParaRPr lang="en-US"/>
+          </a:p>
+        </p:txBody>
+      </p:sp>
+      <p:sp>
+        <p:nvSpPr>
+          <p:cNvPr id="7" name="Slide Number Placeholder 6"/>
+          <p:cNvSpPr>
+            <a:spLocks noGrp="1"/>
+          </p:cNvSpPr>
+          <p:nvPr>
+            <p:ph type="sldNum" sz="quarter" idx="5"/>
+          </p:nvPr>
+        </p:nvSpPr>
+        <p:spPr>
+          <a:xfrm>
+            <a:off x="3884613" y="8685213"/>
+            <a:ext cx="2971800" cy="458787"/>
+          </a:xfrm>
+          <a:prstGeom prst="rect">
+            <a:avLst/>
+          </a:prstGeom>
+        </p:spPr>
+        <p:txBody>
+          <a:bodyPr vert="horz" lIns="91440" tIns="45720" rIns="91440" bIns="45720" rtlCol="0" anchor="b"/>
+          <a:lstStyle>
+            <a:lvl1pPr algn="r">
+              <a:defRPr sz="1200"/>
+            </a:lvl1pPr>
+          </a:lstStyle>
+          <a:p>
+            <a:fld id="{CC09E19F-01EC-40D8-BD2B-40A59A9560E1}" type="slidenum">
+              <a:rPr lang="en-US" smtClean="0"/>
+              <a:t>‹#›</a:t>
+            </a:fld>
+            <a:endParaRPr lang="en-US"/>
+          </a:p>
+        </p:txBody>
+      </p:sp>
+    </p:spTree>
+    <p:extLst>
+      <p:ext uri="{BB962C8B-B14F-4D97-AF65-F5344CB8AC3E}">
+        <p14:creationId xmlns:p14="http://schemas.microsoft.com/office/powerpoint/2010/main" val="1776786227"/>
+      </p:ext>
+    </p:extLst>
+  </p:cSld>
+  <p:clrMap bg1="lt1" tx1="dk1" bg2="lt2" tx2="dk2" accent1="accent1" accent2="accent2" accent3="accent3" accent4="accent4" accent5="accent5" accent6="accent6" hlink="hlink" folHlink="folHlink"/>
+  <p:notesStyle>
+    <a:lvl1pPr marL="0" algn="l" defTabSz="914400" rtl="0" eaLnBrk="1" latinLnBrk="0" hangingPunct="1">
+      <a:defRPr sz="1200" kern="1200">
+        <a:solidFill>
+          <a:schemeClr val="tx1"/>
+        </a:solidFill>
+        <a:latin typeface="+mn-lt"/>
+        <a:ea typeface="+mn-ea"/>
+        <a:cs typeface="+mn-cs"/>
+      </a:defRPr>
+    </a:lvl1pPr>
+    <a:lvl2pPr marL="457200" algn="l" defTabSz="914400" rtl="0" eaLnBrk="1" latinLnBrk="0" hangingPunct="1">
+      <a:defRPr sz="1200" kern="1200">
+        <a:solidFill>
+          <a:schemeClr val="tx1"/>
+        </a:solidFill>
+        <a:latin typeface="+mn-lt"/>
+        <a:ea typeface="+mn-ea"/>
+        <a:cs typeface="+mn-cs"/>
+      </a:defRPr>
+    </a:lvl2pPr>
+    <a:lvl3pPr marL="914400" algn="l" defTabSz="914400" rtl="0" eaLnBrk="1" latinLnBrk="0" hangingPunct="1">
+      <a:defRPr sz="1200" kern="1200">
+        <a:solidFill>
+          <a:schemeClr val="tx1"/>
+        </a:solidFill>
+        <a:latin typeface="+mn-lt"/>
+        <a:ea typeface="+mn-ea"/>
+        <a:cs typeface="+mn-cs"/>
+      </a:defRPr>
+    </a:lvl3pPr>
+    <a:lvl4pPr marL="1371600" algn="l" defTabSz="914400" rtl="0" eaLnBrk="1" latinLnBrk="0" hangingPunct="1">
+      <a:defRPr sz="1200" kern="1200">
+        <a:solidFill>
+          <a:schemeClr val="tx1"/>
+        </a:solidFill>
+        <a:latin typeface="+mn-lt"/>
+        <a:ea typeface="+mn-ea"/>
+        <a:cs typeface="+mn-cs"/>
+      </a:defRPr>
+    </a:lvl4pPr>
+    <a:lvl5pPr marL="1828800" algn="l" defTabSz="914400" rtl="0" eaLnBrk="1" latinLnBrk="0" hangingPunct="1">
+      <a:defRPr sz="1200" kern="1200">
+        <a:solidFill>
+          <a:schemeClr val="tx1"/>
+        </a:solidFill>
+        <a:latin typeface="+mn-lt"/>
+        <a:ea typeface="+mn-ea"/>
+        <a:cs typeface="+mn-cs"/>
+      </a:defRPr>
+    </a:lvl5pPr>
+    <a:lvl6pPr marL="2286000" algn="l" defTabSz="914400" rtl="0" eaLnBrk="1" latinLnBrk="0" hangingPunct="1">
+      <a:defRPr sz="1200" kern="1200">
+        <a:solidFill>
+          <a:schemeClr val="tx1"/>
+        </a:solidFill>
+        <a:latin typeface="+mn-lt"/>
+        <a:ea typeface="+mn-ea"/>
+        <a:cs typeface="+mn-cs"/>
+      </a:defRPr>
+    </a:lvl6pPr>
+    <a:lvl7pPr marL="2743200" algn="l" defTabSz="914400" rtl="0" eaLnBrk="1" latinLnBrk="0" hangingPunct="1">
+      <a:defRPr sz="1200" kern="1200">
+        <a:solidFill>
+          <a:schemeClr val="tx1"/>
+        </a:solidFill>
+        <a:latin typeface="+mn-lt"/>
+        <a:ea typeface="+mn-ea"/>
+        <a:cs typeface="+mn-cs"/>
+      </a:defRPr>
+    </a:lvl7pPr>
+    <a:lvl8pPr marL="3200400" algn="l" defTabSz="914400" rtl="0" eaLnBrk="1" latinLnBrk="0" hangingPunct="1">
+      <a:defRPr sz="1200" kern="1200">
+        <a:solidFill>
+          <a:schemeClr val="tx1"/>
+        </a:solidFill>
+        <a:latin typeface="+mn-lt"/>
+        <a:ea typeface="+mn-ea"/>
+        <a:cs typeface="+mn-cs"/>
+      </a:defRPr>
+    </a:lvl8pPr>
+    <a:lvl9pPr marL="3657600" algn="l" defTabSz="914400" rtl="0" eaLnBrk="1" latinLnBrk="0" hangingPunct="1">
+      <a:defRPr sz="1200" kern="1200">
+        <a:solidFill>
+          <a:schemeClr val="tx1"/>
+        </a:solidFill>
+        <a:latin typeface="+mn-lt"/>
+        <a:ea typeface="+mn-ea"/>
+        <a:cs typeface="+mn-cs"/>
+      </a:defRPr>
+    </a:lvl9pPr>
+  </p:notesStyle>
+</p:notesMaster>
+</file>
+
+<file path=ppt/notesSlides/notesSlide1.xml><?xml version="1.0" encoding="utf-8"?>
+<p:notes xmlns:a="http://schemas.openxmlformats.org/drawingml/2006/main" xmlns:r="http://schemas.openxmlformats.org/officeDocument/2006/relationships" xmlns:p="http://schemas.openxmlformats.org/presentationml/2006/main">
+  <p:cSld>
+    <p:spTree>
+      <p:nvGrpSpPr>
+        <p:cNvPr id="1" name=""/>
+        <p:cNvGrpSpPr/>
+        <p:nvPr/>
+      </p:nvGrpSpPr>
+      <p:grpSpPr>
+        <a:xfrm>
+          <a:off x="0" y="0"/>
+          <a:ext cx="0" cy="0"/>
+          <a:chOff x="0" y="0"/>
+          <a:chExt cx="0" cy="0"/>
+        </a:xfrm>
+      </p:grpSpPr>
+      <p:sp>
+        <p:nvSpPr>
+          <p:cNvPr id="2" name="Slide Image Placeholder 1"/>
+          <p:cNvSpPr>
+            <a:spLocks noGrp="1" noRot="1" noChangeAspect="1"/>
+          </p:cNvSpPr>
+          <p:nvPr>
+            <p:ph type="sldImg"/>
+          </p:nvPr>
+        </p:nvSpPr>
+        <p:spPr/>
+      </p:sp>
+      <p:sp>
+        <p:nvSpPr>
+          <p:cNvPr id="3" name="Notes Placeholder 2"/>
+          <p:cNvSpPr>
+            <a:spLocks noGrp="1"/>
+          </p:cNvSpPr>
+          <p:nvPr>
+            <p:ph type="body" idx="1"/>
+          </p:nvPr>
+        </p:nvSpPr>
+        <p:spPr/>
+        <p:txBody>
+          <a:bodyPr/>
+          <a:lstStyle/>
+          <a:p>
+            <a:endParaRPr lang="en-US" dirty="0"/>
+          </a:p>
+        </p:txBody>
+      </p:sp>
+      <p:sp>
+        <p:nvSpPr>
+          <p:cNvPr id="4" name="Slide Number Placeholder 3"/>
+          <p:cNvSpPr>
+            <a:spLocks noGrp="1"/>
+          </p:cNvSpPr>
+          <p:nvPr>
+            <p:ph type="sldNum" sz="quarter" idx="5"/>
+          </p:nvPr>
+        </p:nvSpPr>
+        <p:spPr/>
+        <p:txBody>
+          <a:bodyPr/>
+          <a:lstStyle/>
+          <a:p>
+            <a:fld id="{CC09E19F-01EC-40D8-BD2B-40A59A9560E1}" type="slidenum">
+              <a:rPr lang="en-US" smtClean="0"/>
+              <a:t>14</a:t>
+            </a:fld>
+            <a:endParaRPr lang="en-US"/>
+          </a:p>
+        </p:txBody>
+      </p:sp>
+    </p:spTree>
+    <p:extLst>
+      <p:ext uri="{BB962C8B-B14F-4D97-AF65-F5344CB8AC3E}">
+        <p14:creationId xmlns:p14="http://schemas.microsoft.com/office/powerpoint/2010/main" val="1387218083"/>
+      </p:ext>
+    </p:extLst>
+  </p:cSld>
+  <p:clrMapOvr>
+    <a:masterClrMapping/>
+  </p:clrMapOvr>
+</p:notes>
+</file>
+
 <file path=ppt/slideLayouts/slideLayout1.xml><?xml version="1.0" encoding="utf-8"?>
 <p:sldLayout xmlns:a="http://schemas.openxmlformats.org/drawingml/2006/main" xmlns:r="http://schemas.openxmlformats.org/officeDocument/2006/relationships" xmlns:p="http://schemas.openxmlformats.org/presentationml/2006/main" type="title" preserve="1">
   <p:cSld name="Title Slide">
@@ -273,7 +711,7 @@
           <a:p>
             <a:fld id="{69002B11-2462-4824-BA85-40F0AE5821C0}" type="datetimeFigureOut">
               <a:rPr lang="tr-TR" smtClean="0"/>
-              <a:t>18.03.2024</a:t>
+              <a:t>19.03.2024</a:t>
             </a:fld>
             <a:endParaRPr lang="tr-TR"/>
           </a:p>
@@ -473,7 +911,7 @@
           <a:p>
             <a:fld id="{69002B11-2462-4824-BA85-40F0AE5821C0}" type="datetimeFigureOut">
               <a:rPr lang="tr-TR" smtClean="0"/>
-              <a:t>18.03.2024</a:t>
+              <a:t>19.03.2024</a:t>
             </a:fld>
             <a:endParaRPr lang="tr-TR"/>
           </a:p>
@@ -683,7 +1121,7 @@
           <a:p>
             <a:fld id="{69002B11-2462-4824-BA85-40F0AE5821C0}" type="datetimeFigureOut">
               <a:rPr lang="tr-TR" smtClean="0"/>
-              <a:t>18.03.2024</a:t>
+              <a:t>19.03.2024</a:t>
             </a:fld>
             <a:endParaRPr lang="tr-TR"/>
           </a:p>
@@ -883,7 +1321,7 @@
           <a:p>
             <a:fld id="{69002B11-2462-4824-BA85-40F0AE5821C0}" type="datetimeFigureOut">
               <a:rPr lang="tr-TR" smtClean="0"/>
-              <a:t>18.03.2024</a:t>
+              <a:t>19.03.2024</a:t>
             </a:fld>
             <a:endParaRPr lang="tr-TR"/>
           </a:p>
@@ -1159,7 +1597,7 @@
           <a:p>
             <a:fld id="{69002B11-2462-4824-BA85-40F0AE5821C0}" type="datetimeFigureOut">
               <a:rPr lang="tr-TR" smtClean="0"/>
-              <a:t>18.03.2024</a:t>
+              <a:t>19.03.2024</a:t>
             </a:fld>
             <a:endParaRPr lang="tr-TR"/>
           </a:p>
@@ -1427,7 +1865,7 @@
           <a:p>
             <a:fld id="{69002B11-2462-4824-BA85-40F0AE5821C0}" type="datetimeFigureOut">
               <a:rPr lang="tr-TR" smtClean="0"/>
-              <a:t>18.03.2024</a:t>
+              <a:t>19.03.2024</a:t>
             </a:fld>
             <a:endParaRPr lang="tr-TR"/>
           </a:p>
@@ -1842,7 +2280,7 @@
           <a:p>
             <a:fld id="{69002B11-2462-4824-BA85-40F0AE5821C0}" type="datetimeFigureOut">
               <a:rPr lang="tr-TR" smtClean="0"/>
-              <a:t>18.03.2024</a:t>
+              <a:t>19.03.2024</a:t>
             </a:fld>
             <a:endParaRPr lang="tr-TR"/>
           </a:p>
@@ -1984,7 +2422,7 @@
           <a:p>
             <a:fld id="{69002B11-2462-4824-BA85-40F0AE5821C0}" type="datetimeFigureOut">
               <a:rPr lang="tr-TR" smtClean="0"/>
-              <a:t>18.03.2024</a:t>
+              <a:t>19.03.2024</a:t>
             </a:fld>
             <a:endParaRPr lang="tr-TR"/>
           </a:p>
@@ -2097,7 +2535,7 @@
           <a:p>
             <a:fld id="{69002B11-2462-4824-BA85-40F0AE5821C0}" type="datetimeFigureOut">
               <a:rPr lang="tr-TR" smtClean="0"/>
-              <a:t>18.03.2024</a:t>
+              <a:t>19.03.2024</a:t>
             </a:fld>
             <a:endParaRPr lang="tr-TR"/>
           </a:p>
@@ -2410,7 +2848,7 @@
           <a:p>
             <a:fld id="{69002B11-2462-4824-BA85-40F0AE5821C0}" type="datetimeFigureOut">
               <a:rPr lang="tr-TR" smtClean="0"/>
-              <a:t>18.03.2024</a:t>
+              <a:t>19.03.2024</a:t>
             </a:fld>
             <a:endParaRPr lang="tr-TR"/>
           </a:p>
@@ -2699,7 +3137,7 @@
           <a:p>
             <a:fld id="{69002B11-2462-4824-BA85-40F0AE5821C0}" type="datetimeFigureOut">
               <a:rPr lang="tr-TR" smtClean="0"/>
-              <a:t>18.03.2024</a:t>
+              <a:t>19.03.2024</a:t>
             </a:fld>
             <a:endParaRPr lang="tr-TR"/>
           </a:p>
@@ -2942,7 +3380,7 @@
           <a:p>
             <a:fld id="{69002B11-2462-4824-BA85-40F0AE5821C0}" type="datetimeFigureOut">
               <a:rPr lang="tr-TR" smtClean="0"/>
-              <a:t>18.03.2024</a:t>
+              <a:t>19.03.2024</a:t>
             </a:fld>
             <a:endParaRPr lang="tr-TR"/>
           </a:p>
@@ -4113,35 +4551,54 @@
             <p:ph idx="1"/>
           </p:nvPr>
         </p:nvSpPr>
-        <p:spPr/>
-        <p:txBody>
-          <a:bodyPr/>
+        <p:spPr>
+          <a:xfrm>
+            <a:off x="838200" y="1669623"/>
+            <a:ext cx="11096625" cy="2289618"/>
+          </a:xfrm>
+        </p:spPr>
+        <p:txBody>
+          <a:bodyPr>
+            <a:normAutofit fontScale="92500" lnSpcReduction="10000"/>
+          </a:bodyPr>
           <a:lstStyle/>
           <a:p>
             <a:r>
               <a:rPr lang="en-US" dirty="0"/>
-              <a:t>2 types NPP ripple:</a:t>
-            </a:r>
-          </a:p>
-          <a:p>
+              <a:t>Phase current charges one capacitor while discharging the other. This causes the ripple.</a:t>
+            </a:r>
+          </a:p>
+          <a:p>
+            <a:r>
+              <a:rPr lang="en-US" b="1" u="sng" dirty="0"/>
+              <a:t>2 types of NPP ripple:</a:t>
+            </a:r>
+          </a:p>
+          <a:p>
+            <a:pPr algn="just"/>
+            <a:r>
+              <a:rPr lang="en-US" dirty="0"/>
+              <a:t>Fundamental freq. </a:t>
+            </a:r>
+            <a:r>
+              <a:rPr lang="en-US" sz="1800" b="0" i="0" u="none" strike="noStrike" baseline="0" dirty="0">
+                <a:latin typeface="NimbusRomNo9L-Regu"/>
+              </a:rPr>
+              <a:t>Low frequency NPP ripple has largest component at three times the fundamental frequency. can be controlled with control loops in the PWM method.</a:t>
+            </a:r>
             <a:endParaRPr lang="en-US" dirty="0"/>
           </a:p>
           <a:p>
+            <a:pPr algn="l"/>
             <a:r>
               <a:rPr lang="en-US" dirty="0"/>
-              <a:t>Fundamental freq.</a:t>
-            </a:r>
-          </a:p>
-          <a:p>
-            <a:endParaRPr lang="en-US" dirty="0"/>
-          </a:p>
-          <a:p>
-            <a:endParaRPr lang="en-US" dirty="0"/>
-          </a:p>
-          <a:p>
-            <a:r>
-              <a:rPr lang="en-US" dirty="0"/>
-              <a:t>Switching freq.</a:t>
+              <a:t>Switching freq. </a:t>
+            </a:r>
+            <a:r>
+              <a:rPr lang="en-US" sz="1800" b="0" i="0" u="none" strike="noStrike" baseline="0" dirty="0">
+                <a:latin typeface="NimbusRomNo9L-Regu"/>
+              </a:rPr>
+              <a:t>this ripple type can not be controlled with closed loops added to PWM method.</a:t>
             </a:r>
             <a:endParaRPr lang="tr-TR" dirty="0"/>
           </a:p>
@@ -4149,10 +4606,10 @@
       </p:sp>
       <p:pic>
         <p:nvPicPr>
-          <p:cNvPr id="5" name="Picture 4">
-            <a:extLst>
-              <a:ext uri="{FF2B5EF4-FFF2-40B4-BE49-F238E27FC236}">
-                <a16:creationId xmlns:a16="http://schemas.microsoft.com/office/drawing/2014/main" id="{2C35BCC4-6B4E-4793-4569-DEDA5D30D196}"/>
+          <p:cNvPr id="4" name="Content Placeholder 4">
+            <a:extLst>
+              <a:ext uri="{FF2B5EF4-FFF2-40B4-BE49-F238E27FC236}">
+                <a16:creationId xmlns:a16="http://schemas.microsoft.com/office/drawing/2014/main" id="{E6D5E8EE-626E-99C7-FC6D-0718A24A8D3E}"/>
               </a:ext>
             </a:extLst>
           </p:cNvPr>
@@ -4169,7 +4626,167 @@
         </p:blipFill>
         <p:spPr>
           <a:xfrm>
-            <a:off x="5775688" y="1825625"/>
+            <a:off x="2177066" y="4115244"/>
+            <a:ext cx="7494155" cy="2204103"/>
+          </a:xfrm>
+          <a:prstGeom prst="rect">
+            <a:avLst/>
+          </a:prstGeom>
+        </p:spPr>
+      </p:pic>
+      <p:sp>
+        <p:nvSpPr>
+          <p:cNvPr id="6" name="TextBox 5">
+            <a:extLst>
+              <a:ext uri="{FF2B5EF4-FFF2-40B4-BE49-F238E27FC236}">
+                <a16:creationId xmlns:a16="http://schemas.microsoft.com/office/drawing/2014/main" id="{83DF0C59-12CF-4171-1F8E-EFDD2D744C31}"/>
+              </a:ext>
+            </a:extLst>
+          </p:cNvPr>
+          <p:cNvSpPr txBox="1"/>
+          <p:nvPr/>
+        </p:nvSpPr>
+        <p:spPr>
+          <a:xfrm>
+            <a:off x="2177066" y="6227795"/>
+            <a:ext cx="3301609" cy="369332"/>
+          </a:xfrm>
+          <a:prstGeom prst="rect">
+            <a:avLst/>
+          </a:prstGeom>
+          <a:noFill/>
+        </p:spPr>
+        <p:txBody>
+          <a:bodyPr wrap="none" rtlCol="0">
+            <a:spAutoFit/>
+          </a:bodyPr>
+          <a:lstStyle/>
+          <a:p>
+            <a:r>
+              <a:rPr lang="en-US" dirty="0"/>
+              <a:t>Top charging, bottom discharging</a:t>
+            </a:r>
+          </a:p>
+        </p:txBody>
+      </p:sp>
+      <p:sp>
+        <p:nvSpPr>
+          <p:cNvPr id="7" name="TextBox 6">
+            <a:extLst>
+              <a:ext uri="{FF2B5EF4-FFF2-40B4-BE49-F238E27FC236}">
+                <a16:creationId xmlns:a16="http://schemas.microsoft.com/office/drawing/2014/main" id="{43C61C8B-5FBA-0C27-5C35-38B34179F865}"/>
+              </a:ext>
+            </a:extLst>
+          </p:cNvPr>
+          <p:cNvSpPr txBox="1"/>
+          <p:nvPr/>
+        </p:nvSpPr>
+        <p:spPr>
+          <a:xfrm>
+            <a:off x="6383398" y="6303785"/>
+            <a:ext cx="3287823" cy="369332"/>
+          </a:xfrm>
+          <a:prstGeom prst="rect">
+            <a:avLst/>
+          </a:prstGeom>
+          <a:noFill/>
+        </p:spPr>
+        <p:txBody>
+          <a:bodyPr wrap="none" rtlCol="0">
+            <a:spAutoFit/>
+          </a:bodyPr>
+          <a:lstStyle/>
+          <a:p>
+            <a:r>
+              <a:rPr lang="en-US" dirty="0"/>
+              <a:t>Bottom charging, top discharging</a:t>
+            </a:r>
+          </a:p>
+        </p:txBody>
+      </p:sp>
+    </p:spTree>
+    <p:extLst>
+      <p:ext uri="{BB962C8B-B14F-4D97-AF65-F5344CB8AC3E}">
+        <p14:creationId xmlns:p14="http://schemas.microsoft.com/office/powerpoint/2010/main" val="1066923395"/>
+      </p:ext>
+    </p:extLst>
+  </p:cSld>
+  <p:clrMapOvr>
+    <a:masterClrMapping/>
+  </p:clrMapOvr>
+</p:sld>
+</file>
+
+<file path=ppt/slides/slide14.xml><?xml version="1.0" encoding="utf-8"?>
+<p:sld xmlns:a="http://schemas.openxmlformats.org/drawingml/2006/main" xmlns:r="http://schemas.openxmlformats.org/officeDocument/2006/relationships" xmlns:p="http://schemas.openxmlformats.org/presentationml/2006/main">
+  <p:cSld>
+    <p:spTree>
+      <p:nvGrpSpPr>
+        <p:cNvPr id="1" name=""/>
+        <p:cNvGrpSpPr/>
+        <p:nvPr/>
+      </p:nvGrpSpPr>
+      <p:grpSpPr>
+        <a:xfrm>
+          <a:off x="0" y="0"/>
+          <a:ext cx="0" cy="0"/>
+          <a:chOff x="0" y="0"/>
+          <a:chExt cx="0" cy="0"/>
+        </a:xfrm>
+      </p:grpSpPr>
+      <p:sp>
+        <p:nvSpPr>
+          <p:cNvPr id="2" name="Title 1">
+            <a:extLst>
+              <a:ext uri="{FF2B5EF4-FFF2-40B4-BE49-F238E27FC236}">
+                <a16:creationId xmlns:a16="http://schemas.microsoft.com/office/drawing/2014/main" id="{7EEFC802-0004-CBB7-E2C9-A5AF32C3B161}"/>
+              </a:ext>
+            </a:extLst>
+          </p:cNvPr>
+          <p:cNvSpPr>
+            <a:spLocks noGrp="1"/>
+          </p:cNvSpPr>
+          <p:nvPr>
+            <p:ph type="title"/>
+          </p:nvPr>
+        </p:nvSpPr>
+        <p:spPr/>
+        <p:txBody>
+          <a:bodyPr/>
+          <a:lstStyle/>
+          <a:p>
+            <a:r>
+              <a:rPr lang="en-US" dirty="0"/>
+              <a:t>NPP Control</a:t>
+            </a:r>
+          </a:p>
+        </p:txBody>
+      </p:sp>
+      <p:pic>
+        <p:nvPicPr>
+          <p:cNvPr id="10" name="Content Placeholder 3">
+            <a:extLst>
+              <a:ext uri="{FF2B5EF4-FFF2-40B4-BE49-F238E27FC236}">
+                <a16:creationId xmlns:a16="http://schemas.microsoft.com/office/drawing/2014/main" id="{E62F3298-D300-F146-7724-56FFD444E539}"/>
+              </a:ext>
+            </a:extLst>
+          </p:cNvPr>
+          <p:cNvPicPr>
+            <a:picLocks noGrp="1" noChangeAspect="1"/>
+          </p:cNvPicPr>
+          <p:nvPr>
+            <p:ph idx="1"/>
+          </p:nvPr>
+        </p:nvPicPr>
+        <p:blipFill>
+          <a:blip r:embed="rId3"/>
+          <a:stretch>
+            <a:fillRect/>
+          </a:stretch>
+        </p:blipFill>
+        <p:spPr>
+          <a:xfrm>
+            <a:off x="6508599" y="1943100"/>
             <a:ext cx="4545874" cy="2971800"/>
           </a:xfrm>
           <a:prstGeom prst="rect">
@@ -4180,7 +4797,90 @@
     </p:spTree>
     <p:extLst>
       <p:ext uri="{BB962C8B-B14F-4D97-AF65-F5344CB8AC3E}">
-        <p14:creationId xmlns:p14="http://schemas.microsoft.com/office/powerpoint/2010/main" val="1066923395"/>
+        <p14:creationId xmlns:p14="http://schemas.microsoft.com/office/powerpoint/2010/main" val="150093631"/>
+      </p:ext>
+    </p:extLst>
+  </p:cSld>
+  <p:clrMapOvr>
+    <a:masterClrMapping/>
+  </p:clrMapOvr>
+</p:sld>
+</file>
+
+<file path=ppt/slides/slide15.xml><?xml version="1.0" encoding="utf-8"?>
+<p:sld xmlns:a="http://schemas.openxmlformats.org/drawingml/2006/main" xmlns:r="http://schemas.openxmlformats.org/officeDocument/2006/relationships" xmlns:p="http://schemas.openxmlformats.org/presentationml/2006/main">
+  <p:cSld>
+    <p:spTree>
+      <p:nvGrpSpPr>
+        <p:cNvPr id="1" name=""/>
+        <p:cNvGrpSpPr/>
+        <p:nvPr/>
+      </p:nvGrpSpPr>
+      <p:grpSpPr>
+        <a:xfrm>
+          <a:off x="0" y="0"/>
+          <a:ext cx="0" cy="0"/>
+          <a:chOff x="0" y="0"/>
+          <a:chExt cx="0" cy="0"/>
+        </a:xfrm>
+      </p:grpSpPr>
+      <p:sp>
+        <p:nvSpPr>
+          <p:cNvPr id="2" name="Title 1">
+            <a:extLst>
+              <a:ext uri="{FF2B5EF4-FFF2-40B4-BE49-F238E27FC236}">
+                <a16:creationId xmlns:a16="http://schemas.microsoft.com/office/drawing/2014/main" id="{C0B6F29A-CCED-ECEC-EF14-47B3C6A8037A}"/>
+              </a:ext>
+            </a:extLst>
+          </p:cNvPr>
+          <p:cNvSpPr>
+            <a:spLocks noGrp="1"/>
+          </p:cNvSpPr>
+          <p:nvPr>
+            <p:ph type="title"/>
+          </p:nvPr>
+        </p:nvSpPr>
+        <p:spPr/>
+        <p:txBody>
+          <a:bodyPr/>
+          <a:lstStyle/>
+          <a:p>
+            <a:r>
+              <a:rPr lang="en-US" dirty="0"/>
+              <a:t>NPP Control</a:t>
+            </a:r>
+          </a:p>
+        </p:txBody>
+      </p:sp>
+      <p:sp>
+        <p:nvSpPr>
+          <p:cNvPr id="6" name="Content Placeholder 5">
+            <a:extLst>
+              <a:ext uri="{FF2B5EF4-FFF2-40B4-BE49-F238E27FC236}">
+                <a16:creationId xmlns:a16="http://schemas.microsoft.com/office/drawing/2014/main" id="{1E59D5E9-2FCB-4C65-15EF-DAEADC1A4EBC}"/>
+              </a:ext>
+            </a:extLst>
+          </p:cNvPr>
+          <p:cNvSpPr>
+            <a:spLocks noGrp="1"/>
+          </p:cNvSpPr>
+          <p:nvPr>
+            <p:ph idx="1"/>
+          </p:nvPr>
+        </p:nvSpPr>
+        <p:spPr/>
+        <p:txBody>
+          <a:bodyPr/>
+          <a:lstStyle/>
+          <a:p>
+            <a:endParaRPr lang="en-US"/>
+          </a:p>
+        </p:txBody>
+      </p:sp>
+    </p:spTree>
+    <p:extLst>
+      <p:ext uri="{BB962C8B-B14F-4D97-AF65-F5344CB8AC3E}">
+        <p14:creationId xmlns:p14="http://schemas.microsoft.com/office/powerpoint/2010/main" val="4225424262"/>
       </p:ext>
     </p:extLst>
   </p:cSld>
@@ -8129,4 +8829,299 @@
     </a:ext>
   </a:extLst>
 </a:theme>
+</file>
+
+<file path=ppt/theme/theme2.xml><?xml version="1.0" encoding="utf-8"?>
+<a:theme xmlns:a="http://schemas.openxmlformats.org/drawingml/2006/main" name="Office Theme">
+  <a:themeElements>
+    <a:clrScheme name="Office">
+      <a:dk1>
+        <a:sysClr val="windowText" lastClr="000000"/>
+      </a:dk1>
+      <a:lt1>
+        <a:sysClr val="window" lastClr="FFFFFF"/>
+      </a:lt1>
+      <a:dk2>
+        <a:srgbClr val="44546A"/>
+      </a:dk2>
+      <a:lt2>
+        <a:srgbClr val="E7E6E6"/>
+      </a:lt2>
+      <a:accent1>
+        <a:srgbClr val="4472C4"/>
+      </a:accent1>
+      <a:accent2>
+        <a:srgbClr val="ED7D31"/>
+      </a:accent2>
+      <a:accent3>
+        <a:srgbClr val="A5A5A5"/>
+      </a:accent3>
+      <a:accent4>
+        <a:srgbClr val="FFC000"/>
+      </a:accent4>
+      <a:accent5>
+        <a:srgbClr val="5B9BD5"/>
+      </a:accent5>
+      <a:accent6>
+        <a:srgbClr val="70AD47"/>
+      </a:accent6>
+      <a:hlink>
+        <a:srgbClr val="0563C1"/>
+      </a:hlink>
+      <a:folHlink>
+        <a:srgbClr val="954F72"/>
+      </a:folHlink>
+    </a:clrScheme>
+    <a:fontScheme name="Office">
+      <a:majorFont>
+        <a:latin typeface="Calibri Light" panose="020F0302020204030204"/>
+        <a:ea typeface=""/>
+        <a:cs typeface=""/>
+        <a:font script="Jpan" typeface="游ゴシック Light"/>
+        <a:font script="Hang" typeface="맑은 고딕"/>
+        <a:font script="Hans" typeface="等线 Light"/>
+        <a:font script="Hant" typeface="新細明體"/>
+        <a:font script="Arab" typeface="Times New Roman"/>
+        <a:font script="Hebr" typeface="Times New Roman"/>
+        <a:font script="Thai" typeface="Angsana New"/>
+        <a:font script="Ethi" typeface="Nyala"/>
+        <a:font script="Beng" typeface="Vrinda"/>
+        <a:font script="Gujr" typeface="Shruti"/>
+        <a:font script="Khmr" typeface="MoolBoran"/>
+        <a:font script="Knda" typeface="Tunga"/>
+        <a:font script="Guru" typeface="Raavi"/>
+        <a:font script="Cans" typeface="Euphemia"/>
+        <a:font script="Cher" typeface="Plantagenet Cherokee"/>
+        <a:font script="Yiii" typeface="Microsoft Yi Baiti"/>
+        <a:font script="Tibt" typeface="Microsoft Himalaya"/>
+        <a:font script="Thaa" typeface="MV Boli"/>
+        <a:font script="Deva" typeface="Mangal"/>
+        <a:font script="Telu" typeface="Gautami"/>
+        <a:font script="Taml" typeface="Latha"/>
+        <a:font script="Syrc" typeface="Estrangelo Edessa"/>
+        <a:font script="Orya" typeface="Kalinga"/>
+        <a:font script="Mlym" typeface="Kartika"/>
+        <a:font script="Laoo" typeface="DokChampa"/>
+        <a:font script="Sinh" typeface="Iskoola Pota"/>
+        <a:font script="Mong" typeface="Mongolian Baiti"/>
+        <a:font script="Viet" typeface="Times New Roman"/>
+        <a:font script="Uigh" typeface="Microsoft Uighur"/>
+        <a:font script="Geor" typeface="Sylfaen"/>
+        <a:font script="Armn" typeface="Arial"/>
+        <a:font script="Bugi" typeface="Leelawadee UI"/>
+        <a:font script="Bopo" typeface="Microsoft JhengHei"/>
+        <a:font script="Java" typeface="Javanese Text"/>
+        <a:font script="Lisu" typeface="Segoe UI"/>
+        <a:font script="Mymr" typeface="Myanmar Text"/>
+        <a:font script="Nkoo" typeface="Ebrima"/>
+        <a:font script="Olck" typeface="Nirmala UI"/>
+        <a:font script="Osma" typeface="Ebrima"/>
+        <a:font script="Phag" typeface="Phagspa"/>
+        <a:font script="Syrn" typeface="Estrangelo Edessa"/>
+        <a:font script="Syrj" typeface="Estrangelo Edessa"/>
+        <a:font script="Syre" typeface="Estrangelo Edessa"/>
+        <a:font script="Sora" typeface="Nirmala UI"/>
+        <a:font script="Tale" typeface="Microsoft Tai Le"/>
+        <a:font script="Talu" typeface="Microsoft New Tai Lue"/>
+        <a:font script="Tfng" typeface="Ebrima"/>
+      </a:majorFont>
+      <a:minorFont>
+        <a:latin typeface="Calibri" panose="020F0502020204030204"/>
+        <a:ea typeface=""/>
+        <a:cs typeface=""/>
+        <a:font script="Jpan" typeface="游ゴシック"/>
+        <a:font script="Hang" typeface="맑은 고딕"/>
+        <a:font script="Hans" typeface="等线"/>
+        <a:font script="Hant" typeface="新細明體"/>
+        <a:font script="Arab" typeface="Arial"/>
+        <a:font script="Hebr" typeface="Arial"/>
+        <a:font script="Thai" typeface="Cordia New"/>
+        <a:font script="Ethi" typeface="Nyala"/>
+        <a:font script="Beng" typeface="Vrinda"/>
+        <a:font script="Gujr" typeface="Shruti"/>
+        <a:font script="Khmr" typeface="DaunPenh"/>
+        <a:font script="Knda" typeface="Tunga"/>
+        <a:font script="Guru" typeface="Raavi"/>
+        <a:font script="Cans" typeface="Euphemia"/>
+        <a:font script="Cher" typeface="Plantagenet Cherokee"/>
+        <a:font script="Yiii" typeface="Microsoft Yi Baiti"/>
+        <a:font script="Tibt" typeface="Microsoft Himalaya"/>
+        <a:font script="Thaa" typeface="MV Boli"/>
+        <a:font script="Deva" typeface="Mangal"/>
+        <a:font script="Telu" typeface="Gautami"/>
+        <a:font script="Taml" typeface="Latha"/>
+        <a:font script="Syrc" typeface="Estrangelo Edessa"/>
+        <a:font script="Orya" typeface="Kalinga"/>
+        <a:font script="Mlym" typeface="Kartika"/>
+        <a:font script="Laoo" typeface="DokChampa"/>
+        <a:font script="Sinh" typeface="Iskoola Pota"/>
+        <a:font script="Mong" typeface="Mongolian Baiti"/>
+        <a:font script="Viet" typeface="Arial"/>
+        <a:font script="Uigh" typeface="Microsoft Uighur"/>
+        <a:font script="Geor" typeface="Sylfaen"/>
+        <a:font script="Armn" typeface="Arial"/>
+        <a:font script="Bugi" typeface="Leelawadee UI"/>
+        <a:font script="Bopo" typeface="Microsoft JhengHei"/>
+        <a:font script="Java" typeface="Javanese Text"/>
+        <a:font script="Lisu" typeface="Segoe UI"/>
+        <a:font script="Mymr" typeface="Myanmar Text"/>
+        <a:font script="Nkoo" typeface="Ebrima"/>
+        <a:font script="Olck" typeface="Nirmala UI"/>
+        <a:font script="Osma" typeface="Ebrima"/>
+        <a:font script="Phag" typeface="Phagspa"/>
+        <a:font script="Syrn" typeface="Estrangelo Edessa"/>
+        <a:font script="Syrj" typeface="Estrangelo Edessa"/>
+        <a:font script="Syre" typeface="Estrangelo Edessa"/>
+        <a:font script="Sora" typeface="Nirmala UI"/>
+        <a:font script="Tale" typeface="Microsoft Tai Le"/>
+        <a:font script="Talu" typeface="Microsoft New Tai Lue"/>
+        <a:font script="Tfng" typeface="Ebrima"/>
+      </a:minorFont>
+    </a:fontScheme>
+    <a:fmtScheme name="Office">
+      <a:fillStyleLst>
+        <a:solidFill>
+          <a:schemeClr val="phClr"/>
+        </a:solidFill>
+        <a:gradFill rotWithShape="1">
+          <a:gsLst>
+            <a:gs pos="0">
+              <a:schemeClr val="phClr">
+                <a:lumMod val="110000"/>
+                <a:satMod val="105000"/>
+                <a:tint val="67000"/>
+              </a:schemeClr>
+            </a:gs>
+            <a:gs pos="50000">
+              <a:schemeClr val="phClr">
+                <a:lumMod val="105000"/>
+                <a:satMod val="103000"/>
+                <a:tint val="73000"/>
+              </a:schemeClr>
+            </a:gs>
+            <a:gs pos="100000">
+              <a:schemeClr val="phClr">
+                <a:lumMod val="105000"/>
+                <a:satMod val="109000"/>
+                <a:tint val="81000"/>
+              </a:schemeClr>
+            </a:gs>
+          </a:gsLst>
+          <a:lin ang="5400000" scaled="0"/>
+        </a:gradFill>
+        <a:gradFill rotWithShape="1">
+          <a:gsLst>
+            <a:gs pos="0">
+              <a:schemeClr val="phClr">
+                <a:satMod val="103000"/>
+                <a:lumMod val="102000"/>
+                <a:tint val="94000"/>
+              </a:schemeClr>
+            </a:gs>
+            <a:gs pos="50000">
+              <a:schemeClr val="phClr">
+                <a:satMod val="110000"/>
+                <a:lumMod val="100000"/>
+                <a:shade val="100000"/>
+              </a:schemeClr>
+            </a:gs>
+            <a:gs pos="100000">
+              <a:schemeClr val="phClr">
+                <a:lumMod val="99000"/>
+                <a:satMod val="120000"/>
+                <a:shade val="78000"/>
+              </a:schemeClr>
+            </a:gs>
+          </a:gsLst>
+          <a:lin ang="5400000" scaled="0"/>
+        </a:gradFill>
+      </a:fillStyleLst>
+      <a:lnStyleLst>
+        <a:ln w="6350" cap="flat" cmpd="sng" algn="ctr">
+          <a:solidFill>
+            <a:schemeClr val="phClr"/>
+          </a:solidFill>
+          <a:prstDash val="solid"/>
+          <a:miter lim="800000"/>
+        </a:ln>
+        <a:ln w="12700" cap="flat" cmpd="sng" algn="ctr">
+          <a:solidFill>
+            <a:schemeClr val="phClr"/>
+          </a:solidFill>
+          <a:prstDash val="solid"/>
+          <a:miter lim="800000"/>
+        </a:ln>
+        <a:ln w="19050" cap="flat" cmpd="sng" algn="ctr">
+          <a:solidFill>
+            <a:schemeClr val="phClr"/>
+          </a:solidFill>
+          <a:prstDash val="solid"/>
+          <a:miter lim="800000"/>
+        </a:ln>
+      </a:lnStyleLst>
+      <a:effectStyleLst>
+        <a:effectStyle>
+          <a:effectLst/>
+        </a:effectStyle>
+        <a:effectStyle>
+          <a:effectLst/>
+        </a:effectStyle>
+        <a:effectStyle>
+          <a:effectLst>
+            <a:outerShdw blurRad="57150" dist="19050" dir="5400000" algn="ctr" rotWithShape="0">
+              <a:srgbClr val="000000">
+                <a:alpha val="63000"/>
+              </a:srgbClr>
+            </a:outerShdw>
+          </a:effectLst>
+        </a:effectStyle>
+      </a:effectStyleLst>
+      <a:bgFillStyleLst>
+        <a:solidFill>
+          <a:schemeClr val="phClr"/>
+        </a:solidFill>
+        <a:solidFill>
+          <a:schemeClr val="phClr">
+            <a:tint val="95000"/>
+            <a:satMod val="170000"/>
+          </a:schemeClr>
+        </a:solidFill>
+        <a:gradFill rotWithShape="1">
+          <a:gsLst>
+            <a:gs pos="0">
+              <a:schemeClr val="phClr">
+                <a:tint val="93000"/>
+                <a:satMod val="150000"/>
+                <a:shade val="98000"/>
+                <a:lumMod val="102000"/>
+              </a:schemeClr>
+            </a:gs>
+            <a:gs pos="50000">
+              <a:schemeClr val="phClr">
+                <a:tint val="98000"/>
+                <a:satMod val="130000"/>
+                <a:shade val="90000"/>
+                <a:lumMod val="103000"/>
+              </a:schemeClr>
+            </a:gs>
+            <a:gs pos="100000">
+              <a:schemeClr val="phClr">
+                <a:shade val="63000"/>
+                <a:satMod val="120000"/>
+              </a:schemeClr>
+            </a:gs>
+          </a:gsLst>
+          <a:lin ang="5400000" scaled="0"/>
+        </a:gradFill>
+      </a:bgFillStyleLst>
+    </a:fmtScheme>
+  </a:themeElements>
+  <a:objectDefaults/>
+  <a:extraClrSchemeLst/>
+  <a:extLst>
+    <a:ext uri="{05A4C25C-085E-4340-85A3-A5531E510DB2}">
+      <thm15:themeFamily xmlns:thm15="http://schemas.microsoft.com/office/thememl/2012/main" name="Office Theme" id="{62F939B6-93AF-4DB8-9C6B-D6C7DFDC589F}" vid="{4A3C46E8-61CC-4603-A589-7422A47A8E4A}"/>
+    </a:ext>
+  </a:extLst>
+</a:theme>
 </file>
--- a/Reports/3-Level NPC Inverter Structure.pptx
+++ b/Reports/3-Level NPC Inverter Structure.pptx
@@ -5,7 +5,7 @@
     <p:sldMasterId id="2147483648" r:id="rId1"/>
   </p:sldMasterIdLst>
   <p:notesMasterIdLst>
-    <p:notesMasterId r:id="rId17"/>
+    <p:notesMasterId r:id="rId20"/>
   </p:notesMasterIdLst>
   <p:sldIdLst>
     <p:sldId id="256" r:id="rId2"/>
@@ -23,6 +23,9 @@
     <p:sldId id="264" r:id="rId14"/>
     <p:sldId id="269" r:id="rId15"/>
     <p:sldId id="270" r:id="rId16"/>
+    <p:sldId id="273" r:id="rId17"/>
+    <p:sldId id="271" r:id="rId18"/>
+    <p:sldId id="272" r:id="rId19"/>
   </p:sldIdLst>
   <p:sldSz cx="12192000" cy="6858000"/>
   <p:notesSz cx="6858000" cy="9144000"/>
@@ -4529,7 +4532,7 @@
           <a:p>
             <a:r>
               <a:rPr lang="en-US" dirty="0"/>
-              <a:t>NPP Control</a:t>
+              <a:t>NP Unbalance Capacitor Voltage</a:t>
             </a:r>
             <a:endParaRPr lang="tr-TR" dirty="0"/>
           </a:p>
@@ -4757,7 +4760,7 @@
           <a:p>
             <a:r>
               <a:rPr lang="en-US" dirty="0"/>
-              <a:t>NPP Control</a:t>
+              <a:t>NP Unbalance Capacitor Voltage</a:t>
             </a:r>
           </a:p>
         </p:txBody>
@@ -4794,6 +4797,482 @@
           </a:prstGeom>
         </p:spPr>
       </p:pic>
+      <mc:AlternateContent xmlns:mc="http://schemas.openxmlformats.org/markup-compatibility/2006">
+        <mc:Choice xmlns:a14="http://schemas.microsoft.com/office/drawing/2010/main" Requires="a14">
+          <p:sp>
+            <p:nvSpPr>
+              <p:cNvPr id="3" name="TextBox 2">
+                <a:extLst>
+                  <a:ext uri="{FF2B5EF4-FFF2-40B4-BE49-F238E27FC236}">
+                    <a16:creationId xmlns:a16="http://schemas.microsoft.com/office/drawing/2014/main" id="{D63BD9B6-41EA-5ABD-13F5-645B431A91BE}"/>
+                  </a:ext>
+                </a:extLst>
+              </p:cNvPr>
+              <p:cNvSpPr txBox="1"/>
+              <p:nvPr/>
+            </p:nvSpPr>
+            <p:spPr>
+              <a:xfrm>
+                <a:off x="972066" y="2018991"/>
+                <a:ext cx="2806730" cy="492827"/>
+              </a:xfrm>
+              <a:prstGeom prst="rect">
+                <a:avLst/>
+              </a:prstGeom>
+              <a:noFill/>
+            </p:spPr>
+            <p:txBody>
+              <a:bodyPr wrap="none" rtlCol="0">
+                <a:spAutoFit/>
+              </a:bodyPr>
+              <a:lstStyle/>
+              <a:p>
+                <a:r>
+                  <a:rPr lang="en-US" dirty="0"/>
+                  <a:t>Voltage on C1: </a:t>
+                </a:r>
+                <a14:m>
+                  <m:oMath xmlns:m="http://schemas.openxmlformats.org/officeDocument/2006/math">
+                    <m:f>
+                      <m:fPr>
+                        <m:ctrlPr>
+                          <a:rPr lang="en-US" b="0" i="1" smtClean="0">
+                            <a:latin typeface="Cambria Math" panose="02040503050406030204" pitchFamily="18" charset="0"/>
+                          </a:rPr>
+                        </m:ctrlPr>
+                      </m:fPr>
+                      <m:num>
+                        <m:sSub>
+                          <m:sSubPr>
+                            <m:ctrlPr>
+                              <a:rPr lang="en-US" b="0" i="1" smtClean="0">
+                                <a:latin typeface="Cambria Math" panose="02040503050406030204" pitchFamily="18" charset="0"/>
+                              </a:rPr>
+                            </m:ctrlPr>
+                          </m:sSubPr>
+                          <m:e>
+                            <m:r>
+                              <a:rPr lang="en-US" b="0" i="1" smtClean="0">
+                                <a:latin typeface="Cambria Math" panose="02040503050406030204" pitchFamily="18" charset="0"/>
+                              </a:rPr>
+                              <m:t>𝑉</m:t>
+                            </m:r>
+                          </m:e>
+                          <m:sub>
+                            <m:r>
+                              <a:rPr lang="en-US" b="0" i="1" smtClean="0">
+                                <a:latin typeface="Cambria Math" panose="02040503050406030204" pitchFamily="18" charset="0"/>
+                              </a:rPr>
+                              <m:t>𝑑𝑐</m:t>
+                            </m:r>
+                          </m:sub>
+                        </m:sSub>
+                      </m:num>
+                      <m:den>
+                        <m:r>
+                          <a:rPr lang="en-US" b="0" i="1" smtClean="0">
+                            <a:latin typeface="Cambria Math" panose="02040503050406030204" pitchFamily="18" charset="0"/>
+                          </a:rPr>
+                          <m:t>2</m:t>
+                        </m:r>
+                      </m:den>
+                    </m:f>
+                    <m:r>
+                      <a:rPr lang="en-US" b="0" i="1" smtClean="0">
+                        <a:latin typeface="Cambria Math" panose="02040503050406030204" pitchFamily="18" charset="0"/>
+                      </a:rPr>
+                      <m:t>+</m:t>
+                    </m:r>
+                    <m:f>
+                      <m:fPr>
+                        <m:ctrlPr>
+                          <a:rPr lang="en-US" b="0" i="1" smtClean="0">
+                            <a:latin typeface="Cambria Math" panose="02040503050406030204" pitchFamily="18" charset="0"/>
+                          </a:rPr>
+                        </m:ctrlPr>
+                      </m:fPr>
+                      <m:num>
+                        <m:sSub>
+                          <m:sSubPr>
+                            <m:ctrlPr>
+                              <a:rPr lang="en-US" b="0" i="1" smtClean="0">
+                                <a:latin typeface="Cambria Math" panose="02040503050406030204" pitchFamily="18" charset="0"/>
+                              </a:rPr>
+                            </m:ctrlPr>
+                          </m:sSubPr>
+                          <m:e>
+                            <m:r>
+                              <a:rPr lang="en-US" b="0" i="1" smtClean="0">
+                                <a:latin typeface="Cambria Math" panose="02040503050406030204" pitchFamily="18" charset="0"/>
+                              </a:rPr>
+                              <m:t>𝑉</m:t>
+                            </m:r>
+                          </m:e>
+                          <m:sub>
+                            <m:r>
+                              <a:rPr lang="en-US" b="0" i="1" smtClean="0">
+                                <a:latin typeface="Cambria Math" panose="02040503050406030204" pitchFamily="18" charset="0"/>
+                              </a:rPr>
+                              <m:t>𝐷𝐶</m:t>
+                            </m:r>
+                          </m:sub>
+                        </m:sSub>
+                      </m:num>
+                      <m:den>
+                        <m:r>
+                          <a:rPr lang="en-US" b="0" i="1" smtClean="0">
+                            <a:latin typeface="Cambria Math" panose="02040503050406030204" pitchFamily="18" charset="0"/>
+                          </a:rPr>
+                          <m:t>2</m:t>
+                        </m:r>
+                      </m:den>
+                    </m:f>
+                    <m:f>
+                      <m:fPr>
+                        <m:ctrlPr>
+                          <a:rPr lang="en-US" b="0" i="1" smtClean="0">
+                            <a:latin typeface="Cambria Math" panose="02040503050406030204" pitchFamily="18" charset="0"/>
+                            <a:ea typeface="Cambria Math" panose="02040503050406030204" pitchFamily="18" charset="0"/>
+                          </a:rPr>
+                        </m:ctrlPr>
+                      </m:fPr>
+                      <m:num>
+                        <m:r>
+                          <a:rPr lang="en-US" b="0" i="1" smtClean="0">
+                            <a:latin typeface="Cambria Math" panose="02040503050406030204" pitchFamily="18" charset="0"/>
+                            <a:ea typeface="Cambria Math" panose="02040503050406030204" pitchFamily="18" charset="0"/>
+                          </a:rPr>
+                          <m:t>∆</m:t>
+                        </m:r>
+                        <m:r>
+                          <a:rPr lang="en-US" b="0" i="1" smtClean="0">
+                            <a:latin typeface="Cambria Math" panose="02040503050406030204" pitchFamily="18" charset="0"/>
+                            <a:ea typeface="Cambria Math" panose="02040503050406030204" pitchFamily="18" charset="0"/>
+                          </a:rPr>
+                          <m:t>𝑉</m:t>
+                        </m:r>
+                      </m:num>
+                      <m:den>
+                        <m:r>
+                          <a:rPr lang="en-US" b="0" i="1" smtClean="0">
+                            <a:latin typeface="Cambria Math" panose="02040503050406030204" pitchFamily="18" charset="0"/>
+                            <a:ea typeface="Cambria Math" panose="02040503050406030204" pitchFamily="18" charset="0"/>
+                          </a:rPr>
+                          <m:t>100</m:t>
+                        </m:r>
+                      </m:den>
+                    </m:f>
+                  </m:oMath>
+                </a14:m>
+                <a:endParaRPr lang="en-US" dirty="0"/>
+              </a:p>
+            </p:txBody>
+          </p:sp>
+        </mc:Choice>
+        <mc:Fallback>
+          <p:sp>
+            <p:nvSpPr>
+              <p:cNvPr id="3" name="TextBox 2">
+                <a:extLst>
+                  <a:ext uri="{FF2B5EF4-FFF2-40B4-BE49-F238E27FC236}">
+                    <a16:creationId xmlns:a16="http://schemas.microsoft.com/office/drawing/2014/main" id="{D63BD9B6-41EA-5ABD-13F5-645B431A91BE}"/>
+                  </a:ext>
+                </a:extLst>
+              </p:cNvPr>
+              <p:cNvSpPr txBox="1">
+                <a:spLocks noRot="1" noChangeAspect="1" noMove="1" noResize="1" noEditPoints="1" noAdjustHandles="1" noChangeArrowheads="1" noChangeShapeType="1" noTextEdit="1"/>
+              </p:cNvSpPr>
+              <p:nvPr/>
+            </p:nvSpPr>
+            <p:spPr>
+              <a:xfrm>
+                <a:off x="972066" y="2018991"/>
+                <a:ext cx="2806730" cy="492827"/>
+              </a:xfrm>
+              <a:prstGeom prst="rect">
+                <a:avLst/>
+              </a:prstGeom>
+              <a:blipFill>
+                <a:blip r:embed="rId4"/>
+                <a:stretch>
+                  <a:fillRect l="-1735" b="-7407"/>
+                </a:stretch>
+              </a:blipFill>
+            </p:spPr>
+            <p:txBody>
+              <a:bodyPr/>
+              <a:lstStyle/>
+              <a:p>
+                <a:r>
+                  <a:rPr lang="en-US">
+                    <a:noFill/>
+                  </a:rPr>
+                  <a:t> </a:t>
+                </a:r>
+              </a:p>
+            </p:txBody>
+          </p:sp>
+        </mc:Fallback>
+      </mc:AlternateContent>
+      <mc:AlternateContent xmlns:mc="http://schemas.openxmlformats.org/markup-compatibility/2006">
+        <mc:Choice xmlns:a14="http://schemas.microsoft.com/office/drawing/2010/main" Requires="a14">
+          <p:sp>
+            <p:nvSpPr>
+              <p:cNvPr id="4" name="TextBox 3">
+                <a:extLst>
+                  <a:ext uri="{FF2B5EF4-FFF2-40B4-BE49-F238E27FC236}">
+                    <a16:creationId xmlns:a16="http://schemas.microsoft.com/office/drawing/2014/main" id="{0C165785-75D0-87A7-0F8B-5A45F5E2A87A}"/>
+                  </a:ext>
+                </a:extLst>
+              </p:cNvPr>
+              <p:cNvSpPr txBox="1"/>
+              <p:nvPr/>
+            </p:nvSpPr>
+            <p:spPr>
+              <a:xfrm>
+                <a:off x="972066" y="2840121"/>
+                <a:ext cx="3145220" cy="492827"/>
+              </a:xfrm>
+              <a:prstGeom prst="rect">
+                <a:avLst/>
+              </a:prstGeom>
+              <a:noFill/>
+            </p:spPr>
+            <p:txBody>
+              <a:bodyPr wrap="none" rtlCol="0">
+                <a:spAutoFit/>
+              </a:bodyPr>
+              <a:lstStyle/>
+              <a:p>
+                <a:r>
+                  <a:rPr lang="en-US" dirty="0"/>
+                  <a:t>Voltage on C2: </a:t>
+                </a:r>
+                <a14:m>
+                  <m:oMath xmlns:m="http://schemas.openxmlformats.org/officeDocument/2006/math">
+                    <m:f>
+                      <m:fPr>
+                        <m:ctrlPr>
+                          <a:rPr lang="en-US" b="0" i="1" smtClean="0">
+                            <a:latin typeface="Cambria Math" panose="02040503050406030204" pitchFamily="18" charset="0"/>
+                          </a:rPr>
+                        </m:ctrlPr>
+                      </m:fPr>
+                      <m:num>
+                        <m:sSub>
+                          <m:sSubPr>
+                            <m:ctrlPr>
+                              <a:rPr lang="en-US" b="0" i="1" smtClean="0">
+                                <a:latin typeface="Cambria Math" panose="02040503050406030204" pitchFamily="18" charset="0"/>
+                              </a:rPr>
+                            </m:ctrlPr>
+                          </m:sSubPr>
+                          <m:e>
+                            <m:r>
+                              <a:rPr lang="en-US" b="0" i="1" smtClean="0">
+                                <a:latin typeface="Cambria Math" panose="02040503050406030204" pitchFamily="18" charset="0"/>
+                              </a:rPr>
+                              <m:t>𝑉</m:t>
+                            </m:r>
+                          </m:e>
+                          <m:sub>
+                            <m:r>
+                              <a:rPr lang="en-US" b="0" i="1" smtClean="0">
+                                <a:latin typeface="Cambria Math" panose="02040503050406030204" pitchFamily="18" charset="0"/>
+                              </a:rPr>
+                              <m:t>𝑑𝑐</m:t>
+                            </m:r>
+                          </m:sub>
+                        </m:sSub>
+                      </m:num>
+                      <m:den>
+                        <m:r>
+                          <a:rPr lang="en-US" b="0" i="1" smtClean="0">
+                            <a:latin typeface="Cambria Math" panose="02040503050406030204" pitchFamily="18" charset="0"/>
+                          </a:rPr>
+                          <m:t>2</m:t>
+                        </m:r>
+                      </m:den>
+                    </m:f>
+                    <m:r>
+                      <a:rPr lang="en-US" b="0" i="1" smtClean="0">
+                        <a:latin typeface="Cambria Math" panose="02040503050406030204" pitchFamily="18" charset="0"/>
+                      </a:rPr>
+                      <m:t>+</m:t>
+                    </m:r>
+                    <m:f>
+                      <m:fPr>
+                        <m:ctrlPr>
+                          <a:rPr lang="en-US" b="0" i="1" smtClean="0">
+                            <a:latin typeface="Cambria Math" panose="02040503050406030204" pitchFamily="18" charset="0"/>
+                          </a:rPr>
+                        </m:ctrlPr>
+                      </m:fPr>
+                      <m:num>
+                        <m:sSub>
+                          <m:sSubPr>
+                            <m:ctrlPr>
+                              <a:rPr lang="en-US" b="0" i="1" smtClean="0">
+                                <a:latin typeface="Cambria Math" panose="02040503050406030204" pitchFamily="18" charset="0"/>
+                              </a:rPr>
+                            </m:ctrlPr>
+                          </m:sSubPr>
+                          <m:e>
+                            <m:r>
+                              <a:rPr lang="en-US" b="0" i="1" smtClean="0">
+                                <a:latin typeface="Cambria Math" panose="02040503050406030204" pitchFamily="18" charset="0"/>
+                              </a:rPr>
+                              <m:t>𝑉</m:t>
+                            </m:r>
+                          </m:e>
+                          <m:sub>
+                            <m:r>
+                              <a:rPr lang="en-US" b="0" i="1" smtClean="0">
+                                <a:latin typeface="Cambria Math" panose="02040503050406030204" pitchFamily="18" charset="0"/>
+                              </a:rPr>
+                              <m:t>𝐷𝐶</m:t>
+                            </m:r>
+                          </m:sub>
+                        </m:sSub>
+                      </m:num>
+                      <m:den>
+                        <m:r>
+                          <a:rPr lang="en-US" b="0" i="1" smtClean="0">
+                            <a:latin typeface="Cambria Math" panose="02040503050406030204" pitchFamily="18" charset="0"/>
+                          </a:rPr>
+                          <m:t>2</m:t>
+                        </m:r>
+                      </m:den>
+                    </m:f>
+                    <m:f>
+                      <m:fPr>
+                        <m:ctrlPr>
+                          <a:rPr lang="en-US" b="0" i="1" smtClean="0">
+                            <a:latin typeface="Cambria Math" panose="02040503050406030204" pitchFamily="18" charset="0"/>
+                            <a:ea typeface="Cambria Math" panose="02040503050406030204" pitchFamily="18" charset="0"/>
+                          </a:rPr>
+                        </m:ctrlPr>
+                      </m:fPr>
+                      <m:num>
+                        <m:r>
+                          <a:rPr lang="en-US" b="0" i="1" smtClean="0">
+                            <a:latin typeface="Cambria Math" panose="02040503050406030204" pitchFamily="18" charset="0"/>
+                            <a:ea typeface="Cambria Math" panose="02040503050406030204" pitchFamily="18" charset="0"/>
+                          </a:rPr>
+                          <m:t>100−</m:t>
+                        </m:r>
+                        <m:r>
+                          <a:rPr lang="en-US" b="0" i="1" smtClean="0">
+                            <a:latin typeface="Cambria Math" panose="02040503050406030204" pitchFamily="18" charset="0"/>
+                            <a:ea typeface="Cambria Math" panose="02040503050406030204" pitchFamily="18" charset="0"/>
+                          </a:rPr>
+                          <m:t>∆</m:t>
+                        </m:r>
+                        <m:r>
+                          <a:rPr lang="en-US" b="0" i="1" smtClean="0">
+                            <a:latin typeface="Cambria Math" panose="02040503050406030204" pitchFamily="18" charset="0"/>
+                            <a:ea typeface="Cambria Math" panose="02040503050406030204" pitchFamily="18" charset="0"/>
+                          </a:rPr>
+                          <m:t>𝑉</m:t>
+                        </m:r>
+                      </m:num>
+                      <m:den>
+                        <m:r>
+                          <a:rPr lang="en-US" b="0" i="1" smtClean="0">
+                            <a:latin typeface="Cambria Math" panose="02040503050406030204" pitchFamily="18" charset="0"/>
+                            <a:ea typeface="Cambria Math" panose="02040503050406030204" pitchFamily="18" charset="0"/>
+                          </a:rPr>
+                          <m:t>100</m:t>
+                        </m:r>
+                      </m:den>
+                    </m:f>
+                  </m:oMath>
+                </a14:m>
+                <a:endParaRPr lang="en-US" dirty="0"/>
+              </a:p>
+            </p:txBody>
+          </p:sp>
+        </mc:Choice>
+        <mc:Fallback>
+          <p:sp>
+            <p:nvSpPr>
+              <p:cNvPr id="4" name="TextBox 3">
+                <a:extLst>
+                  <a:ext uri="{FF2B5EF4-FFF2-40B4-BE49-F238E27FC236}">
+                    <a16:creationId xmlns:a16="http://schemas.microsoft.com/office/drawing/2014/main" id="{0C165785-75D0-87A7-0F8B-5A45F5E2A87A}"/>
+                  </a:ext>
+                </a:extLst>
+              </p:cNvPr>
+              <p:cNvSpPr txBox="1">
+                <a:spLocks noRot="1" noChangeAspect="1" noMove="1" noResize="1" noEditPoints="1" noAdjustHandles="1" noChangeArrowheads="1" noChangeShapeType="1" noTextEdit="1"/>
+              </p:cNvSpPr>
+              <p:nvPr/>
+            </p:nvSpPr>
+            <p:spPr>
+              <a:xfrm>
+                <a:off x="972066" y="2840121"/>
+                <a:ext cx="3145220" cy="492827"/>
+              </a:xfrm>
+              <a:prstGeom prst="rect">
+                <a:avLst/>
+              </a:prstGeom>
+              <a:blipFill>
+                <a:blip r:embed="rId5"/>
+                <a:stretch>
+                  <a:fillRect l="-1550" b="-7407"/>
+                </a:stretch>
+              </a:blipFill>
+            </p:spPr>
+            <p:txBody>
+              <a:bodyPr/>
+              <a:lstStyle/>
+              <a:p>
+                <a:r>
+                  <a:rPr lang="en-US">
+                    <a:noFill/>
+                  </a:rPr>
+                  <a:t> </a:t>
+                </a:r>
+              </a:p>
+            </p:txBody>
+          </p:sp>
+        </mc:Fallback>
+      </mc:AlternateContent>
+      <p:sp>
+        <p:nvSpPr>
+          <p:cNvPr id="5" name="TextBox 4">
+            <a:extLst>
+              <a:ext uri="{FF2B5EF4-FFF2-40B4-BE49-F238E27FC236}">
+                <a16:creationId xmlns:a16="http://schemas.microsoft.com/office/drawing/2014/main" id="{87D895E6-FDFE-FAB8-2A6F-9BB7A69C7F68}"/>
+              </a:ext>
+            </a:extLst>
+          </p:cNvPr>
+          <p:cNvSpPr txBox="1"/>
+          <p:nvPr/>
+        </p:nvSpPr>
+        <p:spPr>
+          <a:xfrm>
+            <a:off x="1137527" y="3836050"/>
+            <a:ext cx="4244546" cy="646331"/>
+          </a:xfrm>
+          <a:prstGeom prst="rect">
+            <a:avLst/>
+          </a:prstGeom>
+          <a:noFill/>
+        </p:spPr>
+        <p:txBody>
+          <a:bodyPr wrap="square" rtlCol="0">
+            <a:spAutoFit/>
+          </a:bodyPr>
+          <a:lstStyle/>
+          <a:p>
+            <a:r>
+              <a:rPr lang="en-US" dirty="0"/>
+              <a:t>Voltage stress larger than switch’s voltage limit can be damaged to semiconductor.</a:t>
+            </a:r>
+          </a:p>
+        </p:txBody>
+      </p:sp>
     </p:spTree>
     <p:extLst>
       <p:ext uri="{BB962C8B-B14F-4D97-AF65-F5344CB8AC3E}">
@@ -4847,7 +5326,7 @@
           <a:p>
             <a:r>
               <a:rPr lang="en-US" dirty="0"/>
-              <a:t>NPP Control</a:t>
+              <a:t>NPP Control Methods</a:t>
             </a:r>
           </a:p>
         </p:txBody>
@@ -4868,19 +5347,407 @@
             <p:ph idx="1"/>
           </p:nvPr>
         </p:nvSpPr>
-        <p:spPr/>
+        <p:spPr>
+          <a:xfrm>
+            <a:off x="838200" y="1825625"/>
+            <a:ext cx="6539980" cy="4351338"/>
+          </a:xfrm>
+        </p:spPr>
         <p:txBody>
           <a:bodyPr/>
           <a:lstStyle/>
           <a:p>
-            <a:endParaRPr lang="en-US"/>
-          </a:p>
-        </p:txBody>
-      </p:sp>
+            <a:r>
+              <a:rPr lang="en-US" b="1" u="sng" dirty="0"/>
+              <a:t>Nearest Triangular Vector (NTV) Method</a:t>
+            </a:r>
+          </a:p>
+          <a:p>
+            <a:endParaRPr lang="en-US" dirty="0"/>
+          </a:p>
+          <a:p>
+            <a:r>
+              <a:rPr lang="en-US" dirty="0"/>
+              <a:t>Vector selection depends on ref. voltage and neutral point potential.</a:t>
+            </a:r>
+          </a:p>
+          <a:p>
+            <a:endParaRPr lang="en-US" dirty="0"/>
+          </a:p>
+          <a:p>
+            <a:r>
+              <a:rPr lang="en-US" dirty="0"/>
+              <a:t>Finding borders of region is same but sequence is different.</a:t>
+            </a:r>
+          </a:p>
+        </p:txBody>
+      </p:sp>
+      <p:pic>
+        <p:nvPicPr>
+          <p:cNvPr id="4" name="Picture 3">
+            <a:extLst>
+              <a:ext uri="{FF2B5EF4-FFF2-40B4-BE49-F238E27FC236}">
+                <a16:creationId xmlns:a16="http://schemas.microsoft.com/office/drawing/2014/main" id="{C1400BE7-2837-DA6F-C18F-5515E9B1DC2C}"/>
+              </a:ext>
+            </a:extLst>
+          </p:cNvPr>
+          <p:cNvPicPr>
+            <a:picLocks noChangeAspect="1"/>
+          </p:cNvPicPr>
+          <p:nvPr/>
+        </p:nvPicPr>
+        <p:blipFill>
+          <a:blip r:embed="rId2"/>
+          <a:stretch>
+            <a:fillRect/>
+          </a:stretch>
+        </p:blipFill>
+        <p:spPr>
+          <a:xfrm>
+            <a:off x="7378180" y="2144838"/>
+            <a:ext cx="4128020" cy="3712912"/>
+          </a:xfrm>
+          <a:prstGeom prst="rect">
+            <a:avLst/>
+          </a:prstGeom>
+        </p:spPr>
+      </p:pic>
     </p:spTree>
     <p:extLst>
       <p:ext uri="{BB962C8B-B14F-4D97-AF65-F5344CB8AC3E}">
         <p14:creationId xmlns:p14="http://schemas.microsoft.com/office/powerpoint/2010/main" val="4225424262"/>
+      </p:ext>
+    </p:extLst>
+  </p:cSld>
+  <p:clrMapOvr>
+    <a:masterClrMapping/>
+  </p:clrMapOvr>
+</p:sld>
+</file>
+
+<file path=ppt/slides/slide16.xml><?xml version="1.0" encoding="utf-8"?>
+<p:sld xmlns:a="http://schemas.openxmlformats.org/drawingml/2006/main" xmlns:r="http://schemas.openxmlformats.org/officeDocument/2006/relationships" xmlns:p="http://schemas.openxmlformats.org/presentationml/2006/main">
+  <p:cSld>
+    <p:spTree>
+      <p:nvGrpSpPr>
+        <p:cNvPr id="1" name=""/>
+        <p:cNvGrpSpPr/>
+        <p:nvPr/>
+      </p:nvGrpSpPr>
+      <p:grpSpPr>
+        <a:xfrm>
+          <a:off x="0" y="0"/>
+          <a:ext cx="0" cy="0"/>
+          <a:chOff x="0" y="0"/>
+          <a:chExt cx="0" cy="0"/>
+        </a:xfrm>
+      </p:grpSpPr>
+      <p:sp>
+        <p:nvSpPr>
+          <p:cNvPr id="2" name="Title 1">
+            <a:extLst>
+              <a:ext uri="{FF2B5EF4-FFF2-40B4-BE49-F238E27FC236}">
+                <a16:creationId xmlns:a16="http://schemas.microsoft.com/office/drawing/2014/main" id="{C0B6F29A-CCED-ECEC-EF14-47B3C6A8037A}"/>
+              </a:ext>
+            </a:extLst>
+          </p:cNvPr>
+          <p:cNvSpPr>
+            <a:spLocks noGrp="1"/>
+          </p:cNvSpPr>
+          <p:nvPr>
+            <p:ph type="title"/>
+          </p:nvPr>
+        </p:nvSpPr>
+        <p:spPr/>
+        <p:txBody>
+          <a:bodyPr/>
+          <a:lstStyle/>
+          <a:p>
+            <a:r>
+              <a:rPr lang="en-US" dirty="0"/>
+              <a:t>NPP Control Methods</a:t>
+            </a:r>
+          </a:p>
+        </p:txBody>
+      </p:sp>
+      <p:sp>
+        <p:nvSpPr>
+          <p:cNvPr id="6" name="Content Placeholder 5">
+            <a:extLst>
+              <a:ext uri="{FF2B5EF4-FFF2-40B4-BE49-F238E27FC236}">
+                <a16:creationId xmlns:a16="http://schemas.microsoft.com/office/drawing/2014/main" id="{1E59D5E9-2FCB-4C65-15EF-DAEADC1A4EBC}"/>
+              </a:ext>
+            </a:extLst>
+          </p:cNvPr>
+          <p:cNvSpPr>
+            <a:spLocks noGrp="1"/>
+          </p:cNvSpPr>
+          <p:nvPr>
+            <p:ph idx="1"/>
+          </p:nvPr>
+        </p:nvSpPr>
+        <p:spPr>
+          <a:xfrm>
+            <a:off x="838200" y="1825625"/>
+            <a:ext cx="6539980" cy="4351338"/>
+          </a:xfrm>
+        </p:spPr>
+        <p:txBody>
+          <a:bodyPr/>
+          <a:lstStyle/>
+          <a:p>
+            <a:r>
+              <a:rPr lang="en-US" b="1" u="sng" dirty="0"/>
+              <a:t>Nearest Triangular Vector (NTV) Method</a:t>
+            </a:r>
+          </a:p>
+          <a:p>
+            <a:endParaRPr lang="en-US" b="1" u="sng" dirty="0"/>
+          </a:p>
+          <a:p>
+            <a:r>
+              <a:rPr lang="en-US" dirty="0"/>
+              <a:t>Region grouped according to, </a:t>
+            </a:r>
+            <a:r>
+              <a:rPr lang="en-US" dirty="0">
+                <a:solidFill>
+                  <a:srgbClr val="FF0000"/>
+                </a:solidFill>
+              </a:rPr>
+              <a:t>geometric property</a:t>
+            </a:r>
+            <a:r>
+              <a:rPr lang="en-US" dirty="0"/>
+              <a:t> and </a:t>
+            </a:r>
+            <a:r>
+              <a:rPr lang="en-US" dirty="0">
+                <a:solidFill>
+                  <a:srgbClr val="FF0000"/>
+                </a:solidFill>
+              </a:rPr>
+              <a:t>effect on NP voltage</a:t>
+            </a:r>
+            <a:r>
+              <a:rPr lang="en-US" dirty="0"/>
+              <a:t>.</a:t>
+            </a:r>
+          </a:p>
+          <a:p>
+            <a:endParaRPr lang="en-US" dirty="0"/>
+          </a:p>
+          <a:p>
+            <a:endParaRPr lang="en-US" dirty="0"/>
+          </a:p>
+        </p:txBody>
+      </p:sp>
+      <p:pic>
+        <p:nvPicPr>
+          <p:cNvPr id="5" name="Picture 4">
+            <a:extLst>
+              <a:ext uri="{FF2B5EF4-FFF2-40B4-BE49-F238E27FC236}">
+                <a16:creationId xmlns:a16="http://schemas.microsoft.com/office/drawing/2014/main" id="{3373364D-2C19-A280-87E4-11AB96556654}"/>
+              </a:ext>
+            </a:extLst>
+          </p:cNvPr>
+          <p:cNvPicPr>
+            <a:picLocks noChangeAspect="1"/>
+          </p:cNvPicPr>
+          <p:nvPr/>
+        </p:nvPicPr>
+        <p:blipFill>
+          <a:blip r:embed="rId2"/>
+          <a:stretch>
+            <a:fillRect/>
+          </a:stretch>
+        </p:blipFill>
+        <p:spPr>
+          <a:xfrm>
+            <a:off x="7378180" y="2103437"/>
+            <a:ext cx="4483686" cy="3795713"/>
+          </a:xfrm>
+          <a:prstGeom prst="rect">
+            <a:avLst/>
+          </a:prstGeom>
+        </p:spPr>
+      </p:pic>
+    </p:spTree>
+    <p:extLst>
+      <p:ext uri="{BB962C8B-B14F-4D97-AF65-F5344CB8AC3E}">
+        <p14:creationId xmlns:p14="http://schemas.microsoft.com/office/powerpoint/2010/main" val="2500680861"/>
+      </p:ext>
+    </p:extLst>
+  </p:cSld>
+  <p:clrMapOvr>
+    <a:masterClrMapping/>
+  </p:clrMapOvr>
+</p:sld>
+</file>
+
+<file path=ppt/slides/slide17.xml><?xml version="1.0" encoding="utf-8"?>
+<p:sld xmlns:a="http://schemas.openxmlformats.org/drawingml/2006/main" xmlns:r="http://schemas.openxmlformats.org/officeDocument/2006/relationships" xmlns:p="http://schemas.openxmlformats.org/presentationml/2006/main">
+  <p:cSld>
+    <p:spTree>
+      <p:nvGrpSpPr>
+        <p:cNvPr id="1" name=""/>
+        <p:cNvGrpSpPr/>
+        <p:nvPr/>
+      </p:nvGrpSpPr>
+      <p:grpSpPr>
+        <a:xfrm>
+          <a:off x="0" y="0"/>
+          <a:ext cx="0" cy="0"/>
+          <a:chOff x="0" y="0"/>
+          <a:chExt cx="0" cy="0"/>
+        </a:xfrm>
+      </p:grpSpPr>
+      <p:sp>
+        <p:nvSpPr>
+          <p:cNvPr id="2" name="Title 1">
+            <a:extLst>
+              <a:ext uri="{FF2B5EF4-FFF2-40B4-BE49-F238E27FC236}">
+                <a16:creationId xmlns:a16="http://schemas.microsoft.com/office/drawing/2014/main" id="{C0B6F29A-CCED-ECEC-EF14-47B3C6A8037A}"/>
+              </a:ext>
+            </a:extLst>
+          </p:cNvPr>
+          <p:cNvSpPr>
+            <a:spLocks noGrp="1"/>
+          </p:cNvSpPr>
+          <p:nvPr>
+            <p:ph type="title"/>
+          </p:nvPr>
+        </p:nvSpPr>
+        <p:spPr/>
+        <p:txBody>
+          <a:bodyPr/>
+          <a:lstStyle/>
+          <a:p>
+            <a:r>
+              <a:rPr lang="en-US" dirty="0"/>
+              <a:t>NPP Control Methods</a:t>
+            </a:r>
+          </a:p>
+        </p:txBody>
+      </p:sp>
+      <p:sp>
+        <p:nvSpPr>
+          <p:cNvPr id="6" name="Content Placeholder 5">
+            <a:extLst>
+              <a:ext uri="{FF2B5EF4-FFF2-40B4-BE49-F238E27FC236}">
+                <a16:creationId xmlns:a16="http://schemas.microsoft.com/office/drawing/2014/main" id="{1E59D5E9-2FCB-4C65-15EF-DAEADC1A4EBC}"/>
+              </a:ext>
+            </a:extLst>
+          </p:cNvPr>
+          <p:cNvSpPr>
+            <a:spLocks noGrp="1"/>
+          </p:cNvSpPr>
+          <p:nvPr>
+            <p:ph idx="1"/>
+          </p:nvPr>
+        </p:nvSpPr>
+        <p:spPr/>
+        <p:txBody>
+          <a:bodyPr/>
+          <a:lstStyle/>
+          <a:p>
+            <a:r>
+              <a:rPr lang="en-US" dirty="0"/>
+              <a:t>Symmetric SVPWM Method</a:t>
+            </a:r>
+          </a:p>
+        </p:txBody>
+      </p:sp>
+    </p:spTree>
+    <p:extLst>
+      <p:ext uri="{BB962C8B-B14F-4D97-AF65-F5344CB8AC3E}">
+        <p14:creationId xmlns:p14="http://schemas.microsoft.com/office/powerpoint/2010/main" val="2879305544"/>
+      </p:ext>
+    </p:extLst>
+  </p:cSld>
+  <p:clrMapOvr>
+    <a:masterClrMapping/>
+  </p:clrMapOvr>
+</p:sld>
+</file>
+
+<file path=ppt/slides/slide18.xml><?xml version="1.0" encoding="utf-8"?>
+<p:sld xmlns:a="http://schemas.openxmlformats.org/drawingml/2006/main" xmlns:r="http://schemas.openxmlformats.org/officeDocument/2006/relationships" xmlns:p="http://schemas.openxmlformats.org/presentationml/2006/main">
+  <p:cSld>
+    <p:spTree>
+      <p:nvGrpSpPr>
+        <p:cNvPr id="1" name=""/>
+        <p:cNvGrpSpPr/>
+        <p:nvPr/>
+      </p:nvGrpSpPr>
+      <p:grpSpPr>
+        <a:xfrm>
+          <a:off x="0" y="0"/>
+          <a:ext cx="0" cy="0"/>
+          <a:chOff x="0" y="0"/>
+          <a:chExt cx="0" cy="0"/>
+        </a:xfrm>
+      </p:grpSpPr>
+      <p:sp>
+        <p:nvSpPr>
+          <p:cNvPr id="2" name="Title 1">
+            <a:extLst>
+              <a:ext uri="{FF2B5EF4-FFF2-40B4-BE49-F238E27FC236}">
+                <a16:creationId xmlns:a16="http://schemas.microsoft.com/office/drawing/2014/main" id="{C0B6F29A-CCED-ECEC-EF14-47B3C6A8037A}"/>
+              </a:ext>
+            </a:extLst>
+          </p:cNvPr>
+          <p:cNvSpPr>
+            <a:spLocks noGrp="1"/>
+          </p:cNvSpPr>
+          <p:nvPr>
+            <p:ph type="title"/>
+          </p:nvPr>
+        </p:nvSpPr>
+        <p:spPr/>
+        <p:txBody>
+          <a:bodyPr/>
+          <a:lstStyle/>
+          <a:p>
+            <a:r>
+              <a:rPr lang="en-US" dirty="0"/>
+              <a:t>NPP Control Methods</a:t>
+            </a:r>
+          </a:p>
+        </p:txBody>
+      </p:sp>
+      <p:sp>
+        <p:nvSpPr>
+          <p:cNvPr id="6" name="Content Placeholder 5">
+            <a:extLst>
+              <a:ext uri="{FF2B5EF4-FFF2-40B4-BE49-F238E27FC236}">
+                <a16:creationId xmlns:a16="http://schemas.microsoft.com/office/drawing/2014/main" id="{1E59D5E9-2FCB-4C65-15EF-DAEADC1A4EBC}"/>
+              </a:ext>
+            </a:extLst>
+          </p:cNvPr>
+          <p:cNvSpPr>
+            <a:spLocks noGrp="1"/>
+          </p:cNvSpPr>
+          <p:nvPr>
+            <p:ph idx="1"/>
+          </p:nvPr>
+        </p:nvSpPr>
+        <p:spPr/>
+        <p:txBody>
+          <a:bodyPr/>
+          <a:lstStyle/>
+          <a:p>
+            <a:r>
+              <a:rPr lang="en-US" dirty="0"/>
+              <a:t>Carrier Based Method</a:t>
+            </a:r>
+          </a:p>
+        </p:txBody>
+      </p:sp>
+    </p:spTree>
+    <p:extLst>
+      <p:ext uri="{BB962C8B-B14F-4D97-AF65-F5344CB8AC3E}">
+        <p14:creationId xmlns:p14="http://schemas.microsoft.com/office/powerpoint/2010/main" val="4276174731"/>
       </p:ext>
     </p:extLst>
   </p:cSld>

--- a/Reports/3-Level NPC Inverter Structure.pptx
+++ b/Reports/3-Level NPC Inverter Structure.pptx
@@ -5,7 +5,7 @@
     <p:sldMasterId id="2147483648" r:id="rId1"/>
   </p:sldMasterIdLst>
   <p:notesMasterIdLst>
-    <p:notesMasterId r:id="rId20"/>
+    <p:notesMasterId r:id="rId21"/>
   </p:notesMasterIdLst>
   <p:sldIdLst>
     <p:sldId id="256" r:id="rId2"/>
@@ -24,8 +24,9 @@
     <p:sldId id="269" r:id="rId15"/>
     <p:sldId id="270" r:id="rId16"/>
     <p:sldId id="273" r:id="rId17"/>
-    <p:sldId id="271" r:id="rId18"/>
-    <p:sldId id="272" r:id="rId19"/>
+    <p:sldId id="274" r:id="rId18"/>
+    <p:sldId id="271" r:id="rId19"/>
+    <p:sldId id="272" r:id="rId20"/>
   </p:sldIdLst>
   <p:sldSz cx="12192000" cy="6858000"/>
   <p:notesSz cx="6858000" cy="9144000"/>
@@ -132,6 +133,482 @@
 </p:presentation>
 </file>
 
+<file path=ppt/ink/ink1.xml><?xml version="1.0" encoding="utf-8"?>
+<inkml:ink xmlns:inkml="http://www.w3.org/2003/InkML">
+  <inkml:definitions>
+    <inkml:context xml:id="ctx0">
+      <inkml:inkSource xml:id="inkSrc0">
+        <inkml:traceFormat>
+          <inkml:channel name="X" type="integer" min="-2.14748E9" max="2.14748E9" units="cm"/>
+          <inkml:channel name="Y" type="integer" min="-2.14748E9" max="2.14748E9" units="cm"/>
+          <inkml:channel name="F" type="integer" max="32767" units="dev"/>
+        </inkml:traceFormat>
+        <inkml:channelProperties>
+          <inkml:channelProperty channel="X" name="resolution" value="1000" units="1/cm"/>
+          <inkml:channelProperty channel="Y" name="resolution" value="1000" units="1/cm"/>
+          <inkml:channelProperty channel="F" name="resolution" value="0" units="1/dev"/>
+        </inkml:channelProperties>
+      </inkml:inkSource>
+      <inkml:timestamp xml:id="ts0" timeString="2024-03-20T07:25:17.928"/>
+    </inkml:context>
+    <inkml:brush xml:id="br0">
+      <inkml:brushProperty name="width" value="0.035" units="cm"/>
+      <inkml:brushProperty name="height" value="0.035" units="cm"/>
+      <inkml:brushProperty name="color" value="#E71224"/>
+    </inkml:brush>
+  </inkml:definitions>
+  <inkml:trace contextRef="#ctx0" brushRef="#br0">0 60 24575,'40'-13'0,"-4"7"0,0 2 0,0 1 0,1 1 0,43 5 0,-3-2 0,-51-1 0,192-8 0,-159 3 0,89 5 0,-58 2 0,-63-1 0,55 7 0,-63-6 0,33 0 0,-34-2 0,0 1 0,24 4 0,-9-1 0,-1-1 0,0-2 0,40-3 0,-5 0 0,-50 3 0,0 1 0,-1 0 0,17 5 0,-17-3 0,1-1 0,-1 0 0,19 0 0,11-4 0,70 10 0,-51-5 0,-46-4 0,-1 1 0,21 4 0,-7-1 0,1-1 0,-1-2 0,40-3 0,-5 1 0,460 1 0,-505-2 0,0 0 0,0-1 0,29-8 0,-30 5 0,0 2 0,0 0 0,36 0 0,-5 5 0,1-2 0,101-16 0,-106 9 0,90-4 0,52 13 0,-75 0 0,-76-2 0,53-7 0,-46 4 0,89 3 0,-57 3 0,-17-1 0,66-2 0,-86-4 0,-23 2 0,31-1 0,15 3 0,59 3 0,-84 3 0,22 2 0,-23-6 0,0 3 0,39 8 0,-40-5 0,1-2 0,45 1 0,329-7 0,-373 6-1365,-26-2-5461</inkml:trace>
+</inkml:ink>
+</file>
+
+<file path=ppt/ink/ink10.xml><?xml version="1.0" encoding="utf-8"?>
+<inkml:ink xmlns:inkml="http://www.w3.org/2003/InkML">
+  <inkml:definitions>
+    <inkml:context xml:id="ctx0">
+      <inkml:inkSource xml:id="inkSrc0">
+        <inkml:traceFormat>
+          <inkml:channel name="X" type="integer" min="-2.14748E9" max="2.14748E9" units="cm"/>
+          <inkml:channel name="Y" type="integer" min="-2.14748E9" max="2.14748E9" units="cm"/>
+          <inkml:channel name="F" type="integer" max="32767" units="dev"/>
+        </inkml:traceFormat>
+        <inkml:channelProperties>
+          <inkml:channelProperty channel="X" name="resolution" value="1000" units="1/cm"/>
+          <inkml:channelProperty channel="Y" name="resolution" value="1000" units="1/cm"/>
+          <inkml:channelProperty channel="F" name="resolution" value="0" units="1/dev"/>
+        </inkml:channelProperties>
+      </inkml:inkSource>
+      <inkml:timestamp xml:id="ts0" timeString="2024-03-20T07:37:38.714"/>
+    </inkml:context>
+    <inkml:brush xml:id="br0">
+      <inkml:brushProperty name="width" value="0.035" units="cm"/>
+      <inkml:brushProperty name="height" value="0.035" units="cm"/>
+      <inkml:brushProperty name="color" value="#33CCFF"/>
+    </inkml:brush>
+  </inkml:definitions>
+  <inkml:trace contextRef="#ctx0" brushRef="#br0">5070 37 24575,'-57'-9'0,"-125"0"0,-142 9 0,306-1 0,0 0 0,-20-6 0,20 4 0,1 0 0,-25 0 0,28 4 0,0 0 0,0 0 0,1 1 0,-1 1 0,1 0 0,-15 6 0,6-4 0,-1 0 0,0-1 0,1-1 0,-1-1 0,0-2 0,-24-1 0,12 0 0,-55 7 0,56-3 0,-57-2 0,57-2 0,-60 7 0,-30 2 0,-10 3 0,129-10 0,-152 7 0,148-8 0,-1-1 0,1 1 0,-1-2 0,1 0 0,0 0 0,0 0 0,-17-8 0,13 6 0,0 0 0,0 1 0,0 1 0,-24-1 0,-17 2 0,30 1 0,0-1 0,-26-4 0,15 0 0,22 4 0,0-1 0,-17-5 0,13 4 0,-1 0 0,1 2 0,-1-1 0,1 2 0,-26 2 0,-7 0 0,-994-2 0,945-9 0,96 9 0,-34 0 0,-61-6 0,79 4 0,-1 1 0,1 1 0,0 1 0,-21 4 0,0-1 0,-15 4 0,39-4 0,-1-2 0,-27 2 0,-62-3 0,-74-3 0,140-1 0,-57-3 0,33 7 0,-75-2 0,108-2 0,-62-3 0,78 6 0,-29 1 0,-64-8 0,78 4 11,-58 3-1,39 1-1396,41-1-5440</inkml:trace>
+</inkml:ink>
+</file>
+
+<file path=ppt/ink/ink11.xml><?xml version="1.0" encoding="utf-8"?>
+<inkml:ink xmlns:inkml="http://www.w3.org/2003/InkML">
+  <inkml:definitions>
+    <inkml:context xml:id="ctx0">
+      <inkml:inkSource xml:id="inkSrc0">
+        <inkml:traceFormat>
+          <inkml:channel name="X" type="integer" min="-2.14748E9" max="2.14748E9" units="cm"/>
+          <inkml:channel name="Y" type="integer" min="-2.14748E9" max="2.14748E9" units="cm"/>
+          <inkml:channel name="F" type="integer" max="32767" units="dev"/>
+        </inkml:traceFormat>
+        <inkml:channelProperties>
+          <inkml:channelProperty channel="X" name="resolution" value="1000" units="1/cm"/>
+          <inkml:channelProperty channel="Y" name="resolution" value="1000" units="1/cm"/>
+          <inkml:channelProperty channel="F" name="resolution" value="0" units="1/dev"/>
+        </inkml:channelProperties>
+      </inkml:inkSource>
+      <inkml:timestamp xml:id="ts0" timeString="2024-03-20T07:38:24.187"/>
+    </inkml:context>
+    <inkml:brush xml:id="br0">
+      <inkml:brushProperty name="width" value="0.035" units="cm"/>
+      <inkml:brushProperty name="height" value="0.035" units="cm"/>
+      <inkml:brushProperty name="color" value="#33CCFF"/>
+    </inkml:brush>
+  </inkml:definitions>
+  <inkml:trace contextRef="#ctx0" brushRef="#br0">1 1 24575,'1'0'0,"0"0"0,1 1 0,-1-1 0,0 0 0,1 1 0,-1 0 0,0-1 0,0 1 0,1 0 0,-1-1 0,0 1 0,0 0 0,0 0 0,0 0 0,0 0 0,0 0 0,0 0 0,-1 0 0,2 3 0,16 29 0,-8-13 0,9 9 0,24 27 0,-7 0 0,-32-51 0,-1-1 0,-1 1 0,1 0 0,-1 0 0,1 0 0,-2 0 0,1 0 0,0 0 0,-1 0 0,1 9 0,-1-8 0,0 0 0,1 0 0,-1 0 0,1 0 0,1-1 0,-1 1 0,6 9 0,-2-6 0,-1 0 0,0 0 0,-1 0 0,0 1 0,-1-1 0,0 1 0,4 16 0,-2-6 0,0-5 0,1-1 0,0 1 0,1-1 0,1-1 0,14 20 0,16 30 0,-16-27 0,-17-29 0,-1 1 0,1-1 0,-1 1 0,6 16 0,-5-11 0,0-1 0,1 0 0,10 16 0,10 20 0,-18-33 0,-1-1 0,2 0 0,11 14 0,-9-13 0,-1 1 0,9 16 0,-10-15 0,-6-12 0,0 1 0,0 0 0,-1-1 0,0 1 0,0 0 0,2 10 0,-3-12 0,0 0 0,1 0 0,0 0 0,0 0 0,0 0 0,0 0 0,0-1 0,1 1 0,4 4 0,12 20 0,-2 12 0,-11-23 0,2-1 0,0 0 0,11 18 0,5 6 0,-16-26 0,0-1 0,10 13 0,62 85 0,-76-106 0,14 23 0,-1 1 0,26 61 0,-38-79 0,1 0 0,0 0 0,8 10 0,6 12 0,60 101 0,-40-69 0,-21-42 59,-17-21-217,1 1 0,0 0 0,-1 0-1,0 0 1,1 0 0,-1 0-1,0 1 1,2 6 0,-2-3-6668</inkml:trace>
+</inkml:ink>
+</file>
+
+<file path=ppt/ink/ink12.xml><?xml version="1.0" encoding="utf-8"?>
+<inkml:ink xmlns:inkml="http://www.w3.org/2003/InkML">
+  <inkml:definitions>
+    <inkml:context xml:id="ctx0">
+      <inkml:inkSource xml:id="inkSrc0">
+        <inkml:traceFormat>
+          <inkml:channel name="X" type="integer" min="-2.14748E9" max="2.14748E9" units="cm"/>
+          <inkml:channel name="Y" type="integer" min="-2.14748E9" max="2.14748E9" units="cm"/>
+          <inkml:channel name="F" type="integer" max="32767" units="dev"/>
+        </inkml:traceFormat>
+        <inkml:channelProperties>
+          <inkml:channelProperty channel="X" name="resolution" value="1000" units="1/cm"/>
+          <inkml:channelProperty channel="Y" name="resolution" value="1000" units="1/cm"/>
+          <inkml:channelProperty channel="F" name="resolution" value="0" units="1/dev"/>
+        </inkml:channelProperties>
+      </inkml:inkSource>
+      <inkml:timestamp xml:id="ts0" timeString="2024-03-20T07:38:29.750"/>
+    </inkml:context>
+    <inkml:brush xml:id="br0">
+      <inkml:brushProperty name="width" value="0.035" units="cm"/>
+      <inkml:brushProperty name="height" value="0.035" units="cm"/>
+      <inkml:brushProperty name="color" value="#33CCFF"/>
+    </inkml:brush>
+  </inkml:definitions>
+  <inkml:trace contextRef="#ctx0" brushRef="#br0">388 583 24575,'-2'-1'0,"0"1"0,0 0 0,0-1 0,0 0 0,1 1 0,-1-1 0,0 0 0,0 0 0,1 0 0,-1 0 0,0 0 0,1 0 0,-1 0 0,1-1 0,0 1 0,-2-3 0,-23-30 0,15 17 0,1 3 0,2 0 0,-1 0 0,-7-20 0,8 17 0,-17-29 0,7 26 0,15 17 0,1 1 0,-1 0 0,1-1 0,0 1 0,0-1 0,0 0 0,1 0 0,-1 1 0,1-1 0,-1 0 0,-1-5 0,1 1 0,-1 0 0,0 0 0,0 0 0,-1 0 0,0 1 0,-7-9 0,-13-25 0,21 34 0,0 0 0,-1 1 0,1-1 0,-7-5 0,6 6 0,0-1 0,-1 0 0,-5-11 0,7 11 0,0 1 0,0 0 0,0-1 0,-1 2 0,0-1 0,0 0 0,0 1 0,-1 0 0,-7-6 0,8 7 0,2 1 0,1 0 0,-1 0 0,1-1 0,-1 1 0,1 0 0,-1-1 0,1 1 0,-1-4 0,-8-13 0,5 12-273,1 0 0,-1 0 0,1-1 0,-4-11 0,6 14-6553</inkml:trace>
+</inkml:ink>
+</file>
+
+<file path=ppt/ink/ink13.xml><?xml version="1.0" encoding="utf-8"?>
+<inkml:ink xmlns:inkml="http://www.w3.org/2003/InkML">
+  <inkml:definitions>
+    <inkml:context xml:id="ctx0">
+      <inkml:inkSource xml:id="inkSrc0">
+        <inkml:traceFormat>
+          <inkml:channel name="X" type="integer" min="-2.14748E9" max="2.14748E9" units="cm"/>
+          <inkml:channel name="Y" type="integer" min="-2.14748E9" max="2.14748E9" units="cm"/>
+          <inkml:channel name="F" type="integer" max="32767" units="dev"/>
+        </inkml:traceFormat>
+        <inkml:channelProperties>
+          <inkml:channelProperty channel="X" name="resolution" value="1000" units="1/cm"/>
+          <inkml:channelProperty channel="Y" name="resolution" value="1000" units="1/cm"/>
+          <inkml:channelProperty channel="F" name="resolution" value="0" units="1/dev"/>
+        </inkml:channelProperties>
+      </inkml:inkSource>
+      <inkml:timestamp xml:id="ts0" timeString="2024-03-20T07:38:52.190"/>
+    </inkml:context>
+    <inkml:brush xml:id="br0">
+      <inkml:brushProperty name="width" value="0.035" units="cm"/>
+      <inkml:brushProperty name="height" value="0.035" units="cm"/>
+      <inkml:brushProperty name="color" value="#33CCFF"/>
+    </inkml:brush>
+  </inkml:definitions>
+  <inkml:trace contextRef="#ctx0" brushRef="#br0">1 0 24575,'-1'5'0,"1"0"0,0 0 0,0-1 0,1 1 0,-1 0 0,1 0 0,0-1 0,0 1 0,1-1 0,0 1 0,-1-1 0,1 1 0,1-1 0,-1 0 0,1 0 0,-1 0 0,1 0 0,7 7 0,19 31 0,-18-27 0,0-1 0,10 21 0,8 13 0,11 27 0,41 70 0,-69-125 0,25 29 0,-22-29 0,6 7 0,25 44 0,31 49 0,-16-13 0,-3-10 0,-43-73 0,29 35 0,-1-1 0,-8-1 0,19 26 0,-49-75 0,0 0 0,-1 0 0,6 14 0,10 21 0,-9-25 0,-2 1 0,0 0 0,6 23 0,-1-5 0,-13-34 0,1 0 0,-1 0 0,1 1 0,0-1 0,0-1 0,0 1 0,0 0 0,1 0 0,-1-1 0,1 1 0,2 1 0,8 7 0,-5-2 0,-1 0 0,0 1 0,8 14 0,-4-6 0,-8-12 0,0 0 0,0 0 0,-1 1 0,0-1 0,-1 1 0,1-1 0,-1 1 0,0-1 0,0 12 0,-1-8 0,2 1 0,3 19 0,0-15 0,0 1 0,2-1 0,-1 0 0,16 24 0,-19-34 0,0 1 0,-1 0 0,0-1 0,2 9 0,8 18 0,45 78 0,-41-82 0,-12-22 0,-1 0 0,0 0 0,1 0 0,2 8 0,-3-6 0,0 0 0,1-1 0,0 1 0,9 12 0,8 13 0,-10-18 71,1 7-1507,-10-16-5390</inkml:trace>
+</inkml:ink>
+</file>
+
+<file path=ppt/ink/ink14.xml><?xml version="1.0" encoding="utf-8"?>
+<inkml:ink xmlns:inkml="http://www.w3.org/2003/InkML">
+  <inkml:definitions>
+    <inkml:context xml:id="ctx0">
+      <inkml:inkSource xml:id="inkSrc0">
+        <inkml:traceFormat>
+          <inkml:channel name="X" type="integer" min="-2.14748E9" max="2.14748E9" units="cm"/>
+          <inkml:channel name="Y" type="integer" min="-2.14748E9" max="2.14748E9" units="cm"/>
+          <inkml:channel name="F" type="integer" max="32767" units="dev"/>
+        </inkml:traceFormat>
+        <inkml:channelProperties>
+          <inkml:channelProperty channel="X" name="resolution" value="1000" units="1/cm"/>
+          <inkml:channelProperty channel="Y" name="resolution" value="1000" units="1/cm"/>
+          <inkml:channelProperty channel="F" name="resolution" value="0" units="1/dev"/>
+        </inkml:channelProperties>
+      </inkml:inkSource>
+      <inkml:timestamp xml:id="ts0" timeString="2024-03-20T07:39:00.331"/>
+    </inkml:context>
+    <inkml:brush xml:id="br0">
+      <inkml:brushProperty name="width" value="0.035" units="cm"/>
+      <inkml:brushProperty name="height" value="0.035" units="cm"/>
+      <inkml:brushProperty name="color" value="#33CCFF"/>
+    </inkml:brush>
+  </inkml:definitions>
+  <inkml:trace contextRef="#ctx0" brushRef="#br0">105 1 24575,'-9'36'0,"1"14"0,5-38 0,1-1 0,-1 22 0,1-25 0,-3-12 0,-6-7 0,0 7 0,-1 0 0,-21-6 0,27 9 0,15 2 0,9 2 0,-15-3 0,0 1 0,0-1 0,0 1 0,1-1 0,-1 1 0,0 0 0,0 0 0,0 0 0,0 1 0,-1-1 0,1 1 0,0-1 0,0 1 0,-1 0 0,1 0 0,-1 0 0,4 5 0,24 17-1365</inkml:trace>
+</inkml:ink>
+</file>
+
+<file path=ppt/ink/ink15.xml><?xml version="1.0" encoding="utf-8"?>
+<inkml:ink xmlns:inkml="http://www.w3.org/2003/InkML">
+  <inkml:definitions>
+    <inkml:context xml:id="ctx0">
+      <inkml:inkSource xml:id="inkSrc0">
+        <inkml:traceFormat>
+          <inkml:channel name="X" type="integer" min="-2.14748E9" max="2.14748E9" units="cm"/>
+          <inkml:channel name="Y" type="integer" min="-2.14748E9" max="2.14748E9" units="cm"/>
+          <inkml:channel name="F" type="integer" max="32767" units="dev"/>
+        </inkml:traceFormat>
+        <inkml:channelProperties>
+          <inkml:channelProperty channel="X" name="resolution" value="1000" units="1/cm"/>
+          <inkml:channelProperty channel="Y" name="resolution" value="1000" units="1/cm"/>
+          <inkml:channelProperty channel="F" name="resolution" value="0" units="1/dev"/>
+        </inkml:channelProperties>
+      </inkml:inkSource>
+      <inkml:timestamp xml:id="ts0" timeString="2024-03-20T07:39:06.958"/>
+    </inkml:context>
+    <inkml:brush xml:id="br0">
+      <inkml:brushProperty name="width" value="0.035" units="cm"/>
+      <inkml:brushProperty name="height" value="0.035" units="cm"/>
+      <inkml:brushProperty name="color" value="#33CCFF"/>
+    </inkml:brush>
+  </inkml:definitions>
+  <inkml:trace contextRef="#ctx0" brushRef="#br0">0 81 24575,'3'-1'0,"0"-1"0,0 1 0,-1-1 0,1 1 0,-1-1 0,1 0 0,-1 0 0,2-2 0,4-2 0,53-28 0,-57 31-124,0 0 0,0 1 0,0-1 0,0 1 0,0 0 0,1 0-1,-1 1 1,1 0 0,-1-1 0,10 0 0,-7 2-6702</inkml:trace>
+</inkml:ink>
+</file>
+
+<file path=ppt/ink/ink16.xml><?xml version="1.0" encoding="utf-8"?>
+<inkml:ink xmlns:inkml="http://www.w3.org/2003/InkML">
+  <inkml:definitions>
+    <inkml:context xml:id="ctx0">
+      <inkml:inkSource xml:id="inkSrc0">
+        <inkml:traceFormat>
+          <inkml:channel name="X" type="integer" min="-2.14748E9" max="2.14748E9" units="cm"/>
+          <inkml:channel name="Y" type="integer" min="-2.14748E9" max="2.14748E9" units="cm"/>
+          <inkml:channel name="F" type="integer" max="32767" units="dev"/>
+        </inkml:traceFormat>
+        <inkml:channelProperties>
+          <inkml:channelProperty channel="X" name="resolution" value="1000" units="1/cm"/>
+          <inkml:channelProperty channel="Y" name="resolution" value="1000" units="1/cm"/>
+          <inkml:channelProperty channel="F" name="resolution" value="0" units="1/dev"/>
+        </inkml:channelProperties>
+      </inkml:inkSource>
+      <inkml:timestamp xml:id="ts0" timeString="2024-03-20T07:39:07.929"/>
+    </inkml:context>
+    <inkml:brush xml:id="br0">
+      <inkml:brushProperty name="width" value="0.035" units="cm"/>
+      <inkml:brushProperty name="height" value="0.035" units="cm"/>
+      <inkml:brushProperty name="color" value="#33CCFF"/>
+    </inkml:brush>
+  </inkml:definitions>
+  <inkml:trace contextRef="#ctx0" brushRef="#br0">1 0 24575,'1'2'0,"0"-1"0,1 1 0,0-1 0,-1 1 0,1-1 0,0 0 0,-1 0 0,1 0 0,0 0 0,0 0 0,0 0 0,0-1 0,4 2 0,-4-1 0,20 6 0,0-1 0,0-1 0,33 4 0,-54-9-80,0 0 0,0 0-1,0 1 1,0-1 0,0 0-1,0 1 1,0-1 0,0 1-1,0-1 1,0 1 0,0 0 0,0-1-1,-1 1 1,1 0 0,0 0-1,1 1 1</inkml:trace>
+</inkml:ink>
+</file>
+
+<file path=ppt/ink/ink17.xml><?xml version="1.0" encoding="utf-8"?>
+<inkml:ink xmlns:inkml="http://www.w3.org/2003/InkML">
+  <inkml:definitions>
+    <inkml:context xml:id="ctx0">
+      <inkml:inkSource xml:id="inkSrc0">
+        <inkml:traceFormat>
+          <inkml:channel name="X" type="integer" min="-2.14748E9" max="2.14748E9" units="cm"/>
+          <inkml:channel name="Y" type="integer" min="-2.14748E9" max="2.14748E9" units="cm"/>
+          <inkml:channel name="F" type="integer" max="32767" units="dev"/>
+        </inkml:traceFormat>
+        <inkml:channelProperties>
+          <inkml:channelProperty channel="X" name="resolution" value="1000" units="1/cm"/>
+          <inkml:channelProperty channel="Y" name="resolution" value="1000" units="1/cm"/>
+          <inkml:channelProperty channel="F" name="resolution" value="0" units="1/dev"/>
+        </inkml:channelProperties>
+      </inkml:inkSource>
+      <inkml:timestamp xml:id="ts0" timeString="2024-03-20T07:39:10.694"/>
+    </inkml:context>
+    <inkml:brush xml:id="br0">
+      <inkml:brushProperty name="width" value="0.035" units="cm"/>
+      <inkml:brushProperty name="height" value="0.035" units="cm"/>
+      <inkml:brushProperty name="color" value="#33CCFF"/>
+    </inkml:brush>
+  </inkml:definitions>
+  <inkml:trace contextRef="#ctx0" brushRef="#br0">46 44 24575,'-1'-2'0,"-3"0"0,-1-3 0,-1-2 0,0 1 0,1-2 0,-1 2 0,0 2 0,-1 1 0</inkml:trace>
+</inkml:ink>
+</file>
+
+<file path=ppt/ink/ink2.xml><?xml version="1.0" encoding="utf-8"?>
+<inkml:ink xmlns:inkml="http://www.w3.org/2003/InkML">
+  <inkml:definitions>
+    <inkml:context xml:id="ctx0">
+      <inkml:inkSource xml:id="inkSrc0">
+        <inkml:traceFormat>
+          <inkml:channel name="X" type="integer" min="-2.14748E9" max="2.14748E9" units="cm"/>
+          <inkml:channel name="Y" type="integer" min="-2.14748E9" max="2.14748E9" units="cm"/>
+          <inkml:channel name="F" type="integer" max="32767" units="dev"/>
+        </inkml:traceFormat>
+        <inkml:channelProperties>
+          <inkml:channelProperty channel="X" name="resolution" value="1000" units="1/cm"/>
+          <inkml:channelProperty channel="Y" name="resolution" value="1000" units="1/cm"/>
+          <inkml:channelProperty channel="F" name="resolution" value="0" units="1/dev"/>
+        </inkml:channelProperties>
+      </inkml:inkSource>
+      <inkml:timestamp xml:id="ts0" timeString="2024-03-20T07:25:28.418"/>
+    </inkml:context>
+    <inkml:brush xml:id="br0">
+      <inkml:brushProperty name="width" value="0.035" units="cm"/>
+      <inkml:brushProperty name="height" value="0.035" units="cm"/>
+      <inkml:brushProperty name="color" value="#E71224"/>
+    </inkml:brush>
+  </inkml:definitions>
+  <inkml:trace contextRef="#ctx0" brushRef="#br0">1 0 24575,'0'5'0,"1"-1"0,0 1 0,0 0 0,0-1 0,0 1 0,1-1 0,0 0 0,-1 1 0,4 3 0,26 39 0,-16-25 0,-3-3 0,15 32 0,23 36 0,-27-42 0,-15-32 0,-1 1 0,0 0 0,9 27 0,-14-33 0,0 0 0,1 0 0,0 0 0,0-1 0,1 1 0,0-1 0,1 0 0,-1 0 0,1-1 0,0 1 0,9 7 0,-11-11 0,-1 0 0,0 0 0,0 0 0,0 0 0,0 0 0,0 0 0,-1 1 0,0-1 0,1 1 0,0 5 0,-1-4 0,1 0 0,0 0 0,0-1 0,0 1 0,3 4 0,49 84 0,-39-62 0,-12-24 0,0 0 0,0-1 0,1 1 0,-1-1 0,7 8 0,22 26 0,43 73 0,-67-100 0,56 68 0,9 23 0,-58-78 0,-1 0 0,-1 0 0,-1 2 0,10 34 0,-1 42 0,26 23 0,-45-121 0,1 0 0,0-1 0,1 1 0,-1-1 0,1 0 0,0 0 0,7 6 0,13 18 0,-6-2 0,1 0 0,1-2 0,29 30 0,-36-41 0,0 0 0,13 21 0,-14-19 0,25 27 0,-34-40 0,-1 1 0,1-1 0,-1 1 0,0-1 0,0 1 0,2 5 0,13 20 0,-5-14 0,-1 0 0,-1 0 0,10 19 0,5 9 0,-14-25 0,-2 0 0,0 0 0,13 38 0,-19-49 0,0 0 0,1 0 0,0 0 0,0 0 0,7 7 0,-7-10 0,-1 1 0,1 0 0,-1 0 0,0 0 0,0 0 0,-1 0 0,1 1 0,-1-1 0,0 1 0,-1-1 0,2 8 0,-1-2 0,0 0 0,1-1 0,1 0 0,-1 0 0,2 0 0,-1 0 0,2 0 0,10 15 0,-11-17 0,13 24 0,10 15 0,-17-30 0,-1 1 0,11 21 0,-13-22 0,1 1 0,17 22 0,-19-29 0,-1-1 0,0 1 0,7 19 0,-8-19 0,-1 0 0,1-1 0,1 0 0,9 13 0,16 22 0,-22-30 0,1-2 0,17 20 0,-22-27 0,-1 0 0,0 0 0,0 1 0,0-1 0,3 8 0,-5-8 0,1-1 0,0 1 0,0-1 0,0 0 0,1 0 0,0 0 0,0 0 0,9 8 0,-8-8 0,0 0 0,0 0 0,-1 0 0,1 1 0,-1 0 0,-1 0 0,4 6 0,9 14 0,72 111 0,-34-51 0,19 44 0,-54-107 0,-16-21 0,-1 0 0,0 1 0,0-1 0,0 1 0,0-1 0,0 1 0,0 0 0,-1-1 0,1 1 0,-1 0 0,2 5 0,-1 5 0,1 0 0,1 0 0,0 0 0,1 0 0,0-1 0,1 0 0,0 0 0,9 13 0,18 24 0,-25-36 0,0 0 0,1 0 0,11 12 0,-17-21 0,0 0 0,0 1 0,0-1 0,-1 1 0,0-1 0,0 1 0,2 8 0,6 14 0,25 54 0,-33-75 0,0 1 0,0 0 0,-1 1 0,1 13 0,-2-16 0,0 1 0,0-1 0,1 0 0,0 0 0,0 0 0,1 0 0,-1 0 0,1 0 0,0 0 0,5 9 0,32 58 0,-1 22 0,41 40 0,-60-103 0,3 11 0,-18-32 0,1 0 0,0-1 0,0 0 0,11 14 0,-9-14 0,-1 0 0,0 0 0,5 11 0,-7-11 0,0-1 0,1 1 0,1-1 0,8 10 0,1 2-1365,-11-14-5461</inkml:trace>
+</inkml:ink>
+</file>
+
+<file path=ppt/ink/ink3.xml><?xml version="1.0" encoding="utf-8"?>
+<inkml:ink xmlns:inkml="http://www.w3.org/2003/InkML">
+  <inkml:definitions>
+    <inkml:context xml:id="ctx0">
+      <inkml:inkSource xml:id="inkSrc0">
+        <inkml:traceFormat>
+          <inkml:channel name="X" type="integer" min="-2.14748E9" max="2.14748E9" units="cm"/>
+          <inkml:channel name="Y" type="integer" min="-2.14748E9" max="2.14748E9" units="cm"/>
+          <inkml:channel name="F" type="integer" max="32767" units="dev"/>
+        </inkml:traceFormat>
+        <inkml:channelProperties>
+          <inkml:channelProperty channel="X" name="resolution" value="1000" units="1/cm"/>
+          <inkml:channelProperty channel="Y" name="resolution" value="1000" units="1/cm"/>
+          <inkml:channelProperty channel="F" name="resolution" value="0" units="1/dev"/>
+        </inkml:channelProperties>
+      </inkml:inkSource>
+      <inkml:timestamp xml:id="ts0" timeString="2024-03-20T07:25:59.825"/>
+    </inkml:context>
+    <inkml:brush xml:id="br0">
+      <inkml:brushProperty name="width" value="0.035" units="cm"/>
+      <inkml:brushProperty name="height" value="0.035" units="cm"/>
+      <inkml:brushProperty name="color" value="#E71224"/>
+    </inkml:brush>
+  </inkml:definitions>
+  <inkml:trace contextRef="#ctx0" brushRef="#br0">2 1 24575,'-1'63'0,"2"69"0,-1-132 0,0 0 0,0 0 0,0 0 0,0 1 0,0-1 0,0 0 0,0 0 0,0 0 0,0 1 0,0-1 0,0 0 0,0 0 0,0 0 0,0 1 0,0-1 0,0 0 0,0 0 0,0 0 0,0 1 0,0-1 0,0 0 0,0 0 0,0 0 0,0 0 0,0 1 0,0-1 0,1 0 0,-1 0 0,0 0 0,0 0 0,0 1 0,0-1 0,0 0 0,1 0 0,-1 0 0,0 0 0,0 0 0,0 0 0,1 0 0,-1 0 0,0 0 0,0 0 0,0 1 0,0-1 0,1 0 0,-1 0 0,0 0 0,0 0 0,1 0 0,7-11 0,4-16 0,-9 19 0,-1-1 0,-1 1 0,1-1 0,-1 0 0,-1 1 0,1-1 0,-2 0 0,-1-16 0,2 25 2,0-1 0,-1 0 0,1 1 0,0-1 0,0 0 0,0 1 0,0-1 0,0 0 0,0 0 0,0 1-1,0-1 1,0 0 0,0 1 0,1-1 0,-1 0 0,0 1 0,0-1 0,1 0 0,-1 1 0,0-1 0,1 1 0,-1-1 0,0 1-1,1-1 1,-1 0 0,1 1 0,-1 0 0,1-1 0,0 1 0,-1-1 0,1 1 0,-1 0 0,1-1 0,0 1 0,-1 0 0,1-1 0,0 1-1,-1 0 1,1 0 0,0 0 0,-1 0 0,1 0 0,0 0 0,-1 0 0,1 0 0,0 0 0,0 0 0,5 1-164,0 0 0,0 0 0,0 1 0,8 3 0,-8-3-486,5 2-6178</inkml:trace>
+</inkml:ink>
+</file>
+
+<file path=ppt/ink/ink4.xml><?xml version="1.0" encoding="utf-8"?>
+<inkml:ink xmlns:inkml="http://www.w3.org/2003/InkML">
+  <inkml:definitions>
+    <inkml:context xml:id="ctx0">
+      <inkml:inkSource xml:id="inkSrc0">
+        <inkml:traceFormat>
+          <inkml:channel name="X" type="integer" min="-2.14748E9" max="2.14748E9" units="cm"/>
+          <inkml:channel name="Y" type="integer" min="-2.14748E9" max="2.14748E9" units="cm"/>
+          <inkml:channel name="F" type="integer" max="32767" units="dev"/>
+        </inkml:traceFormat>
+        <inkml:channelProperties>
+          <inkml:channelProperty channel="X" name="resolution" value="1000" units="1/cm"/>
+          <inkml:channelProperty channel="Y" name="resolution" value="1000" units="1/cm"/>
+          <inkml:channelProperty channel="F" name="resolution" value="0" units="1/dev"/>
+        </inkml:channelProperties>
+      </inkml:inkSource>
+      <inkml:timestamp xml:id="ts0" timeString="2024-03-20T07:26:04.163"/>
+    </inkml:context>
+    <inkml:brush xml:id="br0">
+      <inkml:brushProperty name="width" value="0.035" units="cm"/>
+      <inkml:brushProperty name="height" value="0.035" units="cm"/>
+      <inkml:brushProperty name="color" value="#E71224"/>
+    </inkml:brush>
+  </inkml:definitions>
+  <inkml:trace contextRef="#ctx0" brushRef="#br0">1 0 24575,'2'1'0,"1"0"0,-1 1 0,1-1 0,-1 0 0,1 0 0,-1 1 0,0 0 0,0-1 0,0 1 0,0 0 0,0 0 0,2 4 0,7 5 0,-3-6 0,0 0 0,0-1 0,11 5 0,-11-5 0,0 0 0,0 0 0,12 9 0,-19-13 0,0 1 0,-1-1 0,1 0 0,0 1 0,-1-1 0,1 1 0,-1-1 0,1 1 0,-1 0 0,1-1 0,-1 1 0,1 0 0,-1-1 0,1 1 0,-1 0 0,0-1 0,1 1 0,-1 0 0,0 0 0,0-1 0,0 1 0,0 0 0,0 0 0,1-1 0,-1 1 0,0 0 0,-1 0 0,1-1 0,0 1 0,0 0 0,0 0 0,0 0 0,-1-1 0,1 1 0,0 0 0,-1-1 0,1 1 0,0 0 0,-1-1 0,1 1 0,-1 0 0,1-1 0,-1 1 0,1-1 0,-1 1 0,0-1 0,1 1 0,-1-1 0,0 1 0,1-1 0,-1 0 0,-1 1 0,-7 4 0,1-1 0,-1 0 0,-15 4 0,8-3 0,-19 14-1365,27-13-5461</inkml:trace>
+</inkml:ink>
+</file>
+
+<file path=ppt/ink/ink5.xml><?xml version="1.0" encoding="utf-8"?>
+<inkml:ink xmlns:inkml="http://www.w3.org/2003/InkML">
+  <inkml:definitions>
+    <inkml:context xml:id="ctx0">
+      <inkml:inkSource xml:id="inkSrc0">
+        <inkml:traceFormat>
+          <inkml:channel name="X" type="integer" min="-2.14748E9" max="2.14748E9" units="cm"/>
+          <inkml:channel name="Y" type="integer" min="-2.14748E9" max="2.14748E9" units="cm"/>
+          <inkml:channel name="F" type="integer" max="32767" units="dev"/>
+        </inkml:traceFormat>
+        <inkml:channelProperties>
+          <inkml:channelProperty channel="X" name="resolution" value="1000" units="1/cm"/>
+          <inkml:channelProperty channel="Y" name="resolution" value="1000" units="1/cm"/>
+          <inkml:channelProperty channel="F" name="resolution" value="0" units="1/dev"/>
+        </inkml:channelProperties>
+      </inkml:inkSource>
+      <inkml:timestamp xml:id="ts0" timeString="2024-03-20T07:25:52.413"/>
+    </inkml:context>
+    <inkml:brush xml:id="br0">
+      <inkml:brushProperty name="width" value="0.035" units="cm"/>
+      <inkml:brushProperty name="height" value="0.035" units="cm"/>
+      <inkml:brushProperty name="color" value="#E71224"/>
+    </inkml:brush>
+  </inkml:definitions>
+  <inkml:trace contextRef="#ctx0" brushRef="#br0">2680 0 24575,'-1'7'0,"-1"-1"0,0 1 0,-1-1 0,1 0 0,-1 0 0,0 0 0,-1 0 0,-4 5 0,4-4 0,-2 4 0,1 0 0,-8 22 0,5-9 0,4-15 0,-2 7 0,0-1 0,-16 25 0,-53 92 0,57-100 0,-7 12 0,16-31 0,-13 28 0,-3 4 0,-19 31 0,38-66 0,0 0 0,-1-1 0,-8 9 0,8-10 0,1-1 0,0 1 0,0 0 0,1 0 0,-7 15 0,7-11 0,-1-1 0,-1 1 0,-8 10 0,-14 25 0,-71 143 0,77-153 0,18-30 0,-1 1 0,2 0 0,-7 13 0,0 2 0,-17 28 0,3-5 0,3-6 0,-2-2 0,-53 68 0,36-47 0,9-11 0,17-26 0,9-13 0,0-1 0,-15 16 0,9-10 0,1 2 0,0-1 0,1 1 0,0 1 0,-8 19 0,2-5 0,11-18 0,-1 0 0,1 1 0,-3 18 0,5-19 0,-1-1 0,0 0 0,0 0 0,-10 18 0,1-6 0,-17 47 0,-3 5 0,15-37 0,10-22 0,0 0 0,-1-1 0,-1 0 0,-19 25 0,-1 2 0,4-3 0,11-20 0,2 0 0,-12 22 0,-3 5 0,-25 54 0,20-36 0,18-28 0,13-30 0,-1 0 0,0-1 0,0 1 0,0-1 0,-1 1 0,-5 6 0,-2 3 0,0 0 0,-14 28 0,15-26 0,0 0 0,-15 18 0,-14 27 0,-55 73 0,55-76 0,-9 30 0,27-48 0,17-34 0,-1-1 0,0 0 0,-10 11 0,9-11 0,0 0 0,0 1 0,-5 9 0,-15 30 0,-33 45 0,42-69 0,6-10 0,2 1 0,-1 0 0,-9 21 0,12-22 0,0 0 0,-10 13 0,10-16 0,0 1 0,1-1 0,-10 23 0,11-21 0,-1 0 0,-12 19 0,12-22 0,1-1 0,0 1 0,0 0 0,1 0 0,1 1 0,-4 11 0,5-15 0,0 0 0,0 0 0,-1-1 0,0 1 0,0-1 0,-6 10 0,-10 19 0,7-2 0,9-22 0,0-1 0,-1 0 0,0 1 0,0-2 0,-1 1 0,-6 8 0,0-1 0,1 0 0,-15 31 0,17-34 0,0 0 0,-17 20 0,3-4 0,-3 2 0,18-23 0,0 0 0,1 0 0,-10 17 0,5-6 0,-1 0 0,-16 19 0,10-15 0,-8 21 0,21-35 0,0 1 0,0-2 0,-1 1 0,0 0 0,-8 7 0,8-10 0,1 1 0,1-1 0,-1 1 0,-3 8 0,-16 21 0,12-19 0,0 1 0,1 1 0,1 0 0,1 0 0,-11 34 0,16-42-1365,1-1-5461</inkml:trace>
+</inkml:ink>
+</file>
+
+<file path=ppt/ink/ink6.xml><?xml version="1.0" encoding="utf-8"?>
+<inkml:ink xmlns:inkml="http://www.w3.org/2003/InkML">
+  <inkml:definitions>
+    <inkml:context xml:id="ctx0">
+      <inkml:inkSource xml:id="inkSrc0">
+        <inkml:traceFormat>
+          <inkml:channel name="X" type="integer" min="-2.14748E9" max="2.14748E9" units="cm"/>
+          <inkml:channel name="Y" type="integer" min="-2.14748E9" max="2.14748E9" units="cm"/>
+          <inkml:channel name="F" type="integer" max="32767" units="dev"/>
+        </inkml:traceFormat>
+        <inkml:channelProperties>
+          <inkml:channelProperty channel="X" name="resolution" value="1000" units="1/cm"/>
+          <inkml:channelProperty channel="Y" name="resolution" value="1000" units="1/cm"/>
+          <inkml:channelProperty channel="F" name="resolution" value="0" units="1/dev"/>
+        </inkml:channelProperties>
+      </inkml:inkSource>
+      <inkml:timestamp xml:id="ts0" timeString="2024-03-20T07:25:54.768"/>
+    </inkml:context>
+    <inkml:brush xml:id="br0">
+      <inkml:brushProperty name="width" value="0.035" units="cm"/>
+      <inkml:brushProperty name="height" value="0.035" units="cm"/>
+      <inkml:brushProperty name="color" value="#E71224"/>
+    </inkml:brush>
+  </inkml:definitions>
+  <inkml:trace contextRef="#ctx0" brushRef="#br0">15 1 24575,'0'8'0,"0"1"0,0 0 0,-1-1 0,0 1 0,0-1 0,-1 1 0,0-1 0,-5 13 0,7-21 0,0 0 0,0 1 0,0-1 0,0 0 0,0 1 0,0-1 0,0 0 0,0 1 0,0-1 0,0 1 0,0-1 0,0 0 0,0 1 0,0-1 0,1 0 0,-1 0 0,0 1 0,0-1 0,0 0 0,1 1 0,-1-1 0,0 0 0,0 0 0,1 1 0,-1-1 0,0 0 0,0 0 0,1 1 0,-1-1 0,0 0 0,1 0 0,-1 0 0,0 0 0,1 0 0,-1 0 0,0 0 0,1 1 0,-1-1 0,1 0 0,-1 0 0,0 0 0,1 0 0,-1 0 0,0-1 0,1 1 0,-1 0 0,0 0 0,1 0 0,0 0 0,26-2 0,-19 1 0,4 0-1365,-2 1-5461</inkml:trace>
+</inkml:ink>
+</file>
+
+<file path=ppt/ink/ink7.xml><?xml version="1.0" encoding="utf-8"?>
+<inkml:ink xmlns:inkml="http://www.w3.org/2003/InkML">
+  <inkml:definitions>
+    <inkml:context xml:id="ctx0">
+      <inkml:inkSource xml:id="inkSrc0">
+        <inkml:traceFormat>
+          <inkml:channel name="X" type="integer" min="-2.14748E9" max="2.14748E9" units="cm"/>
+          <inkml:channel name="Y" type="integer" min="-2.14748E9" max="2.14748E9" units="cm"/>
+          <inkml:channel name="F" type="integer" max="32767" units="dev"/>
+        </inkml:traceFormat>
+        <inkml:channelProperties>
+          <inkml:channelProperty channel="X" name="resolution" value="1000" units="1/cm"/>
+          <inkml:channelProperty channel="Y" name="resolution" value="1000" units="1/cm"/>
+          <inkml:channelProperty channel="F" name="resolution" value="0" units="1/dev"/>
+        </inkml:channelProperties>
+      </inkml:inkSource>
+      <inkml:timestamp xml:id="ts0" timeString="2024-03-20T07:26:07.847"/>
+    </inkml:context>
+    <inkml:brush xml:id="br0">
+      <inkml:brushProperty name="width" value="0.035" units="cm"/>
+      <inkml:brushProperty name="height" value="0.035" units="cm"/>
+      <inkml:brushProperty name="color" value="#E71224"/>
+    </inkml:brush>
+  </inkml:definitions>
+  <inkml:trace contextRef="#ctx0" brushRef="#br0">2 0 24575,'-1'38'0,"2"43"0,-1-81 0,0 1 0,0-1 0,0 1 0,0 0 0,0-1 0,0 1 0,0-1 0,0 1 0,0-1 0,0 1 0,1 0 0,-1-1 0,0 1 0,0-1 0,1 1 0,-1-1 0,0 1 0,1-1 0,-1 1 0,0-1 0,1 1 0,-1-1 0,1 0 0,-1 1 0,1-1 0,-1 0 0,1 1 0,0-1 0,0 0 0,0 0 0,0 0 0,0 0 0,0 0 0,0-1 0,0 1 0,-1 0 0,1-1 0,0 1 0,0 0 0,0-1 0,0 1 0,-1-1 0,1 0 0,1-1 0,29-32 0,-27 29 0,-1 2-72,-1 0 1,1 1-1,0 0 0,0-1 0,0 1 0,1 0 0,-1 0 0,0 1 1,1-1-1,0 1 0,-1-1 0,1 1 0,0 0 0,-1 1 0,1-1 1,0 1-1,0-1 0,6 1 0,0 0-6754</inkml:trace>
+</inkml:ink>
+</file>
+
+<file path=ppt/ink/ink8.xml><?xml version="1.0" encoding="utf-8"?>
+<inkml:ink xmlns:inkml="http://www.w3.org/2003/InkML">
+  <inkml:definitions>
+    <inkml:context xml:id="ctx0">
+      <inkml:inkSource xml:id="inkSrc0">
+        <inkml:traceFormat>
+          <inkml:channel name="X" type="integer" min="-2.14748E9" max="2.14748E9" units="cm"/>
+          <inkml:channel name="Y" type="integer" min="-2.14748E9" max="2.14748E9" units="cm"/>
+          <inkml:channel name="F" type="integer" max="32767" units="dev"/>
+        </inkml:traceFormat>
+        <inkml:channelProperties>
+          <inkml:channelProperty channel="X" name="resolution" value="1000" units="1/cm"/>
+          <inkml:channelProperty channel="Y" name="resolution" value="1000" units="1/cm"/>
+          <inkml:channelProperty channel="F" name="resolution" value="0" units="1/dev"/>
+        </inkml:channelProperties>
+      </inkml:inkSource>
+      <inkml:timestamp xml:id="ts0" timeString="2024-03-20T07:37:16.902"/>
+    </inkml:context>
+    <inkml:brush xml:id="br0">
+      <inkml:brushProperty name="width" value="0.035" units="cm"/>
+      <inkml:brushProperty name="height" value="0.035" units="cm"/>
+      <inkml:brushProperty name="color" value="#33CCFF"/>
+    </inkml:brush>
+  </inkml:definitions>
+  <inkml:trace contextRef="#ctx0" brushRef="#br0">0 4323 24575,'1'-12'0,"0"1"0,0 0 0,1 0 0,1 0 0,0 0 0,8-20 0,35-60 0,-17 37 0,51-84 0,-18 33 0,-54 92 0,0 1 0,0 1 0,17-18 0,-19 22 0,9-12 0,18-16 0,-30 32 0,-1 0 0,1 0 0,-1 0 0,0 0 0,-1 0 0,3-5 0,8-11 0,67-93 0,-50 60 0,-17 30 0,18-27 0,10-2 0,22-39 0,-47 69 0,-10 16 0,-1 0 0,0-1 0,-1 1 0,1-1 0,2-6 0,46-86 0,-49 93 0,1-1 0,-1 0 0,1 1 0,0 0 0,6-7 0,13-17 0,-18 22 0,1 0 0,0 0 0,0 0 0,0 1 0,8-6 0,23-24 0,-26 20 0,15-28 0,6-10 0,-12 22 0,-1-1 0,23-58 0,-31 67 0,2-7 0,8-37 0,-16 51 0,-3 8 0,1-2 0,0 1 0,1-1 0,0 0 0,1 1 0,0 0 0,7-11 0,30-46 0,-27 42 0,1-1 0,19-22 0,-7 5 0,-12 15 0,42-57 0,-33 40 0,-18 36 0,-1 0 0,0-1 0,-1 0 0,0 0 0,-1-1 0,0 1 0,2-12 0,2 2 0,0 1 0,2 1 0,0-1 0,20-27 0,-1 2 0,13-20 0,-19 29 0,19-41 0,-37 68 0,0 0 0,1 0 0,6-8 0,15-21 0,25-62 0,-42 78 0,22-31 0,-5 9 0,-21 34 0,0-1 0,-1 0 0,0 0 0,-1-1 0,0 0 0,4-18 0,-6 20 0,1 0 0,0 1 0,0-1 0,1 1 0,0 0 0,8-11 0,8-17 0,-15 26 0,1 1 0,-1 0 0,9-8 0,10-17 0,-2 2 0,8-16 0,-22 33 0,1 0 0,14-17 0,9-15 0,2-2 0,0-9 0,-8 18 0,-12 18 0,-10 17 0,-1 0 0,0 0 0,0-1 0,0 1 0,2-7 0,-1 3 0,0 0 0,0 1 0,8-13 0,-7 14 0,-1 0 0,0 0 0,0-1 0,5-15 0,-6 16 0,0-1 0,0 1 0,0 0 0,1 0 0,7-9 0,12-24 0,-15 20 0,-3 7 0,0 0 0,1 0 0,9-13 0,49-77 0,-53 82 0,7-9 0,-7 15 0,0 0 0,12-25 0,-1 2 0,-15 26 0,-1 0 0,-1 0 0,0 0 0,3-15 0,-4 15 0,0-1 0,1 1 0,0 0 0,8-14 0,0 3-1365,-11 18-5461</inkml:trace>
+</inkml:ink>
+</file>
+
+<file path=ppt/ink/ink9.xml><?xml version="1.0" encoding="utf-8"?>
+<inkml:ink xmlns:inkml="http://www.w3.org/2003/InkML">
+  <inkml:definitions>
+    <inkml:context xml:id="ctx0">
+      <inkml:inkSource xml:id="inkSrc0">
+        <inkml:traceFormat>
+          <inkml:channel name="X" type="integer" min="-2.14748E9" max="2.14748E9" units="cm"/>
+          <inkml:channel name="Y" type="integer" min="-2.14748E9" max="2.14748E9" units="cm"/>
+          <inkml:channel name="F" type="integer" max="32767" units="dev"/>
+        </inkml:traceFormat>
+        <inkml:channelProperties>
+          <inkml:channelProperty channel="X" name="resolution" value="1000" units="1/cm"/>
+          <inkml:channelProperty channel="Y" name="resolution" value="1000" units="1/cm"/>
+          <inkml:channelProperty channel="F" name="resolution" value="0" units="1/dev"/>
+        </inkml:channelProperties>
+      </inkml:inkSource>
+      <inkml:timestamp xml:id="ts0" timeString="2024-03-20T07:37:25.069"/>
+    </inkml:context>
+    <inkml:brush xml:id="br0">
+      <inkml:brushProperty name="width" value="0.035" units="cm"/>
+      <inkml:brushProperty name="height" value="0.035" units="cm"/>
+      <inkml:brushProperty name="color" value="#33CCFF"/>
+    </inkml:brush>
+  </inkml:definitions>
+  <inkml:trace contextRef="#ctx0" brushRef="#br0">1 99 24575,'1'-2'0,"1"1"0,0 0 0,-1 0 0,1 0 0,0 0 0,0 0 0,0 0 0,0 1 0,0-1 0,2 0 0,1-1 0,15-6 0,1-2 0,-2 0 0,1-2 0,22-17 0,-39 27 0,19-12 0,-22 14 0,0 0 0,0 0 0,0 0 0,0 0 0,1 0 0,-1 0 0,0 0 0,0 0 0,0 0 0,0 0 0,0 0 0,0 0 0,1 0 0,-1 0 0,0 0 0,0 0 0,0 0 0,0 0 0,0 0 0,0 0 0,1 0 0,-1 0 0,0 0 0,0 0 0,0 0 0,0 0 0,0 0 0,0 1 0,0-1 0,1 0 0,-1 0 0,0 0 0,0 0 0,0 0 0,0 0 0,0 0 0,0 0 0,0 1 0,0-1 0,0 0 0,0 0 0,0 0 0,0 0 0,0 0 0,0 0 0,0 1 0,-4 13 0,1-5 0,0-1 0,1 1 0,-3 13 0,0 1 0,-17 41-1365,21-57-5461</inkml:trace>
+</inkml:ink>
+</file>
+
 <file path=ppt/notesMasters/notesMaster1.xml><?xml version="1.0" encoding="utf-8"?>
 <p:notesMaster xmlns:a="http://schemas.openxmlformats.org/drawingml/2006/main" xmlns:r="http://schemas.openxmlformats.org/officeDocument/2006/relationships" xmlns:p="http://schemas.openxmlformats.org/presentationml/2006/main">
   <p:cSld>
@@ -214,7 +691,7 @@
           <a:p>
             <a:fld id="{D7963EEE-CD05-4B93-88CA-FDA20F9E9653}" type="datetimeFigureOut">
               <a:rPr lang="en-US" smtClean="0"/>
-              <a:t>19-Mar-24</a:t>
+              <a:t>21-Mar-24</a:t>
             </a:fld>
             <a:endParaRPr lang="en-US"/>
           </a:p>
@@ -714,7 +1191,7 @@
           <a:p>
             <a:fld id="{69002B11-2462-4824-BA85-40F0AE5821C0}" type="datetimeFigureOut">
               <a:rPr lang="tr-TR" smtClean="0"/>
-              <a:t>19.03.2024</a:t>
+              <a:t>21.03.2024</a:t>
             </a:fld>
             <a:endParaRPr lang="tr-TR"/>
           </a:p>
@@ -914,7 +1391,7 @@
           <a:p>
             <a:fld id="{69002B11-2462-4824-BA85-40F0AE5821C0}" type="datetimeFigureOut">
               <a:rPr lang="tr-TR" smtClean="0"/>
-              <a:t>19.03.2024</a:t>
+              <a:t>21.03.2024</a:t>
             </a:fld>
             <a:endParaRPr lang="tr-TR"/>
           </a:p>
@@ -1124,7 +1601,7 @@
           <a:p>
             <a:fld id="{69002B11-2462-4824-BA85-40F0AE5821C0}" type="datetimeFigureOut">
               <a:rPr lang="tr-TR" smtClean="0"/>
-              <a:t>19.03.2024</a:t>
+              <a:t>21.03.2024</a:t>
             </a:fld>
             <a:endParaRPr lang="tr-TR"/>
           </a:p>
@@ -1324,7 +1801,7 @@
           <a:p>
             <a:fld id="{69002B11-2462-4824-BA85-40F0AE5821C0}" type="datetimeFigureOut">
               <a:rPr lang="tr-TR" smtClean="0"/>
-              <a:t>19.03.2024</a:t>
+              <a:t>21.03.2024</a:t>
             </a:fld>
             <a:endParaRPr lang="tr-TR"/>
           </a:p>
@@ -1600,7 +2077,7 @@
           <a:p>
             <a:fld id="{69002B11-2462-4824-BA85-40F0AE5821C0}" type="datetimeFigureOut">
               <a:rPr lang="tr-TR" smtClean="0"/>
-              <a:t>19.03.2024</a:t>
+              <a:t>21.03.2024</a:t>
             </a:fld>
             <a:endParaRPr lang="tr-TR"/>
           </a:p>
@@ -1868,7 +2345,7 @@
           <a:p>
             <a:fld id="{69002B11-2462-4824-BA85-40F0AE5821C0}" type="datetimeFigureOut">
               <a:rPr lang="tr-TR" smtClean="0"/>
-              <a:t>19.03.2024</a:t>
+              <a:t>21.03.2024</a:t>
             </a:fld>
             <a:endParaRPr lang="tr-TR"/>
           </a:p>
@@ -2283,7 +2760,7 @@
           <a:p>
             <a:fld id="{69002B11-2462-4824-BA85-40F0AE5821C0}" type="datetimeFigureOut">
               <a:rPr lang="tr-TR" smtClean="0"/>
-              <a:t>19.03.2024</a:t>
+              <a:t>21.03.2024</a:t>
             </a:fld>
             <a:endParaRPr lang="tr-TR"/>
           </a:p>
@@ -2425,7 +2902,7 @@
           <a:p>
             <a:fld id="{69002B11-2462-4824-BA85-40F0AE5821C0}" type="datetimeFigureOut">
               <a:rPr lang="tr-TR" smtClean="0"/>
-              <a:t>19.03.2024</a:t>
+              <a:t>21.03.2024</a:t>
             </a:fld>
             <a:endParaRPr lang="tr-TR"/>
           </a:p>
@@ -2538,7 +3015,7 @@
           <a:p>
             <a:fld id="{69002B11-2462-4824-BA85-40F0AE5821C0}" type="datetimeFigureOut">
               <a:rPr lang="tr-TR" smtClean="0"/>
-              <a:t>19.03.2024</a:t>
+              <a:t>21.03.2024</a:t>
             </a:fld>
             <a:endParaRPr lang="tr-TR"/>
           </a:p>
@@ -2851,7 +3328,7 @@
           <a:p>
             <a:fld id="{69002B11-2462-4824-BA85-40F0AE5821C0}" type="datetimeFigureOut">
               <a:rPr lang="tr-TR" smtClean="0"/>
-              <a:t>19.03.2024</a:t>
+              <a:t>21.03.2024</a:t>
             </a:fld>
             <a:endParaRPr lang="tr-TR"/>
           </a:p>
@@ -3140,7 +3617,7 @@
           <a:p>
             <a:fld id="{69002B11-2462-4824-BA85-40F0AE5821C0}" type="datetimeFigureOut">
               <a:rPr lang="tr-TR" smtClean="0"/>
-              <a:t>19.03.2024</a:t>
+              <a:t>21.03.2024</a:t>
             </a:fld>
             <a:endParaRPr lang="tr-TR"/>
           </a:p>
@@ -3383,7 +3860,7 @@
           <a:p>
             <a:fld id="{69002B11-2462-4824-BA85-40F0AE5821C0}" type="datetimeFigureOut">
               <a:rPr lang="tr-TR" smtClean="0"/>
-              <a:t>19.03.2024</a:t>
+              <a:t>21.03.2024</a:t>
             </a:fld>
             <a:endParaRPr lang="tr-TR"/>
           </a:p>
@@ -4797,8 +5274,8 @@
           </a:prstGeom>
         </p:spPr>
       </p:pic>
-      <mc:AlternateContent xmlns:mc="http://schemas.openxmlformats.org/markup-compatibility/2006">
-        <mc:Choice xmlns:a14="http://schemas.microsoft.com/office/drawing/2010/main" Requires="a14">
+      <mc:AlternateContent xmlns:mc="http://schemas.openxmlformats.org/markup-compatibility/2006" xmlns:a14="http://schemas.microsoft.com/office/drawing/2010/main">
+        <mc:Choice Requires="a14">
           <p:sp>
             <p:nvSpPr>
               <p:cNvPr id="3" name="TextBox 2">
@@ -4969,7 +5446,7 @@
             </p:txBody>
           </p:sp>
         </mc:Choice>
-        <mc:Fallback>
+        <mc:Fallback xmlns="">
           <p:sp>
             <p:nvSpPr>
               <p:cNvPr id="3" name="TextBox 2">
@@ -5014,8 +5491,8 @@
           </p:sp>
         </mc:Fallback>
       </mc:AlternateContent>
-      <mc:AlternateContent xmlns:mc="http://schemas.openxmlformats.org/markup-compatibility/2006">
-        <mc:Choice xmlns:a14="http://schemas.microsoft.com/office/drawing/2010/main" Requires="a14">
+      <mc:AlternateContent xmlns:mc="http://schemas.openxmlformats.org/markup-compatibility/2006" xmlns:a14="http://schemas.microsoft.com/office/drawing/2010/main">
+        <mc:Choice Requires="a14">
           <p:sp>
             <p:nvSpPr>
               <p:cNvPr id="4" name="TextBox 3">
@@ -5159,14 +5636,7 @@
                             <a:latin typeface="Cambria Math" panose="02040503050406030204" pitchFamily="18" charset="0"/>
                             <a:ea typeface="Cambria Math" panose="02040503050406030204" pitchFamily="18" charset="0"/>
                           </a:rPr>
-                          <m:t>100−</m:t>
-                        </m:r>
-                        <m:r>
-                          <a:rPr lang="en-US" b="0" i="1" smtClean="0">
-                            <a:latin typeface="Cambria Math" panose="02040503050406030204" pitchFamily="18" charset="0"/>
-                            <a:ea typeface="Cambria Math" panose="02040503050406030204" pitchFamily="18" charset="0"/>
-                          </a:rPr>
-                          <m:t>∆</m:t>
+                          <m:t>100−∆</m:t>
                         </m:r>
                         <m:r>
                           <a:rPr lang="en-US" b="0" i="1" smtClean="0">
@@ -5193,7 +5663,7 @@
             </p:txBody>
           </p:sp>
         </mc:Choice>
-        <mc:Fallback>
+        <mc:Fallback xmlns="">
           <p:sp>
             <p:nvSpPr>
               <p:cNvPr id="4" name="TextBox 3">
@@ -5367,16 +5837,16 @@
           </a:p>
           <a:p>
             <a:r>
-              <a:rPr lang="en-US" dirty="0"/>
+              <a:rPr lang="en-US" sz="2000" dirty="0"/>
               <a:t>Vector selection depends on ref. voltage and neutral point potential.</a:t>
             </a:r>
           </a:p>
           <a:p>
-            <a:endParaRPr lang="en-US" dirty="0"/>
-          </a:p>
-          <a:p>
-            <a:r>
-              <a:rPr lang="en-US" dirty="0"/>
+            <a:endParaRPr lang="en-US" sz="2000" dirty="0"/>
+          </a:p>
+          <a:p>
+            <a:r>
+              <a:rPr lang="en-US" sz="2000" dirty="0"/>
               <a:t>Finding borders of region is same but sequence is different.</a:t>
             </a:r>
           </a:p>
@@ -5506,11 +5976,11 @@
           </a:p>
           <a:p>
             <a:r>
-              <a:rPr lang="en-US" dirty="0"/>
+              <a:rPr lang="en-US" sz="1400" dirty="0"/>
               <a:t>Region grouped according to, </a:t>
             </a:r>
             <a:r>
-              <a:rPr lang="en-US" dirty="0">
+              <a:rPr lang="en-US" sz="1400" dirty="0">
                 <a:solidFill>
                   <a:srgbClr val="FF0000"/>
                 </a:solidFill>
@@ -5518,11 +5988,11 @@
               <a:t>geometric property</a:t>
             </a:r>
             <a:r>
-              <a:rPr lang="en-US" dirty="0"/>
+              <a:rPr lang="en-US" sz="1400" dirty="0"/>
               <a:t> and </a:t>
             </a:r>
             <a:r>
-              <a:rPr lang="en-US" dirty="0">
+              <a:rPr lang="en-US" sz="1400" dirty="0">
                 <a:solidFill>
                   <a:srgbClr val="FF0000"/>
                 </a:solidFill>
@@ -5530,48 +6000,1478 @@
               <a:t>effect on NP voltage</a:t>
             </a:r>
             <a:r>
-              <a:rPr lang="en-US" dirty="0"/>
+              <a:rPr lang="en-US" sz="1400" dirty="0"/>
               <a:t>.</a:t>
             </a:r>
           </a:p>
           <a:p>
-            <a:endParaRPr lang="en-US" dirty="0"/>
-          </a:p>
-          <a:p>
-            <a:endParaRPr lang="en-US" dirty="0"/>
-          </a:p>
-        </p:txBody>
-      </p:sp>
-      <p:pic>
-        <p:nvPicPr>
-          <p:cNvPr id="5" name="Picture 4">
-            <a:extLst>
-              <a:ext uri="{FF2B5EF4-FFF2-40B4-BE49-F238E27FC236}">
-                <a16:creationId xmlns:a16="http://schemas.microsoft.com/office/drawing/2014/main" id="{3373364D-2C19-A280-87E4-11AB96556654}"/>
-              </a:ext>
-            </a:extLst>
-          </p:cNvPr>
-          <p:cNvPicPr>
-            <a:picLocks noChangeAspect="1"/>
-          </p:cNvPicPr>
+            <a:r>
+              <a:rPr lang="en-US" sz="1400" dirty="0"/>
+              <a:t>Group-a </a:t>
+            </a:r>
+            <a:r>
+              <a:rPr lang="en-US" sz="1400" dirty="0">
+                <a:solidFill>
+                  <a:srgbClr val="FF0000"/>
+                </a:solidFill>
+              </a:rPr>
+              <a:t>(red)</a:t>
+            </a:r>
+            <a:r>
+              <a:rPr lang="en-US" sz="1400" dirty="0"/>
+              <a:t> : [PNN,NPN,NNP], no effect on neutral point voltage balance. </a:t>
+            </a:r>
+            <a:r>
+              <a:rPr lang="en-US" sz="1400" b="1" dirty="0"/>
+              <a:t>No current at NP.</a:t>
+            </a:r>
+          </a:p>
+          <a:p>
+            <a:r>
+              <a:rPr lang="en-US" sz="1400" dirty="0"/>
+              <a:t>Group-b </a:t>
+            </a:r>
+            <a:r>
+              <a:rPr lang="en-US" sz="1400" dirty="0">
+                <a:solidFill>
+                  <a:srgbClr val="00B0F0"/>
+                </a:solidFill>
+              </a:rPr>
+              <a:t>(blue)</a:t>
+            </a:r>
+            <a:r>
+              <a:rPr lang="en-US" sz="1400" dirty="0"/>
+              <a:t>: [PPN, NPP, PNP], negative sequence of </a:t>
+            </a:r>
+            <a:r>
+              <a:rPr lang="en-US" sz="1400" i="1" dirty="0" err="1"/>
+              <a:t>abc</a:t>
+            </a:r>
+            <a:r>
+              <a:rPr lang="en-US" sz="1400" dirty="0"/>
+              <a:t>.</a:t>
+            </a:r>
+          </a:p>
+          <a:p>
+            <a:r>
+              <a:rPr lang="en-US" sz="1400" dirty="0"/>
+              <a:t>Group-c </a:t>
+            </a:r>
+            <a:r>
+              <a:rPr lang="en-US" sz="1400" dirty="0">
+                <a:solidFill>
+                  <a:srgbClr val="92D050"/>
+                </a:solidFill>
+              </a:rPr>
+              <a:t>(green)</a:t>
+            </a:r>
+            <a:r>
+              <a:rPr lang="en-US" sz="1400" dirty="0"/>
+              <a:t>: [OPN, NPO, PON, NOP, PNO, ONP] these vectors have non-zero NP current.</a:t>
+            </a:r>
+          </a:p>
+          <a:p>
+            <a:r>
+              <a:rPr lang="en-US" sz="1400" dirty="0"/>
+              <a:t>Group-0: [PPP, OOO, NNN], zero vectors.</a:t>
+            </a:r>
+          </a:p>
+        </p:txBody>
+      </p:sp>
+      <p:grpSp>
+        <p:nvGrpSpPr>
+          <p:cNvPr id="3" name="Group 4">
+            <a:extLst>
+              <a:ext uri="{FF2B5EF4-FFF2-40B4-BE49-F238E27FC236}">
+                <a16:creationId xmlns:a16="http://schemas.microsoft.com/office/drawing/2014/main" id="{D4EC08BE-B70A-2547-86DB-518650D7ED95}"/>
+              </a:ext>
+            </a:extLst>
+          </p:cNvPr>
+          <p:cNvGrpSpPr>
+            <a:grpSpLocks noChangeAspect="1"/>
+          </p:cNvGrpSpPr>
           <p:nvPr/>
-        </p:nvPicPr>
-        <p:blipFill>
-          <a:blip r:embed="rId2"/>
-          <a:stretch>
-            <a:fillRect/>
-          </a:stretch>
-        </p:blipFill>
+        </p:nvGrpSpPr>
+        <p:grpSpPr bwMode="auto">
+          <a:xfrm>
+            <a:off x="7378700" y="2128838"/>
+            <a:ext cx="4483100" cy="3795712"/>
+            <a:chOff x="4648" y="1341"/>
+            <a:chExt cx="2824" cy="2391"/>
+          </a:xfrm>
+        </p:grpSpPr>
+        <p:sp>
+          <p:nvSpPr>
+            <p:cNvPr id="4" name="AutoShape 3">
+              <a:extLst>
+                <a:ext uri="{FF2B5EF4-FFF2-40B4-BE49-F238E27FC236}">
+                  <a16:creationId xmlns:a16="http://schemas.microsoft.com/office/drawing/2014/main" id="{754E4126-17DE-51C3-036F-6DCEA0AC1B31}"/>
+                </a:ext>
+              </a:extLst>
+            </p:cNvPr>
+            <p:cNvSpPr>
+              <a:spLocks noChangeAspect="1" noChangeArrowheads="1" noTextEdit="1"/>
+            </p:cNvSpPr>
+            <p:nvPr/>
+          </p:nvSpPr>
+          <p:spPr bwMode="auto">
+            <a:xfrm>
+              <a:off x="4648" y="1341"/>
+              <a:ext cx="2824" cy="2391"/>
+            </a:xfrm>
+            <a:prstGeom prst="rect">
+              <a:avLst/>
+            </a:prstGeom>
+            <a:noFill/>
+            <a:ln>
+              <a:noFill/>
+            </a:ln>
+            <a:extLst>
+              <a:ext uri="{909E8E84-426E-40DD-AFC4-6F175D3DCCD1}">
+                <a14:hiddenFill xmlns:a14="http://schemas.microsoft.com/office/drawing/2010/main">
+                  <a:solidFill>
+                    <a:srgbClr val="FFFFFF"/>
+                  </a:solidFill>
+                </a14:hiddenFill>
+              </a:ext>
+              <a:ext uri="{91240B29-F687-4F45-9708-019B960494DF}">
+                <a14:hiddenLine xmlns:a14="http://schemas.microsoft.com/office/drawing/2010/main" w="9525">
+                  <a:solidFill>
+                    <a:srgbClr val="000000"/>
+                  </a:solidFill>
+                  <a:miter lim="800000"/>
+                  <a:headEnd/>
+                  <a:tailEnd/>
+                </a14:hiddenLine>
+              </a:ext>
+            </a:extLst>
+          </p:spPr>
+          <p:txBody>
+            <a:bodyPr vert="horz" wrap="square" lIns="91440" tIns="45720" rIns="91440" bIns="45720" numCol="1" anchor="t" anchorCtr="0" compatLnSpc="1">
+              <a:prstTxWarp prst="textNoShape">
+                <a:avLst/>
+              </a:prstTxWarp>
+            </a:bodyPr>
+            <a:lstStyle/>
+            <a:p>
+              <a:endParaRPr lang="en-US"/>
+            </a:p>
+          </p:txBody>
+        </p:sp>
+        <p:pic>
+          <p:nvPicPr>
+            <p:cNvPr id="1029" name="Picture 5">
+              <a:extLst>
+                <a:ext uri="{FF2B5EF4-FFF2-40B4-BE49-F238E27FC236}">
+                  <a16:creationId xmlns:a16="http://schemas.microsoft.com/office/drawing/2014/main" id="{6084B1EA-E5ED-6758-7936-89A25EBBEE10}"/>
+                </a:ext>
+              </a:extLst>
+            </p:cNvPr>
+            <p:cNvPicPr>
+              <a:picLocks noChangeAspect="1" noChangeArrowheads="1"/>
+            </p:cNvPicPr>
+            <p:nvPr/>
+          </p:nvPicPr>
+          <p:blipFill>
+            <a:blip r:embed="rId2">
+              <a:extLst>
+                <a:ext uri="{28A0092B-C50C-407E-A947-70E740481C1C}">
+                  <a14:useLocalDpi xmlns:a14="http://schemas.microsoft.com/office/drawing/2010/main" val="0"/>
+                </a:ext>
+              </a:extLst>
+            </a:blip>
+            <a:srcRect/>
+            <a:stretch>
+              <a:fillRect/>
+            </a:stretch>
+          </p:blipFill>
+          <p:spPr bwMode="auto">
+            <a:xfrm>
+              <a:off x="4648" y="1341"/>
+              <a:ext cx="2828" cy="2395"/>
+            </a:xfrm>
+            <a:prstGeom prst="rect">
+              <a:avLst/>
+            </a:prstGeom>
+            <a:noFill/>
+            <a:ln>
+              <a:noFill/>
+            </a:ln>
+            <a:extLst>
+              <a:ext uri="{909E8E84-426E-40DD-AFC4-6F175D3DCCD1}">
+                <a14:hiddenFill xmlns:a14="http://schemas.microsoft.com/office/drawing/2010/main">
+                  <a:solidFill>
+                    <a:srgbClr val="FFFFFF"/>
+                  </a:solidFill>
+                </a14:hiddenFill>
+              </a:ext>
+              <a:ext uri="{91240B29-F687-4F45-9708-019B960494DF}">
+                <a14:hiddenLine xmlns:a14="http://schemas.microsoft.com/office/drawing/2010/main" w="9525">
+                  <a:solidFill>
+                    <a:srgbClr val="000000"/>
+                  </a:solidFill>
+                  <a:miter lim="800000"/>
+                  <a:headEnd/>
+                  <a:tailEnd/>
+                </a14:hiddenLine>
+              </a:ext>
+            </a:extLst>
+          </p:spPr>
+        </p:pic>
+      </p:grpSp>
+      <mc:AlternateContent xmlns:mc="http://schemas.openxmlformats.org/markup-compatibility/2006" xmlns:p14="http://schemas.microsoft.com/office/powerpoint/2010/main">
+        <mc:Choice Requires="p14">
+          <p:contentPart p14:bwMode="auto" r:id="rId3">
+            <p14:nvContentPartPr>
+              <p14:cNvPr id="10" name="Ink 9">
+                <a:extLst>
+                  <a:ext uri="{FF2B5EF4-FFF2-40B4-BE49-F238E27FC236}">
+                    <a16:creationId xmlns:a16="http://schemas.microsoft.com/office/drawing/2014/main" id="{6A36489D-B05A-5F62-1507-0E489BC10403}"/>
+                  </a:ext>
+                </a:extLst>
+              </p14:cNvPr>
+              <p14:cNvContentPartPr/>
+              <p14:nvPr/>
+            </p14:nvContentPartPr>
+            <p14:xfrm>
+              <a:off x="9690073" y="4105793"/>
+              <a:ext cx="1924200" cy="36000"/>
+            </p14:xfrm>
+          </p:contentPart>
+        </mc:Choice>
+        <mc:Fallback xmlns="">
+          <p:pic>
+            <p:nvPicPr>
+              <p:cNvPr id="10" name="Ink 9">
+                <a:extLst>
+                  <a:ext uri="{FF2B5EF4-FFF2-40B4-BE49-F238E27FC236}">
+                    <a16:creationId xmlns:a16="http://schemas.microsoft.com/office/drawing/2014/main" id="{6A36489D-B05A-5F62-1507-0E489BC10403}"/>
+                  </a:ext>
+                </a:extLst>
+              </p:cNvPr>
+              <p:cNvPicPr/>
+              <p:nvPr/>
+            </p:nvPicPr>
+            <p:blipFill>
+              <a:blip r:embed="rId4"/>
+              <a:stretch>
+                <a:fillRect/>
+              </a:stretch>
+            </p:blipFill>
+            <p:spPr>
+              <a:xfrm>
+                <a:off x="9683953" y="4099673"/>
+                <a:ext cx="1936440" cy="48240"/>
+              </a:xfrm>
+              <a:prstGeom prst="rect">
+                <a:avLst/>
+              </a:prstGeom>
+            </p:spPr>
+          </p:pic>
+        </mc:Fallback>
+      </mc:AlternateContent>
+      <mc:AlternateContent xmlns:mc="http://schemas.openxmlformats.org/markup-compatibility/2006" xmlns:p14="http://schemas.microsoft.com/office/powerpoint/2010/main">
+        <mc:Choice Requires="p14">
+          <p:contentPart p14:bwMode="auto" r:id="rId5">
+            <p14:nvContentPartPr>
+              <p14:cNvPr id="11" name="Ink 10">
+                <a:extLst>
+                  <a:ext uri="{FF2B5EF4-FFF2-40B4-BE49-F238E27FC236}">
+                    <a16:creationId xmlns:a16="http://schemas.microsoft.com/office/drawing/2014/main" id="{0D673ACA-61C4-CDD9-AAF4-F3C36607A268}"/>
+                  </a:ext>
+                </a:extLst>
+              </p14:cNvPr>
+              <p14:cNvContentPartPr/>
+              <p14:nvPr/>
+            </p14:nvContentPartPr>
+            <p14:xfrm>
+              <a:off x="8720233" y="2497673"/>
+              <a:ext cx="907920" cy="1607040"/>
+            </p14:xfrm>
+          </p:contentPart>
+        </mc:Choice>
+        <mc:Fallback xmlns="">
+          <p:pic>
+            <p:nvPicPr>
+              <p:cNvPr id="11" name="Ink 10">
+                <a:extLst>
+                  <a:ext uri="{FF2B5EF4-FFF2-40B4-BE49-F238E27FC236}">
+                    <a16:creationId xmlns:a16="http://schemas.microsoft.com/office/drawing/2014/main" id="{0D673ACA-61C4-CDD9-AAF4-F3C36607A268}"/>
+                  </a:ext>
+                </a:extLst>
+              </p:cNvPr>
+              <p:cNvPicPr/>
+              <p:nvPr/>
+            </p:nvPicPr>
+            <p:blipFill>
+              <a:blip r:embed="rId6"/>
+              <a:stretch>
+                <a:fillRect/>
+              </a:stretch>
+            </p:blipFill>
+            <p:spPr>
+              <a:xfrm>
+                <a:off x="8714113" y="2491553"/>
+                <a:ext cx="920160" cy="1619280"/>
+              </a:xfrm>
+              <a:prstGeom prst="rect">
+                <a:avLst/>
+              </a:prstGeom>
+            </p:spPr>
+          </p:pic>
+        </mc:Fallback>
+      </mc:AlternateContent>
+      <mc:AlternateContent xmlns:mc="http://schemas.openxmlformats.org/markup-compatibility/2006" xmlns:p14="http://schemas.microsoft.com/office/powerpoint/2010/main">
+        <mc:Choice Requires="p14">
+          <p:contentPart p14:bwMode="auto" r:id="rId7">
+            <p14:nvContentPartPr>
+              <p14:cNvPr id="16" name="Ink 15">
+                <a:extLst>
+                  <a:ext uri="{FF2B5EF4-FFF2-40B4-BE49-F238E27FC236}">
+                    <a16:creationId xmlns:a16="http://schemas.microsoft.com/office/drawing/2014/main" id="{2F6E2735-1701-D58D-E0E8-E0298584BA12}"/>
+                  </a:ext>
+                </a:extLst>
+              </p14:cNvPr>
+              <p14:cNvContentPartPr/>
+              <p14:nvPr/>
+            </p14:nvContentPartPr>
+            <p14:xfrm>
+              <a:off x="8694673" y="2489033"/>
+              <a:ext cx="38520" cy="73080"/>
+            </p14:xfrm>
+          </p:contentPart>
+        </mc:Choice>
+        <mc:Fallback xmlns="">
+          <p:pic>
+            <p:nvPicPr>
+              <p:cNvPr id="16" name="Ink 15">
+                <a:extLst>
+                  <a:ext uri="{FF2B5EF4-FFF2-40B4-BE49-F238E27FC236}">
+                    <a16:creationId xmlns:a16="http://schemas.microsoft.com/office/drawing/2014/main" id="{2F6E2735-1701-D58D-E0E8-E0298584BA12}"/>
+                  </a:ext>
+                </a:extLst>
+              </p:cNvPr>
+              <p:cNvPicPr/>
+              <p:nvPr/>
+            </p:nvPicPr>
+            <p:blipFill>
+              <a:blip r:embed="rId8"/>
+              <a:stretch>
+                <a:fillRect/>
+              </a:stretch>
+            </p:blipFill>
+            <p:spPr>
+              <a:xfrm>
+                <a:off x="8688553" y="2482913"/>
+                <a:ext cx="50760" cy="85320"/>
+              </a:xfrm>
+              <a:prstGeom prst="rect">
+                <a:avLst/>
+              </a:prstGeom>
+            </p:spPr>
+          </p:pic>
+        </mc:Fallback>
+      </mc:AlternateContent>
+      <mc:AlternateContent xmlns:mc="http://schemas.openxmlformats.org/markup-compatibility/2006" xmlns:p14="http://schemas.microsoft.com/office/powerpoint/2010/main">
+        <mc:Choice Requires="p14">
+          <p:contentPart p14:bwMode="auto" r:id="rId9">
+            <p14:nvContentPartPr>
+              <p14:cNvPr id="17" name="Ink 16">
+                <a:extLst>
+                  <a:ext uri="{FF2B5EF4-FFF2-40B4-BE49-F238E27FC236}">
+                    <a16:creationId xmlns:a16="http://schemas.microsoft.com/office/drawing/2014/main" id="{40C632E2-C9FE-9AD8-DA19-D5D8A8F2637B}"/>
+                  </a:ext>
+                </a:extLst>
+              </p14:cNvPr>
+              <p14:cNvContentPartPr/>
+              <p14:nvPr/>
+            </p14:nvContentPartPr>
+            <p14:xfrm>
+              <a:off x="11573593" y="4093553"/>
+              <a:ext cx="50760" cy="60120"/>
+            </p14:xfrm>
+          </p:contentPart>
+        </mc:Choice>
+        <mc:Fallback xmlns="">
+          <p:pic>
+            <p:nvPicPr>
+              <p:cNvPr id="17" name="Ink 16">
+                <a:extLst>
+                  <a:ext uri="{FF2B5EF4-FFF2-40B4-BE49-F238E27FC236}">
+                    <a16:creationId xmlns:a16="http://schemas.microsoft.com/office/drawing/2014/main" id="{40C632E2-C9FE-9AD8-DA19-D5D8A8F2637B}"/>
+                  </a:ext>
+                </a:extLst>
+              </p:cNvPr>
+              <p:cNvPicPr/>
+              <p:nvPr/>
+            </p:nvPicPr>
+            <p:blipFill>
+              <a:blip r:embed="rId10"/>
+              <a:stretch>
+                <a:fillRect/>
+              </a:stretch>
+            </p:blipFill>
+            <p:spPr>
+              <a:xfrm>
+                <a:off x="11567473" y="4087433"/>
+                <a:ext cx="63000" cy="72360"/>
+              </a:xfrm>
+              <a:prstGeom prst="rect">
+                <a:avLst/>
+              </a:prstGeom>
+            </p:spPr>
+          </p:pic>
+        </mc:Fallback>
+      </mc:AlternateContent>
+      <p:grpSp>
+        <p:nvGrpSpPr>
+          <p:cNvPr id="19" name="Group 18">
+            <a:extLst>
+              <a:ext uri="{FF2B5EF4-FFF2-40B4-BE49-F238E27FC236}">
+                <a16:creationId xmlns:a16="http://schemas.microsoft.com/office/drawing/2014/main" id="{E6702EBF-DE23-83AC-BAB0-08A3B3F1EA17}"/>
+              </a:ext>
+            </a:extLst>
+          </p:cNvPr>
+          <p:cNvGrpSpPr/>
+          <p:nvPr/>
+        </p:nvGrpSpPr>
+        <p:grpSpPr>
+          <a:xfrm>
+            <a:off x="8639593" y="4161233"/>
+            <a:ext cx="983160" cy="1699560"/>
+            <a:chOff x="8639593" y="4161233"/>
+            <a:chExt cx="983160" cy="1699560"/>
+          </a:xfrm>
+        </p:grpSpPr>
+        <mc:AlternateContent xmlns:mc="http://schemas.openxmlformats.org/markup-compatibility/2006" xmlns:p14="http://schemas.microsoft.com/office/powerpoint/2010/main">
+          <mc:Choice Requires="p14">
+            <p:contentPart p14:bwMode="auto" r:id="rId11">
+              <p14:nvContentPartPr>
+                <p14:cNvPr id="13" name="Ink 12">
+                  <a:extLst>
+                    <a:ext uri="{FF2B5EF4-FFF2-40B4-BE49-F238E27FC236}">
+                      <a16:creationId xmlns:a16="http://schemas.microsoft.com/office/drawing/2014/main" id="{EC889496-68ED-407F-EB03-6459B8EABEA9}"/>
+                    </a:ext>
+                  </a:extLst>
+                </p14:cNvPr>
+                <p14:cNvContentPartPr/>
+                <p14:nvPr/>
+              </p14:nvContentPartPr>
+              <p14:xfrm>
+                <a:off x="8657593" y="4161233"/>
+                <a:ext cx="965160" cy="1667520"/>
+              </p14:xfrm>
+            </p:contentPart>
+          </mc:Choice>
+          <mc:Fallback xmlns="">
+            <p:pic>
+              <p:nvPicPr>
+                <p:cNvPr id="13" name="Ink 12">
+                  <a:extLst>
+                    <a:ext uri="{FF2B5EF4-FFF2-40B4-BE49-F238E27FC236}">
+                      <a16:creationId xmlns:a16="http://schemas.microsoft.com/office/drawing/2014/main" id="{EC889496-68ED-407F-EB03-6459B8EABEA9}"/>
+                    </a:ext>
+                  </a:extLst>
+                </p:cNvPr>
+                <p:cNvPicPr/>
+                <p:nvPr/>
+              </p:nvPicPr>
+              <p:blipFill>
+                <a:blip r:embed="rId12"/>
+                <a:stretch>
+                  <a:fillRect/>
+                </a:stretch>
+              </p:blipFill>
+              <p:spPr>
+                <a:xfrm>
+                  <a:off x="8651473" y="4155113"/>
+                  <a:ext cx="977400" cy="1679760"/>
+                </a:xfrm>
+                <a:prstGeom prst="rect">
+                  <a:avLst/>
+                </a:prstGeom>
+              </p:spPr>
+            </p:pic>
+          </mc:Fallback>
+        </mc:AlternateContent>
+        <mc:AlternateContent xmlns:mc="http://schemas.openxmlformats.org/markup-compatibility/2006" xmlns:p14="http://schemas.microsoft.com/office/powerpoint/2010/main">
+          <mc:Choice Requires="p14">
+            <p:contentPart p14:bwMode="auto" r:id="rId13">
+              <p14:nvContentPartPr>
+                <p14:cNvPr id="14" name="Ink 13">
+                  <a:extLst>
+                    <a:ext uri="{FF2B5EF4-FFF2-40B4-BE49-F238E27FC236}">
+                      <a16:creationId xmlns:a16="http://schemas.microsoft.com/office/drawing/2014/main" id="{7EF5C839-25B9-5570-93BD-CF8F245F6610}"/>
+                    </a:ext>
+                  </a:extLst>
+                </p14:cNvPr>
+                <p14:cNvContentPartPr/>
+                <p14:nvPr/>
+              </p14:nvContentPartPr>
+              <p14:xfrm>
+                <a:off x="8643553" y="5824793"/>
+                <a:ext cx="25560" cy="36000"/>
+              </p14:xfrm>
+            </p:contentPart>
+          </mc:Choice>
+          <mc:Fallback xmlns="">
+            <p:pic>
+              <p:nvPicPr>
+                <p:cNvPr id="14" name="Ink 13">
+                  <a:extLst>
+                    <a:ext uri="{FF2B5EF4-FFF2-40B4-BE49-F238E27FC236}">
+                      <a16:creationId xmlns:a16="http://schemas.microsoft.com/office/drawing/2014/main" id="{7EF5C839-25B9-5570-93BD-CF8F245F6610}"/>
+                    </a:ext>
+                  </a:extLst>
+                </p:cNvPr>
+                <p:cNvPicPr/>
+                <p:nvPr/>
+              </p:nvPicPr>
+              <p:blipFill>
+                <a:blip r:embed="rId14"/>
+                <a:stretch>
+                  <a:fillRect/>
+                </a:stretch>
+              </p:blipFill>
+              <p:spPr>
+                <a:xfrm>
+                  <a:off x="8637433" y="5818673"/>
+                  <a:ext cx="37800" cy="48240"/>
+                </a:xfrm>
+                <a:prstGeom prst="rect">
+                  <a:avLst/>
+                </a:prstGeom>
+              </p:spPr>
+            </p:pic>
+          </mc:Fallback>
+        </mc:AlternateContent>
+        <mc:AlternateContent xmlns:mc="http://schemas.openxmlformats.org/markup-compatibility/2006" xmlns:p14="http://schemas.microsoft.com/office/powerpoint/2010/main">
+          <mc:Choice Requires="p14">
+            <p:contentPart p14:bwMode="auto" r:id="rId15">
+              <p14:nvContentPartPr>
+                <p14:cNvPr id="18" name="Ink 17">
+                  <a:extLst>
+                    <a:ext uri="{FF2B5EF4-FFF2-40B4-BE49-F238E27FC236}">
+                      <a16:creationId xmlns:a16="http://schemas.microsoft.com/office/drawing/2014/main" id="{6DA19580-5828-F978-07EC-9B1920F53B64}"/>
+                    </a:ext>
+                  </a:extLst>
+                </p14:cNvPr>
+                <p14:cNvContentPartPr/>
+                <p14:nvPr/>
+              </p14:nvContentPartPr>
+              <p14:xfrm>
+                <a:off x="8639593" y="5807873"/>
+                <a:ext cx="50760" cy="48240"/>
+              </p14:xfrm>
+            </p:contentPart>
+          </mc:Choice>
+          <mc:Fallback xmlns="">
+            <p:pic>
+              <p:nvPicPr>
+                <p:cNvPr id="18" name="Ink 17">
+                  <a:extLst>
+                    <a:ext uri="{FF2B5EF4-FFF2-40B4-BE49-F238E27FC236}">
+                      <a16:creationId xmlns:a16="http://schemas.microsoft.com/office/drawing/2014/main" id="{6DA19580-5828-F978-07EC-9B1920F53B64}"/>
+                    </a:ext>
+                  </a:extLst>
+                </p:cNvPr>
+                <p:cNvPicPr/>
+                <p:nvPr/>
+              </p:nvPicPr>
+              <p:blipFill>
+                <a:blip r:embed="rId16"/>
+                <a:stretch>
+                  <a:fillRect/>
+                </a:stretch>
+              </p:blipFill>
+              <p:spPr>
+                <a:xfrm>
+                  <a:off x="8633473" y="5801753"/>
+                  <a:ext cx="63000" cy="60480"/>
+                </a:xfrm>
+                <a:prstGeom prst="rect">
+                  <a:avLst/>
+                </a:prstGeom>
+              </p:spPr>
+            </p:pic>
+          </mc:Fallback>
+        </mc:AlternateContent>
+      </p:grpSp>
+      <mc:AlternateContent xmlns:mc="http://schemas.openxmlformats.org/markup-compatibility/2006" xmlns:p14="http://schemas.microsoft.com/office/powerpoint/2010/main">
+        <mc:Choice Requires="p14">
+          <p:contentPart p14:bwMode="auto" r:id="rId17">
+            <p14:nvContentPartPr>
+              <p14:cNvPr id="21" name="Ink 20">
+                <a:extLst>
+                  <a:ext uri="{FF2B5EF4-FFF2-40B4-BE49-F238E27FC236}">
+                    <a16:creationId xmlns:a16="http://schemas.microsoft.com/office/drawing/2014/main" id="{7735356F-5C45-EA38-E33B-C6EBACAC7209}"/>
+                  </a:ext>
+                </a:extLst>
+              </p14:cNvPr>
+              <p14:cNvContentPartPr/>
+              <p14:nvPr/>
+            </p14:nvContentPartPr>
+            <p14:xfrm>
+              <a:off x="9677260" y="2520585"/>
+              <a:ext cx="904680" cy="1556280"/>
+            </p14:xfrm>
+          </p:contentPart>
+        </mc:Choice>
+        <mc:Fallback xmlns="">
+          <p:pic>
+            <p:nvPicPr>
+              <p:cNvPr id="21" name="Ink 20">
+                <a:extLst>
+                  <a:ext uri="{FF2B5EF4-FFF2-40B4-BE49-F238E27FC236}">
+                    <a16:creationId xmlns:a16="http://schemas.microsoft.com/office/drawing/2014/main" id="{7735356F-5C45-EA38-E33B-C6EBACAC7209}"/>
+                  </a:ext>
+                </a:extLst>
+              </p:cNvPr>
+              <p:cNvPicPr/>
+              <p:nvPr/>
+            </p:nvPicPr>
+            <p:blipFill>
+              <a:blip r:embed="rId18"/>
+              <a:stretch>
+                <a:fillRect/>
+              </a:stretch>
+            </p:blipFill>
+            <p:spPr>
+              <a:xfrm>
+                <a:off x="9671140" y="2514465"/>
+                <a:ext cx="916920" cy="1568520"/>
+              </a:xfrm>
+              <a:prstGeom prst="rect">
+                <a:avLst/>
+              </a:prstGeom>
+            </p:spPr>
+          </p:pic>
+        </mc:Fallback>
+      </mc:AlternateContent>
+      <mc:AlternateContent xmlns:mc="http://schemas.openxmlformats.org/markup-compatibility/2006" xmlns:p14="http://schemas.microsoft.com/office/powerpoint/2010/main">
+        <mc:Choice Requires="p14">
+          <p:contentPart p14:bwMode="auto" r:id="rId19">
+            <p14:nvContentPartPr>
+              <p14:cNvPr id="22" name="Ink 21">
+                <a:extLst>
+                  <a:ext uri="{FF2B5EF4-FFF2-40B4-BE49-F238E27FC236}">
+                    <a16:creationId xmlns:a16="http://schemas.microsoft.com/office/drawing/2014/main" id="{18DD834D-EF07-88A2-52BD-13DB1CD723C9}"/>
+                  </a:ext>
+                </a:extLst>
+              </p14:cNvPr>
+              <p14:cNvContentPartPr/>
+              <p14:nvPr/>
+            </p14:nvContentPartPr>
+            <p14:xfrm>
+              <a:off x="10550260" y="2491785"/>
+              <a:ext cx="64800" cy="57600"/>
+            </p14:xfrm>
+          </p:contentPart>
+        </mc:Choice>
+        <mc:Fallback xmlns="">
+          <p:pic>
+            <p:nvPicPr>
+              <p:cNvPr id="22" name="Ink 21">
+                <a:extLst>
+                  <a:ext uri="{FF2B5EF4-FFF2-40B4-BE49-F238E27FC236}">
+                    <a16:creationId xmlns:a16="http://schemas.microsoft.com/office/drawing/2014/main" id="{18DD834D-EF07-88A2-52BD-13DB1CD723C9}"/>
+                  </a:ext>
+                </a:extLst>
+              </p:cNvPr>
+              <p:cNvPicPr/>
+              <p:nvPr/>
+            </p:nvPicPr>
+            <p:blipFill>
+              <a:blip r:embed="rId20"/>
+              <a:stretch>
+                <a:fillRect/>
+              </a:stretch>
+            </p:blipFill>
+            <p:spPr>
+              <a:xfrm>
+                <a:off x="10544140" y="2485665"/>
+                <a:ext cx="77040" cy="69840"/>
+              </a:xfrm>
+              <a:prstGeom prst="rect">
+                <a:avLst/>
+              </a:prstGeom>
+            </p:spPr>
+          </p:pic>
+        </mc:Fallback>
+      </mc:AlternateContent>
+      <mc:AlternateContent xmlns:mc="http://schemas.openxmlformats.org/markup-compatibility/2006" xmlns:p14="http://schemas.microsoft.com/office/powerpoint/2010/main">
+        <mc:Choice Requires="p14">
+          <p:contentPart p14:bwMode="auto" r:id="rId21">
+            <p14:nvContentPartPr>
+              <p14:cNvPr id="23" name="Ink 22">
+                <a:extLst>
+                  <a:ext uri="{FF2B5EF4-FFF2-40B4-BE49-F238E27FC236}">
+                    <a16:creationId xmlns:a16="http://schemas.microsoft.com/office/drawing/2014/main" id="{0178FDC2-D407-7AC2-79CC-2BB987A4FFE1}"/>
+                  </a:ext>
+                </a:extLst>
+              </p14:cNvPr>
+              <p14:cNvContentPartPr/>
+              <p14:nvPr/>
+            </p14:nvContentPartPr>
+            <p14:xfrm>
+              <a:off x="7785460" y="4111065"/>
+              <a:ext cx="1825560" cy="29520"/>
+            </p14:xfrm>
+          </p:contentPart>
+        </mc:Choice>
+        <mc:Fallback xmlns="">
+          <p:pic>
+            <p:nvPicPr>
+              <p:cNvPr id="23" name="Ink 22">
+                <a:extLst>
+                  <a:ext uri="{FF2B5EF4-FFF2-40B4-BE49-F238E27FC236}">
+                    <a16:creationId xmlns:a16="http://schemas.microsoft.com/office/drawing/2014/main" id="{0178FDC2-D407-7AC2-79CC-2BB987A4FFE1}"/>
+                  </a:ext>
+                </a:extLst>
+              </p:cNvPr>
+              <p:cNvPicPr/>
+              <p:nvPr/>
+            </p:nvPicPr>
+            <p:blipFill>
+              <a:blip r:embed="rId22"/>
+              <a:stretch>
+                <a:fillRect/>
+              </a:stretch>
+            </p:blipFill>
+            <p:spPr>
+              <a:xfrm>
+                <a:off x="7779340" y="4104945"/>
+                <a:ext cx="1837800" cy="41760"/>
+              </a:xfrm>
+              <a:prstGeom prst="rect">
+                <a:avLst/>
+              </a:prstGeom>
+            </p:spPr>
+          </p:pic>
+        </mc:Fallback>
+      </mc:AlternateContent>
+      <mc:AlternateContent xmlns:mc="http://schemas.openxmlformats.org/markup-compatibility/2006" xmlns:p14="http://schemas.microsoft.com/office/powerpoint/2010/main">
+        <mc:Choice Requires="p14">
+          <p:contentPart p14:bwMode="auto" r:id="rId23">
+            <p14:nvContentPartPr>
+              <p14:cNvPr id="25" name="Ink 24">
+                <a:extLst>
+                  <a:ext uri="{FF2B5EF4-FFF2-40B4-BE49-F238E27FC236}">
+                    <a16:creationId xmlns:a16="http://schemas.microsoft.com/office/drawing/2014/main" id="{4B796A54-ADF0-F747-2A4A-0DFB66828DBE}"/>
+                  </a:ext>
+                </a:extLst>
+              </p14:cNvPr>
+              <p14:cNvContentPartPr/>
+              <p14:nvPr/>
+            </p14:nvContentPartPr>
+            <p14:xfrm>
+              <a:off x="9686620" y="4197105"/>
+              <a:ext cx="390960" cy="688680"/>
+            </p14:xfrm>
+          </p:contentPart>
+        </mc:Choice>
+        <mc:Fallback xmlns="">
+          <p:pic>
+            <p:nvPicPr>
+              <p:cNvPr id="25" name="Ink 24">
+                <a:extLst>
+                  <a:ext uri="{FF2B5EF4-FFF2-40B4-BE49-F238E27FC236}">
+                    <a16:creationId xmlns:a16="http://schemas.microsoft.com/office/drawing/2014/main" id="{4B796A54-ADF0-F747-2A4A-0DFB66828DBE}"/>
+                  </a:ext>
+                </a:extLst>
+              </p:cNvPr>
+              <p:cNvPicPr/>
+              <p:nvPr/>
+            </p:nvPicPr>
+            <p:blipFill>
+              <a:blip r:embed="rId24"/>
+              <a:stretch>
+                <a:fillRect/>
+              </a:stretch>
+            </p:blipFill>
+            <p:spPr>
+              <a:xfrm>
+                <a:off x="9680500" y="4190985"/>
+                <a:ext cx="403200" cy="700920"/>
+              </a:xfrm>
+              <a:prstGeom prst="rect">
+                <a:avLst/>
+              </a:prstGeom>
+            </p:spPr>
+          </p:pic>
+        </mc:Fallback>
+      </mc:AlternateContent>
+      <mc:AlternateContent xmlns:mc="http://schemas.openxmlformats.org/markup-compatibility/2006" xmlns:p14="http://schemas.microsoft.com/office/powerpoint/2010/main">
+        <mc:Choice Requires="p14">
+          <p:contentPart p14:bwMode="auto" r:id="rId25">
+            <p14:nvContentPartPr>
+              <p14:cNvPr id="26" name="Ink 25">
+                <a:extLst>
+                  <a:ext uri="{FF2B5EF4-FFF2-40B4-BE49-F238E27FC236}">
+                    <a16:creationId xmlns:a16="http://schemas.microsoft.com/office/drawing/2014/main" id="{C7E2E9CB-FBF2-731B-7B33-8560D0270903}"/>
+                  </a:ext>
+                </a:extLst>
+              </p14:cNvPr>
+              <p14:cNvContentPartPr/>
+              <p14:nvPr/>
+            </p14:nvContentPartPr>
+            <p14:xfrm>
+              <a:off x="10512460" y="5654385"/>
+              <a:ext cx="139680" cy="209880"/>
+            </p14:xfrm>
+          </p:contentPart>
+        </mc:Choice>
+        <mc:Fallback xmlns="">
+          <p:pic>
+            <p:nvPicPr>
+              <p:cNvPr id="26" name="Ink 25">
+                <a:extLst>
+                  <a:ext uri="{FF2B5EF4-FFF2-40B4-BE49-F238E27FC236}">
+                    <a16:creationId xmlns:a16="http://schemas.microsoft.com/office/drawing/2014/main" id="{C7E2E9CB-FBF2-731B-7B33-8560D0270903}"/>
+                  </a:ext>
+                </a:extLst>
+              </p:cNvPr>
+              <p:cNvPicPr/>
+              <p:nvPr/>
+            </p:nvPicPr>
+            <p:blipFill>
+              <a:blip r:embed="rId26"/>
+              <a:stretch>
+                <a:fillRect/>
+              </a:stretch>
+            </p:blipFill>
+            <p:spPr>
+              <a:xfrm>
+                <a:off x="10506340" y="5648265"/>
+                <a:ext cx="151920" cy="222120"/>
+              </a:xfrm>
+              <a:prstGeom prst="rect">
+                <a:avLst/>
+              </a:prstGeom>
+            </p:spPr>
+          </p:pic>
+        </mc:Fallback>
+      </mc:AlternateContent>
+      <mc:AlternateContent xmlns:mc="http://schemas.openxmlformats.org/markup-compatibility/2006" xmlns:p14="http://schemas.microsoft.com/office/powerpoint/2010/main">
+        <mc:Choice Requires="p14">
+          <p:contentPart p14:bwMode="auto" r:id="rId27">
+            <p14:nvContentPartPr>
+              <p14:cNvPr id="28" name="Ink 27">
+                <a:extLst>
+                  <a:ext uri="{FF2B5EF4-FFF2-40B4-BE49-F238E27FC236}">
+                    <a16:creationId xmlns:a16="http://schemas.microsoft.com/office/drawing/2014/main" id="{AB0FE24A-72DB-CE2D-7867-3B820CDFE92D}"/>
+                  </a:ext>
+                </a:extLst>
+              </p14:cNvPr>
+              <p14:cNvContentPartPr/>
+              <p14:nvPr/>
+            </p14:nvContentPartPr>
+            <p14:xfrm>
+              <a:off x="10089820" y="4889385"/>
+              <a:ext cx="442080" cy="790920"/>
+            </p14:xfrm>
+          </p:contentPart>
+        </mc:Choice>
+        <mc:Fallback xmlns="">
+          <p:pic>
+            <p:nvPicPr>
+              <p:cNvPr id="28" name="Ink 27">
+                <a:extLst>
+                  <a:ext uri="{FF2B5EF4-FFF2-40B4-BE49-F238E27FC236}">
+                    <a16:creationId xmlns:a16="http://schemas.microsoft.com/office/drawing/2014/main" id="{AB0FE24A-72DB-CE2D-7867-3B820CDFE92D}"/>
+                  </a:ext>
+                </a:extLst>
+              </p:cNvPr>
+              <p:cNvPicPr/>
+              <p:nvPr/>
+            </p:nvPicPr>
+            <p:blipFill>
+              <a:blip r:embed="rId28"/>
+              <a:stretch>
+                <a:fillRect/>
+              </a:stretch>
+            </p:blipFill>
+            <p:spPr>
+              <a:xfrm>
+                <a:off x="10083700" y="4883265"/>
+                <a:ext cx="454320" cy="803160"/>
+              </a:xfrm>
+              <a:prstGeom prst="rect">
+                <a:avLst/>
+              </a:prstGeom>
+            </p:spPr>
+          </p:pic>
+        </mc:Fallback>
+      </mc:AlternateContent>
+      <mc:AlternateContent xmlns:mc="http://schemas.openxmlformats.org/markup-compatibility/2006" xmlns:p14="http://schemas.microsoft.com/office/powerpoint/2010/main">
+        <mc:Choice Requires="p14">
+          <p:contentPart p14:bwMode="auto" r:id="rId29">
+            <p14:nvContentPartPr>
+              <p14:cNvPr id="29" name="Ink 28">
+                <a:extLst>
+                  <a:ext uri="{FF2B5EF4-FFF2-40B4-BE49-F238E27FC236}">
+                    <a16:creationId xmlns:a16="http://schemas.microsoft.com/office/drawing/2014/main" id="{3F53CA75-FE1F-DAA6-9BD5-418F20D4F76D}"/>
+                  </a:ext>
+                </a:extLst>
+              </p14:cNvPr>
+              <p14:cNvContentPartPr/>
+              <p14:nvPr/>
+            </p14:nvContentPartPr>
+            <p14:xfrm>
+              <a:off x="10614340" y="5800545"/>
+              <a:ext cx="40680" cy="61920"/>
+            </p14:xfrm>
+          </p:contentPart>
+        </mc:Choice>
+        <mc:Fallback xmlns="">
+          <p:pic>
+            <p:nvPicPr>
+              <p:cNvPr id="29" name="Ink 28">
+                <a:extLst>
+                  <a:ext uri="{FF2B5EF4-FFF2-40B4-BE49-F238E27FC236}">
+                    <a16:creationId xmlns:a16="http://schemas.microsoft.com/office/drawing/2014/main" id="{3F53CA75-FE1F-DAA6-9BD5-418F20D4F76D}"/>
+                  </a:ext>
+                </a:extLst>
+              </p:cNvPr>
+              <p:cNvPicPr/>
+              <p:nvPr/>
+            </p:nvPicPr>
+            <p:blipFill>
+              <a:blip r:embed="rId30"/>
+              <a:stretch>
+                <a:fillRect/>
+              </a:stretch>
+            </p:blipFill>
+            <p:spPr>
+              <a:xfrm>
+                <a:off x="10608220" y="5794425"/>
+                <a:ext cx="52920" cy="74160"/>
+              </a:xfrm>
+              <a:prstGeom prst="rect">
+                <a:avLst/>
+              </a:prstGeom>
+            </p:spPr>
+          </p:pic>
+        </mc:Fallback>
+      </mc:AlternateContent>
+      <p:grpSp>
+        <p:nvGrpSpPr>
+          <p:cNvPr id="34" name="Group 33">
+            <a:extLst>
+              <a:ext uri="{FF2B5EF4-FFF2-40B4-BE49-F238E27FC236}">
+                <a16:creationId xmlns:a16="http://schemas.microsoft.com/office/drawing/2014/main" id="{42C11E46-B911-D0B3-B98E-3ACB46D8F0FB}"/>
+              </a:ext>
+            </a:extLst>
+          </p:cNvPr>
+          <p:cNvGrpSpPr/>
+          <p:nvPr/>
+        </p:nvGrpSpPr>
+        <p:grpSpPr>
+          <a:xfrm>
+            <a:off x="7750180" y="4095225"/>
+            <a:ext cx="66960" cy="58680"/>
+            <a:chOff x="7750180" y="4095225"/>
+            <a:chExt cx="66960" cy="58680"/>
+          </a:xfrm>
+        </p:grpSpPr>
+        <mc:AlternateContent xmlns:mc="http://schemas.openxmlformats.org/markup-compatibility/2006" xmlns:p14="http://schemas.microsoft.com/office/powerpoint/2010/main">
+          <mc:Choice Requires="p14">
+            <p:contentPart p14:bwMode="auto" r:id="rId31">
+              <p14:nvContentPartPr>
+                <p14:cNvPr id="30" name="Ink 29">
+                  <a:extLst>
+                    <a:ext uri="{FF2B5EF4-FFF2-40B4-BE49-F238E27FC236}">
+                      <a16:creationId xmlns:a16="http://schemas.microsoft.com/office/drawing/2014/main" id="{46E19B05-9686-5FAA-E017-E729152E52DE}"/>
+                    </a:ext>
+                  </a:extLst>
+                </p14:cNvPr>
+                <p14:cNvContentPartPr/>
+                <p14:nvPr/>
+              </p14:nvContentPartPr>
+              <p14:xfrm>
+                <a:off x="7750180" y="4095225"/>
+                <a:ext cx="56880" cy="29160"/>
+              </p14:xfrm>
+            </p:contentPart>
+          </mc:Choice>
+          <mc:Fallback xmlns="">
+            <p:pic>
+              <p:nvPicPr>
+                <p:cNvPr id="30" name="Ink 29">
+                  <a:extLst>
+                    <a:ext uri="{FF2B5EF4-FFF2-40B4-BE49-F238E27FC236}">
+                      <a16:creationId xmlns:a16="http://schemas.microsoft.com/office/drawing/2014/main" id="{46E19B05-9686-5FAA-E017-E729152E52DE}"/>
+                    </a:ext>
+                  </a:extLst>
+                </p:cNvPr>
+                <p:cNvPicPr/>
+                <p:nvPr/>
+              </p:nvPicPr>
+              <p:blipFill>
+                <a:blip r:embed="rId32"/>
+                <a:stretch>
+                  <a:fillRect/>
+                </a:stretch>
+              </p:blipFill>
+              <p:spPr>
+                <a:xfrm>
+                  <a:off x="7744060" y="4089105"/>
+                  <a:ext cx="69120" cy="41400"/>
+                </a:xfrm>
+                <a:prstGeom prst="rect">
+                  <a:avLst/>
+                </a:prstGeom>
+              </p:spPr>
+            </p:pic>
+          </mc:Fallback>
+        </mc:AlternateContent>
+        <mc:AlternateContent xmlns:mc="http://schemas.openxmlformats.org/markup-compatibility/2006" xmlns:p14="http://schemas.microsoft.com/office/powerpoint/2010/main">
+          <mc:Choice Requires="p14">
+            <p:contentPart p14:bwMode="auto" r:id="rId33">
+              <p14:nvContentPartPr>
+                <p14:cNvPr id="31" name="Ink 30">
+                  <a:extLst>
+                    <a:ext uri="{FF2B5EF4-FFF2-40B4-BE49-F238E27FC236}">
+                      <a16:creationId xmlns:a16="http://schemas.microsoft.com/office/drawing/2014/main" id="{B0767582-E13A-5773-DA71-E6266E0D178A}"/>
+                    </a:ext>
+                  </a:extLst>
+                </p14:cNvPr>
+                <p14:cNvContentPartPr/>
+                <p14:nvPr/>
+              </p14:nvContentPartPr>
+              <p14:xfrm>
+                <a:off x="7756300" y="4133745"/>
+                <a:ext cx="60840" cy="20160"/>
+              </p14:xfrm>
+            </p:contentPart>
+          </mc:Choice>
+          <mc:Fallback xmlns="">
+            <p:pic>
+              <p:nvPicPr>
+                <p:cNvPr id="31" name="Ink 30">
+                  <a:extLst>
+                    <a:ext uri="{FF2B5EF4-FFF2-40B4-BE49-F238E27FC236}">
+                      <a16:creationId xmlns:a16="http://schemas.microsoft.com/office/drawing/2014/main" id="{B0767582-E13A-5773-DA71-E6266E0D178A}"/>
+                    </a:ext>
+                  </a:extLst>
+                </p:cNvPr>
+                <p:cNvPicPr/>
+                <p:nvPr/>
+              </p:nvPicPr>
+              <p:blipFill>
+                <a:blip r:embed="rId34"/>
+                <a:stretch>
+                  <a:fillRect/>
+                </a:stretch>
+              </p:blipFill>
+              <p:spPr>
+                <a:xfrm>
+                  <a:off x="7750180" y="4127625"/>
+                  <a:ext cx="73080" cy="32400"/>
+                </a:xfrm>
+                <a:prstGeom prst="rect">
+                  <a:avLst/>
+                </a:prstGeom>
+              </p:spPr>
+            </p:pic>
+          </mc:Fallback>
+        </mc:AlternateContent>
+        <mc:AlternateContent xmlns:mc="http://schemas.openxmlformats.org/markup-compatibility/2006" xmlns:p14="http://schemas.microsoft.com/office/powerpoint/2010/main">
+          <mc:Choice Requires="p14">
+            <p:contentPart p14:bwMode="auto" r:id="rId35">
+              <p14:nvContentPartPr>
+                <p14:cNvPr id="33" name="Ink 32">
+                  <a:extLst>
+                    <a:ext uri="{FF2B5EF4-FFF2-40B4-BE49-F238E27FC236}">
+                      <a16:creationId xmlns:a16="http://schemas.microsoft.com/office/drawing/2014/main" id="{E837654B-45BE-837C-B8CF-C3A5B8696581}"/>
+                    </a:ext>
+                  </a:extLst>
+                </p14:cNvPr>
+                <p14:cNvContentPartPr/>
+                <p14:nvPr/>
+              </p14:nvContentPartPr>
+              <p14:xfrm>
+                <a:off x="7784380" y="4127625"/>
+                <a:ext cx="16920" cy="15840"/>
+              </p14:xfrm>
+            </p:contentPart>
+          </mc:Choice>
+          <mc:Fallback xmlns="">
+            <p:pic>
+              <p:nvPicPr>
+                <p:cNvPr id="33" name="Ink 32">
+                  <a:extLst>
+                    <a:ext uri="{FF2B5EF4-FFF2-40B4-BE49-F238E27FC236}">
+                      <a16:creationId xmlns:a16="http://schemas.microsoft.com/office/drawing/2014/main" id="{E837654B-45BE-837C-B8CF-C3A5B8696581}"/>
+                    </a:ext>
+                  </a:extLst>
+                </p:cNvPr>
+                <p:cNvPicPr/>
+                <p:nvPr/>
+              </p:nvPicPr>
+              <p:blipFill>
+                <a:blip r:embed="rId36"/>
+                <a:stretch>
+                  <a:fillRect/>
+                </a:stretch>
+              </p:blipFill>
+              <p:spPr>
+                <a:xfrm>
+                  <a:off x="7778260" y="4121505"/>
+                  <a:ext cx="29160" cy="28080"/>
+                </a:xfrm>
+                <a:prstGeom prst="rect">
+                  <a:avLst/>
+                </a:prstGeom>
+              </p:spPr>
+            </p:pic>
+          </mc:Fallback>
+        </mc:AlternateContent>
+      </p:grpSp>
+      <p:sp>
+        <p:nvSpPr>
+          <p:cNvPr id="12" name="Lige forbindelse 11">
+            <a:extLst>
+              <a:ext uri="{FF2B5EF4-FFF2-40B4-BE49-F238E27FC236}">
+                <a16:creationId xmlns:a16="http://schemas.microsoft.com/office/drawing/2014/main" id="{9CDFA30A-8243-4BC6-A2A9-56E9F8899E33}"/>
+              </a:ext>
+            </a:extLst>
+          </p:cNvPr>
+          <p:cNvSpPr/>
+          <p:nvPr/>
+        </p:nvSpPr>
         <p:spPr>
-          <a:xfrm>
-            <a:off x="7378180" y="2103437"/>
-            <a:ext cx="4483686" cy="3795713"/>
+          <a:xfrm rot="9229923" flipV="1">
+            <a:off x="8273194" y="4455630"/>
+            <a:ext cx="1454853" cy="92407"/>
           </a:xfrm>
-          <a:prstGeom prst="rect">
+          <a:prstGeom prst="line">
             <a:avLst/>
           </a:prstGeom>
+          <a:solidFill>
+            <a:srgbClr val="66CC00">
+              <a:alpha val="5000"/>
+            </a:srgbClr>
+          </a:solidFill>
+          <a:ln w="12600">
+            <a:solidFill>
+              <a:srgbClr val="66CC00"/>
+            </a:solidFill>
+          </a:ln>
         </p:spPr>
-      </p:pic>
+        <p:style>
+          <a:lnRef idx="1">
+            <a:schemeClr val="accent1"/>
+          </a:lnRef>
+          <a:fillRef idx="0">
+            <a:schemeClr val="accent1"/>
+          </a:fillRef>
+          <a:effectRef idx="0">
+            <a:schemeClr val="accent1"/>
+          </a:effectRef>
+          <a:fontRef idx="minor">
+            <a:schemeClr val="tx1"/>
+          </a:fontRef>
+        </p:style>
+        <p:txBody>
+          <a:bodyPr wrap="none" rtlCol="0" anchor="ctr" anchorCtr="1"/>
+          <a:lstStyle/>
+          <a:p>
+            <a:endParaRPr lang="en-US">
+              <a:solidFill>
+                <a:srgbClr val="66CC00"/>
+              </a:solidFill>
+            </a:endParaRPr>
+          </a:p>
+        </p:txBody>
+      </p:sp>
+      <p:sp>
+        <p:nvSpPr>
+          <p:cNvPr id="15" name="Łącznik prosty 14">
+            <a:extLst>
+              <a:ext uri="{FF2B5EF4-FFF2-40B4-BE49-F238E27FC236}">
+                <a16:creationId xmlns:a16="http://schemas.microsoft.com/office/drawing/2014/main" id="{34291140-2CB7-4F79-89C0-34F45E494598}"/>
+              </a:ext>
+            </a:extLst>
+          </p:cNvPr>
+          <p:cNvSpPr/>
+          <p:nvPr/>
+        </p:nvSpPr>
+        <p:spPr>
+          <a:xfrm rot="5400000">
+            <a:off x="8912183" y="4882170"/>
+            <a:ext cx="1463040" cy="0"/>
+          </a:xfrm>
+          <a:prstGeom prst="line">
+            <a:avLst/>
+          </a:prstGeom>
+          <a:solidFill>
+            <a:srgbClr val="66CC00">
+              <a:alpha val="5000"/>
+            </a:srgbClr>
+          </a:solidFill>
+          <a:ln w="12600">
+            <a:solidFill>
+              <a:srgbClr val="66CC00"/>
+            </a:solidFill>
+          </a:ln>
+        </p:spPr>
+        <p:style>
+          <a:lnRef idx="1">
+            <a:schemeClr val="accent1"/>
+          </a:lnRef>
+          <a:fillRef idx="0">
+            <a:schemeClr val="accent1"/>
+          </a:fillRef>
+          <a:effectRef idx="0">
+            <a:schemeClr val="accent1"/>
+          </a:effectRef>
+          <a:fontRef idx="minor">
+            <a:schemeClr val="tx1"/>
+          </a:fontRef>
+        </p:style>
+        <p:txBody>
+          <a:bodyPr wrap="none" rtlCol="0" anchor="ctr" anchorCtr="1"/>
+          <a:lstStyle/>
+          <a:p>
+            <a:endParaRPr lang="en-US">
+              <a:solidFill>
+                <a:srgbClr val="66CC00"/>
+              </a:solidFill>
+            </a:endParaRPr>
+          </a:p>
+        </p:txBody>
+      </p:sp>
+      <p:sp>
+        <p:nvSpPr>
+          <p:cNvPr id="47" name="Łącznik prosty 14">
+            <a:extLst>
+              <a:ext uri="{FF2B5EF4-FFF2-40B4-BE49-F238E27FC236}">
+                <a16:creationId xmlns:a16="http://schemas.microsoft.com/office/drawing/2014/main" id="{CC3B12C6-71EF-6733-DDB1-E0DA7915BE0E}"/>
+              </a:ext>
+            </a:extLst>
+          </p:cNvPr>
+          <p:cNvSpPr/>
+          <p:nvPr/>
+        </p:nvSpPr>
+        <p:spPr>
+          <a:xfrm rot="5400000">
+            <a:off x="8912183" y="3362033"/>
+            <a:ext cx="1463040" cy="0"/>
+          </a:xfrm>
+          <a:prstGeom prst="line">
+            <a:avLst/>
+          </a:prstGeom>
+          <a:solidFill>
+            <a:srgbClr val="66CC00">
+              <a:alpha val="5000"/>
+            </a:srgbClr>
+          </a:solidFill>
+          <a:ln w="12600">
+            <a:solidFill>
+              <a:srgbClr val="66CC00"/>
+            </a:solidFill>
+          </a:ln>
+        </p:spPr>
+        <p:style>
+          <a:lnRef idx="1">
+            <a:schemeClr val="accent1"/>
+          </a:lnRef>
+          <a:fillRef idx="0">
+            <a:schemeClr val="accent1"/>
+          </a:fillRef>
+          <a:effectRef idx="0">
+            <a:schemeClr val="accent1"/>
+          </a:effectRef>
+          <a:fontRef idx="minor">
+            <a:schemeClr val="tx1"/>
+          </a:fontRef>
+        </p:style>
+        <p:txBody>
+          <a:bodyPr wrap="none" rtlCol="0" anchor="ctr" anchorCtr="1"/>
+          <a:lstStyle/>
+          <a:p>
+            <a:endParaRPr lang="en-US">
+              <a:solidFill>
+                <a:srgbClr val="66CC00"/>
+              </a:solidFill>
+            </a:endParaRPr>
+          </a:p>
+        </p:txBody>
+      </p:sp>
+      <p:sp>
+        <p:nvSpPr>
+          <p:cNvPr id="20" name="Rak koppling 19">
+            <a:extLst>
+              <a:ext uri="{FF2B5EF4-FFF2-40B4-BE49-F238E27FC236}">
+                <a16:creationId xmlns:a16="http://schemas.microsoft.com/office/drawing/2014/main" id="{79CFE733-3CB0-4EA4-87E3-AFD5A2627B87}"/>
+              </a:ext>
+            </a:extLst>
+          </p:cNvPr>
+          <p:cNvSpPr/>
+          <p:nvPr/>
+        </p:nvSpPr>
+        <p:spPr>
+          <a:xfrm rot="-9260444">
+            <a:off x="8277286" y="3704569"/>
+            <a:ext cx="1485906" cy="95187"/>
+          </a:xfrm>
+          <a:prstGeom prst="line">
+            <a:avLst/>
+          </a:prstGeom>
+          <a:solidFill>
+            <a:srgbClr val="66CC00">
+              <a:alpha val="5000"/>
+            </a:srgbClr>
+          </a:solidFill>
+          <a:ln w="12600">
+            <a:solidFill>
+              <a:srgbClr val="66CC00"/>
+            </a:solidFill>
+            <a:tailEnd type="arrow"/>
+          </a:ln>
+        </p:spPr>
+        <p:style>
+          <a:lnRef idx="1">
+            <a:schemeClr val="accent1"/>
+          </a:lnRef>
+          <a:fillRef idx="0">
+            <a:schemeClr val="accent1"/>
+          </a:fillRef>
+          <a:effectRef idx="0">
+            <a:schemeClr val="accent1"/>
+          </a:effectRef>
+          <a:fontRef idx="minor">
+            <a:schemeClr val="tx1"/>
+          </a:fontRef>
+        </p:style>
+        <p:txBody>
+          <a:bodyPr wrap="none" rtlCol="0" anchor="ctr" anchorCtr="1"/>
+          <a:lstStyle/>
+          <a:p>
+            <a:endParaRPr lang="en-US">
+              <a:solidFill>
+                <a:srgbClr val="66CC00"/>
+              </a:solidFill>
+            </a:endParaRPr>
+          </a:p>
+        </p:txBody>
+      </p:sp>
+      <p:sp>
+        <p:nvSpPr>
+          <p:cNvPr id="24" name="Straight Connector 23">
+            <a:extLst>
+              <a:ext uri="{FF2B5EF4-FFF2-40B4-BE49-F238E27FC236}">
+                <a16:creationId xmlns:a16="http://schemas.microsoft.com/office/drawing/2014/main" id="{291561B0-BBC8-433D-8245-AA8B11C598C8}"/>
+              </a:ext>
+            </a:extLst>
+          </p:cNvPr>
+          <p:cNvSpPr/>
+          <p:nvPr/>
+        </p:nvSpPr>
+        <p:spPr>
+          <a:xfrm rot="1739650" flipH="1" flipV="1">
+            <a:off x="9590931" y="4494021"/>
+            <a:ext cx="1426757" cy="25914"/>
+          </a:xfrm>
+          <a:prstGeom prst="line">
+            <a:avLst/>
+          </a:prstGeom>
+          <a:solidFill>
+            <a:srgbClr val="66CC00">
+              <a:alpha val="5000"/>
+            </a:srgbClr>
+          </a:solidFill>
+          <a:ln w="12600">
+            <a:solidFill>
+              <a:srgbClr val="66CC00"/>
+            </a:solidFill>
+            <a:headEnd type="arrow"/>
+          </a:ln>
+        </p:spPr>
+        <p:style>
+          <a:lnRef idx="1">
+            <a:schemeClr val="accent1"/>
+          </a:lnRef>
+          <a:fillRef idx="0">
+            <a:schemeClr val="accent1"/>
+          </a:fillRef>
+          <a:effectRef idx="0">
+            <a:schemeClr val="accent1"/>
+          </a:effectRef>
+          <a:fontRef idx="minor">
+            <a:schemeClr val="tx1"/>
+          </a:fontRef>
+        </p:style>
+        <p:txBody>
+          <a:bodyPr wrap="none" rtlCol="0" anchor="ctr" anchorCtr="1"/>
+          <a:lstStyle/>
+          <a:p>
+            <a:endParaRPr lang="it-IT">
+              <a:solidFill>
+                <a:srgbClr val="66CC00"/>
+              </a:solidFill>
+            </a:endParaRPr>
+          </a:p>
+        </p:txBody>
+      </p:sp>
+      <p:sp>
+        <p:nvSpPr>
+          <p:cNvPr id="27" name="Rak koppling 26">
+            <a:extLst>
+              <a:ext uri="{FF2B5EF4-FFF2-40B4-BE49-F238E27FC236}">
+                <a16:creationId xmlns:a16="http://schemas.microsoft.com/office/drawing/2014/main" id="{2E7B0273-1B8E-42D0-8658-F8E2C1B80A2B}"/>
+              </a:ext>
+            </a:extLst>
+          </p:cNvPr>
+          <p:cNvSpPr/>
+          <p:nvPr/>
+        </p:nvSpPr>
+        <p:spPr>
+          <a:xfrm rot="-1770992" flipV="1">
+            <a:off x="9589551" y="3724961"/>
+            <a:ext cx="1406124" cy="40368"/>
+          </a:xfrm>
+          <a:prstGeom prst="line">
+            <a:avLst/>
+          </a:prstGeom>
+          <a:solidFill>
+            <a:srgbClr val="66CC00">
+              <a:alpha val="5000"/>
+            </a:srgbClr>
+          </a:solidFill>
+          <a:ln w="12600">
+            <a:solidFill>
+              <a:srgbClr val="66CC00"/>
+            </a:solidFill>
+          </a:ln>
+        </p:spPr>
+        <p:style>
+          <a:lnRef idx="1">
+            <a:schemeClr val="accent1"/>
+          </a:lnRef>
+          <a:fillRef idx="0">
+            <a:schemeClr val="accent1"/>
+          </a:fillRef>
+          <a:effectRef idx="0">
+            <a:schemeClr val="accent1"/>
+          </a:effectRef>
+          <a:fontRef idx="minor">
+            <a:schemeClr val="tx1"/>
+          </a:fontRef>
+        </p:style>
+        <p:txBody>
+          <a:bodyPr wrap="none" rtlCol="0" anchor="ctr" anchorCtr="1"/>
+          <a:lstStyle/>
+          <a:p>
+            <a:endParaRPr lang="fr-FR">
+              <a:solidFill>
+                <a:srgbClr val="66CC00"/>
+              </a:solidFill>
+            </a:endParaRPr>
+          </a:p>
+        </p:txBody>
+      </p:sp>
     </p:spTree>
     <p:extLst>
       <p:ext uri="{BB962C8B-B14F-4D97-AF65-F5344CB8AC3E}">
@@ -5607,6 +7507,122 @@
           <p:cNvPr id="2" name="Title 1">
             <a:extLst>
               <a:ext uri="{FF2B5EF4-FFF2-40B4-BE49-F238E27FC236}">
+                <a16:creationId xmlns:a16="http://schemas.microsoft.com/office/drawing/2014/main" id="{403A4C87-9893-B092-39AB-4477F719ECAE}"/>
+              </a:ext>
+            </a:extLst>
+          </p:cNvPr>
+          <p:cNvSpPr>
+            <a:spLocks noGrp="1"/>
+          </p:cNvSpPr>
+          <p:nvPr>
+            <p:ph type="title"/>
+          </p:nvPr>
+        </p:nvSpPr>
+        <p:spPr/>
+        <p:txBody>
+          <a:bodyPr/>
+          <a:lstStyle/>
+          <a:p>
+            <a:r>
+              <a:rPr lang="en-US" dirty="0"/>
+              <a:t>NPP Control Methods</a:t>
+            </a:r>
+          </a:p>
+        </p:txBody>
+      </p:sp>
+      <p:sp>
+        <p:nvSpPr>
+          <p:cNvPr id="3" name="Content Placeholder 2">
+            <a:extLst>
+              <a:ext uri="{FF2B5EF4-FFF2-40B4-BE49-F238E27FC236}">
+                <a16:creationId xmlns:a16="http://schemas.microsoft.com/office/drawing/2014/main" id="{45F997D2-4CBD-ACDF-D6DF-B159D6C0BDDA}"/>
+              </a:ext>
+            </a:extLst>
+          </p:cNvPr>
+          <p:cNvSpPr>
+            <a:spLocks noGrp="1"/>
+          </p:cNvSpPr>
+          <p:nvPr>
+            <p:ph idx="1"/>
+          </p:nvPr>
+        </p:nvSpPr>
+        <p:spPr/>
+        <p:txBody>
+          <a:bodyPr/>
+          <a:lstStyle/>
+          <a:p>
+            <a:r>
+              <a:rPr lang="en-US" b="1" u="sng" dirty="0"/>
+              <a:t>Nearest Triangular Vector (NTV) Method</a:t>
+            </a:r>
+          </a:p>
+        </p:txBody>
+      </p:sp>
+      <p:pic>
+        <p:nvPicPr>
+          <p:cNvPr id="7" name="Picture 6">
+            <a:extLst>
+              <a:ext uri="{FF2B5EF4-FFF2-40B4-BE49-F238E27FC236}">
+                <a16:creationId xmlns:a16="http://schemas.microsoft.com/office/drawing/2014/main" id="{108378BE-3149-1C2F-75DF-354B59A0953B}"/>
+              </a:ext>
+            </a:extLst>
+          </p:cNvPr>
+          <p:cNvPicPr>
+            <a:picLocks noChangeAspect="1"/>
+          </p:cNvPicPr>
+          <p:nvPr/>
+        </p:nvPicPr>
+        <p:blipFill>
+          <a:blip r:embed="rId2"/>
+          <a:stretch>
+            <a:fillRect/>
+          </a:stretch>
+        </p:blipFill>
+        <p:spPr>
+          <a:xfrm>
+            <a:off x="6255830" y="2236275"/>
+            <a:ext cx="5097970" cy="3530038"/>
+          </a:xfrm>
+          <a:prstGeom prst="rect">
+            <a:avLst/>
+          </a:prstGeom>
+        </p:spPr>
+      </p:pic>
+    </p:spTree>
+    <p:extLst>
+      <p:ext uri="{BB962C8B-B14F-4D97-AF65-F5344CB8AC3E}">
+        <p14:creationId xmlns:p14="http://schemas.microsoft.com/office/powerpoint/2010/main" val="4251071234"/>
+      </p:ext>
+    </p:extLst>
+  </p:cSld>
+  <p:clrMapOvr>
+    <a:masterClrMapping/>
+  </p:clrMapOvr>
+</p:sld>
+</file>
+
+<file path=ppt/slides/slide18.xml><?xml version="1.0" encoding="utf-8"?>
+<p:sld xmlns:a="http://schemas.openxmlformats.org/drawingml/2006/main" xmlns:r="http://schemas.openxmlformats.org/officeDocument/2006/relationships" xmlns:p="http://schemas.openxmlformats.org/presentationml/2006/main">
+  <p:cSld>
+    <p:spTree>
+      <p:nvGrpSpPr>
+        <p:cNvPr id="1" name=""/>
+        <p:cNvGrpSpPr/>
+        <p:nvPr/>
+      </p:nvGrpSpPr>
+      <p:grpSpPr>
+        <a:xfrm>
+          <a:off x="0" y="0"/>
+          <a:ext cx="0" cy="0"/>
+          <a:chOff x="0" y="0"/>
+          <a:chExt cx="0" cy="0"/>
+        </a:xfrm>
+      </p:grpSpPr>
+      <p:sp>
+        <p:nvSpPr>
+          <p:cNvPr id="2" name="Title 1">
+            <a:extLst>
+              <a:ext uri="{FF2B5EF4-FFF2-40B4-BE49-F238E27FC236}">
                 <a16:creationId xmlns:a16="http://schemas.microsoft.com/office/drawing/2014/main" id="{C0B6F29A-CCED-ECEC-EF14-47B3C6A8037A}"/>
               </a:ext>
             </a:extLst>
@@ -5671,7 +7687,7 @@
 </p:sld>
 </file>
 
-<file path=ppt/slides/slide18.xml><?xml version="1.0" encoding="utf-8"?>
+<file path=ppt/slides/slide19.xml><?xml version="1.0" encoding="utf-8"?>
 <p:sld xmlns:a="http://schemas.openxmlformats.org/drawingml/2006/main" xmlns:r="http://schemas.openxmlformats.org/officeDocument/2006/relationships" xmlns:p="http://schemas.openxmlformats.org/presentationml/2006/main">
   <p:cSld>
     <p:spTree>
@@ -6617,12 +8633,12 @@
                     <a:p>
                       <a:pPr algn="l" fontAlgn="b"/>
                       <a:r>
-                        <a:rPr lang="tr-TR" sz="2800" u="none" strike="noStrike">
+                        <a:rPr lang="tr-TR" sz="2800" u="none" strike="noStrike" dirty="0">
                           <a:effectLst/>
                         </a:rPr>
                         <a:t>ON</a:t>
                       </a:r>
-                      <a:endParaRPr lang="tr-TR" sz="2800" b="1" i="0" u="none" strike="noStrike">
+                      <a:endParaRPr lang="tr-TR" sz="2800" b="1" i="0" u="none" strike="noStrike" dirty="0">
                         <a:solidFill>
                           <a:srgbClr val="000000"/>
                         </a:solidFill>

--- a/Reports/3-Level NPC Inverter Structure.pptx
+++ b/Reports/3-Level NPC Inverter Structure.pptx
@@ -691,7 +691,7 @@
           <a:p>
             <a:fld id="{D7963EEE-CD05-4B93-88CA-FDA20F9E9653}" type="datetimeFigureOut">
               <a:rPr lang="en-US" smtClean="0"/>
-              <a:t>21-Mar-24</a:t>
+              <a:t>13-Apr-24</a:t>
             </a:fld>
             <a:endParaRPr lang="en-US"/>
           </a:p>
@@ -1191,7 +1191,7 @@
           <a:p>
             <a:fld id="{69002B11-2462-4824-BA85-40F0AE5821C0}" type="datetimeFigureOut">
               <a:rPr lang="tr-TR" smtClean="0"/>
-              <a:t>21.03.2024</a:t>
+              <a:t>13.04.2024</a:t>
             </a:fld>
             <a:endParaRPr lang="tr-TR"/>
           </a:p>
@@ -1391,7 +1391,7 @@
           <a:p>
             <a:fld id="{69002B11-2462-4824-BA85-40F0AE5821C0}" type="datetimeFigureOut">
               <a:rPr lang="tr-TR" smtClean="0"/>
-              <a:t>21.03.2024</a:t>
+              <a:t>13.04.2024</a:t>
             </a:fld>
             <a:endParaRPr lang="tr-TR"/>
           </a:p>
@@ -1601,7 +1601,7 @@
           <a:p>
             <a:fld id="{69002B11-2462-4824-BA85-40F0AE5821C0}" type="datetimeFigureOut">
               <a:rPr lang="tr-TR" smtClean="0"/>
-              <a:t>21.03.2024</a:t>
+              <a:t>13.04.2024</a:t>
             </a:fld>
             <a:endParaRPr lang="tr-TR"/>
           </a:p>
@@ -1801,7 +1801,7 @@
           <a:p>
             <a:fld id="{69002B11-2462-4824-BA85-40F0AE5821C0}" type="datetimeFigureOut">
               <a:rPr lang="tr-TR" smtClean="0"/>
-              <a:t>21.03.2024</a:t>
+              <a:t>13.04.2024</a:t>
             </a:fld>
             <a:endParaRPr lang="tr-TR"/>
           </a:p>
@@ -2077,7 +2077,7 @@
           <a:p>
             <a:fld id="{69002B11-2462-4824-BA85-40F0AE5821C0}" type="datetimeFigureOut">
               <a:rPr lang="tr-TR" smtClean="0"/>
-              <a:t>21.03.2024</a:t>
+              <a:t>13.04.2024</a:t>
             </a:fld>
             <a:endParaRPr lang="tr-TR"/>
           </a:p>
@@ -2345,7 +2345,7 @@
           <a:p>
             <a:fld id="{69002B11-2462-4824-BA85-40F0AE5821C0}" type="datetimeFigureOut">
               <a:rPr lang="tr-TR" smtClean="0"/>
-              <a:t>21.03.2024</a:t>
+              <a:t>13.04.2024</a:t>
             </a:fld>
             <a:endParaRPr lang="tr-TR"/>
           </a:p>
@@ -2760,7 +2760,7 @@
           <a:p>
             <a:fld id="{69002B11-2462-4824-BA85-40F0AE5821C0}" type="datetimeFigureOut">
               <a:rPr lang="tr-TR" smtClean="0"/>
-              <a:t>21.03.2024</a:t>
+              <a:t>13.04.2024</a:t>
             </a:fld>
             <a:endParaRPr lang="tr-TR"/>
           </a:p>
@@ -2902,7 +2902,7 @@
           <a:p>
             <a:fld id="{69002B11-2462-4824-BA85-40F0AE5821C0}" type="datetimeFigureOut">
               <a:rPr lang="tr-TR" smtClean="0"/>
-              <a:t>21.03.2024</a:t>
+              <a:t>13.04.2024</a:t>
             </a:fld>
             <a:endParaRPr lang="tr-TR"/>
           </a:p>
@@ -3015,7 +3015,7 @@
           <a:p>
             <a:fld id="{69002B11-2462-4824-BA85-40F0AE5821C0}" type="datetimeFigureOut">
               <a:rPr lang="tr-TR" smtClean="0"/>
-              <a:t>21.03.2024</a:t>
+              <a:t>13.04.2024</a:t>
             </a:fld>
             <a:endParaRPr lang="tr-TR"/>
           </a:p>
@@ -3328,7 +3328,7 @@
           <a:p>
             <a:fld id="{69002B11-2462-4824-BA85-40F0AE5821C0}" type="datetimeFigureOut">
               <a:rPr lang="tr-TR" smtClean="0"/>
-              <a:t>21.03.2024</a:t>
+              <a:t>13.04.2024</a:t>
             </a:fld>
             <a:endParaRPr lang="tr-TR"/>
           </a:p>
@@ -3617,7 +3617,7 @@
           <a:p>
             <a:fld id="{69002B11-2462-4824-BA85-40F0AE5821C0}" type="datetimeFigureOut">
               <a:rPr lang="tr-TR" smtClean="0"/>
-              <a:t>21.03.2024</a:t>
+              <a:t>13.04.2024</a:t>
             </a:fld>
             <a:endParaRPr lang="tr-TR"/>
           </a:p>
@@ -3860,7 +3860,7 @@
           <a:p>
             <a:fld id="{69002B11-2462-4824-BA85-40F0AE5821C0}" type="datetimeFigureOut">
               <a:rPr lang="tr-TR" smtClean="0"/>
-              <a:t>21.03.2024</a:t>
+              <a:t>13.04.2024</a:t>
             </a:fld>
             <a:endParaRPr lang="tr-TR"/>
           </a:p>
@@ -10022,7 +10022,15 @@
             </a:r>
             <a:r>
               <a:rPr lang="en-US" dirty="0"/>
-              <a:t>Output voltage: Vdc/2. (voltage difference between node and neutral point)</a:t>
+              <a:t>Output voltage: Vdc/2. (voltage difference between node and neutral point) Top two switches are </a:t>
+            </a:r>
+            <a:r>
+              <a:rPr lang="en-US" b="1" dirty="0"/>
+              <a:t>ON</a:t>
+            </a:r>
+            <a:r>
+              <a:rPr lang="en-US" dirty="0"/>
+              <a:t>.</a:t>
             </a:r>
           </a:p>
           <a:p>
@@ -10038,7 +10046,15 @@
             </a:r>
             <a:r>
               <a:rPr lang="en-US" dirty="0"/>
-              <a:t>Middle switches are ON. Output voltage is 0.</a:t>
+              <a:t>Middle switches are </a:t>
+            </a:r>
+            <a:r>
+              <a:rPr lang="en-US" b="1" dirty="0"/>
+              <a:t>ON</a:t>
+            </a:r>
+            <a:r>
+              <a:rPr lang="en-US" dirty="0"/>
+              <a:t>. Output voltage is 0.</a:t>
             </a:r>
           </a:p>
           <a:p>
@@ -10054,7 +10070,15 @@
             </a:r>
             <a:r>
               <a:rPr lang="en-US" dirty="0"/>
-              <a:t>Bottom 2 switches are ON. Output voltage: -Vdc/2</a:t>
+              <a:t>Bottom 2 switches are </a:t>
+            </a:r>
+            <a:r>
+              <a:rPr lang="en-US" b="1" dirty="0"/>
+              <a:t>ON</a:t>
+            </a:r>
+            <a:r>
+              <a:rPr lang="en-US" dirty="0"/>
+              <a:t>. Output voltage: -Vdc/2</a:t>
             </a:r>
             <a:endParaRPr lang="tr-TR" dirty="0"/>
           </a:p>
@@ -10446,7 +10470,7 @@
           <a:p>
             <a:r>
               <a:rPr lang="en-US" dirty="0"/>
-              <a:t>Six major regions. Each major regions have six sub regions.</a:t>
+              <a:t>Six major regions. Each major regions have six sub-regions.</a:t>
             </a:r>
           </a:p>
         </p:txBody>
@@ -10496,7 +10520,7 @@
           <p:nvPr>
             <p:extLst>
               <p:ext uri="{D42A27DB-BD31-4B8C-83A1-F6EECF244321}">
-                <p14:modId xmlns:p14="http://schemas.microsoft.com/office/powerpoint/2010/main" val="141309601"/>
+                <p14:modId xmlns:p14="http://schemas.microsoft.com/office/powerpoint/2010/main" val="2044569708"/>
               </p:ext>
             </p:extLst>
           </p:nvPr>
@@ -10770,12 +10794,12 @@
                     <a:p>
                       <a:pPr algn="l" fontAlgn="b"/>
                       <a:r>
-                        <a:rPr lang="en-US" sz="1100" u="none" strike="noStrike">
+                        <a:rPr lang="en-US" sz="1100" u="none" strike="noStrike" dirty="0">
                           <a:effectLst/>
                         </a:rPr>
-                        <a:t>PNN</a:t>
+                        <a:t>POO/ONN</a:t>
                       </a:r>
-                      <a:endParaRPr lang="en-US" sz="1100" b="0" i="0" u="none" strike="noStrike">
+                      <a:endParaRPr lang="en-US" sz="1100" b="0" i="0" u="none" strike="noStrike" dirty="0">
                         <a:solidFill>
                           <a:srgbClr val="000000"/>
                         </a:solidFill>
@@ -10892,18 +10916,15 @@
                     <a:p>
                       <a:pPr algn="l" fontAlgn="b"/>
                       <a:r>
-                        <a:rPr lang="en-US" sz="1100" u="none" strike="noStrike">
+                        <a:rPr lang="en-US" sz="1100" b="0" i="0" u="none" strike="noStrike" dirty="0">
+                          <a:solidFill>
+                            <a:srgbClr val="000000"/>
+                          </a:solidFill>
                           <a:effectLst/>
+                          <a:latin typeface="Calibri" panose="020F0502020204030204" pitchFamily="34" charset="0"/>
                         </a:rPr>
-                        <a:t>PPN</a:t>
+                        <a:t>OON/PPO</a:t>
                       </a:r>
-                      <a:endParaRPr lang="en-US" sz="1100" b="0" i="0" u="none" strike="noStrike">
-                        <a:solidFill>
-                          <a:srgbClr val="000000"/>
-                        </a:solidFill>
-                        <a:effectLst/>
-                        <a:latin typeface="Calibri" panose="020F0502020204030204" pitchFamily="34" charset="0"/>
-                      </a:endParaRPr>
                     </a:p>
                   </a:txBody>
                   <a:tcPr marL="6350" marR="6350" marT="6350" marB="0" anchor="b"/>
@@ -11014,12 +11035,12 @@
                     <a:p>
                       <a:pPr algn="l" fontAlgn="b"/>
                       <a:r>
-                        <a:rPr lang="en-US" sz="1100" u="none" strike="noStrike">
+                        <a:rPr lang="en-US" sz="1100" u="none" strike="noStrike" dirty="0">
                           <a:effectLst/>
                         </a:rPr>
-                        <a:t>NPN</a:t>
+                        <a:t>OPO/NON</a:t>
                       </a:r>
-                      <a:endParaRPr lang="en-US" sz="1100" b="0" i="0" u="none" strike="noStrike">
+                      <a:endParaRPr lang="en-US" sz="1100" b="0" i="0" u="none" strike="noStrike" dirty="0">
                         <a:solidFill>
                           <a:srgbClr val="000000"/>
                         </a:solidFill>
@@ -11136,12 +11157,12 @@
                     <a:p>
                       <a:pPr algn="l" fontAlgn="b"/>
                       <a:r>
-                        <a:rPr lang="en-US" sz="1100" u="none" strike="noStrike">
+                        <a:rPr lang="en-US" sz="1100" u="none" strike="noStrike" dirty="0">
                           <a:effectLst/>
                         </a:rPr>
-                        <a:t>NPP</a:t>
+                        <a:t>OPP/NOO</a:t>
                       </a:r>
-                      <a:endParaRPr lang="en-US" sz="1100" b="0" i="0" u="none" strike="noStrike">
+                      <a:endParaRPr lang="en-US" sz="1100" b="0" i="0" u="none" strike="noStrike" dirty="0">
                         <a:solidFill>
                           <a:srgbClr val="000000"/>
                         </a:solidFill>
@@ -11258,12 +11279,12 @@
                     <a:p>
                       <a:pPr algn="l" fontAlgn="b"/>
                       <a:r>
-                        <a:rPr lang="en-US" sz="1100" u="none" strike="noStrike">
+                        <a:rPr lang="en-US" sz="1100" u="none" strike="noStrike" dirty="0">
                           <a:effectLst/>
                         </a:rPr>
-                        <a:t>NNP</a:t>
+                        <a:t>OOP/NNO</a:t>
                       </a:r>
-                      <a:endParaRPr lang="en-US" sz="1100" b="0" i="0" u="none" strike="noStrike">
+                      <a:endParaRPr lang="en-US" sz="1100" b="0" i="0" u="none" strike="noStrike" dirty="0">
                         <a:solidFill>
                           <a:srgbClr val="000000"/>
                         </a:solidFill>
@@ -11383,7 +11404,7 @@
                         <a:rPr lang="en-US" sz="1100" u="none" strike="noStrike" dirty="0">
                           <a:effectLst/>
                         </a:rPr>
-                        <a:t>PNP</a:t>
+                        <a:t>POP/ONO</a:t>
                       </a:r>
                       <a:endParaRPr lang="en-US" sz="1100" b="0" i="0" u="none" strike="noStrike" dirty="0">
                         <a:solidFill>
